--- a/documents/情報処理学会TANGXIAO_20170312.pptx
+++ b/documents/情報処理学会TANGXIAO_20170312.pptx
@@ -1,11 +1,11 @@
 
 <file path=ppt/presentation.xml><?xml version="1.0" encoding="utf-8"?>
-<p:presentation xmlns:a="http://schemas.openxmlformats.org/drawingml/2006/main" xmlns:r="http://schemas.openxmlformats.org/officeDocument/2006/relationships" xmlns:p="http://schemas.openxmlformats.org/presentationml/2006/main" saveSubsetFonts="1">
+<p:presentation xmlns:a="http://schemas.openxmlformats.org/drawingml/2006/main" xmlns:r="http://schemas.openxmlformats.org/officeDocument/2006/relationships" xmlns:p="http://schemas.openxmlformats.org/presentationml/2006/main" showSpecialPlsOnTitleSld="0" saveSubsetFonts="1">
   <p:sldMasterIdLst>
     <p:sldMasterId id="2147483648" r:id="rId1"/>
   </p:sldMasterIdLst>
   <p:notesMasterIdLst>
-    <p:notesMasterId r:id="rId22"/>
+    <p:notesMasterId r:id="rId23"/>
   </p:notesMasterIdLst>
   <p:sldIdLst>
     <p:sldId id="256" r:id="rId2"/>
@@ -24,10 +24,11 @@
     <p:sldId id="280" r:id="rId15"/>
     <p:sldId id="283" r:id="rId16"/>
     <p:sldId id="285" r:id="rId17"/>
-    <p:sldId id="286" r:id="rId18"/>
-    <p:sldId id="287" r:id="rId19"/>
-    <p:sldId id="266" r:id="rId20"/>
-    <p:sldId id="289" r:id="rId21"/>
+    <p:sldId id="292" r:id="rId18"/>
+    <p:sldId id="286" r:id="rId19"/>
+    <p:sldId id="287" r:id="rId20"/>
+    <p:sldId id="266" r:id="rId21"/>
+    <p:sldId id="289" r:id="rId22"/>
   </p:sldIdLst>
   <p:sldSz cx="12192000" cy="6858000"/>
   <p:notesSz cx="6858000" cy="9144000"/>
@@ -135,9 +136,9 @@
 </file>
 
 <file path=ppt/charts/chart1.xml><?xml version="1.0" encoding="utf-8"?>
-<c:chartSpace xmlns:c="http://schemas.openxmlformats.org/drawingml/2006/chart" xmlns:a="http://schemas.openxmlformats.org/drawingml/2006/main" xmlns:r="http://schemas.openxmlformats.org/officeDocument/2006/relationships" xmlns:c16r2="http://schemas.microsoft.com/office/drawing/2015/06/chart">
+<c:chartSpace xmlns:c="http://schemas.openxmlformats.org/drawingml/2006/chart" xmlns:a="http://schemas.openxmlformats.org/drawingml/2006/main" xmlns:r="http://schemas.openxmlformats.org/officeDocument/2006/relationships">
   <c:date1904 val="0"/>
-  <c:lang val="zh-CN"/>
+  <c:lang val="ja-JP"/>
   <c:roundedCorners val="0"/>
   <mc:AlternateContent xmlns:mc="http://schemas.openxmlformats.org/markup-compatibility/2006">
     <mc:Choice xmlns:c14="http://schemas.microsoft.com/office/drawing/2007/8/2/chart" Requires="c14">
@@ -218,7 +219,7 @@
               <a:cs typeface="+mn-cs"/>
             </a:defRPr>
           </a:pPr>
-          <a:endParaRPr lang="en-US"/>
+          <a:endParaRPr lang="zh-CN"/>
         </a:p>
       </c:txPr>
     </c:title>
@@ -301,7 +302,7 @@
                     <a:cs typeface="+mn-cs"/>
                   </a:defRPr>
                 </a:pPr>
-                <a:endParaRPr lang="en-US"/>
+                <a:endParaRPr lang="zh-CN"/>
               </a:p>
             </c:txPr>
             <c:dLblPos val="outEnd"/>
@@ -312,8 +313,9 @@
             <c:showPercent val="0"/>
             <c:showBubbleSize val="0"/>
             <c:showLeaderLines val="0"/>
-            <c:extLst>
+            <c:extLst xmlns:c16r2="http://schemas.microsoft.com/office/drawing/2015/06/chart">
               <c:ext xmlns:c15="http://schemas.microsoft.com/office/drawing/2012/chart" uri="{CE6537A1-D6FC-4f65-9D91-7224C49458BB}">
+                <c15:layout/>
                 <c15:showLeaderLines val="1"/>
                 <c15:leaderLines>
                   <c:spPr>
@@ -357,7 +359,7 @@
               </c:numCache>
             </c:numRef>
           </c:val>
-          <c:extLst>
+          <c:extLst xmlns:c16r2="http://schemas.microsoft.com/office/drawing/2015/06/chart">
             <c:ext xmlns:c16="http://schemas.microsoft.com/office/drawing/2014/chart" uri="{C3380CC4-5D6E-409C-BE32-E72D297353CC}">
               <c16:uniqueId val="{00000000-7773-4CB9-B6B8-DB616D87F2E1}"/>
             </c:ext>
@@ -435,7 +437,7 @@
                     <a:cs typeface="+mn-cs"/>
                   </a:defRPr>
                 </a:pPr>
-                <a:endParaRPr lang="en-US"/>
+                <a:endParaRPr lang="zh-CN"/>
               </a:p>
             </c:txPr>
             <c:dLblPos val="outEnd"/>
@@ -446,8 +448,9 @@
             <c:showPercent val="0"/>
             <c:showBubbleSize val="0"/>
             <c:showLeaderLines val="0"/>
-            <c:extLst>
+            <c:extLst xmlns:c16r2="http://schemas.microsoft.com/office/drawing/2015/06/chart">
               <c:ext xmlns:c15="http://schemas.microsoft.com/office/drawing/2012/chart" uri="{CE6537A1-D6FC-4f65-9D91-7224C49458BB}">
+                <c15:layout/>
                 <c15:showLeaderLines val="1"/>
                 <c15:leaderLines>
                   <c:spPr>
@@ -491,7 +494,7 @@
               </c:numCache>
             </c:numRef>
           </c:val>
-          <c:extLst>
+          <c:extLst xmlns:c16r2="http://schemas.microsoft.com/office/drawing/2015/06/chart">
             <c:ext xmlns:c16="http://schemas.microsoft.com/office/drawing/2014/chart" uri="{C3380CC4-5D6E-409C-BE32-E72D297353CC}">
               <c16:uniqueId val="{00000001-7773-4CB9-B6B8-DB616D87F2E1}"/>
             </c:ext>
@@ -507,11 +510,11 @@
         </c:dLbls>
         <c:gapWidth val="100"/>
         <c:overlap val="-24"/>
-        <c:axId val="-1768539600"/>
-        <c:axId val="-1768551024"/>
+        <c:axId val="453321168"/>
+        <c:axId val="453322800"/>
       </c:barChart>
       <c:catAx>
-        <c:axId val="-1768539600"/>
+        <c:axId val="453321168"/>
         <c:scaling>
           <c:orientation val="minMax"/>
         </c:scaling>
@@ -579,7 +582,7 @@
                   <a:cs typeface="+mn-cs"/>
                 </a:defRPr>
               </a:pPr>
-              <a:endParaRPr lang="en-US"/>
+              <a:endParaRPr lang="zh-CN"/>
             </a:p>
           </c:txPr>
         </c:title>
@@ -587,7 +590,7 @@
         <c:majorTickMark val="none"/>
         <c:minorTickMark val="none"/>
         <c:tickLblPos val="nextTo"/>
-        <c:crossAx val="-1768551024"/>
+        <c:crossAx val="453322800"/>
         <c:crosses val="autoZero"/>
         <c:auto val="1"/>
         <c:lblAlgn val="ctr"/>
@@ -595,7 +598,7 @@
         <c:noMultiLvlLbl val="0"/>
       </c:catAx>
       <c:valAx>
-        <c:axId val="-1768551024"/>
+        <c:axId val="453322800"/>
         <c:scaling>
           <c:orientation val="minMax"/>
         </c:scaling>
@@ -638,6 +641,7 @@
               </a:p>
             </c:rich>
           </c:tx>
+          <c:layout/>
           <c:overlay val="0"/>
           <c:spPr>
             <a:noFill/>
@@ -660,7 +664,7 @@
                   <a:cs typeface="+mn-cs"/>
                 </a:defRPr>
               </a:pPr>
-              <a:endParaRPr lang="en-US"/>
+              <a:endParaRPr lang="zh-CN"/>
             </a:p>
           </c:txPr>
         </c:title>
@@ -689,10 +693,10 @@
                 <a:cs typeface="+mn-cs"/>
               </a:defRPr>
             </a:pPr>
-            <a:endParaRPr lang="en-US"/>
+            <a:endParaRPr lang="zh-CN"/>
           </a:p>
         </c:txPr>
-        <c:crossAx val="-1768539600"/>
+        <c:crossAx val="453321168"/>
         <c:crosses val="autoZero"/>
         <c:crossBetween val="between"/>
       </c:valAx>
@@ -706,6 +710,7 @@
     </c:plotArea>
     <c:legend>
       <c:legendPos val="b"/>
+      <c:layout/>
       <c:overlay val="0"/>
       <c:spPr>
         <a:noFill/>
@@ -728,7 +733,7 @@
               <a:cs typeface="+mn-cs"/>
             </a:defRPr>
           </a:pPr>
-          <a:endParaRPr lang="en-US"/>
+          <a:endParaRPr lang="zh-CN"/>
         </a:p>
       </c:txPr>
     </c:legend>
@@ -750,7 +755,7 @@
       <a:pPr>
         <a:defRPr sz="1200"/>
       </a:pPr>
-      <a:endParaRPr lang="en-US"/>
+      <a:endParaRPr lang="zh-CN"/>
     </a:p>
   </c:txPr>
   <c:externalData r:id="rId3">
@@ -2153,8 +2158,8 @@
               <a:t>Push, Target</a:t>
             </a:r>
             <a:r>
-              <a:rPr lang="ja-JP" altLang="en-US" dirty="0" err="1"/>
-              <a:t>のを</a:t>
+              <a:rPr lang="ja-JP" altLang="en-US" dirty="0" smtClean="0"/>
+              <a:t>の情報を</a:t>
             </a:r>
             <a:r>
               <a:rPr lang="en-US" altLang="ja-JP" dirty="0"/>
@@ -2969,36 +2974,62 @@
           <a:p>
             <a:r>
               <a:rPr lang="ja-JP" altLang="en-US" dirty="0"/>
-              <a:t>実験</a:t>
+              <a:t>本研究の評価実験では、先行研究で使われた地図とベンチマーク地図を用いました。</a:t>
+            </a:r>
+            <a:endParaRPr lang="en-US" altLang="ja-JP" dirty="0"/>
+          </a:p>
+          <a:p>
+            <a:r>
+              <a:rPr lang="ja-JP" altLang="en-US" dirty="0"/>
+              <a:t>大きさは</a:t>
             </a:r>
             <a:r>
               <a:rPr lang="en-US" altLang="ja-JP" dirty="0"/>
-              <a:t>1</a:t>
+              <a:t>10</a:t>
             </a:r>
             <a:r>
               <a:rPr lang="ja-JP" altLang="en-US" dirty="0"/>
-              <a:t>は従来手法より提案手法の高速化の割合となります。</a:t>
-            </a:r>
-            <a:endParaRPr lang="en-US" altLang="ja-JP" dirty="0"/>
-          </a:p>
-          <a:p>
+              <a:t>タイル</a:t>
+            </a:r>
+            <a:r>
+              <a:rPr lang="en-US" altLang="ja-JP" dirty="0"/>
+              <a:t>*10</a:t>
+            </a:r>
             <a:r>
               <a:rPr lang="ja-JP" altLang="en-US" dirty="0"/>
-              <a:t>二つのパーサと一つのターゲット、実験回数は地図の大きさによって違います。</a:t>
-            </a:r>
-            <a:endParaRPr lang="en-US" altLang="ja-JP" dirty="0"/>
-          </a:p>
-          <a:p>
+              <a:t>タイル、</a:t>
+            </a:r>
+            <a:r>
+              <a:rPr lang="en-US" altLang="ja-JP" dirty="0"/>
+              <a:t>12</a:t>
+            </a:r>
             <a:r>
               <a:rPr lang="ja-JP" altLang="en-US" dirty="0"/>
-              <a:t>地図の初期状態にエージェントの位置はランダムです。</a:t>
-            </a:r>
-            <a:endParaRPr lang="en-US" altLang="ja-JP" dirty="0"/>
-          </a:p>
-          <a:p>
+              <a:t>タイル</a:t>
+            </a:r>
+            <a:r>
+              <a:rPr lang="en-US" altLang="ja-JP" dirty="0"/>
+              <a:t>*10</a:t>
+            </a:r>
             <a:r>
               <a:rPr lang="ja-JP" altLang="en-US" dirty="0"/>
-              <a:t>こちらのテーブルの結果のように、高速化ができたことがわかりました。</a:t>
+              <a:t>タイル、</a:t>
+            </a:r>
+            <a:r>
+              <a:rPr lang="en-US" altLang="ja-JP" dirty="0"/>
+              <a:t>40</a:t>
+            </a:r>
+            <a:r>
+              <a:rPr lang="ja-JP" altLang="en-US" dirty="0"/>
+              <a:t>タイル</a:t>
+            </a:r>
+            <a:r>
+              <a:rPr lang="en-US" altLang="ja-JP" dirty="0"/>
+              <a:t>*40</a:t>
+            </a:r>
+            <a:r>
+              <a:rPr lang="ja-JP" altLang="en-US" dirty="0"/>
+              <a:t>タイルです。</a:t>
             </a:r>
             <a:endParaRPr lang="en-US" altLang="ja-JP" dirty="0"/>
           </a:p>
@@ -3030,7 +3061,7 @@
     </p:spTree>
     <p:extLst>
       <p:ext uri="{BB962C8B-B14F-4D97-AF65-F5344CB8AC3E}">
-        <p14:creationId xmlns:p14="http://schemas.microsoft.com/office/powerpoint/2010/main" val="2579333316"/>
+        <p14:creationId xmlns:p14="http://schemas.microsoft.com/office/powerpoint/2010/main" val="2036406401"/>
       </p:ext>
     </p:extLst>
   </p:cSld>
@@ -3090,19 +3121,11 @@
             </a:r>
             <a:r>
               <a:rPr lang="en-US" altLang="ja-JP" dirty="0"/>
-              <a:t>2</a:t>
+              <a:t>1</a:t>
             </a:r>
             <a:r>
               <a:rPr lang="ja-JP" altLang="en-US" dirty="0"/>
-              <a:t>は従来手法より実応用手法</a:t>
-            </a:r>
-            <a:r>
-              <a:rPr lang="en-US" altLang="ja-JP" dirty="0"/>
-              <a:t>A star algorithm</a:t>
-            </a:r>
-            <a:r>
-              <a:rPr lang="ja-JP" altLang="en-US" dirty="0"/>
-              <a:t>の比較実験となります。</a:t>
+              <a:t>は従来手法より提案手法の高速化の割合となります。</a:t>
             </a:r>
             <a:endParaRPr lang="en-US" altLang="ja-JP" dirty="0"/>
           </a:p>
@@ -3123,12 +3146,9 @@
           <a:p>
             <a:r>
               <a:rPr lang="ja-JP" altLang="en-US" dirty="0"/>
-              <a:t>こちらのテーブルの結果のように、成功率が大部上がったことがわかりました。</a:t>
+              <a:t>こちらのテーブルの結果のように、高速化ができたことがわかりました。</a:t>
             </a:r>
             <a:endParaRPr lang="en-US" altLang="ja-JP" dirty="0"/>
-          </a:p>
-          <a:p>
-            <a:endParaRPr lang="zh-CN" altLang="en-US" dirty="0"/>
           </a:p>
         </p:txBody>
       </p:sp>
@@ -3158,7 +3178,7 @@
     </p:spTree>
     <p:extLst>
       <p:ext uri="{BB962C8B-B14F-4D97-AF65-F5344CB8AC3E}">
-        <p14:creationId xmlns:p14="http://schemas.microsoft.com/office/powerpoint/2010/main" val="3454160738"/>
+        <p14:creationId xmlns:p14="http://schemas.microsoft.com/office/powerpoint/2010/main" val="2579333316"/>
       </p:ext>
     </p:extLst>
   </p:cSld>
@@ -3212,6 +3232,50 @@
           <a:bodyPr/>
           <a:lstStyle/>
           <a:p>
+            <a:r>
+              <a:rPr lang="ja-JP" altLang="en-US" dirty="0"/>
+              <a:t>実験</a:t>
+            </a:r>
+            <a:r>
+              <a:rPr lang="en-US" altLang="ja-JP" dirty="0"/>
+              <a:t>2</a:t>
+            </a:r>
+            <a:r>
+              <a:rPr lang="ja-JP" altLang="en-US" dirty="0"/>
+              <a:t>は従来手法より実応用手法</a:t>
+            </a:r>
+            <a:r>
+              <a:rPr lang="en-US" altLang="ja-JP" dirty="0"/>
+              <a:t>A star algorithm</a:t>
+            </a:r>
+            <a:r>
+              <a:rPr lang="ja-JP" altLang="en-US" dirty="0"/>
+              <a:t>の比較実験となります。</a:t>
+            </a:r>
+            <a:endParaRPr lang="en-US" altLang="ja-JP" dirty="0"/>
+          </a:p>
+          <a:p>
+            <a:r>
+              <a:rPr lang="ja-JP" altLang="en-US" dirty="0"/>
+              <a:t>二つのパーサと一つのターゲット、実験回数は地図の大きさによって違います。</a:t>
+            </a:r>
+            <a:endParaRPr lang="en-US" altLang="ja-JP" dirty="0"/>
+          </a:p>
+          <a:p>
+            <a:r>
+              <a:rPr lang="ja-JP" altLang="en-US" dirty="0"/>
+              <a:t>地図の初期状態にエージェントの位置はランダムです。</a:t>
+            </a:r>
+            <a:endParaRPr lang="en-US" altLang="ja-JP" dirty="0"/>
+          </a:p>
+          <a:p>
+            <a:r>
+              <a:rPr lang="ja-JP" altLang="en-US" dirty="0"/>
+              <a:t>こちらのテーブルの結果のように、成功率が大部上がったことがわかりました。</a:t>
+            </a:r>
+            <a:endParaRPr lang="en-US" altLang="ja-JP" dirty="0"/>
+          </a:p>
+          <a:p>
             <a:endParaRPr lang="zh-CN" altLang="en-US" dirty="0"/>
           </a:p>
         </p:txBody>
@@ -3242,7 +3306,7 @@
     </p:spTree>
     <p:extLst>
       <p:ext uri="{BB962C8B-B14F-4D97-AF65-F5344CB8AC3E}">
-        <p14:creationId xmlns:p14="http://schemas.microsoft.com/office/powerpoint/2010/main" val="2025880271"/>
+        <p14:creationId xmlns:p14="http://schemas.microsoft.com/office/powerpoint/2010/main" val="3454160738"/>
       </p:ext>
     </p:extLst>
   </p:cSld>
@@ -3414,6 +3478,90 @@
     </p:spTree>
     <p:extLst>
       <p:ext uri="{BB962C8B-B14F-4D97-AF65-F5344CB8AC3E}">
+        <p14:creationId xmlns:p14="http://schemas.microsoft.com/office/powerpoint/2010/main" val="2025880271"/>
+      </p:ext>
+    </p:extLst>
+  </p:cSld>
+  <p:clrMapOvr>
+    <a:masterClrMapping/>
+  </p:clrMapOvr>
+</p:notes>
+</file>
+
+<file path=ppt/notesSlides/notesSlide21.xml><?xml version="1.0" encoding="utf-8"?>
+<p:notes xmlns:a="http://schemas.openxmlformats.org/drawingml/2006/main" xmlns:r="http://schemas.openxmlformats.org/officeDocument/2006/relationships" xmlns:p="http://schemas.openxmlformats.org/presentationml/2006/main">
+  <p:cSld>
+    <p:spTree>
+      <p:nvGrpSpPr>
+        <p:cNvPr id="1" name=""/>
+        <p:cNvGrpSpPr/>
+        <p:nvPr/>
+      </p:nvGrpSpPr>
+      <p:grpSpPr>
+        <a:xfrm>
+          <a:off x="0" y="0"/>
+          <a:ext cx="0" cy="0"/>
+          <a:chOff x="0" y="0"/>
+          <a:chExt cx="0" cy="0"/>
+        </a:xfrm>
+      </p:grpSpPr>
+      <p:sp>
+        <p:nvSpPr>
+          <p:cNvPr id="2" name="スライド イメージ プレースホルダー 1"/>
+          <p:cNvSpPr>
+            <a:spLocks noGrp="1" noRot="1" noChangeAspect="1"/>
+          </p:cNvSpPr>
+          <p:nvPr>
+            <p:ph type="sldImg"/>
+          </p:nvPr>
+        </p:nvSpPr>
+        <p:spPr/>
+      </p:sp>
+      <p:sp>
+        <p:nvSpPr>
+          <p:cNvPr id="3" name="ノート プレースホルダー 2"/>
+          <p:cNvSpPr>
+            <a:spLocks noGrp="1"/>
+          </p:cNvSpPr>
+          <p:nvPr>
+            <p:ph type="body" idx="1"/>
+          </p:nvPr>
+        </p:nvSpPr>
+        <p:spPr/>
+        <p:txBody>
+          <a:bodyPr/>
+          <a:lstStyle/>
+          <a:p>
+            <a:endParaRPr lang="zh-CN" altLang="en-US" dirty="0"/>
+          </a:p>
+        </p:txBody>
+      </p:sp>
+      <p:sp>
+        <p:nvSpPr>
+          <p:cNvPr id="4" name="スライド番号プレースホルダー 3"/>
+          <p:cNvSpPr>
+            <a:spLocks noGrp="1"/>
+          </p:cNvSpPr>
+          <p:nvPr>
+            <p:ph type="sldNum" sz="quarter" idx="10"/>
+          </p:nvPr>
+        </p:nvSpPr>
+        <p:spPr/>
+        <p:txBody>
+          <a:bodyPr/>
+          <a:lstStyle/>
+          <a:p>
+            <a:fld id="{09AD0E92-B48E-45B2-A01B-1B466D239D16}" type="slidenum">
+              <a:rPr lang="en-US" smtClean="0"/>
+              <a:t>21</a:t>
+            </a:fld>
+            <a:endParaRPr lang="en-US"/>
+          </a:p>
+        </p:txBody>
+      </p:sp>
+    </p:spTree>
+    <p:extLst>
+      <p:ext uri="{BB962C8B-B14F-4D97-AF65-F5344CB8AC3E}">
         <p14:creationId xmlns:p14="http://schemas.microsoft.com/office/powerpoint/2010/main" val="654128394"/>
       </p:ext>
     </p:extLst>
@@ -3470,197 +3618,74 @@
           <a:p>
             <a:r>
               <a:rPr lang="ja-JP" altLang="en-US" dirty="0"/>
-              <a:t>まず、研究背景を紹介いたします。</a:t>
-            </a:r>
-            <a:endParaRPr lang="en-US" altLang="ja-JP" dirty="0"/>
-          </a:p>
-          <a:p>
-            <a:r>
-              <a:rPr lang="ja-JP" altLang="en-US" dirty="0"/>
-              <a:t>現実世界に、オオカミが成長し、</a:t>
-            </a:r>
-            <a:r>
-              <a:rPr lang="zh-CN" altLang="en-US" sz="1200" b="0" i="0" kern="1200" dirty="0">
-                <a:solidFill>
-                  <a:schemeClr val="tx1"/>
-                </a:solidFill>
-                <a:effectLst/>
-                <a:latin typeface="+mn-lt"/>
-                <a:ea typeface="+mn-ea"/>
-                <a:cs typeface="+mn-cs"/>
-              </a:rPr>
-              <a:t>群</a:t>
-            </a:r>
-            <a:r>
-              <a:rPr lang="ja-JP" altLang="en-US" sz="1200" b="0" i="0" kern="1200" dirty="0">
-                <a:solidFill>
-                  <a:schemeClr val="tx1"/>
-                </a:solidFill>
-                <a:effectLst/>
-                <a:latin typeface="+mn-lt"/>
-                <a:ea typeface="+mn-ea"/>
-                <a:cs typeface="+mn-cs"/>
-              </a:rPr>
-              <a:t>れ</a:t>
-            </a:r>
-            <a:r>
-              <a:rPr lang="ja-JP" altLang="en-US" dirty="0"/>
-              <a:t>活動により獲物を捕獲することができます。ゲームの中にも複数のプレーヤが協力し敵を捕獲することがあります。</a:t>
-            </a:r>
-            <a:endParaRPr lang="en-US" altLang="ja-JP" dirty="0"/>
-          </a:p>
-          <a:p>
-            <a:r>
-              <a:rPr lang="ja-JP" altLang="en-US" dirty="0"/>
-              <a:t>こちら、複数のパーサが単一移動対象をサーチすることが</a:t>
-            </a:r>
-            <a:r>
-              <a:rPr lang="en-US" altLang="ja-JP" dirty="0"/>
-              <a:t>Moving Target Search</a:t>
-            </a:r>
-            <a:r>
-              <a:rPr lang="ja-JP" altLang="en-US" dirty="0"/>
-              <a:t>と定義されています。</a:t>
-            </a:r>
-            <a:endParaRPr lang="en-US" altLang="ja-JP" dirty="0"/>
-          </a:p>
-          <a:p>
-            <a:r>
-              <a:rPr lang="en-US" altLang="ja-JP" dirty="0"/>
-              <a:t>Pacman</a:t>
-            </a:r>
-            <a:r>
-              <a:rPr lang="ja-JP" altLang="en-US" dirty="0"/>
-              <a:t>ゲームをご覧ください。人が操作する</a:t>
-            </a:r>
-            <a:r>
-              <a:rPr lang="en-US" altLang="ja-JP" dirty="0" err="1"/>
-              <a:t>pacman</a:t>
-            </a:r>
-            <a:r>
-              <a:rPr lang="ja-JP" altLang="en-US" dirty="0"/>
-              <a:t>がクリッド地図上で四つのゴーストを逃げながら高ければ高いほどポイントをゲットするゲームです。</a:t>
-            </a:r>
-            <a:endParaRPr lang="en-US" altLang="ja-JP" dirty="0"/>
-          </a:p>
-          <a:p>
-            <a:pPr marL="0" marR="0" lvl="0" indent="0" algn="l" defTabSz="914400" rtl="0" eaLnBrk="1" fontAlgn="auto" latinLnBrk="0" hangingPunct="1">
-              <a:lnSpc>
-                <a:spcPct val="100000"/>
-              </a:lnSpc>
-              <a:spcBef>
-                <a:spcPts val="0"/>
-              </a:spcBef>
-              <a:spcAft>
-                <a:spcPts val="0"/>
-              </a:spcAft>
-              <a:buClrTx/>
-              <a:buSzTx/>
-              <a:buFontTx/>
-              <a:buNone/>
-              <a:tabLst/>
-              <a:defRPr/>
-            </a:pPr>
-            <a:r>
-              <a:rPr lang="ja-JP" altLang="en-US" dirty="0"/>
-              <a:t>本研究の目的は</a:t>
-            </a:r>
-            <a:r>
-              <a:rPr lang="ja-JP" altLang="en-US" dirty="0">
-                <a:latin typeface="メイリオ" panose="020B0604030504040204" pitchFamily="50" charset="-128"/>
-                <a:ea typeface="メイリオ" panose="020B0604030504040204" pitchFamily="50" charset="-128"/>
-                <a:cs typeface="Times New Roman" panose="02020603050405020304" pitchFamily="18" charset="0"/>
-              </a:rPr>
-              <a:t>マルチエージェントが協調して、単一移動対象に対する高速で有効な探索方法を研究することで、ゴーストがマルチエージェント、</a:t>
-            </a:r>
-            <a:r>
-              <a:rPr lang="en-US" altLang="ja-JP" dirty="0">
-                <a:latin typeface="メイリオ" panose="020B0604030504040204" pitchFamily="50" charset="-128"/>
-                <a:ea typeface="メイリオ" panose="020B0604030504040204" pitchFamily="50" charset="-128"/>
-                <a:cs typeface="Times New Roman" panose="02020603050405020304" pitchFamily="18" charset="0"/>
-              </a:rPr>
-              <a:t>Pacman</a:t>
-            </a:r>
-            <a:r>
-              <a:rPr lang="ja-JP" altLang="en-US" dirty="0">
-                <a:latin typeface="メイリオ" panose="020B0604030504040204" pitchFamily="50" charset="-128"/>
-                <a:ea typeface="メイリオ" panose="020B0604030504040204" pitchFamily="50" charset="-128"/>
-                <a:cs typeface="Times New Roman" panose="02020603050405020304" pitchFamily="18" charset="0"/>
-              </a:rPr>
-              <a:t>が単一移動対象。</a:t>
-            </a:r>
-            <a:endParaRPr lang="en-US" altLang="ja-JP" dirty="0">
-              <a:latin typeface="メイリオ" panose="020B0604030504040204" pitchFamily="50" charset="-128"/>
-              <a:ea typeface="メイリオ" panose="020B0604030504040204" pitchFamily="50" charset="-128"/>
-              <a:cs typeface="Times New Roman" panose="02020603050405020304" pitchFamily="18" charset="0"/>
-            </a:endParaRPr>
-          </a:p>
-          <a:p>
-            <a:pPr marL="0" marR="0" lvl="0" indent="0" algn="l" defTabSz="914400" rtl="0" eaLnBrk="1" fontAlgn="auto" latinLnBrk="0" hangingPunct="1">
-              <a:lnSpc>
-                <a:spcPct val="100000"/>
-              </a:lnSpc>
-              <a:spcBef>
-                <a:spcPts val="0"/>
-              </a:spcBef>
-              <a:spcAft>
-                <a:spcPts val="0"/>
-              </a:spcAft>
-              <a:buClrTx/>
-              <a:buSzTx/>
-              <a:buFontTx/>
-              <a:buNone/>
-              <a:tabLst/>
-              <a:defRPr/>
-            </a:pPr>
-            <a:r>
-              <a:rPr lang="ja-JP" altLang="en-US" dirty="0">
-                <a:latin typeface="メイリオ" panose="020B0604030504040204" pitchFamily="50" charset="-128"/>
-                <a:ea typeface="メイリオ" panose="020B0604030504040204" pitchFamily="50" charset="-128"/>
-                <a:cs typeface="Times New Roman" panose="02020603050405020304" pitchFamily="18" charset="0"/>
-              </a:rPr>
-              <a:t>すなわち、</a:t>
-            </a:r>
-            <a:r>
-              <a:rPr lang="en-US" altLang="ja-JP" dirty="0">
-                <a:latin typeface="メイリオ" panose="020B0604030504040204" pitchFamily="50" charset="-128"/>
-                <a:ea typeface="メイリオ" panose="020B0604030504040204" pitchFamily="50" charset="-128"/>
-                <a:cs typeface="Times New Roman" panose="02020603050405020304" pitchFamily="18" charset="0"/>
-              </a:rPr>
-              <a:t>Pacman</a:t>
-            </a:r>
-            <a:r>
-              <a:rPr lang="ja-JP" altLang="en-US" dirty="0">
-                <a:latin typeface="メイリオ" panose="020B0604030504040204" pitchFamily="50" charset="-128"/>
-                <a:ea typeface="メイリオ" panose="020B0604030504040204" pitchFamily="50" charset="-128"/>
-                <a:cs typeface="Times New Roman" panose="02020603050405020304" pitchFamily="18" charset="0"/>
-              </a:rPr>
-              <a:t>ゲームと逆に、複数のゴーストを協調しながら、</a:t>
-            </a:r>
-            <a:r>
-              <a:rPr lang="en-US" altLang="ja-JP" dirty="0">
-                <a:latin typeface="メイリオ" panose="020B0604030504040204" pitchFamily="50" charset="-128"/>
-                <a:ea typeface="メイリオ" panose="020B0604030504040204" pitchFamily="50" charset="-128"/>
-                <a:cs typeface="Times New Roman" panose="02020603050405020304" pitchFamily="18" charset="0"/>
-              </a:rPr>
-              <a:t>Pacman</a:t>
-            </a:r>
-            <a:r>
-              <a:rPr lang="ja-JP" altLang="en-US" dirty="0">
-                <a:latin typeface="メイリオ" panose="020B0604030504040204" pitchFamily="50" charset="-128"/>
-                <a:ea typeface="メイリオ" panose="020B0604030504040204" pitchFamily="50" charset="-128"/>
-                <a:cs typeface="Times New Roman" panose="02020603050405020304" pitchFamily="18" charset="0"/>
-              </a:rPr>
-              <a:t>を捕獲することです。</a:t>
-            </a:r>
-            <a:endParaRPr lang="en-US" altLang="zh-CN" dirty="0">
-              <a:latin typeface="メイリオ" panose="020B0604030504040204" pitchFamily="50" charset="-128"/>
-              <a:ea typeface="メイリオ" panose="020B0604030504040204" pitchFamily="50" charset="-128"/>
-              <a:cs typeface="Times New Roman" panose="02020603050405020304" pitchFamily="18" charset="0"/>
-            </a:endParaRPr>
-          </a:p>
-          <a:p>
-            <a:endParaRPr lang="en-US" altLang="ja-JP" dirty="0"/>
+              <a:t>まず、研究背景を紹介いたします</a:t>
+            </a:r>
+            <a:r>
+              <a:rPr lang="ja-JP" altLang="en-US" dirty="0" smtClean="0"/>
+              <a:t>。</a:t>
+            </a:r>
+            <a:endParaRPr lang="en-US" altLang="ja-JP" dirty="0" smtClean="0"/>
+          </a:p>
+          <a:p>
+            <a:r>
+              <a:rPr lang="ja-JP" altLang="en-US" dirty="0" smtClean="0"/>
+              <a:t>スマートフォン、タブレット、</a:t>
+            </a:r>
+            <a:r>
+              <a:rPr lang="en-US" altLang="ja-JP" dirty="0" smtClean="0"/>
+              <a:t>PC</a:t>
+            </a:r>
+            <a:r>
+              <a:rPr lang="ja-JP" altLang="en-US" dirty="0" smtClean="0"/>
+              <a:t>などから構成されたグローバルゲーム市場の成長はこのようになっております。</a:t>
+            </a:r>
+            <a:endParaRPr lang="en-US" altLang="ja-JP" dirty="0" smtClean="0"/>
+          </a:p>
+          <a:p>
+            <a:r>
+              <a:rPr lang="ja-JP" altLang="en-US" dirty="0" smtClean="0"/>
+              <a:t>年平均</a:t>
+            </a:r>
+            <a:r>
+              <a:rPr lang="en-US" altLang="ja-JP" dirty="0" smtClean="0"/>
+              <a:t>6.6%</a:t>
+            </a:r>
+            <a:r>
+              <a:rPr lang="ja-JP" altLang="en-US" dirty="0" smtClean="0"/>
+              <a:t>の伸び率で成長し、</a:t>
+            </a:r>
+            <a:r>
+              <a:rPr lang="en-US" altLang="ja-JP" dirty="0" smtClean="0"/>
+              <a:t>2019</a:t>
+            </a:r>
+            <a:r>
+              <a:rPr lang="ja-JP" altLang="en-US" dirty="0" smtClean="0"/>
+              <a:t>年の市場は</a:t>
+            </a:r>
+            <a:r>
+              <a:rPr lang="en-US" altLang="ja-JP" dirty="0" smtClean="0"/>
+              <a:t>1186</a:t>
+            </a:r>
+            <a:r>
+              <a:rPr lang="ja-JP" altLang="en-US" dirty="0" smtClean="0"/>
+              <a:t>億ドル（</a:t>
+            </a:r>
+            <a:r>
+              <a:rPr lang="en-US" altLang="ja-JP" dirty="0" smtClean="0"/>
+              <a:t>11</a:t>
+            </a:r>
+            <a:r>
+              <a:rPr lang="ja-JP" altLang="en-US" dirty="0" smtClean="0"/>
+              <a:t>兆億エン超え）と予測されています。</a:t>
+            </a:r>
+            <a:endParaRPr lang="en-US" altLang="ja-JP" dirty="0" smtClean="0"/>
+          </a:p>
+          <a:p>
+            <a:r>
+              <a:rPr lang="ja-JP" altLang="en-US" dirty="0" smtClean="0"/>
+              <a:t>ゲーム市場が非常に高いスピードで発展していることがわかっています。</a:t>
+            </a:r>
+            <a:endParaRPr lang="en-US" altLang="ja-JP" dirty="0" smtClean="0"/>
           </a:p>
         </p:txBody>
       </p:sp>
@@ -3745,79 +3770,33 @@
           <a:lstStyle/>
           <a:p>
             <a:r>
-              <a:rPr lang="ja-JP" altLang="en-US" dirty="0"/>
-              <a:t>まず、研究背景を紹介いたします。</a:t>
-            </a:r>
-            <a:endParaRPr lang="en-US" altLang="ja-JP" dirty="0"/>
-          </a:p>
-          <a:p>
-            <a:r>
-              <a:rPr lang="ja-JP" altLang="en-US" dirty="0"/>
-              <a:t>現実世界に、オオカミが成長し、</a:t>
-            </a:r>
-            <a:r>
-              <a:rPr lang="zh-CN" altLang="en-US" sz="1200" b="0" i="0" kern="1200" dirty="0">
-                <a:solidFill>
-                  <a:schemeClr val="tx1"/>
-                </a:solidFill>
-                <a:effectLst/>
-                <a:latin typeface="+mn-lt"/>
-                <a:ea typeface="+mn-ea"/>
-                <a:cs typeface="+mn-cs"/>
-              </a:rPr>
-              <a:t>群</a:t>
-            </a:r>
-            <a:r>
-              <a:rPr lang="ja-JP" altLang="en-US" sz="1200" b="0" i="0" kern="1200" dirty="0">
-                <a:solidFill>
-                  <a:schemeClr val="tx1"/>
-                </a:solidFill>
-                <a:effectLst/>
-                <a:latin typeface="+mn-lt"/>
-                <a:ea typeface="+mn-ea"/>
-                <a:cs typeface="+mn-cs"/>
-              </a:rPr>
-              <a:t>れ</a:t>
-            </a:r>
-            <a:r>
-              <a:rPr lang="ja-JP" altLang="en-US" dirty="0"/>
-              <a:t>活動により獲物を捕獲することができます。ゲームの中にも複数のプレーヤが協力し敵を捕獲することがあります。</a:t>
-            </a:r>
-            <a:endParaRPr lang="en-US" altLang="ja-JP" dirty="0"/>
-          </a:p>
-          <a:p>
-            <a:r>
-              <a:rPr lang="ja-JP" altLang="en-US" dirty="0"/>
-              <a:t>こちら、複数のパーサが単一移動対象をサーチすることが</a:t>
-            </a:r>
-            <a:r>
-              <a:rPr lang="en-US" altLang="ja-JP" dirty="0"/>
-              <a:t>Moving Target Search</a:t>
-            </a:r>
-            <a:r>
-              <a:rPr lang="ja-JP" altLang="en-US" dirty="0"/>
-              <a:t>と定義されています。</a:t>
-            </a:r>
-            <a:endParaRPr lang="en-US" altLang="ja-JP" dirty="0"/>
-          </a:p>
-          <a:p>
-            <a:r>
-              <a:rPr lang="en-US" altLang="ja-JP" dirty="0"/>
+              <a:rPr lang="ja-JP" altLang="en-US" dirty="0" smtClean="0"/>
+              <a:t>こちらの図に示したのは、ゲーム業界に大きなインパクトを与えた</a:t>
+            </a:r>
+            <a:r>
+              <a:rPr lang="en-US" altLang="ja-JP" dirty="0" smtClean="0"/>
               <a:t>Pacman</a:t>
             </a:r>
             <a:r>
-              <a:rPr lang="ja-JP" altLang="en-US" dirty="0"/>
-              <a:t>ゲームをご覧ください。人が操作する</a:t>
-            </a:r>
-            <a:r>
-              <a:rPr lang="en-US" altLang="ja-JP" dirty="0" err="1"/>
-              <a:t>pacman</a:t>
-            </a:r>
-            <a:r>
-              <a:rPr lang="ja-JP" altLang="en-US" dirty="0"/>
-              <a:t>がクリッド地図上で四つのゴーストを逃げながら高ければ高いほどポイントをゲットするゲームです。</a:t>
-            </a:r>
-            <a:endParaRPr lang="en-US" altLang="ja-JP" dirty="0"/>
+              <a:rPr lang="ja-JP" altLang="en-US" dirty="0" smtClean="0"/>
+              <a:t>のゲームです。</a:t>
+            </a:r>
+            <a:endParaRPr lang="en-US" altLang="ja-JP" dirty="0" smtClean="0"/>
+          </a:p>
+          <a:p>
+            <a:r>
+              <a:rPr lang="ja-JP" altLang="en-US" dirty="0" smtClean="0"/>
+              <a:t>プレーヤが操作する</a:t>
+            </a:r>
+            <a:r>
+              <a:rPr lang="en-US" altLang="ja-JP" dirty="0" smtClean="0"/>
+              <a:t>Pacman</a:t>
+            </a:r>
+            <a:r>
+              <a:rPr lang="ja-JP" altLang="en-US" dirty="0" smtClean="0"/>
+              <a:t>がグリッド環境の地図上で複数のゴーストから逃げられますゲームです。</a:t>
+            </a:r>
+            <a:endParaRPr lang="en-US" altLang="ja-JP" dirty="0" smtClean="0"/>
           </a:p>
           <a:p>
             <a:pPr marL="0" marR="0" lvl="0" indent="0" algn="l" defTabSz="914400" rtl="0" eaLnBrk="1" fontAlgn="auto" latinLnBrk="0" hangingPunct="1">
@@ -3838,8 +3817,38 @@
               <a:defRPr/>
             </a:pPr>
             <a:r>
-              <a:rPr lang="ja-JP" altLang="en-US" dirty="0"/>
+              <a:rPr lang="ja-JP" altLang="en-US" dirty="0" smtClean="0"/>
+              <a:t>このようなマルチエージェントがターゲットをサーチする問題は</a:t>
+            </a:r>
+            <a:r>
+              <a:rPr lang="en-US" altLang="ja-JP" dirty="0" smtClean="0"/>
+              <a:t>Moving Target Search</a:t>
+            </a:r>
+            <a:r>
+              <a:rPr lang="ja-JP" altLang="en-US" dirty="0" smtClean="0"/>
+              <a:t>と定義されています。</a:t>
+            </a:r>
+            <a:endParaRPr lang="en-US" altLang="ja-JP" dirty="0" smtClean="0"/>
+          </a:p>
+          <a:p>
+            <a:r>
+              <a:rPr lang="ja-JP" altLang="en-US" dirty="0" smtClean="0"/>
+              <a:t>これもゲームにおいて代表的な課題となります。</a:t>
+            </a:r>
+            <a:endParaRPr lang="en-US" altLang="ja-JP" dirty="0" smtClean="0"/>
+          </a:p>
+          <a:p>
+            <a:r>
+              <a:rPr lang="ja-JP" altLang="en-US" dirty="0" smtClean="0"/>
               <a:t>本研究の目的は</a:t>
+            </a:r>
+            <a:r>
+              <a:rPr lang="ja-JP" altLang="en-US" dirty="0" smtClean="0">
+                <a:latin typeface="メイリオ" panose="020B0604030504040204" pitchFamily="50" charset="-128"/>
+                <a:ea typeface="メイリオ" panose="020B0604030504040204" pitchFamily="50" charset="-128"/>
+                <a:cs typeface="Times New Roman" panose="02020603050405020304" pitchFamily="18" charset="0"/>
+              </a:rPr>
+              <a:t>マルチエージェントが協調</a:t>
             </a:r>
             <a:r>
               <a:rPr lang="ja-JP" altLang="en-US" dirty="0">
@@ -3847,7 +3856,46 @@
                 <a:ea typeface="メイリオ" panose="020B0604030504040204" pitchFamily="50" charset="-128"/>
                 <a:cs typeface="Times New Roman" panose="02020603050405020304" pitchFamily="18" charset="0"/>
               </a:rPr>
-              <a:t>マルチエージェントが協調して、単一移動対象に対する高速で有効な探索方法を研究することで、ゴーストがマルチエージェント、</a:t>
+              <a:t>して、単一移動対象に対する高速で有効な探索方法を研究することで</a:t>
+            </a:r>
+            <a:r>
+              <a:rPr lang="ja-JP" altLang="en-US" dirty="0" smtClean="0">
+                <a:latin typeface="メイリオ" panose="020B0604030504040204" pitchFamily="50" charset="-128"/>
+                <a:ea typeface="メイリオ" panose="020B0604030504040204" pitchFamily="50" charset="-128"/>
+                <a:cs typeface="Times New Roman" panose="02020603050405020304" pitchFamily="18" charset="0"/>
+              </a:rPr>
+              <a:t>、</a:t>
+            </a:r>
+            <a:endParaRPr lang="en-US" altLang="ja-JP" dirty="0" smtClean="0">
+              <a:latin typeface="メイリオ" panose="020B0604030504040204" pitchFamily="50" charset="-128"/>
+              <a:ea typeface="メイリオ" panose="020B0604030504040204" pitchFamily="50" charset="-128"/>
+              <a:cs typeface="Times New Roman" panose="02020603050405020304" pitchFamily="18" charset="0"/>
+            </a:endParaRPr>
+          </a:p>
+          <a:p>
+            <a:r>
+              <a:rPr lang="en-US" altLang="ja-JP" dirty="0" smtClean="0">
+                <a:latin typeface="メイリオ" panose="020B0604030504040204" pitchFamily="50" charset="-128"/>
+                <a:ea typeface="メイリオ" panose="020B0604030504040204" pitchFamily="50" charset="-128"/>
+                <a:cs typeface="Times New Roman" panose="02020603050405020304" pitchFamily="18" charset="0"/>
+              </a:rPr>
+              <a:t>Pacman</a:t>
+            </a:r>
+            <a:r>
+              <a:rPr lang="ja-JP" altLang="en-US" dirty="0" smtClean="0">
+                <a:latin typeface="メイリオ" panose="020B0604030504040204" pitchFamily="50" charset="-128"/>
+                <a:ea typeface="メイリオ" panose="020B0604030504040204" pitchFamily="50" charset="-128"/>
+                <a:cs typeface="Times New Roman" panose="02020603050405020304" pitchFamily="18" charset="0"/>
+              </a:rPr>
+              <a:t>の例で、ゴースト</a:t>
+            </a:r>
+            <a:r>
+              <a:rPr lang="ja-JP" altLang="en-US" dirty="0">
+                <a:latin typeface="メイリオ" panose="020B0604030504040204" pitchFamily="50" charset="-128"/>
+                <a:ea typeface="メイリオ" panose="020B0604030504040204" pitchFamily="50" charset="-128"/>
+                <a:cs typeface="Times New Roman" panose="02020603050405020304" pitchFamily="18" charset="0"/>
+              </a:rPr>
+              <a:t>がマルチエージェント、</a:t>
             </a:r>
             <a:r>
               <a:rPr lang="en-US" altLang="ja-JP" dirty="0">
@@ -3863,79 +3911,16 @@
                 <a:ea typeface="メイリオ" panose="020B0604030504040204" pitchFamily="50" charset="-128"/>
                 <a:cs typeface="Times New Roman" panose="02020603050405020304" pitchFamily="18" charset="0"/>
               </a:rPr>
-              <a:t>が単一移動対象。</a:t>
-            </a:r>
-            <a:endParaRPr lang="en-US" altLang="ja-JP" dirty="0">
-              <a:latin typeface="メイリオ" panose="020B0604030504040204" pitchFamily="50" charset="-128"/>
-              <a:ea typeface="メイリオ" panose="020B0604030504040204" pitchFamily="50" charset="-128"/>
-              <a:cs typeface="Times New Roman" panose="02020603050405020304" pitchFamily="18" charset="0"/>
-            </a:endParaRPr>
-          </a:p>
-          <a:p>
-            <a:pPr marL="0" marR="0" lvl="0" indent="0" algn="l" defTabSz="914400" rtl="0" eaLnBrk="1" fontAlgn="auto" latinLnBrk="0" hangingPunct="1">
-              <a:lnSpc>
-                <a:spcPct val="100000"/>
-              </a:lnSpc>
-              <a:spcBef>
-                <a:spcPts val="0"/>
-              </a:spcBef>
-              <a:spcAft>
-                <a:spcPts val="0"/>
-              </a:spcAft>
-              <a:buClrTx/>
-              <a:buSzTx/>
-              <a:buFontTx/>
-              <a:buNone/>
-              <a:tabLst/>
-              <a:defRPr/>
-            </a:pPr>
-            <a:r>
-              <a:rPr lang="ja-JP" altLang="en-US" dirty="0">
+              <a:t>が単一移動対象</a:t>
+            </a:r>
+            <a:r>
+              <a:rPr lang="ja-JP" altLang="en-US" dirty="0" smtClean="0">
                 <a:latin typeface="メイリオ" panose="020B0604030504040204" pitchFamily="50" charset="-128"/>
                 <a:ea typeface="メイリオ" panose="020B0604030504040204" pitchFamily="50" charset="-128"/>
                 <a:cs typeface="Times New Roman" panose="02020603050405020304" pitchFamily="18" charset="0"/>
               </a:rPr>
-              <a:t>すなわち、</a:t>
-            </a:r>
-            <a:r>
-              <a:rPr lang="en-US" altLang="ja-JP" dirty="0">
-                <a:latin typeface="メイリオ" panose="020B0604030504040204" pitchFamily="50" charset="-128"/>
-                <a:ea typeface="メイリオ" panose="020B0604030504040204" pitchFamily="50" charset="-128"/>
-                <a:cs typeface="Times New Roman" panose="02020603050405020304" pitchFamily="18" charset="0"/>
-              </a:rPr>
-              <a:t>Pacman</a:t>
-            </a:r>
-            <a:r>
-              <a:rPr lang="ja-JP" altLang="en-US" dirty="0">
-                <a:latin typeface="メイリオ" panose="020B0604030504040204" pitchFamily="50" charset="-128"/>
-                <a:ea typeface="メイリオ" panose="020B0604030504040204" pitchFamily="50" charset="-128"/>
-                <a:cs typeface="Times New Roman" panose="02020603050405020304" pitchFamily="18" charset="0"/>
-              </a:rPr>
-              <a:t>ゲームと逆に、複数のゴーストを協調しながら、</a:t>
-            </a:r>
-            <a:r>
-              <a:rPr lang="en-US" altLang="ja-JP" dirty="0">
-                <a:latin typeface="メイリオ" panose="020B0604030504040204" pitchFamily="50" charset="-128"/>
-                <a:ea typeface="メイリオ" panose="020B0604030504040204" pitchFamily="50" charset="-128"/>
-                <a:cs typeface="Times New Roman" panose="02020603050405020304" pitchFamily="18" charset="0"/>
-              </a:rPr>
-              <a:t>Pacman</a:t>
-            </a:r>
-            <a:r>
-              <a:rPr lang="ja-JP" altLang="en-US" dirty="0">
-                <a:latin typeface="メイリオ" panose="020B0604030504040204" pitchFamily="50" charset="-128"/>
-                <a:ea typeface="メイリオ" panose="020B0604030504040204" pitchFamily="50" charset="-128"/>
-                <a:cs typeface="Times New Roman" panose="02020603050405020304" pitchFamily="18" charset="0"/>
-              </a:rPr>
-              <a:t>を捕獲することです。</a:t>
-            </a:r>
-            <a:endParaRPr lang="en-US" altLang="zh-CN" dirty="0">
-              <a:latin typeface="メイリオ" panose="020B0604030504040204" pitchFamily="50" charset="-128"/>
-              <a:ea typeface="メイリオ" panose="020B0604030504040204" pitchFamily="50" charset="-128"/>
-              <a:cs typeface="Times New Roman" panose="02020603050405020304" pitchFamily="18" charset="0"/>
-            </a:endParaRPr>
-          </a:p>
-          <a:p>
+              <a:t>。</a:t>
+            </a:r>
             <a:endParaRPr lang="en-US" altLang="ja-JP" dirty="0"/>
           </a:p>
         </p:txBody>
@@ -4095,37 +4080,27 @@
           </a:p>
           <a:p>
             <a:r>
+              <a:rPr lang="ja-JP" altLang="en-US" dirty="0" smtClean="0"/>
+              <a:t>三番目</a:t>
+            </a:r>
+            <a:r>
               <a:rPr lang="ja-JP" altLang="en-US" dirty="0"/>
-              <a:t>ですので、計画過程をできるだけ</a:t>
-            </a:r>
-            <a:r>
-              <a:rPr lang="en-US" altLang="ja-JP" dirty="0"/>
-              <a:t>0.1</a:t>
+              <a:t>は評価指標です。計算時間と捕獲成功率</a:t>
+            </a:r>
+            <a:r>
+              <a:rPr lang="ja-JP" altLang="en-US" dirty="0" smtClean="0"/>
+              <a:t>。</a:t>
+            </a:r>
+            <a:endParaRPr lang="en-US" altLang="ja-JP" dirty="0" smtClean="0"/>
+          </a:p>
+          <a:p>
+            <a:r>
+              <a:rPr lang="ja-JP" altLang="en-US" dirty="0" smtClean="0"/>
+              <a:t>捕獲</a:t>
             </a:r>
             <a:r>
               <a:rPr lang="ja-JP" altLang="en-US" dirty="0"/>
-              <a:t>秒に抑えます。</a:t>
-            </a:r>
-            <a:endParaRPr lang="en-US" altLang="ja-JP" dirty="0"/>
-          </a:p>
-          <a:p>
-            <a:r>
-              <a:rPr lang="ja-JP" altLang="en-US" dirty="0"/>
-              <a:t>三番目は評価指標です。計算時間と捕獲成功率。</a:t>
-            </a:r>
-            <a:endParaRPr lang="en-US" altLang="ja-JP" dirty="0"/>
-          </a:p>
-          <a:p>
-            <a:r>
-              <a:rPr lang="ja-JP" altLang="en-US" dirty="0"/>
-              <a:t>計算時間は</a:t>
-            </a:r>
-            <a:endParaRPr lang="en-US" altLang="ja-JP" dirty="0"/>
-          </a:p>
-          <a:p>
-            <a:r>
-              <a:rPr lang="ja-JP" altLang="en-US" dirty="0"/>
-              <a:t>捕獲成功率はランダム初期位置の複数回実験の中に成功的に捕獲ができた回数の割合です。</a:t>
+              <a:t>成功率はランダム初期位置の複数回実験の中に成功的に捕獲ができた回数の割合です。</a:t>
             </a:r>
             <a:endParaRPr lang="zh-CN" altLang="en-US" dirty="0"/>
           </a:p>
@@ -4231,27 +4206,23 @@
           </a:p>
           <a:p>
             <a:r>
-              <a:rPr lang="ja-JP" altLang="en-US" dirty="0" err="1"/>
-              <a:t>ごちらの</a:t>
+              <a:rPr lang="ja-JP" altLang="en-US" dirty="0" smtClean="0"/>
+              <a:t>こちらの図を</a:t>
             </a:r>
             <a:r>
               <a:rPr lang="ja-JP" altLang="en-US" dirty="0"/>
-              <a:t>図のをご覧ください。</a:t>
+              <a:t>ご覧ください。</a:t>
             </a:r>
             <a:endParaRPr lang="en-US" altLang="ja-JP" dirty="0"/>
           </a:p>
           <a:p>
             <a:r>
+              <a:rPr lang="ja-JP" altLang="en-US" dirty="0" smtClean="0"/>
+              <a:t>緑のエージェントターゲット</a:t>
+            </a:r>
+            <a:r>
               <a:rPr lang="ja-JP" altLang="en-US" dirty="0"/>
-              <a:t>緑の</a:t>
-            </a:r>
-            <a:r>
-              <a:rPr lang="ja-JP" altLang="en-US" dirty="0" err="1"/>
-              <a:t>は</a:t>
-            </a:r>
-            <a:r>
-              <a:rPr lang="ja-JP" altLang="en-US" dirty="0"/>
-              <a:t>ターゲット、赤いのはパーサ</a:t>
+              <a:t>、赤いのはパーサ</a:t>
             </a:r>
             <a:endParaRPr lang="en-US" altLang="ja-JP" dirty="0"/>
           </a:p>
@@ -4284,12 +4255,13 @@
             </a:r>
             <a:r>
               <a:rPr lang="ja-JP" altLang="en-US" dirty="0"/>
-              <a:t>法の目的はターゲットの移動性を抑制することです。</a:t>
+              <a:t>法の目的はターゲットの移動性を抑制することです</a:t>
+            </a:r>
+            <a:r>
+              <a:rPr lang="ja-JP" altLang="en-US" dirty="0" smtClean="0"/>
+              <a:t>。</a:t>
             </a:r>
             <a:endParaRPr lang="en-US" altLang="ja-JP" dirty="0"/>
-          </a:p>
-          <a:p>
-            <a:endParaRPr lang="zh-CN" altLang="en-US" dirty="0"/>
           </a:p>
         </p:txBody>
       </p:sp>
@@ -4621,16 +4593,31 @@
               <a:t>time</a:t>
             </a:r>
             <a:r>
+              <a:rPr lang="ja-JP" altLang="en-US" dirty="0" smtClean="0"/>
+              <a:t>を持っている</a:t>
+            </a:r>
+            <a:r>
+              <a:rPr lang="en-US" altLang="ja-JP" dirty="0" smtClean="0"/>
+              <a:t>item</a:t>
+            </a:r>
+            <a:r>
+              <a:rPr lang="ja-JP" altLang="en-US" dirty="0" smtClean="0"/>
+              <a:t>を</a:t>
+            </a:r>
+            <a:r>
+              <a:rPr lang="en-US" altLang="ja-JP" dirty="0" smtClean="0"/>
+              <a:t>POP</a:t>
+            </a:r>
+            <a:r>
+              <a:rPr lang="ja-JP" altLang="en-US" dirty="0" smtClean="0"/>
+              <a:t>します。</a:t>
+            </a:r>
+            <a:endParaRPr lang="en-US" altLang="ja-JP" dirty="0"/>
+          </a:p>
+          <a:p>
+            <a:r>
               <a:rPr lang="ja-JP" altLang="en-US" dirty="0"/>
-              <a:t>を持っている</a:t>
-            </a:r>
-            <a:r>
-              <a:rPr lang="en-US" altLang="ja-JP" dirty="0"/>
-              <a:t>item</a:t>
-            </a:r>
-            <a:r>
-              <a:rPr lang="ja-JP" altLang="en-US" dirty="0"/>
-              <a:t>を</a:t>
+              <a:t>その</a:t>
             </a:r>
             <a:r>
               <a:rPr lang="en-US" altLang="ja-JP" dirty="0"/>
@@ -4638,21 +4625,6 @@
             </a:r>
             <a:r>
               <a:rPr lang="ja-JP" altLang="en-US" dirty="0"/>
-              <a:t>します。</a:t>
-            </a:r>
-            <a:endParaRPr lang="en-US" altLang="ja-JP" dirty="0"/>
-          </a:p>
-          <a:p>
-            <a:r>
-              <a:rPr lang="ja-JP" altLang="en-US" dirty="0"/>
-              <a:t>その</a:t>
-            </a:r>
-            <a:r>
-              <a:rPr lang="en-US" altLang="ja-JP" dirty="0"/>
-              <a:t>POP</a:t>
-            </a:r>
-            <a:r>
-              <a:rPr lang="ja-JP" altLang="en-US" dirty="0"/>
               <a:t>した</a:t>
             </a:r>
             <a:r>
@@ -4661,7 +4633,15 @@
             </a:r>
             <a:r>
               <a:rPr lang="ja-JP" altLang="en-US" dirty="0"/>
-              <a:t>の位置から上下左右を探索します。まだ探索されていない、即ち、まだ</a:t>
+              <a:t>の位置から上下左右を探索</a:t>
+            </a:r>
+            <a:r>
+              <a:rPr lang="ja-JP" altLang="en-US" dirty="0" smtClean="0"/>
+              <a:t>します</a:t>
+            </a:r>
+            <a:r>
+              <a:rPr lang="ja-JP" altLang="en-US" dirty="0"/>
+              <a:t>。まだ探索されていない、即ち、まだ</a:t>
             </a:r>
             <a:r>
               <a:rPr lang="en-US" altLang="ja-JP" dirty="0"/>
@@ -5041,7 +5021,7 @@
           <a:bodyPr/>
           <a:lstStyle/>
           <a:p>
-            <a:fld id="{3795C8E5-27A4-4334-A1C6-A437AB953422}" type="datetime1">
+            <a:fld id="{8B0157BF-85EB-47DA-8888-DC859B55AE79}" type="datetime1">
               <a:rPr lang="en-US" altLang="zh-CN" smtClean="0"/>
               <a:t>3/12/2017</a:t>
             </a:fld>
@@ -5211,7 +5191,7 @@
           <a:bodyPr/>
           <a:lstStyle/>
           <a:p>
-            <a:fld id="{CE4D2D9F-0114-4A8F-928D-2A341CE3D532}" type="datetime1">
+            <a:fld id="{C17F1332-7BFC-495E-BB9F-7305EFC785A7}" type="datetime1">
               <a:rPr lang="en-US" altLang="zh-CN" smtClean="0"/>
               <a:t>3/12/2017</a:t>
             </a:fld>
@@ -5391,7 +5371,7 @@
           <a:bodyPr/>
           <a:lstStyle/>
           <a:p>
-            <a:fld id="{44E78C70-CCB1-433B-84A8-C39A6B7056FE}" type="datetime1">
+            <a:fld id="{DE422566-25DA-4D0C-A229-BD143767B404}" type="datetime1">
               <a:rPr lang="en-US" altLang="zh-CN" smtClean="0"/>
               <a:t>3/12/2017</a:t>
             </a:fld>
@@ -5561,7 +5541,7 @@
           <a:bodyPr/>
           <a:lstStyle/>
           <a:p>
-            <a:fld id="{0FDB6D4B-B42D-4CCB-B55B-D53D35DBD218}" type="datetime1">
+            <a:fld id="{9FCDD59B-AF9E-454F-BB6B-7234123C86C5}" type="datetime1">
               <a:rPr lang="en-US" altLang="zh-CN" smtClean="0"/>
               <a:t>3/12/2017</a:t>
             </a:fld>
@@ -5807,7 +5787,7 @@
           <a:bodyPr/>
           <a:lstStyle/>
           <a:p>
-            <a:fld id="{54504E0A-7451-45E1-A150-DAAF9C649E9E}" type="datetime1">
+            <a:fld id="{AC0A1975-D413-4061-BAE0-6216BA5A8F72}" type="datetime1">
               <a:rPr lang="en-US" altLang="zh-CN" smtClean="0"/>
               <a:t>3/12/2017</a:t>
             </a:fld>
@@ -6039,7 +6019,7 @@
           <a:bodyPr/>
           <a:lstStyle/>
           <a:p>
-            <a:fld id="{E2E9413C-E72F-4D43-9B06-A84ED277EFB8}" type="datetime1">
+            <a:fld id="{10EC8538-6012-479B-BF2F-87AD64C0D37E}" type="datetime1">
               <a:rPr lang="en-US" altLang="zh-CN" smtClean="0"/>
               <a:t>3/12/2017</a:t>
             </a:fld>
@@ -6406,7 +6386,7 @@
           <a:bodyPr/>
           <a:lstStyle/>
           <a:p>
-            <a:fld id="{45D998D3-8700-4D28-9412-B2CFBDBA6F39}" type="datetime1">
+            <a:fld id="{040CEF4C-6ADD-491B-A8D8-471C36A4BF02}" type="datetime1">
               <a:rPr lang="en-US" altLang="zh-CN" smtClean="0"/>
               <a:t>3/12/2017</a:t>
             </a:fld>
@@ -6524,7 +6504,7 @@
           <a:bodyPr/>
           <a:lstStyle/>
           <a:p>
-            <a:fld id="{B3AE495A-9F94-43D2-9EFB-DE683533F145}" type="datetime1">
+            <a:fld id="{53D8F87D-2FDF-4F3A-AC0D-F6C54A24BFDE}" type="datetime1">
               <a:rPr lang="en-US" altLang="zh-CN" smtClean="0"/>
               <a:t>3/12/2017</a:t>
             </a:fld>
@@ -6619,7 +6599,7 @@
           <a:bodyPr/>
           <a:lstStyle/>
           <a:p>
-            <a:fld id="{A2849203-1994-441A-95FB-D81D8D59EE40}" type="datetime1">
+            <a:fld id="{7D110B23-F424-4B85-A33F-F04E3BE8C061}" type="datetime1">
               <a:rPr lang="en-US" altLang="zh-CN" smtClean="0"/>
               <a:t>3/12/2017</a:t>
             </a:fld>
@@ -6896,7 +6876,7 @@
           <a:bodyPr/>
           <a:lstStyle/>
           <a:p>
-            <a:fld id="{ED115097-5899-401D-901E-AC5B1342EB34}" type="datetime1">
+            <a:fld id="{28F74399-9783-43C6-8EC5-07F5D8B62813}" type="datetime1">
               <a:rPr lang="en-US" altLang="zh-CN" smtClean="0"/>
               <a:t>3/12/2017</a:t>
             </a:fld>
@@ -7149,7 +7129,7 @@
           <a:bodyPr/>
           <a:lstStyle/>
           <a:p>
-            <a:fld id="{175037D6-DDF3-427F-B456-3EE346776323}" type="datetime1">
+            <a:fld id="{B476FD58-2418-43AE-94F5-6592D750A950}" type="datetime1">
               <a:rPr lang="en-US" altLang="zh-CN" smtClean="0"/>
               <a:t>3/12/2017</a:t>
             </a:fld>
@@ -7362,7 +7342,7 @@
             </a:lvl1pPr>
           </a:lstStyle>
           <a:p>
-            <a:fld id="{D06082B2-3BF9-4734-A81A-EFB9FC44C707}" type="datetime1">
+            <a:fld id="{C8C783E2-7E1A-4A79-BD39-B509BAA05FCE}" type="datetime1">
               <a:rPr lang="en-US" altLang="zh-CN" smtClean="0"/>
               <a:t>3/12/2017</a:t>
             </a:fld>
@@ -7842,6 +7822,10 @@
               <a:rPr lang="ja-JP" altLang="en-US" sz="3600" dirty="0"/>
               <a:t>リアルタイムグリッド環境における</a:t>
             </a:r>
+            <a:r>
+              <a:rPr lang="en-US" altLang="ja-JP" sz="3600" dirty="0"/>
+              <a:t/>
+            </a:r>
             <a:br>
               <a:rPr lang="en-US" altLang="ja-JP" sz="3600" dirty="0"/>
             </a:br>
@@ -7936,29 +7920,6 @@
           </a:p>
         </p:txBody>
       </p:sp>
-      <p:sp>
-        <p:nvSpPr>
-          <p:cNvPr id="4" name="スライド番号プレースホルダー 3"/>
-          <p:cNvSpPr>
-            <a:spLocks noGrp="1"/>
-          </p:cNvSpPr>
-          <p:nvPr>
-            <p:ph type="sldNum" sz="quarter" idx="12"/>
-          </p:nvPr>
-        </p:nvSpPr>
-        <p:spPr/>
-        <p:txBody>
-          <a:bodyPr/>
-          <a:lstStyle/>
-          <a:p>
-            <a:fld id="{F666435A-C67E-4182-841F-98B28F8E4D33}" type="slidenum">
-              <a:rPr lang="en-US" smtClean="0"/>
-              <a:t>1</a:t>
-            </a:fld>
-            <a:endParaRPr lang="en-US"/>
-          </a:p>
-        </p:txBody>
-      </p:sp>
     </p:spTree>
     <p:extLst>
       <p:ext uri="{BB962C8B-B14F-4D97-AF65-F5344CB8AC3E}">
@@ -7969,6 +7930,13 @@
   <p:clrMapOvr>
     <a:masterClrMapping/>
   </p:clrMapOvr>
+  <p:timing>
+    <p:tnLst>
+      <p:par>
+        <p:cTn id="1" dur="indefinite" restart="never" nodeType="tmRoot"/>
+      </p:par>
+    </p:tnLst>
+  </p:timing>
 </p:sld>
 </file>
 
@@ -8263,8 +8231,8 @@
         </p:nvSpPr>
         <p:spPr>
           <a:xfrm>
-            <a:off x="2767255" y="3131505"/>
-            <a:ext cx="5946569" cy="2288431"/>
+            <a:off x="2767255" y="2971799"/>
+            <a:ext cx="5946569" cy="2696088"/>
           </a:xfrm>
           <a:prstGeom prst="roundRect">
             <a:avLst>
@@ -8298,12 +8266,7 @@
           <a:bodyPr rtlCol="0" anchor="ctr"/>
           <a:lstStyle/>
           <a:p>
-            <a:pPr algn="ctr"/>
-            <a:endParaRPr kumimoji="1" lang="ja-JP" altLang="en-US">
-              <a:solidFill>
-                <a:srgbClr val="FEECB9"/>
-              </a:solidFill>
-            </a:endParaRPr>
+            <a:endParaRPr lang="en-US" altLang="zh-CN" dirty="0"/>
           </a:p>
         </p:txBody>
       </p:sp>
@@ -8315,7 +8278,7 @@
         </p:nvSpPr>
         <p:spPr>
           <a:xfrm>
-            <a:off x="6155143" y="4270042"/>
+            <a:off x="6096000" y="4188714"/>
             <a:ext cx="2640272" cy="369332"/>
           </a:xfrm>
           <a:prstGeom prst="rect">
@@ -8353,7 +8316,7 @@
         </p:nvSpPr>
         <p:spPr>
           <a:xfrm rot="16200000">
-            <a:off x="5439207" y="4276246"/>
+            <a:off x="5381261" y="4181522"/>
             <a:ext cx="525805" cy="356924"/>
           </a:xfrm>
           <a:prstGeom prst="downArrow">
@@ -8949,7 +8912,7 @@
         </p:nvSpPr>
         <p:spPr>
           <a:xfrm>
-            <a:off x="3143309" y="3417304"/>
+            <a:off x="2851396" y="5214564"/>
             <a:ext cx="4760676" cy="369332"/>
           </a:xfrm>
           <a:prstGeom prst="rect">
@@ -9081,7 +9044,7 @@
         </p:nvSpPr>
         <p:spPr>
           <a:xfrm>
-            <a:off x="3224900" y="3786636"/>
+            <a:off x="2914824" y="3772041"/>
             <a:ext cx="1925875" cy="1477328"/>
           </a:xfrm>
           <a:prstGeom prst="rect">
@@ -9153,6 +9116,63 @@
               <a:t>- 85</a:t>
             </a:r>
             <a:endParaRPr lang="zh-CN" altLang="en-US" dirty="0"/>
+          </a:p>
+        </p:txBody>
+      </p:sp>
+      <p:sp>
+        <p:nvSpPr>
+          <p:cNvPr id="5" name="正方形/長方形 4"/>
+          <p:cNvSpPr/>
+          <p:nvPr/>
+        </p:nvSpPr>
+        <p:spPr>
+          <a:xfrm>
+            <a:off x="2927934" y="3113643"/>
+            <a:ext cx="5577891" cy="646331"/>
+          </a:xfrm>
+          <a:prstGeom prst="rect">
+            <a:avLst/>
+          </a:prstGeom>
+        </p:spPr>
+        <p:txBody>
+          <a:bodyPr wrap="square">
+            <a:spAutoFit/>
+          </a:bodyPr>
+          <a:lstStyle/>
+          <a:p>
+            <a:r>
+              <a:rPr lang="en-US" altLang="ja-JP" dirty="0" smtClean="0"/>
+              <a:t>Pursuer-cover-set</a:t>
+            </a:r>
+            <a:r>
+              <a:rPr lang="en-US" altLang="ja-JP" dirty="0"/>
+              <a:t>: </a:t>
+            </a:r>
+            <a:r>
+              <a:rPr lang="en-US" altLang="ja-JP" dirty="0" smtClean="0"/>
+              <a:t>Pursuer</a:t>
+            </a:r>
+            <a:r>
+              <a:rPr lang="ja-JP" altLang="en-US" dirty="0" smtClean="0"/>
+              <a:t>が</a:t>
+            </a:r>
+            <a:r>
+              <a:rPr lang="en-US" altLang="ja-JP" dirty="0"/>
+              <a:t>T</a:t>
+            </a:r>
+            <a:r>
+              <a:rPr lang="en-US" altLang="ja-JP" dirty="0" smtClean="0"/>
+              <a:t>arget</a:t>
+            </a:r>
+            <a:r>
+              <a:rPr lang="ja-JP" altLang="en-US" dirty="0" smtClean="0"/>
+              <a:t>より</a:t>
+            </a:r>
+            <a:r>
+              <a:rPr lang="ja-JP" altLang="en-US" dirty="0"/>
+              <a:t>早く辿り着ける領域のタイルの数</a:t>
+            </a:r>
+            <a:endParaRPr lang="en-US" altLang="zh-CN" dirty="0"/>
           </a:p>
         </p:txBody>
       </p:sp>
@@ -9293,7 +9313,7 @@
                             </p:stCondLst>
                             <p:childTnLst>
                               <p:par>
-                                <p:cTn id="15" presetID="42" presetClass="entr" presetSubtype="0" fill="hold" grpId="0" nodeType="clickEffect">
+                                <p:cTn id="15" presetID="10" presetClass="entr" presetSubtype="0" fill="hold" grpId="0" nodeType="clickEffect">
                                   <p:stCondLst>
                                     <p:cond delay="0"/>
                                   </p:stCondLst>
@@ -9301,6 +9321,59 @@
                                     <p:set>
                                       <p:cBhvr>
                                         <p:cTn id="16" dur="1" fill="hold">
+                                          <p:stCondLst>
+                                            <p:cond delay="0"/>
+                                          </p:stCondLst>
+                                        </p:cTn>
+                                        <p:tgtEl>
+                                          <p:spTgt spid="5"/>
+                                        </p:tgtEl>
+                                        <p:attrNameLst>
+                                          <p:attrName>style.visibility</p:attrName>
+                                        </p:attrNameLst>
+                                      </p:cBhvr>
+                                      <p:to>
+                                        <p:strVal val="visible"/>
+                                      </p:to>
+                                    </p:set>
+                                    <p:animEffect transition="in" filter="fade">
+                                      <p:cBhvr>
+                                        <p:cTn id="17" dur="500"/>
+                                        <p:tgtEl>
+                                          <p:spTgt spid="5"/>
+                                        </p:tgtEl>
+                                      </p:cBhvr>
+                                    </p:animEffect>
+                                  </p:childTnLst>
+                                </p:cTn>
+                              </p:par>
+                            </p:childTnLst>
+                          </p:cTn>
+                        </p:par>
+                      </p:childTnLst>
+                    </p:cTn>
+                  </p:par>
+                  <p:par>
+                    <p:cTn id="18" fill="hold">
+                      <p:stCondLst>
+                        <p:cond delay="indefinite"/>
+                      </p:stCondLst>
+                      <p:childTnLst>
+                        <p:par>
+                          <p:cTn id="19" fill="hold">
+                            <p:stCondLst>
+                              <p:cond delay="0"/>
+                            </p:stCondLst>
+                            <p:childTnLst>
+                              <p:par>
+                                <p:cTn id="20" presetID="42" presetClass="entr" presetSubtype="0" fill="hold" grpId="0" nodeType="clickEffect">
+                                  <p:stCondLst>
+                                    <p:cond delay="0"/>
+                                  </p:stCondLst>
+                                  <p:childTnLst>
+                                    <p:set>
+                                      <p:cBhvr>
+                                        <p:cTn id="21" dur="1" fill="hold">
                                           <p:stCondLst>
                                             <p:cond delay="0"/>
                                           </p:stCondLst>
@@ -9318,7 +9391,7 @@
                                     </p:set>
                                     <p:animEffect transition="in" filter="fade">
                                       <p:cBhvr>
-                                        <p:cTn id="17" dur="1000"/>
+                                        <p:cTn id="22" dur="1000"/>
                                         <p:tgtEl>
                                           <p:spTgt spid="4"/>
                                         </p:tgtEl>
@@ -9326,7 +9399,7 @@
                                     </p:animEffect>
                                     <p:anim calcmode="lin" valueType="num">
                                       <p:cBhvr>
-                                        <p:cTn id="18" dur="1000" fill="hold"/>
+                                        <p:cTn id="23" dur="1000" fill="hold"/>
                                         <p:tgtEl>
                                           <p:spTgt spid="4"/>
                                         </p:tgtEl>
@@ -9349,7 +9422,7 @@
                                     </p:anim>
                                     <p:anim calcmode="lin" valueType="num">
                                       <p:cBhvr>
-                                        <p:cTn id="19" dur="1000" fill="hold"/>
+                                        <p:cTn id="24" dur="1000" fill="hold"/>
                                         <p:tgtEl>
                                           <p:spTgt spid="4"/>
                                         </p:tgtEl>
@@ -9370,59 +9443,6 @@
                                         </p:tav>
                                       </p:tavLst>
                                     </p:anim>
-                                  </p:childTnLst>
-                                </p:cTn>
-                              </p:par>
-                            </p:childTnLst>
-                          </p:cTn>
-                        </p:par>
-                      </p:childTnLst>
-                    </p:cTn>
-                  </p:par>
-                  <p:par>
-                    <p:cTn id="20" fill="hold">
-                      <p:stCondLst>
-                        <p:cond delay="indefinite"/>
-                      </p:stCondLst>
-                      <p:childTnLst>
-                        <p:par>
-                          <p:cTn id="21" fill="hold">
-                            <p:stCondLst>
-                              <p:cond delay="0"/>
-                            </p:stCondLst>
-                            <p:childTnLst>
-                              <p:par>
-                                <p:cTn id="22" presetID="10" presetClass="entr" presetSubtype="0" fill="hold" grpId="0" nodeType="clickEffect">
-                                  <p:stCondLst>
-                                    <p:cond delay="0"/>
-                                  </p:stCondLst>
-                                  <p:childTnLst>
-                                    <p:set>
-                                      <p:cBhvr>
-                                        <p:cTn id="23" dur="1" fill="hold">
-                                          <p:stCondLst>
-                                            <p:cond delay="0"/>
-                                          </p:stCondLst>
-                                        </p:cTn>
-                                        <p:tgtEl>
-                                          <p:spTgt spid="39"/>
-                                        </p:tgtEl>
-                                        <p:attrNameLst>
-                                          <p:attrName>style.visibility</p:attrName>
-                                        </p:attrNameLst>
-                                      </p:cBhvr>
-                                      <p:to>
-                                        <p:strVal val="visible"/>
-                                      </p:to>
-                                    </p:set>
-                                    <p:animEffect transition="in" filter="fade">
-                                      <p:cBhvr>
-                                        <p:cTn id="24" dur="500"/>
-                                        <p:tgtEl>
-                                          <p:spTgt spid="39"/>
-                                        </p:tgtEl>
-                                      </p:cBhvr>
-                                    </p:animEffect>
                                   </p:childTnLst>
                                 </p:cTn>
                               </p:par>
@@ -9458,7 +9478,7 @@
                                           </p:stCondLst>
                                         </p:cTn>
                                         <p:tgtEl>
-                                          <p:spTgt spid="38"/>
+                                          <p:spTgt spid="34"/>
                                         </p:tgtEl>
                                         <p:attrNameLst>
                                           <p:attrName>style.visibility</p:attrName>
@@ -9472,7 +9492,7 @@
                                       <p:cBhvr>
                                         <p:cTn id="29" dur="1000"/>
                                         <p:tgtEl>
-                                          <p:spTgt spid="38"/>
+                                          <p:spTgt spid="34"/>
                                         </p:tgtEl>
                                       </p:cBhvr>
                                     </p:animEffect>
@@ -9480,7 +9500,7 @@
                                       <p:cBhvr>
                                         <p:cTn id="30" dur="1000" fill="hold"/>
                                         <p:tgtEl>
-                                          <p:spTgt spid="38"/>
+                                          <p:spTgt spid="34"/>
                                         </p:tgtEl>
                                         <p:attrNameLst>
                                           <p:attrName>ppt_x</p:attrName>
@@ -9503,7 +9523,7 @@
                                       <p:cBhvr>
                                         <p:cTn id="31" dur="1000" fill="hold"/>
                                         <p:tgtEl>
-                                          <p:spTgt spid="38"/>
+                                          <p:spTgt spid="34"/>
                                         </p:tgtEl>
                                         <p:attrNameLst>
                                           <p:attrName>ppt_y</p:attrName>
@@ -9544,7 +9564,7 @@
                             </p:stCondLst>
                             <p:childTnLst>
                               <p:par>
-                                <p:cTn id="34" presetID="42" presetClass="entr" presetSubtype="0" fill="hold" grpId="0" nodeType="clickEffect">
+                                <p:cTn id="34" presetID="10" presetClass="entr" presetSubtype="0" fill="hold" grpId="0" nodeType="clickEffect">
                                   <p:stCondLst>
                                     <p:cond delay="0"/>
                                   </p:stCondLst>
@@ -9557,7 +9577,7 @@
                                           </p:stCondLst>
                                         </p:cTn>
                                         <p:tgtEl>
-                                          <p:spTgt spid="34"/>
+                                          <p:spTgt spid="39"/>
                                         </p:tgtEl>
                                         <p:attrNameLst>
                                           <p:attrName>style.visibility</p:attrName>
@@ -9569,17 +9589,70 @@
                                     </p:set>
                                     <p:animEffect transition="in" filter="fade">
                                       <p:cBhvr>
-                                        <p:cTn id="36" dur="1000"/>
+                                        <p:cTn id="36" dur="500"/>
                                         <p:tgtEl>
-                                          <p:spTgt spid="34"/>
+                                          <p:spTgt spid="39"/>
+                                        </p:tgtEl>
+                                      </p:cBhvr>
+                                    </p:animEffect>
+                                  </p:childTnLst>
+                                </p:cTn>
+                              </p:par>
+                            </p:childTnLst>
+                          </p:cTn>
+                        </p:par>
+                      </p:childTnLst>
+                    </p:cTn>
+                  </p:par>
+                  <p:par>
+                    <p:cTn id="37" fill="hold">
+                      <p:stCondLst>
+                        <p:cond delay="indefinite"/>
+                      </p:stCondLst>
+                      <p:childTnLst>
+                        <p:par>
+                          <p:cTn id="38" fill="hold">
+                            <p:stCondLst>
+                              <p:cond delay="0"/>
+                            </p:stCondLst>
+                            <p:childTnLst>
+                              <p:par>
+                                <p:cTn id="39" presetID="42" presetClass="entr" presetSubtype="0" fill="hold" grpId="0" nodeType="clickEffect">
+                                  <p:stCondLst>
+                                    <p:cond delay="0"/>
+                                  </p:stCondLst>
+                                  <p:childTnLst>
+                                    <p:set>
+                                      <p:cBhvr>
+                                        <p:cTn id="40" dur="1" fill="hold">
+                                          <p:stCondLst>
+                                            <p:cond delay="0"/>
+                                          </p:stCondLst>
+                                        </p:cTn>
+                                        <p:tgtEl>
+                                          <p:spTgt spid="38"/>
+                                        </p:tgtEl>
+                                        <p:attrNameLst>
+                                          <p:attrName>style.visibility</p:attrName>
+                                        </p:attrNameLst>
+                                      </p:cBhvr>
+                                      <p:to>
+                                        <p:strVal val="visible"/>
+                                      </p:to>
+                                    </p:set>
+                                    <p:animEffect transition="in" filter="fade">
+                                      <p:cBhvr>
+                                        <p:cTn id="41" dur="1000"/>
+                                        <p:tgtEl>
+                                          <p:spTgt spid="38"/>
                                         </p:tgtEl>
                                       </p:cBhvr>
                                     </p:animEffect>
                                     <p:anim calcmode="lin" valueType="num">
                                       <p:cBhvr>
-                                        <p:cTn id="37" dur="1000" fill="hold"/>
+                                        <p:cTn id="42" dur="1000" fill="hold"/>
                                         <p:tgtEl>
-                                          <p:spTgt spid="34"/>
+                                          <p:spTgt spid="38"/>
                                         </p:tgtEl>
                                         <p:attrNameLst>
                                           <p:attrName>ppt_x</p:attrName>
@@ -9600,9 +9673,9 @@
                                     </p:anim>
                                     <p:anim calcmode="lin" valueType="num">
                                       <p:cBhvr>
-                                        <p:cTn id="38" dur="1000" fill="hold"/>
+                                        <p:cTn id="43" dur="1000" fill="hold"/>
                                         <p:tgtEl>
-                                          <p:spTgt spid="34"/>
+                                          <p:spTgt spid="38"/>
                                         </p:tgtEl>
                                         <p:attrNameLst>
                                           <p:attrName>ppt_y</p:attrName>
@@ -9657,6 +9730,7 @@
       <p:bldP spid="39" grpId="0" animBg="1"/>
       <p:bldP spid="34" grpId="0"/>
       <p:bldP spid="4" grpId="0"/>
+      <p:bldP spid="5" grpId="0"/>
     </p:bldLst>
   </p:timing>
 </p:sld>
@@ -11956,230 +12030,259 @@
       </p:sp>
       <p:grpSp>
         <p:nvGrpSpPr>
-          <p:cNvPr id="35" name="グループ化 34"/>
+          <p:cNvPr id="4" name="グループ化 3"/>
           <p:cNvGrpSpPr/>
           <p:nvPr/>
         </p:nvGrpSpPr>
         <p:grpSpPr>
           <a:xfrm>
-            <a:off x="5295839" y="1810653"/>
-            <a:ext cx="2568002" cy="3679738"/>
-            <a:chOff x="6565662" y="1578548"/>
-            <a:chExt cx="2575923" cy="3905930"/>
+            <a:off x="5200205" y="1810653"/>
+            <a:ext cx="5918900" cy="3679738"/>
+            <a:chOff x="5200205" y="1810653"/>
+            <a:chExt cx="5918900" cy="3679738"/>
           </a:xfrm>
         </p:grpSpPr>
-        <p:sp>
-          <p:nvSpPr>
-            <p:cNvPr id="36" name="正方形/長方形 35"/>
-            <p:cNvSpPr/>
+        <p:grpSp>
+          <p:nvGrpSpPr>
+            <p:cNvPr id="35" name="グループ化 34"/>
+            <p:cNvGrpSpPr/>
             <p:nvPr/>
-          </p:nvSpPr>
-          <p:spPr>
+          </p:nvGrpSpPr>
+          <p:grpSpPr>
             <a:xfrm>
-              <a:off x="6565662" y="1578548"/>
-              <a:ext cx="2575923" cy="3905930"/>
+              <a:off x="5200205" y="1810653"/>
+              <a:ext cx="2630107" cy="3679738"/>
+              <a:chOff x="6469734" y="1578548"/>
+              <a:chExt cx="2638220" cy="3905930"/>
             </a:xfrm>
-            <a:prstGeom prst="rect">
-              <a:avLst/>
-            </a:prstGeom>
-            <a:ln>
-              <a:noFill/>
-            </a:ln>
-          </p:spPr>
-          <p:style>
-            <a:lnRef idx="2">
-              <a:schemeClr val="accent4">
-                <a:shade val="50000"/>
-              </a:schemeClr>
-            </a:lnRef>
-            <a:fillRef idx="1">
-              <a:schemeClr val="accent4"/>
-            </a:fillRef>
-            <a:effectRef idx="0">
-              <a:schemeClr val="accent4"/>
-            </a:effectRef>
-            <a:fontRef idx="minor">
-              <a:schemeClr val="lt1"/>
-            </a:fontRef>
-          </p:style>
-          <p:txBody>
-            <a:bodyPr rtlCol="0" anchor="ctr"/>
-            <a:lstStyle/>
-            <a:p>
-              <a:pPr algn="ctr"/>
-              <a:endParaRPr kumimoji="1" lang="ja-JP" altLang="en-US"/>
-            </a:p>
-          </p:txBody>
-        </p:sp>
-        <p:sp>
-          <p:nvSpPr>
-            <p:cNvPr id="37" name="正方形/長方形 36"/>
-            <p:cNvSpPr/>
+          </p:grpSpPr>
+          <p:sp>
+            <p:nvSpPr>
+              <p:cNvPr id="36" name="正方形/長方形 35"/>
+              <p:cNvSpPr/>
+              <p:nvPr/>
+            </p:nvSpPr>
+            <p:spPr>
+              <a:xfrm>
+                <a:off x="6469734" y="1578548"/>
+                <a:ext cx="2638220" cy="3905930"/>
+              </a:xfrm>
+              <a:prstGeom prst="rect">
+                <a:avLst/>
+              </a:prstGeom>
+              <a:ln>
+                <a:noFill/>
+              </a:ln>
+            </p:spPr>
+            <p:style>
+              <a:lnRef idx="2">
+                <a:schemeClr val="accent4">
+                  <a:shade val="50000"/>
+                </a:schemeClr>
+              </a:lnRef>
+              <a:fillRef idx="1">
+                <a:schemeClr val="accent4"/>
+              </a:fillRef>
+              <a:effectRef idx="0">
+                <a:schemeClr val="accent4"/>
+              </a:effectRef>
+              <a:fontRef idx="minor">
+                <a:schemeClr val="lt1"/>
+              </a:fontRef>
+            </p:style>
+            <p:txBody>
+              <a:bodyPr rtlCol="0" anchor="ctr"/>
+              <a:lstStyle/>
+              <a:p>
+                <a:pPr algn="ctr"/>
+                <a:endParaRPr kumimoji="1" lang="ja-JP" altLang="en-US"/>
+              </a:p>
+            </p:txBody>
+          </p:sp>
+          <p:sp>
+            <p:nvSpPr>
+              <p:cNvPr id="37" name="正方形/長方形 36"/>
+              <p:cNvSpPr/>
+              <p:nvPr/>
+            </p:nvSpPr>
+            <p:spPr>
+              <a:xfrm>
+                <a:off x="6469734" y="1578548"/>
+                <a:ext cx="2638220" cy="569061"/>
+              </a:xfrm>
+              <a:prstGeom prst="rect">
+                <a:avLst/>
+              </a:prstGeom>
+              <a:ln>
+                <a:noFill/>
+              </a:ln>
+            </p:spPr>
+            <p:style>
+              <a:lnRef idx="2">
+                <a:schemeClr val="accent1">
+                  <a:shade val="50000"/>
+                </a:schemeClr>
+              </a:lnRef>
+              <a:fillRef idx="1">
+                <a:schemeClr val="accent1"/>
+              </a:fillRef>
+              <a:effectRef idx="0">
+                <a:schemeClr val="accent1"/>
+              </a:effectRef>
+              <a:fontRef idx="minor">
+                <a:schemeClr val="lt1"/>
+              </a:fontRef>
+            </p:style>
+            <p:txBody>
+              <a:bodyPr rtlCol="0" anchor="ctr"/>
+              <a:lstStyle/>
+              <a:p>
+                <a:pPr algn="ctr"/>
+                <a:r>
+                  <a:rPr kumimoji="1" lang="en-US" altLang="ja-JP" b="1" dirty="0"/>
+                  <a:t>Pursuer Priority </a:t>
+                </a:r>
+                <a:r>
+                  <a:rPr kumimoji="1" lang="en-US" altLang="ja-JP" b="1" dirty="0" smtClean="0"/>
+                  <a:t>Queue</a:t>
+                </a:r>
+              </a:p>
+              <a:p>
+                <a:pPr algn="ctr"/>
+                <a:r>
+                  <a:rPr kumimoji="1" lang="ja-JP" altLang="en-US" b="1" dirty="0" smtClean="0">
+                    <a:latin typeface="Meiryo" panose="020B0604030504040204" pitchFamily="50" charset="-128"/>
+                    <a:ea typeface="Meiryo" panose="020B0604030504040204" pitchFamily="50" charset="-128"/>
+                  </a:rPr>
+                  <a:t>優先</a:t>
+                </a:r>
+                <a:r>
+                  <a:rPr kumimoji="1" lang="ja-JP" altLang="en-US" b="1" dirty="0">
+                    <a:latin typeface="Meiryo" panose="020B0604030504040204" pitchFamily="50" charset="-128"/>
+                    <a:ea typeface="Meiryo" panose="020B0604030504040204" pitchFamily="50" charset="-128"/>
+                  </a:rPr>
+                  <a:t>キュー</a:t>
+                </a:r>
+                <a:endParaRPr kumimoji="1" lang="ja-JP" altLang="en-US" b="1" dirty="0"/>
+              </a:p>
+            </p:txBody>
+          </p:sp>
+        </p:grpSp>
+        <p:grpSp>
+          <p:nvGrpSpPr>
+            <p:cNvPr id="48" name="グループ化 47"/>
+            <p:cNvGrpSpPr/>
             <p:nvPr/>
-          </p:nvSpPr>
-          <p:spPr>
+          </p:nvGrpSpPr>
+          <p:grpSpPr>
             <a:xfrm>
-              <a:off x="6565842" y="1578548"/>
-              <a:ext cx="2575743" cy="569061"/>
+              <a:off x="8623239" y="1810653"/>
+              <a:ext cx="2495866" cy="3679738"/>
+              <a:chOff x="6565662" y="1578548"/>
+              <a:chExt cx="2575923" cy="3905930"/>
             </a:xfrm>
-            <a:prstGeom prst="rect">
-              <a:avLst/>
-            </a:prstGeom>
-            <a:ln>
-              <a:noFill/>
-            </a:ln>
-          </p:spPr>
-          <p:style>
-            <a:lnRef idx="2">
-              <a:schemeClr val="accent1">
-                <a:shade val="50000"/>
-              </a:schemeClr>
-            </a:lnRef>
-            <a:fillRef idx="1">
-              <a:schemeClr val="accent1"/>
-            </a:fillRef>
-            <a:effectRef idx="0">
-              <a:schemeClr val="accent1"/>
-            </a:effectRef>
-            <a:fontRef idx="minor">
-              <a:schemeClr val="lt1"/>
-            </a:fontRef>
-          </p:style>
-          <p:txBody>
-            <a:bodyPr rtlCol="0" anchor="ctr"/>
-            <a:lstStyle/>
-            <a:p>
-              <a:pPr algn="ctr"/>
-              <a:r>
-                <a:rPr kumimoji="1" lang="en-US" altLang="ja-JP" b="1" dirty="0"/>
-                <a:t>Pursuer Priority Queue</a:t>
-              </a:r>
-              <a:r>
-                <a:rPr kumimoji="1" lang="ja-JP" altLang="en-US" b="1" dirty="0">
-                  <a:latin typeface="Meiryo" panose="020B0604030504040204" pitchFamily="50" charset="-128"/>
-                  <a:ea typeface="Meiryo" panose="020B0604030504040204" pitchFamily="50" charset="-128"/>
-                </a:rPr>
-                <a:t>優先キュー</a:t>
-              </a:r>
-              <a:endParaRPr kumimoji="1" lang="ja-JP" altLang="en-US" b="1" dirty="0"/>
-            </a:p>
-          </p:txBody>
-        </p:sp>
-      </p:grpSp>
-      <p:grpSp>
-        <p:nvGrpSpPr>
-          <p:cNvPr id="48" name="グループ化 47"/>
-          <p:cNvGrpSpPr/>
-          <p:nvPr/>
-        </p:nvGrpSpPr>
-        <p:grpSpPr>
-          <a:xfrm>
-            <a:off x="8623239" y="1810653"/>
-            <a:ext cx="2495866" cy="3679738"/>
-            <a:chOff x="6565662" y="1578548"/>
-            <a:chExt cx="2575923" cy="3905930"/>
-          </a:xfrm>
-        </p:grpSpPr>
-        <p:sp>
-          <p:nvSpPr>
-            <p:cNvPr id="49" name="正方形/長方形 48"/>
-            <p:cNvSpPr/>
-            <p:nvPr/>
-          </p:nvSpPr>
-          <p:spPr>
-            <a:xfrm>
-              <a:off x="6565662" y="1578548"/>
-              <a:ext cx="2575923" cy="3905930"/>
-            </a:xfrm>
-            <a:prstGeom prst="rect">
-              <a:avLst/>
-            </a:prstGeom>
-            <a:ln>
-              <a:noFill/>
-            </a:ln>
-          </p:spPr>
-          <p:style>
-            <a:lnRef idx="2">
-              <a:schemeClr val="accent4">
-                <a:shade val="50000"/>
-              </a:schemeClr>
-            </a:lnRef>
-            <a:fillRef idx="1">
-              <a:schemeClr val="accent4"/>
-            </a:fillRef>
-            <a:effectRef idx="0">
-              <a:schemeClr val="accent4"/>
-            </a:effectRef>
-            <a:fontRef idx="minor">
-              <a:schemeClr val="lt1"/>
-            </a:fontRef>
-          </p:style>
-          <p:txBody>
-            <a:bodyPr rtlCol="0" anchor="ctr"/>
-            <a:lstStyle/>
-            <a:p>
-              <a:pPr algn="ctr"/>
-              <a:endParaRPr kumimoji="1" lang="ja-JP" altLang="en-US"/>
-            </a:p>
-          </p:txBody>
-        </p:sp>
-        <p:sp>
-          <p:nvSpPr>
-            <p:cNvPr id="50" name="正方形/長方形 49"/>
-            <p:cNvSpPr/>
-            <p:nvPr/>
-          </p:nvSpPr>
-          <p:spPr>
-            <a:xfrm>
-              <a:off x="6565842" y="1578548"/>
-              <a:ext cx="2575743" cy="569061"/>
-            </a:xfrm>
-            <a:prstGeom prst="rect">
-              <a:avLst/>
-            </a:prstGeom>
-            <a:ln>
-              <a:noFill/>
-            </a:ln>
-          </p:spPr>
-          <p:style>
-            <a:lnRef idx="2">
-              <a:schemeClr val="accent1">
-                <a:shade val="50000"/>
-              </a:schemeClr>
-            </a:lnRef>
-            <a:fillRef idx="1">
-              <a:schemeClr val="accent1"/>
-            </a:fillRef>
-            <a:effectRef idx="0">
-              <a:schemeClr val="accent1"/>
-            </a:effectRef>
-            <a:fontRef idx="minor">
-              <a:schemeClr val="lt1"/>
-            </a:fontRef>
-          </p:style>
-          <p:txBody>
-            <a:bodyPr rtlCol="0" anchor="ctr"/>
-            <a:lstStyle/>
-            <a:p>
-              <a:pPr algn="ctr"/>
-              <a:r>
-                <a:rPr kumimoji="1" lang="en-US" altLang="ja-JP" b="1" dirty="0"/>
-                <a:t>Target Priority Queue</a:t>
-              </a:r>
-            </a:p>
-            <a:p>
-              <a:pPr algn="ctr"/>
-              <a:r>
-                <a:rPr kumimoji="1" lang="ja-JP" altLang="en-US" b="1" dirty="0">
-                  <a:latin typeface="Meiryo" panose="020B0604030504040204" pitchFamily="50" charset="-128"/>
-                  <a:ea typeface="Meiryo" panose="020B0604030504040204" pitchFamily="50" charset="-128"/>
-                </a:rPr>
-                <a:t>優先キュー</a:t>
-              </a:r>
-              <a:endParaRPr kumimoji="1" lang="ja-JP" altLang="en-US" b="1" dirty="0"/>
-            </a:p>
-          </p:txBody>
-        </p:sp>
+          </p:grpSpPr>
+          <p:sp>
+            <p:nvSpPr>
+              <p:cNvPr id="49" name="正方形/長方形 48"/>
+              <p:cNvSpPr/>
+              <p:nvPr/>
+            </p:nvSpPr>
+            <p:spPr>
+              <a:xfrm>
+                <a:off x="6565662" y="1578548"/>
+                <a:ext cx="2575923" cy="3905930"/>
+              </a:xfrm>
+              <a:prstGeom prst="rect">
+                <a:avLst/>
+              </a:prstGeom>
+              <a:ln>
+                <a:noFill/>
+              </a:ln>
+            </p:spPr>
+            <p:style>
+              <a:lnRef idx="2">
+                <a:schemeClr val="accent4">
+                  <a:shade val="50000"/>
+                </a:schemeClr>
+              </a:lnRef>
+              <a:fillRef idx="1">
+                <a:schemeClr val="accent4"/>
+              </a:fillRef>
+              <a:effectRef idx="0">
+                <a:schemeClr val="accent4"/>
+              </a:effectRef>
+              <a:fontRef idx="minor">
+                <a:schemeClr val="lt1"/>
+              </a:fontRef>
+            </p:style>
+            <p:txBody>
+              <a:bodyPr rtlCol="0" anchor="ctr"/>
+              <a:lstStyle/>
+              <a:p>
+                <a:pPr algn="ctr"/>
+                <a:endParaRPr kumimoji="1" lang="ja-JP" altLang="en-US"/>
+              </a:p>
+            </p:txBody>
+          </p:sp>
+          <p:sp>
+            <p:nvSpPr>
+              <p:cNvPr id="50" name="正方形/長方形 49"/>
+              <p:cNvSpPr/>
+              <p:nvPr/>
+            </p:nvSpPr>
+            <p:spPr>
+              <a:xfrm>
+                <a:off x="6565842" y="1578548"/>
+                <a:ext cx="2575743" cy="569061"/>
+              </a:xfrm>
+              <a:prstGeom prst="rect">
+                <a:avLst/>
+              </a:prstGeom>
+              <a:ln>
+                <a:noFill/>
+              </a:ln>
+            </p:spPr>
+            <p:style>
+              <a:lnRef idx="2">
+                <a:schemeClr val="accent1">
+                  <a:shade val="50000"/>
+                </a:schemeClr>
+              </a:lnRef>
+              <a:fillRef idx="1">
+                <a:schemeClr val="accent1"/>
+              </a:fillRef>
+              <a:effectRef idx="0">
+                <a:schemeClr val="accent1"/>
+              </a:effectRef>
+              <a:fontRef idx="minor">
+                <a:schemeClr val="lt1"/>
+              </a:fontRef>
+            </p:style>
+            <p:txBody>
+              <a:bodyPr rtlCol="0" anchor="ctr"/>
+              <a:lstStyle/>
+              <a:p>
+                <a:pPr algn="ctr"/>
+                <a:r>
+                  <a:rPr kumimoji="1" lang="en-US" altLang="ja-JP" b="1" dirty="0"/>
+                  <a:t>Target Priority Queue</a:t>
+                </a:r>
+              </a:p>
+              <a:p>
+                <a:pPr algn="ctr"/>
+                <a:r>
+                  <a:rPr kumimoji="1" lang="ja-JP" altLang="en-US" b="1" dirty="0">
+                    <a:latin typeface="Meiryo" panose="020B0604030504040204" pitchFamily="50" charset="-128"/>
+                    <a:ea typeface="Meiryo" panose="020B0604030504040204" pitchFamily="50" charset="-128"/>
+                  </a:rPr>
+                  <a:t>優先キュー</a:t>
+                </a:r>
+                <a:endParaRPr kumimoji="1" lang="ja-JP" altLang="en-US" b="1" dirty="0"/>
+              </a:p>
+            </p:txBody>
+          </p:sp>
+        </p:grpSp>
       </p:grpSp>
       <p:sp>
         <p:nvSpPr>
@@ -13224,7 +13327,7 @@
                                           </p:stCondLst>
                                         </p:cTn>
                                         <p:tgtEl>
-                                          <p:spTgt spid="35"/>
+                                          <p:spTgt spid="4"/>
                                         </p:tgtEl>
                                         <p:attrNameLst>
                                           <p:attrName>style.visibility</p:attrName>
@@ -13238,7 +13341,7 @@
                                       <p:cBhvr>
                                         <p:cTn id="14" dur="1000"/>
                                         <p:tgtEl>
-                                          <p:spTgt spid="35"/>
+                                          <p:spTgt spid="4"/>
                                         </p:tgtEl>
                                       </p:cBhvr>
                                     </p:animEffect>
@@ -13246,7 +13349,7 @@
                                       <p:cBhvr>
                                         <p:cTn id="15" dur="1000" fill="hold"/>
                                         <p:tgtEl>
-                                          <p:spTgt spid="35"/>
+                                          <p:spTgt spid="4"/>
                                         </p:tgtEl>
                                         <p:attrNameLst>
                                           <p:attrName>ppt_x</p:attrName>
@@ -13269,7 +13372,7 @@
                                       <p:cBhvr>
                                         <p:cTn id="16" dur="1000" fill="hold"/>
                                         <p:tgtEl>
-                                          <p:spTgt spid="35"/>
+                                          <p:spTgt spid="4"/>
                                         </p:tgtEl>
                                         <p:attrNameLst>
                                           <p:attrName>ppt_y</p:attrName>
@@ -13310,7 +13413,7 @@
                             </p:stCondLst>
                             <p:childTnLst>
                               <p:par>
-                                <p:cTn id="19" presetID="42" presetClass="entr" presetSubtype="0" fill="hold" nodeType="clickEffect">
+                                <p:cTn id="19" presetID="22" presetClass="entr" presetSubtype="4" fill="hold" grpId="0" nodeType="clickEffect">
                                   <p:stCondLst>
                                     <p:cond delay="0"/>
                                   </p:stCondLst>
@@ -13318,105 +13421,6 @@
                                     <p:set>
                                       <p:cBhvr>
                                         <p:cTn id="20" dur="1" fill="hold">
-                                          <p:stCondLst>
-                                            <p:cond delay="0"/>
-                                          </p:stCondLst>
-                                        </p:cTn>
-                                        <p:tgtEl>
-                                          <p:spTgt spid="48"/>
-                                        </p:tgtEl>
-                                        <p:attrNameLst>
-                                          <p:attrName>style.visibility</p:attrName>
-                                        </p:attrNameLst>
-                                      </p:cBhvr>
-                                      <p:to>
-                                        <p:strVal val="visible"/>
-                                      </p:to>
-                                    </p:set>
-                                    <p:animEffect transition="in" filter="fade">
-                                      <p:cBhvr>
-                                        <p:cTn id="21" dur="1000"/>
-                                        <p:tgtEl>
-                                          <p:spTgt spid="48"/>
-                                        </p:tgtEl>
-                                      </p:cBhvr>
-                                    </p:animEffect>
-                                    <p:anim calcmode="lin" valueType="num">
-                                      <p:cBhvr>
-                                        <p:cTn id="22" dur="1000" fill="hold"/>
-                                        <p:tgtEl>
-                                          <p:spTgt spid="48"/>
-                                        </p:tgtEl>
-                                        <p:attrNameLst>
-                                          <p:attrName>ppt_x</p:attrName>
-                                        </p:attrNameLst>
-                                      </p:cBhvr>
-                                      <p:tavLst>
-                                        <p:tav tm="0">
-                                          <p:val>
-                                            <p:strVal val="#ppt_x"/>
-                                          </p:val>
-                                        </p:tav>
-                                        <p:tav tm="100000">
-                                          <p:val>
-                                            <p:strVal val="#ppt_x"/>
-                                          </p:val>
-                                        </p:tav>
-                                      </p:tavLst>
-                                    </p:anim>
-                                    <p:anim calcmode="lin" valueType="num">
-                                      <p:cBhvr>
-                                        <p:cTn id="23" dur="1000" fill="hold"/>
-                                        <p:tgtEl>
-                                          <p:spTgt spid="48"/>
-                                        </p:tgtEl>
-                                        <p:attrNameLst>
-                                          <p:attrName>ppt_y</p:attrName>
-                                        </p:attrNameLst>
-                                      </p:cBhvr>
-                                      <p:tavLst>
-                                        <p:tav tm="0">
-                                          <p:val>
-                                            <p:strVal val="#ppt_y+.1"/>
-                                          </p:val>
-                                        </p:tav>
-                                        <p:tav tm="100000">
-                                          <p:val>
-                                            <p:strVal val="#ppt_y"/>
-                                          </p:val>
-                                        </p:tav>
-                                      </p:tavLst>
-                                    </p:anim>
-                                  </p:childTnLst>
-                                </p:cTn>
-                              </p:par>
-                            </p:childTnLst>
-                          </p:cTn>
-                        </p:par>
-                      </p:childTnLst>
-                    </p:cTn>
-                  </p:par>
-                  <p:par>
-                    <p:cTn id="24" fill="hold">
-                      <p:stCondLst>
-                        <p:cond delay="indefinite"/>
-                      </p:stCondLst>
-                      <p:childTnLst>
-                        <p:par>
-                          <p:cTn id="25" fill="hold">
-                            <p:stCondLst>
-                              <p:cond delay="0"/>
-                            </p:stCondLst>
-                            <p:childTnLst>
-                              <p:par>
-                                <p:cTn id="26" presetID="22" presetClass="entr" presetSubtype="4" fill="hold" grpId="0" nodeType="clickEffect">
-                                  <p:stCondLst>
-                                    <p:cond delay="0"/>
-                                  </p:stCondLst>
-                                  <p:childTnLst>
-                                    <p:set>
-                                      <p:cBhvr>
-                                        <p:cTn id="27" dur="1" fill="hold">
                                           <p:stCondLst>
                                             <p:cond delay="0"/>
                                           </p:stCondLst>
@@ -13434,7 +13438,7 @@
                                     </p:set>
                                     <p:animEffect transition="in" filter="wipe(down)">
                                       <p:cBhvr>
-                                        <p:cTn id="28" dur="500"/>
+                                        <p:cTn id="21" dur="500"/>
                                         <p:tgtEl>
                                           <p:spTgt spid="51"/>
                                         </p:tgtEl>
@@ -13450,26 +13454,26 @@
                     </p:cTn>
                   </p:par>
                   <p:par>
-                    <p:cTn id="29" fill="hold">
+                    <p:cTn id="22" fill="hold">
                       <p:stCondLst>
                         <p:cond delay="indefinite"/>
                       </p:stCondLst>
                       <p:childTnLst>
                         <p:par>
-                          <p:cTn id="30" fill="hold">
+                          <p:cTn id="23" fill="hold">
                             <p:stCondLst>
                               <p:cond delay="0"/>
                             </p:stCondLst>
                             <p:childTnLst>
                               <p:par>
-                                <p:cTn id="31" presetID="42" presetClass="path" presetSubtype="0" accel="50000" decel="50000" fill="hold" grpId="2" nodeType="clickEffect">
+                                <p:cTn id="24" presetID="42" presetClass="path" presetSubtype="0" accel="50000" decel="50000" fill="hold" grpId="2" nodeType="clickEffect">
                                   <p:stCondLst>
                                     <p:cond delay="0"/>
                                   </p:stCondLst>
                                   <p:childTnLst>
                                     <p:animMotion origin="layout" path="M 0.00234 0.00209 L 0.35052 -0.05625 " pathEditMode="relative" rAng="0" ptsTypes="AA">
                                       <p:cBhvr>
-                                        <p:cTn id="32" dur="2000" fill="hold"/>
+                                        <p:cTn id="25" dur="2000" fill="hold"/>
                                         <p:tgtEl>
                                           <p:spTgt spid="51"/>
                                         </p:tgtEl>
@@ -13490,26 +13494,26 @@
                     </p:cTn>
                   </p:par>
                   <p:par>
-                    <p:cTn id="33" fill="hold">
+                    <p:cTn id="26" fill="hold">
                       <p:stCondLst>
                         <p:cond delay="indefinite"/>
                       </p:stCondLst>
                       <p:childTnLst>
                         <p:par>
-                          <p:cTn id="34" fill="hold">
+                          <p:cTn id="27" fill="hold">
                             <p:stCondLst>
                               <p:cond delay="0"/>
                             </p:stCondLst>
                             <p:childTnLst>
                               <p:par>
-                                <p:cTn id="35" presetID="22" presetClass="entr" presetSubtype="4" fill="hold" grpId="0" nodeType="clickEffect">
+                                <p:cTn id="28" presetID="22" presetClass="entr" presetSubtype="4" fill="hold" grpId="0" nodeType="clickEffect">
                                   <p:stCondLst>
                                     <p:cond delay="0"/>
                                   </p:stCondLst>
                                   <p:childTnLst>
                                     <p:set>
                                       <p:cBhvr>
-                                        <p:cTn id="36" dur="1" fill="hold">
+                                        <p:cTn id="29" dur="1" fill="hold">
                                           <p:stCondLst>
                                             <p:cond delay="0"/>
                                           </p:stCondLst>
@@ -13527,7 +13531,7 @@
                                     </p:set>
                                     <p:animEffect transition="in" filter="wipe(down)">
                                       <p:cBhvr>
-                                        <p:cTn id="37" dur="500"/>
+                                        <p:cTn id="30" dur="500"/>
                                         <p:tgtEl>
                                           <p:spTgt spid="54"/>
                                         </p:tgtEl>
@@ -13543,26 +13547,26 @@
                     </p:cTn>
                   </p:par>
                   <p:par>
-                    <p:cTn id="38" fill="hold">
+                    <p:cTn id="31" fill="hold">
                       <p:stCondLst>
                         <p:cond delay="indefinite"/>
                       </p:stCondLst>
                       <p:childTnLst>
                         <p:par>
-                          <p:cTn id="39" fill="hold">
+                          <p:cTn id="32" fill="hold">
                             <p:stCondLst>
                               <p:cond delay="0"/>
                             </p:stCondLst>
                             <p:childTnLst>
                               <p:par>
-                                <p:cTn id="40" presetID="42" presetClass="path" presetSubtype="0" accel="50000" decel="50000" fill="hold" grpId="3" nodeType="clickEffect">
+                                <p:cTn id="33" presetID="42" presetClass="path" presetSubtype="0" accel="50000" decel="50000" fill="hold" grpId="3" nodeType="clickEffect">
                                   <p:stCondLst>
                                     <p:cond delay="0"/>
                                   </p:stCondLst>
                                   <p:childTnLst>
                                     <p:animMotion origin="layout" path="M -4.375E-6 -0.00833 L 0.24558 -0.16829 " pathEditMode="relative" rAng="0" ptsTypes="AA">
                                       <p:cBhvr>
-                                        <p:cTn id="41" dur="2000" fill="hold"/>
+                                        <p:cTn id="34" dur="2000" fill="hold"/>
                                         <p:tgtEl>
                                           <p:spTgt spid="54"/>
                                         </p:tgtEl>
@@ -13583,26 +13587,26 @@
                     </p:cTn>
                   </p:par>
                   <p:par>
-                    <p:cTn id="42" fill="hold">
+                    <p:cTn id="35" fill="hold">
                       <p:stCondLst>
                         <p:cond delay="indefinite"/>
                       </p:stCondLst>
                       <p:childTnLst>
                         <p:par>
-                          <p:cTn id="43" fill="hold">
+                          <p:cTn id="36" fill="hold">
                             <p:stCondLst>
                               <p:cond delay="0"/>
                             </p:stCondLst>
                             <p:childTnLst>
                               <p:par>
-                                <p:cTn id="44" presetID="22" presetClass="entr" presetSubtype="4" fill="hold" grpId="0" nodeType="clickEffect">
+                                <p:cTn id="37" presetID="22" presetClass="entr" presetSubtype="4" fill="hold" grpId="0" nodeType="clickEffect">
                                   <p:stCondLst>
                                     <p:cond delay="0"/>
                                   </p:stCondLst>
                                   <p:childTnLst>
                                     <p:set>
                                       <p:cBhvr>
-                                        <p:cTn id="45" dur="1" fill="hold">
+                                        <p:cTn id="38" dur="1" fill="hold">
                                           <p:stCondLst>
                                             <p:cond delay="0"/>
                                           </p:stCondLst>
@@ -13620,7 +13624,7 @@
                                     </p:set>
                                     <p:animEffect transition="in" filter="wipe(down)">
                                       <p:cBhvr>
-                                        <p:cTn id="46" dur="500"/>
+                                        <p:cTn id="39" dur="500"/>
                                         <p:tgtEl>
                                           <p:spTgt spid="55"/>
                                         </p:tgtEl>
@@ -13636,26 +13640,26 @@
                     </p:cTn>
                   </p:par>
                   <p:par>
-                    <p:cTn id="47" fill="hold">
+                    <p:cTn id="40" fill="hold">
                       <p:stCondLst>
                         <p:cond delay="indefinite"/>
                       </p:stCondLst>
                       <p:childTnLst>
                         <p:par>
-                          <p:cTn id="48" fill="hold">
+                          <p:cTn id="41" fill="hold">
                             <p:stCondLst>
                               <p:cond delay="0"/>
                             </p:stCondLst>
                             <p:childTnLst>
                               <p:par>
-                                <p:cTn id="49" presetID="42" presetClass="path" presetSubtype="0" accel="50000" decel="50000" fill="hold" grpId="2" nodeType="clickEffect">
+                                <p:cTn id="42" presetID="42" presetClass="path" presetSubtype="0" accel="50000" decel="50000" fill="hold" grpId="2" nodeType="clickEffect">
                                   <p:stCondLst>
                                     <p:cond delay="0"/>
                                   </p:stCondLst>
                                   <p:childTnLst>
                                     <p:animMotion origin="layout" path="M 3.125E-6 -1.11111E-6 L 0.49453 -0.00324 " pathEditMode="relative" rAng="0" ptsTypes="AA">
                                       <p:cBhvr>
-                                        <p:cTn id="50" dur="2000" fill="hold"/>
+                                        <p:cTn id="43" dur="2000" fill="hold"/>
                                         <p:tgtEl>
                                           <p:spTgt spid="55"/>
                                         </p:tgtEl>
@@ -13676,26 +13680,26 @@
                     </p:cTn>
                   </p:par>
                   <p:par>
-                    <p:cTn id="51" fill="hold">
+                    <p:cTn id="44" fill="hold">
                       <p:stCondLst>
                         <p:cond delay="indefinite"/>
                       </p:stCondLst>
                       <p:childTnLst>
                         <p:par>
-                          <p:cTn id="52" fill="hold">
+                          <p:cTn id="45" fill="hold">
                             <p:stCondLst>
                               <p:cond delay="0"/>
                             </p:stCondLst>
                             <p:childTnLst>
                               <p:par>
-                                <p:cTn id="53" presetID="42" presetClass="path" presetSubtype="0" accel="50000" decel="50000" fill="hold" grpId="3" nodeType="clickEffect">
+                                <p:cTn id="46" presetID="42" presetClass="path" presetSubtype="0" accel="50000" decel="50000" fill="hold" grpId="3" nodeType="clickEffect">
                                   <p:stCondLst>
                                     <p:cond delay="0"/>
                                   </p:stCondLst>
                                   <p:childTnLst>
                                     <p:animMotion origin="layout" path="M 0.35052 -0.05625 L -4.58333E-6 3.33333E-6 " pathEditMode="relative" rAng="0" ptsTypes="AA">
                                       <p:cBhvr>
-                                        <p:cTn id="54" dur="2000" fill="hold"/>
+                                        <p:cTn id="47" dur="2000" fill="hold"/>
                                         <p:tgtEl>
                                           <p:spTgt spid="51"/>
                                         </p:tgtEl>
@@ -13716,26 +13720,26 @@
                     </p:cTn>
                   </p:par>
                   <p:par>
-                    <p:cTn id="55" fill="hold">
+                    <p:cTn id="48" fill="hold">
                       <p:stCondLst>
                         <p:cond delay="indefinite"/>
                       </p:stCondLst>
                       <p:childTnLst>
                         <p:par>
-                          <p:cTn id="56" fill="hold">
+                          <p:cTn id="49" fill="hold">
                             <p:stCondLst>
                               <p:cond delay="0"/>
                             </p:stCondLst>
                             <p:childTnLst>
                               <p:par>
-                                <p:cTn id="57" presetID="10" presetClass="exit" presetSubtype="0" fill="hold" grpId="1" nodeType="clickEffect">
+                                <p:cTn id="50" presetID="10" presetClass="exit" presetSubtype="0" fill="hold" grpId="1" nodeType="clickEffect">
                                   <p:stCondLst>
                                     <p:cond delay="0"/>
                                   </p:stCondLst>
                                   <p:childTnLst>
                                     <p:animEffect transition="out" filter="fade">
                                       <p:cBhvr>
-                                        <p:cTn id="58" dur="500"/>
+                                        <p:cTn id="51" dur="500"/>
                                         <p:tgtEl>
                                           <p:spTgt spid="51"/>
                                         </p:tgtEl>
@@ -13743,7 +13747,7 @@
                                     </p:animEffect>
                                     <p:set>
                                       <p:cBhvr>
-                                        <p:cTn id="59" dur="1" fill="hold">
+                                        <p:cTn id="52" dur="1" fill="hold">
                                           <p:stCondLst>
                                             <p:cond delay="499"/>
                                           </p:stCondLst>
@@ -13769,26 +13773,26 @@
                     </p:cTn>
                   </p:par>
                   <p:par>
-                    <p:cTn id="60" fill="hold">
+                    <p:cTn id="53" fill="hold">
                       <p:stCondLst>
                         <p:cond delay="indefinite"/>
                       </p:stCondLst>
                       <p:childTnLst>
                         <p:par>
-                          <p:cTn id="61" fill="hold">
+                          <p:cTn id="54" fill="hold">
                             <p:stCondLst>
                               <p:cond delay="0"/>
                             </p:stCondLst>
                             <p:childTnLst>
                               <p:par>
-                                <p:cTn id="62" presetID="10" presetClass="entr" presetSubtype="0" fill="hold" nodeType="clickEffect">
+                                <p:cTn id="55" presetID="10" presetClass="entr" presetSubtype="0" fill="hold" nodeType="clickEffect">
                                   <p:stCondLst>
                                     <p:cond delay="0"/>
                                   </p:stCondLst>
                                   <p:childTnLst>
                                     <p:set>
                                       <p:cBhvr>
-                                        <p:cTn id="63" dur="1" fill="hold">
+                                        <p:cTn id="56" dur="1" fill="hold">
                                           <p:stCondLst>
                                             <p:cond delay="0"/>
                                           </p:stCondLst>
@@ -13806,7 +13810,7 @@
                                     </p:set>
                                     <p:animEffect transition="in" filter="fade">
                                       <p:cBhvr>
-                                        <p:cTn id="64" dur="500"/>
+                                        <p:cTn id="57" dur="500"/>
                                         <p:tgtEl>
                                           <p:spTgt spid="52"/>
                                         </p:tgtEl>
@@ -13822,26 +13826,26 @@
                     </p:cTn>
                   </p:par>
                   <p:par>
-                    <p:cTn id="65" fill="hold">
+                    <p:cTn id="58" fill="hold">
                       <p:stCondLst>
                         <p:cond delay="indefinite"/>
                       </p:stCondLst>
                       <p:childTnLst>
                         <p:par>
-                          <p:cTn id="66" fill="hold">
+                          <p:cTn id="59" fill="hold">
                             <p:stCondLst>
                               <p:cond delay="0"/>
                             </p:stCondLst>
                             <p:childTnLst>
                               <p:par>
-                                <p:cTn id="67" presetID="22" presetClass="entr" presetSubtype="4" fill="hold" grpId="0" nodeType="clickEffect">
+                                <p:cTn id="60" presetID="22" presetClass="entr" presetSubtype="4" fill="hold" grpId="0" nodeType="clickEffect">
                                   <p:stCondLst>
                                     <p:cond delay="0"/>
                                   </p:stCondLst>
                                   <p:childTnLst>
                                     <p:set>
                                       <p:cBhvr>
-                                        <p:cTn id="68" dur="1" fill="hold">
+                                        <p:cTn id="61" dur="1" fill="hold">
                                           <p:stCondLst>
                                             <p:cond delay="0"/>
                                           </p:stCondLst>
@@ -13859,7 +13863,7 @@
                                     </p:set>
                                     <p:animEffect transition="in" filter="wipe(down)">
                                       <p:cBhvr>
-                                        <p:cTn id="69" dur="500"/>
+                                        <p:cTn id="62" dur="500"/>
                                         <p:tgtEl>
                                           <p:spTgt spid="61"/>
                                         </p:tgtEl>
@@ -13875,26 +13879,26 @@
                     </p:cTn>
                   </p:par>
                   <p:par>
-                    <p:cTn id="70" fill="hold">
+                    <p:cTn id="63" fill="hold">
                       <p:stCondLst>
                         <p:cond delay="indefinite"/>
                       </p:stCondLst>
                       <p:childTnLst>
                         <p:par>
-                          <p:cTn id="71" fill="hold">
+                          <p:cTn id="64" fill="hold">
                             <p:stCondLst>
                               <p:cond delay="0"/>
                             </p:stCondLst>
                             <p:childTnLst>
                               <p:par>
-                                <p:cTn id="72" presetID="42" presetClass="path" presetSubtype="0" accel="50000" decel="50000" fill="hold" grpId="4" nodeType="clickEffect">
+                                <p:cTn id="65" presetID="42" presetClass="path" presetSubtype="0" accel="50000" decel="50000" fill="hold" grpId="4" nodeType="clickEffect">
                                   <p:stCondLst>
                                     <p:cond delay="0"/>
                                   </p:stCondLst>
                                   <p:childTnLst>
                                     <p:animMotion origin="layout" path="M 0.24558 -0.16944 L -6.25E-7 2.59259E-6 " pathEditMode="relative" rAng="0" ptsTypes="AA">
                                       <p:cBhvr>
-                                        <p:cTn id="73" dur="2000" fill="hold"/>
+                                        <p:cTn id="66" dur="2000" fill="hold"/>
                                         <p:tgtEl>
                                           <p:spTgt spid="54"/>
                                         </p:tgtEl>
@@ -13915,26 +13919,26 @@
                     </p:cTn>
                   </p:par>
                   <p:par>
-                    <p:cTn id="74" fill="hold">
+                    <p:cTn id="67" fill="hold">
                       <p:stCondLst>
                         <p:cond delay="indefinite"/>
                       </p:stCondLst>
                       <p:childTnLst>
                         <p:par>
-                          <p:cTn id="75" fill="hold">
+                          <p:cTn id="68" fill="hold">
                             <p:stCondLst>
                               <p:cond delay="0"/>
                             </p:stCondLst>
                             <p:childTnLst>
                               <p:par>
-                                <p:cTn id="76" presetID="10" presetClass="exit" presetSubtype="0" fill="hold" grpId="1" nodeType="clickEffect">
+                                <p:cTn id="69" presetID="10" presetClass="exit" presetSubtype="0" fill="hold" grpId="1" nodeType="clickEffect">
                                   <p:stCondLst>
                                     <p:cond delay="0"/>
                                   </p:stCondLst>
                                   <p:childTnLst>
                                     <p:animEffect transition="out" filter="fade">
                                       <p:cBhvr>
-                                        <p:cTn id="77" dur="500"/>
+                                        <p:cTn id="70" dur="500"/>
                                         <p:tgtEl>
                                           <p:spTgt spid="54"/>
                                         </p:tgtEl>
@@ -13942,7 +13946,7 @@
                                     </p:animEffect>
                                     <p:set>
                                       <p:cBhvr>
-                                        <p:cTn id="78" dur="1" fill="hold">
+                                        <p:cTn id="71" dur="1" fill="hold">
                                           <p:stCondLst>
                                             <p:cond delay="499"/>
                                           </p:stCondLst>
@@ -13968,26 +13972,26 @@
                     </p:cTn>
                   </p:par>
                   <p:par>
-                    <p:cTn id="79" fill="hold">
+                    <p:cTn id="72" fill="hold">
                       <p:stCondLst>
                         <p:cond delay="indefinite"/>
                       </p:stCondLst>
                       <p:childTnLst>
                         <p:par>
-                          <p:cTn id="80" fill="hold">
+                          <p:cTn id="73" fill="hold">
                             <p:stCondLst>
                               <p:cond delay="0"/>
                             </p:stCondLst>
                             <p:childTnLst>
                               <p:par>
-                                <p:cTn id="81" presetID="10" presetClass="entr" presetSubtype="0" fill="hold" nodeType="clickEffect">
+                                <p:cTn id="74" presetID="10" presetClass="entr" presetSubtype="0" fill="hold" nodeType="clickEffect">
                                   <p:stCondLst>
                                     <p:cond delay="0"/>
                                   </p:stCondLst>
                                   <p:childTnLst>
                                     <p:set>
                                       <p:cBhvr>
-                                        <p:cTn id="82" dur="1" fill="hold">
+                                        <p:cTn id="75" dur="1" fill="hold">
                                           <p:stCondLst>
                                             <p:cond delay="0"/>
                                           </p:stCondLst>
@@ -14005,7 +14009,7 @@
                                     </p:set>
                                     <p:animEffect transition="in" filter="fade">
                                       <p:cBhvr>
-                                        <p:cTn id="83" dur="500"/>
+                                        <p:cTn id="76" dur="500"/>
                                         <p:tgtEl>
                                           <p:spTgt spid="66"/>
                                         </p:tgtEl>
@@ -14021,26 +14025,26 @@
                     </p:cTn>
                   </p:par>
                   <p:par>
-                    <p:cTn id="84" fill="hold">
+                    <p:cTn id="77" fill="hold">
                       <p:stCondLst>
                         <p:cond delay="indefinite"/>
                       </p:stCondLst>
                       <p:childTnLst>
                         <p:par>
-                          <p:cTn id="85" fill="hold">
+                          <p:cTn id="78" fill="hold">
                             <p:stCondLst>
                               <p:cond delay="0"/>
                             </p:stCondLst>
                             <p:childTnLst>
                               <p:par>
-                                <p:cTn id="86" presetID="22" presetClass="entr" presetSubtype="4" fill="hold" grpId="0" nodeType="clickEffect">
+                                <p:cTn id="79" presetID="22" presetClass="entr" presetSubtype="4" fill="hold" grpId="0" nodeType="clickEffect">
                                   <p:stCondLst>
                                     <p:cond delay="0"/>
                                   </p:stCondLst>
                                   <p:childTnLst>
                                     <p:set>
                                       <p:cBhvr>
-                                        <p:cTn id="87" dur="1" fill="hold">
+                                        <p:cTn id="80" dur="1" fill="hold">
                                           <p:stCondLst>
                                             <p:cond delay="0"/>
                                           </p:stCondLst>
@@ -14058,7 +14062,7 @@
                                     </p:set>
                                     <p:animEffect transition="in" filter="wipe(down)">
                                       <p:cBhvr>
-                                        <p:cTn id="88" dur="500"/>
+                                        <p:cTn id="81" dur="500"/>
                                         <p:tgtEl>
                                           <p:spTgt spid="43"/>
                                         </p:tgtEl>
@@ -14074,26 +14078,26 @@
                     </p:cTn>
                   </p:par>
                   <p:par>
-                    <p:cTn id="89" fill="hold">
+                    <p:cTn id="82" fill="hold">
                       <p:stCondLst>
                         <p:cond delay="indefinite"/>
                       </p:stCondLst>
                       <p:childTnLst>
                         <p:par>
-                          <p:cTn id="90" fill="hold">
+                          <p:cTn id="83" fill="hold">
                             <p:stCondLst>
                               <p:cond delay="0"/>
                             </p:stCondLst>
                             <p:childTnLst>
                               <p:par>
-                                <p:cTn id="91" presetID="42" presetClass="path" presetSubtype="0" accel="50000" decel="50000" fill="hold" grpId="3" nodeType="clickEffect">
+                                <p:cTn id="84" presetID="42" presetClass="path" presetSubtype="0" accel="50000" decel="50000" fill="hold" grpId="3" nodeType="clickEffect">
                                   <p:stCondLst>
                                     <p:cond delay="0"/>
                                   </p:stCondLst>
                                   <p:childTnLst>
                                     <p:animMotion origin="layout" path="M 0.49453 -0.00324 L 4.375E-6 -2.22222E-6 " pathEditMode="relative" rAng="0" ptsTypes="AA">
                                       <p:cBhvr>
-                                        <p:cTn id="92" dur="2000" fill="hold"/>
+                                        <p:cTn id="85" dur="2000" fill="hold"/>
                                         <p:tgtEl>
                                           <p:spTgt spid="55"/>
                                         </p:tgtEl>
@@ -14114,26 +14118,26 @@
                     </p:cTn>
                   </p:par>
                   <p:par>
-                    <p:cTn id="93" fill="hold">
+                    <p:cTn id="86" fill="hold">
                       <p:stCondLst>
                         <p:cond delay="indefinite"/>
                       </p:stCondLst>
                       <p:childTnLst>
                         <p:par>
-                          <p:cTn id="94" fill="hold">
+                          <p:cTn id="87" fill="hold">
                             <p:stCondLst>
                               <p:cond delay="0"/>
                             </p:stCondLst>
                             <p:childTnLst>
                               <p:par>
-                                <p:cTn id="95" presetID="22" presetClass="exit" presetSubtype="4" fill="hold" grpId="1" nodeType="clickEffect">
+                                <p:cTn id="88" presetID="22" presetClass="exit" presetSubtype="4" fill="hold" grpId="1" nodeType="clickEffect">
                                   <p:stCondLst>
                                     <p:cond delay="0"/>
                                   </p:stCondLst>
                                   <p:childTnLst>
                                     <p:animEffect transition="out" filter="wipe(down)">
                                       <p:cBhvr>
-                                        <p:cTn id="96" dur="500"/>
+                                        <p:cTn id="89" dur="500"/>
                                         <p:tgtEl>
                                           <p:spTgt spid="55"/>
                                         </p:tgtEl>
@@ -14141,7 +14145,7 @@
                                     </p:animEffect>
                                     <p:set>
                                       <p:cBhvr>
-                                        <p:cTn id="97" dur="1" fill="hold">
+                                        <p:cTn id="90" dur="1" fill="hold">
                                           <p:stCondLst>
                                             <p:cond delay="499"/>
                                           </p:stCondLst>
@@ -14167,26 +14171,26 @@
                     </p:cTn>
                   </p:par>
                   <p:par>
-                    <p:cTn id="98" fill="hold">
+                    <p:cTn id="91" fill="hold">
                       <p:stCondLst>
                         <p:cond delay="indefinite"/>
                       </p:stCondLst>
                       <p:childTnLst>
                         <p:par>
-                          <p:cTn id="99" fill="hold">
+                          <p:cTn id="92" fill="hold">
                             <p:stCondLst>
                               <p:cond delay="0"/>
                             </p:stCondLst>
                             <p:childTnLst>
                               <p:par>
-                                <p:cTn id="100" presetID="10" presetClass="entr" presetSubtype="0" fill="hold" nodeType="clickEffect">
+                                <p:cTn id="93" presetID="10" presetClass="entr" presetSubtype="0" fill="hold" nodeType="clickEffect">
                                   <p:stCondLst>
                                     <p:cond delay="0"/>
                                   </p:stCondLst>
                                   <p:childTnLst>
                                     <p:set>
                                       <p:cBhvr>
-                                        <p:cTn id="101" dur="1" fill="hold">
+                                        <p:cTn id="94" dur="1" fill="hold">
                                           <p:stCondLst>
                                             <p:cond delay="0"/>
                                           </p:stCondLst>
@@ -14204,7 +14208,7 @@
                                     </p:set>
                                     <p:animEffect transition="in" filter="fade">
                                       <p:cBhvr>
-                                        <p:cTn id="102" dur="500"/>
+                                        <p:cTn id="95" dur="500"/>
                                         <p:tgtEl>
                                           <p:spTgt spid="7"/>
                                         </p:tgtEl>
@@ -14220,26 +14224,26 @@
                     </p:cTn>
                   </p:par>
                   <p:par>
-                    <p:cTn id="103" fill="hold">
+                    <p:cTn id="96" fill="hold">
                       <p:stCondLst>
                         <p:cond delay="indefinite"/>
                       </p:stCondLst>
                       <p:childTnLst>
                         <p:par>
-                          <p:cTn id="104" fill="hold">
+                          <p:cTn id="97" fill="hold">
                             <p:stCondLst>
                               <p:cond delay="0"/>
                             </p:stCondLst>
                             <p:childTnLst>
                               <p:par>
-                                <p:cTn id="105" presetID="22" presetClass="entr" presetSubtype="4" fill="hold" grpId="0" nodeType="clickEffect">
+                                <p:cTn id="98" presetID="22" presetClass="entr" presetSubtype="4" fill="hold" grpId="0" nodeType="clickEffect">
                                   <p:stCondLst>
                                     <p:cond delay="0"/>
                                   </p:stCondLst>
                                   <p:childTnLst>
                                     <p:set>
                                       <p:cBhvr>
-                                        <p:cTn id="106" dur="1" fill="hold">
+                                        <p:cTn id="99" dur="1" fill="hold">
                                           <p:stCondLst>
                                             <p:cond delay="0"/>
                                           </p:stCondLst>
@@ -14257,7 +14261,7 @@
                                     </p:set>
                                     <p:animEffect transition="in" filter="wipe(down)">
                                       <p:cBhvr>
-                                        <p:cTn id="107" dur="500"/>
+                                        <p:cTn id="100" dur="500"/>
                                         <p:tgtEl>
                                           <p:spTgt spid="65"/>
                                         </p:tgtEl>
@@ -14969,8 +14973,8 @@
         </p:nvSpPr>
         <p:spPr>
           <a:xfrm>
-            <a:off x="8623239" y="5579485"/>
-            <a:ext cx="3073400" cy="646331"/>
+            <a:off x="8827627" y="3423354"/>
+            <a:ext cx="2251019" cy="1200329"/>
           </a:xfrm>
           <a:prstGeom prst="rect">
             <a:avLst/>
@@ -14983,29 +14987,35 @@
           </a:bodyPr>
           <a:lstStyle/>
           <a:p>
+            <a:pPr algn="ctr"/>
             <a:r>
               <a:rPr lang="en-US" altLang="ja-JP" dirty="0"/>
               <a:t>Target Priority Queue</a:t>
             </a:r>
           </a:p>
           <a:p>
+            <a:pPr algn="ctr"/>
             <a:r>
               <a:rPr lang="ja-JP" altLang="en-US" dirty="0"/>
               <a:t>が空き状態になると</a:t>
             </a:r>
             <a:r>
-              <a:rPr lang="ja-JP" altLang="en-US" dirty="0">
+              <a:rPr lang="ja-JP" altLang="en-US" dirty="0" smtClean="0">
                 <a:solidFill>
                   <a:srgbClr val="FF0000"/>
                 </a:solidFill>
               </a:rPr>
               <a:t>終了</a:t>
             </a:r>
-            <a:endParaRPr lang="en-US" altLang="ja-JP" dirty="0">
+            <a:endParaRPr lang="en-US" altLang="ja-JP" dirty="0" smtClean="0">
               <a:solidFill>
                 <a:srgbClr val="FF0000"/>
               </a:solidFill>
             </a:endParaRPr>
+          </a:p>
+          <a:p>
+            <a:pPr algn="ctr"/>
+            <a:endParaRPr lang="en-US" altLang="ja-JP" dirty="0"/>
           </a:p>
         </p:txBody>
       </p:sp>
@@ -15017,8 +15027,8 @@
         </p:nvSpPr>
         <p:spPr>
           <a:xfrm>
-            <a:off x="2806097" y="2559281"/>
-            <a:ext cx="5946569" cy="2288431"/>
+            <a:off x="3092122" y="2787304"/>
+            <a:ext cx="5851853" cy="2899089"/>
           </a:xfrm>
           <a:prstGeom prst="roundRect">
             <a:avLst>
@@ -15052,8 +15062,11 @@
           <a:bodyPr rtlCol="0" anchor="ctr"/>
           <a:lstStyle/>
           <a:p>
-            <a:pPr algn="ctr"/>
-            <a:endParaRPr kumimoji="1" lang="ja-JP" altLang="en-US"/>
+            <a:endParaRPr lang="en-US" altLang="zh-CN" dirty="0">
+              <a:solidFill>
+                <a:schemeClr val="tx1"/>
+              </a:solidFill>
+            </a:endParaRPr>
           </a:p>
         </p:txBody>
       </p:sp>
@@ -15065,7 +15078,7 @@
         </p:nvSpPr>
         <p:spPr>
           <a:xfrm>
-            <a:off x="3191354" y="3227759"/>
+            <a:off x="3127321" y="3659617"/>
             <a:ext cx="2038351" cy="1477328"/>
           </a:xfrm>
           <a:prstGeom prst="rect">
@@ -15148,7 +15161,7 @@
         </p:nvSpPr>
         <p:spPr>
           <a:xfrm>
-            <a:off x="5998750" y="3743414"/>
+            <a:off x="6274996" y="4189246"/>
             <a:ext cx="2640272" cy="369332"/>
           </a:xfrm>
           <a:prstGeom prst="rect">
@@ -15186,7 +15199,7 @@
         </p:nvSpPr>
         <p:spPr>
           <a:xfrm rot="16200000">
-            <a:off x="5397810" y="3746343"/>
+            <a:off x="5566987" y="4197457"/>
             <a:ext cx="525805" cy="356924"/>
           </a:xfrm>
           <a:prstGeom prst="downArrow">
@@ -15240,7 +15253,7 @@
               <a:rPr lang="en-US" smtClean="0"/>
               <a:t>13</a:t>
             </a:fld>
-            <a:endParaRPr lang="en-US"/>
+            <a:endParaRPr lang="en-US" dirty="0"/>
           </a:p>
         </p:txBody>
       </p:sp>
@@ -15634,7 +15647,7 @@
         </p:nvSpPr>
         <p:spPr>
           <a:xfrm>
-            <a:off x="3269234" y="2808283"/>
+            <a:off x="3256852" y="5178300"/>
             <a:ext cx="4760676" cy="369332"/>
           </a:xfrm>
           <a:prstGeom prst="rect">
@@ -15714,9 +15727,62 @@
             </a:r>
             <a:r>
               <a:rPr lang="ja-JP" altLang="en-US" dirty="0"/>
-              <a:t>領域は探索しないので、計算の削減ができた！</a:t>
+              <a:t>領域は</a:t>
+            </a:r>
+            <a:r>
+              <a:rPr lang="ja-JP" altLang="en-US" dirty="0" smtClean="0"/>
+              <a:t>探索無しにより、</a:t>
+            </a:r>
+            <a:r>
+              <a:rPr lang="ja-JP" altLang="en-US" dirty="0"/>
+              <a:t>計算の削減ができた！</a:t>
             </a:r>
             <a:endParaRPr lang="en-US" altLang="ja-JP" dirty="0"/>
+          </a:p>
+        </p:txBody>
+      </p:sp>
+      <p:sp>
+        <p:nvSpPr>
+          <p:cNvPr id="7" name="正方形/長方形 6"/>
+          <p:cNvSpPr/>
+          <p:nvPr/>
+        </p:nvSpPr>
+        <p:spPr>
+          <a:xfrm>
+            <a:off x="3256852" y="2981270"/>
+            <a:ext cx="4981114" cy="646331"/>
+          </a:xfrm>
+          <a:prstGeom prst="rect">
+            <a:avLst/>
+          </a:prstGeom>
+        </p:spPr>
+        <p:txBody>
+          <a:bodyPr wrap="square">
+            <a:spAutoFit/>
+          </a:bodyPr>
+          <a:lstStyle/>
+          <a:p>
+            <a:r>
+              <a:rPr lang="en-US" altLang="ja-JP" dirty="0"/>
+              <a:t>Target-cover-set: </a:t>
+            </a:r>
+            <a:r>
+              <a:rPr lang="en-US" altLang="ja-JP" dirty="0" smtClean="0"/>
+              <a:t>Target</a:t>
+            </a:r>
+            <a:r>
+              <a:rPr lang="ja-JP" altLang="en-US" dirty="0"/>
+              <a:t>が</a:t>
+            </a:r>
+            <a:r>
+              <a:rPr lang="en-US" altLang="ja-JP" dirty="0"/>
+              <a:t>Pursuer</a:t>
+            </a:r>
+            <a:r>
+              <a:rPr lang="ja-JP" altLang="en-US" dirty="0"/>
+              <a:t>より早く辿り着ける領域のタイルの数</a:t>
+            </a:r>
+            <a:endParaRPr lang="en-US" altLang="zh-CN" dirty="0"/>
           </a:p>
         </p:txBody>
       </p:sp>
@@ -16042,7 +16108,7 @@
                                           </p:stCondLst>
                                         </p:cTn>
                                         <p:tgtEl>
-                                          <p:spTgt spid="5"/>
+                                          <p:spTgt spid="40"/>
                                         </p:tgtEl>
                                         <p:attrNameLst>
                                           <p:attrName>style.visibility</p:attrName>
@@ -16056,7 +16122,7 @@
                                       <p:cBhvr>
                                         <p:cTn id="30" dur="500"/>
                                         <p:tgtEl>
-                                          <p:spTgt spid="5"/>
+                                          <p:spTgt spid="40"/>
                                         </p:tgtEl>
                                       </p:cBhvr>
                                     </p:animEffect>
@@ -16095,7 +16161,7 @@
                                           </p:stCondLst>
                                         </p:cTn>
                                         <p:tgtEl>
-                                          <p:spTgt spid="40"/>
+                                          <p:spTgt spid="7"/>
                                         </p:tgtEl>
                                         <p:attrNameLst>
                                           <p:attrName>style.visibility</p:attrName>
@@ -16109,7 +16175,7 @@
                                       <p:cBhvr>
                                         <p:cTn id="35" dur="500"/>
                                         <p:tgtEl>
-                                          <p:spTgt spid="40"/>
+                                          <p:spTgt spid="7"/>
                                         </p:tgtEl>
                                       </p:cBhvr>
                                     </p:animEffect>
@@ -16148,7 +16214,7 @@
                                           </p:stCondLst>
                                         </p:cTn>
                                         <p:tgtEl>
-                                          <p:spTgt spid="34"/>
+                                          <p:spTgt spid="41"/>
                                         </p:tgtEl>
                                         <p:attrNameLst>
                                           <p:attrName>style.visibility</p:attrName>
@@ -16162,7 +16228,7 @@
                                       <p:cBhvr>
                                         <p:cTn id="40" dur="1000"/>
                                         <p:tgtEl>
-                                          <p:spTgt spid="34"/>
+                                          <p:spTgt spid="41"/>
                                         </p:tgtEl>
                                       </p:cBhvr>
                                     </p:animEffect>
@@ -16170,7 +16236,7 @@
                                       <p:cBhvr>
                                         <p:cTn id="41" dur="1000" fill="hold"/>
                                         <p:tgtEl>
-                                          <p:spTgt spid="34"/>
+                                          <p:spTgt spid="41"/>
                                         </p:tgtEl>
                                         <p:attrNameLst>
                                           <p:attrName>ppt_x</p:attrName>
@@ -16193,7 +16259,7 @@
                                       <p:cBhvr>
                                         <p:cTn id="42" dur="1000" fill="hold"/>
                                         <p:tgtEl>
-                                          <p:spTgt spid="34"/>
+                                          <p:spTgt spid="41"/>
                                         </p:tgtEl>
                                         <p:attrNameLst>
                                           <p:attrName>ppt_y</p:attrName>
@@ -16247,7 +16313,7 @@
                                           </p:stCondLst>
                                         </p:cTn>
                                         <p:tgtEl>
-                                          <p:spTgt spid="41"/>
+                                          <p:spTgt spid="34"/>
                                         </p:tgtEl>
                                         <p:attrNameLst>
                                           <p:attrName>style.visibility</p:attrName>
@@ -16261,7 +16327,7 @@
                                       <p:cBhvr>
                                         <p:cTn id="47" dur="1000"/>
                                         <p:tgtEl>
-                                          <p:spTgt spid="41"/>
+                                          <p:spTgt spid="34"/>
                                         </p:tgtEl>
                                       </p:cBhvr>
                                     </p:animEffect>
@@ -16269,7 +16335,7 @@
                                       <p:cBhvr>
                                         <p:cTn id="48" dur="1000" fill="hold"/>
                                         <p:tgtEl>
-                                          <p:spTgt spid="41"/>
+                                          <p:spTgt spid="34"/>
                                         </p:tgtEl>
                                         <p:attrNameLst>
                                           <p:attrName>ppt_x</p:attrName>
@@ -16292,7 +16358,7 @@
                                       <p:cBhvr>
                                         <p:cTn id="49" dur="1000" fill="hold"/>
                                         <p:tgtEl>
-                                          <p:spTgt spid="41"/>
+                                          <p:spTgt spid="34"/>
                                         </p:tgtEl>
                                         <p:attrNameLst>
                                           <p:attrName>ppt_y</p:attrName>
@@ -16472,6 +16538,59 @@
                       </p:childTnLst>
                     </p:cTn>
                   </p:par>
+                  <p:par>
+                    <p:cTn id="62" fill="hold">
+                      <p:stCondLst>
+                        <p:cond delay="indefinite"/>
+                      </p:stCondLst>
+                      <p:childTnLst>
+                        <p:par>
+                          <p:cTn id="63" fill="hold">
+                            <p:stCondLst>
+                              <p:cond delay="0"/>
+                            </p:stCondLst>
+                            <p:childTnLst>
+                              <p:par>
+                                <p:cTn id="64" presetID="10" presetClass="entr" presetSubtype="0" fill="hold" grpId="0" nodeType="clickEffect">
+                                  <p:stCondLst>
+                                    <p:cond delay="0"/>
+                                  </p:stCondLst>
+                                  <p:childTnLst>
+                                    <p:set>
+                                      <p:cBhvr>
+                                        <p:cTn id="65" dur="1" fill="hold">
+                                          <p:stCondLst>
+                                            <p:cond delay="0"/>
+                                          </p:stCondLst>
+                                        </p:cTn>
+                                        <p:tgtEl>
+                                          <p:spTgt spid="5"/>
+                                        </p:tgtEl>
+                                        <p:attrNameLst>
+                                          <p:attrName>style.visibility</p:attrName>
+                                        </p:attrNameLst>
+                                      </p:cBhvr>
+                                      <p:to>
+                                        <p:strVal val="visible"/>
+                                      </p:to>
+                                    </p:set>
+                                    <p:animEffect transition="in" filter="fade">
+                                      <p:cBhvr>
+                                        <p:cTn id="66" dur="500"/>
+                                        <p:tgtEl>
+                                          <p:spTgt spid="5"/>
+                                        </p:tgtEl>
+                                      </p:cBhvr>
+                                    </p:animEffect>
+                                  </p:childTnLst>
+                                </p:cTn>
+                              </p:par>
+                            </p:childTnLst>
+                          </p:cTn>
+                        </p:par>
+                      </p:childTnLst>
+                    </p:cTn>
+                  </p:par>
                 </p:childTnLst>
               </p:cTn>
               <p:prevCondLst>
@@ -16504,6 +16623,7 @@
       <p:bldP spid="43" grpId="0" animBg="1"/>
       <p:bldP spid="34" grpId="0"/>
       <p:bldP spid="5" grpId="0" animBg="1"/>
+      <p:bldP spid="7" grpId="0"/>
     </p:bldLst>
   </p:timing>
 </p:sld>
@@ -16668,7 +16788,7 @@
         <p:spPr>
           <a:xfrm>
             <a:off x="5313167" y="2302062"/>
-            <a:ext cx="5418459" cy="1477328"/>
+            <a:ext cx="5418459" cy="646331"/>
           </a:xfrm>
           <a:prstGeom prst="rect">
             <a:avLst/>
@@ -16691,39 +16811,6 @@
             </a:r>
           </a:p>
           <a:p>
-            <a:endParaRPr lang="en-US" altLang="ja-JP" dirty="0"/>
-          </a:p>
-          <a:p>
-            <a:r>
-              <a:rPr lang="ja-JP" altLang="en-US" dirty="0"/>
-              <a:t>該当パーサ（</a:t>
-            </a:r>
-            <a:r>
-              <a:rPr lang="en-US" altLang="ja-JP" b="1" i="1" dirty="0"/>
-              <a:t>P2</a:t>
-            </a:r>
-            <a:r>
-              <a:rPr lang="ja-JP" altLang="en-US" dirty="0"/>
-              <a:t>）が移動できない状態</a:t>
-            </a:r>
-            <a:endParaRPr lang="en-US" altLang="ja-JP" dirty="0"/>
-          </a:p>
-          <a:p>
-            <a:endParaRPr lang="en-US" altLang="ja-JP" dirty="0"/>
-          </a:p>
-          <a:p>
-            <a:r>
-              <a:rPr lang="en-US" altLang="ja-JP" dirty="0">
-                <a:solidFill>
-                  <a:srgbClr val="FF0000"/>
-                </a:solidFill>
-              </a:rPr>
-              <a:t>A star algorithm</a:t>
-            </a:r>
-            <a:r>
-              <a:rPr lang="ja-JP" altLang="en-US" dirty="0"/>
-              <a:t>を適用</a:t>
-            </a:r>
             <a:endParaRPr lang="en-US" altLang="ja-JP" dirty="0"/>
           </a:p>
         </p:txBody>
@@ -16919,6 +17006,61 @@
               <a:t>T</a:t>
             </a:r>
             <a:endParaRPr lang="en-US" b="1" i="1" dirty="0"/>
+          </a:p>
+        </p:txBody>
+      </p:sp>
+      <p:sp>
+        <p:nvSpPr>
+          <p:cNvPr id="4" name="正方形/長方形 3"/>
+          <p:cNvSpPr/>
+          <p:nvPr/>
+        </p:nvSpPr>
+        <p:spPr>
+          <a:xfrm>
+            <a:off x="5313167" y="2933001"/>
+            <a:ext cx="6096000" cy="923330"/>
+          </a:xfrm>
+          <a:prstGeom prst="rect">
+            <a:avLst/>
+          </a:prstGeom>
+        </p:spPr>
+        <p:txBody>
+          <a:bodyPr>
+            <a:spAutoFit/>
+          </a:bodyPr>
+          <a:lstStyle/>
+          <a:p>
+            <a:r>
+              <a:rPr lang="ja-JP" altLang="en-US" dirty="0"/>
+              <a:t>該当パーサ（</a:t>
+            </a:r>
+            <a:r>
+              <a:rPr lang="en-US" altLang="ja-JP" b="1" i="1" dirty="0"/>
+              <a:t>P2</a:t>
+            </a:r>
+            <a:r>
+              <a:rPr lang="ja-JP" altLang="en-US" dirty="0"/>
+              <a:t>）が移動できない状態</a:t>
+            </a:r>
+            <a:endParaRPr lang="en-US" altLang="ja-JP" dirty="0"/>
+          </a:p>
+          <a:p>
+            <a:endParaRPr lang="en-US" altLang="ja-JP" dirty="0"/>
+          </a:p>
+          <a:p>
+            <a:r>
+              <a:rPr lang="en-US" altLang="ja-JP" dirty="0">
+                <a:solidFill>
+                  <a:srgbClr val="FF0000"/>
+                </a:solidFill>
+              </a:rPr>
+              <a:t>A star algorithm</a:t>
+            </a:r>
+            <a:r>
+              <a:rPr lang="ja-JP" altLang="en-US" dirty="0"/>
+              <a:t>を適用</a:t>
+            </a:r>
+            <a:endParaRPr lang="en-US" altLang="ja-JP" dirty="0"/>
           </a:p>
         </p:txBody>
       </p:sp>
@@ -17006,7 +17148,7 @@
                             </p:stCondLst>
                             <p:childTnLst>
                               <p:par>
-                                <p:cTn id="10" presetID="10" presetClass="entr" presetSubtype="0" fill="hold" nodeType="clickEffect">
+                                <p:cTn id="10" presetID="10" presetClass="entr" presetSubtype="0" fill="hold" grpId="0" nodeType="clickEffect">
                                   <p:stCondLst>
                                     <p:cond delay="0"/>
                                   </p:stCondLst>
@@ -17014,6 +17156,59 @@
                                     <p:set>
                                       <p:cBhvr>
                                         <p:cTn id="11" dur="1" fill="hold">
+                                          <p:stCondLst>
+                                            <p:cond delay="0"/>
+                                          </p:stCondLst>
+                                        </p:cTn>
+                                        <p:tgtEl>
+                                          <p:spTgt spid="4"/>
+                                        </p:tgtEl>
+                                        <p:attrNameLst>
+                                          <p:attrName>style.visibility</p:attrName>
+                                        </p:attrNameLst>
+                                      </p:cBhvr>
+                                      <p:to>
+                                        <p:strVal val="visible"/>
+                                      </p:to>
+                                    </p:set>
+                                    <p:animEffect transition="in" filter="fade">
+                                      <p:cBhvr>
+                                        <p:cTn id="12" dur="500"/>
+                                        <p:tgtEl>
+                                          <p:spTgt spid="4"/>
+                                        </p:tgtEl>
+                                      </p:cBhvr>
+                                    </p:animEffect>
+                                  </p:childTnLst>
+                                </p:cTn>
+                              </p:par>
+                            </p:childTnLst>
+                          </p:cTn>
+                        </p:par>
+                      </p:childTnLst>
+                    </p:cTn>
+                  </p:par>
+                  <p:par>
+                    <p:cTn id="13" fill="hold">
+                      <p:stCondLst>
+                        <p:cond delay="indefinite"/>
+                      </p:stCondLst>
+                      <p:childTnLst>
+                        <p:par>
+                          <p:cTn id="14" fill="hold">
+                            <p:stCondLst>
+                              <p:cond delay="0"/>
+                            </p:stCondLst>
+                            <p:childTnLst>
+                              <p:par>
+                                <p:cTn id="15" presetID="10" presetClass="entr" presetSubtype="0" fill="hold" nodeType="clickEffect">
+                                  <p:stCondLst>
+                                    <p:cond delay="0"/>
+                                  </p:stCondLst>
+                                  <p:childTnLst>
+                                    <p:set>
+                                      <p:cBhvr>
+                                        <p:cTn id="16" dur="1" fill="hold">
                                           <p:stCondLst>
                                             <p:cond delay="0"/>
                                           </p:stCondLst>
@@ -17031,7 +17226,7 @@
                                     </p:set>
                                     <p:animEffect transition="in" filter="fade">
                                       <p:cBhvr>
-                                        <p:cTn id="12" dur="500"/>
+                                        <p:cTn id="17" dur="500"/>
                                         <p:tgtEl>
                                           <p:spTgt spid="17"/>
                                         </p:tgtEl>
@@ -17069,6 +17264,7 @@
     </p:tnLst>
     <p:bldLst>
       <p:bldP spid="48" grpId="0"/>
+      <p:bldP spid="4" grpId="0"/>
     </p:bldLst>
   </p:timing>
 </p:sld>
@@ -17540,7 +17736,11 @@
             <a:p>
               <a:r>
                 <a:rPr lang="ja-JP" altLang="en-US" dirty="0"/>
-                <a:t>該当パーサを</a:t>
+                <a:t>該当</a:t>
+              </a:r>
+              <a:r>
+                <a:rPr lang="ja-JP" altLang="en-US" dirty="0" smtClean="0"/>
+                <a:t>パーサ</a:t>
               </a:r>
               <a:endParaRPr lang="en-US" altLang="ja-JP" dirty="0"/>
             </a:p>
@@ -17594,6 +17794,13 @@
   <p:clrMapOvr>
     <a:masterClrMapping/>
   </p:clrMapOvr>
+  <p:timing>
+    <p:tnLst>
+      <p:par>
+        <p:cTn id="1" dur="indefinite" restart="never" nodeType="tmRoot"/>
+      </p:par>
+    </p:tnLst>
+  </p:timing>
 </p:sld>
 </file>
 
@@ -17693,249 +17900,264 @@
           </a:p>
         </p:txBody>
       </p:sp>
-      <p:sp>
-        <p:nvSpPr>
-          <p:cNvPr id="12" name="テキスト ボックス 11"/>
-          <p:cNvSpPr txBox="1"/>
+      <p:grpSp>
+        <p:nvGrpSpPr>
+          <p:cNvPr id="6" name="グループ化 5"/>
+          <p:cNvGrpSpPr/>
           <p:nvPr/>
-        </p:nvSpPr>
-        <p:spPr>
+        </p:nvGrpSpPr>
+        <p:grpSpPr>
           <a:xfrm>
             <a:off x="969416" y="1729806"/>
-            <a:ext cx="5545684" cy="461665"/>
+            <a:ext cx="9780064" cy="4275409"/>
+            <a:chOff x="969416" y="1729806"/>
+            <a:chExt cx="9780064" cy="4275409"/>
           </a:xfrm>
-          <a:prstGeom prst="rect">
-            <a:avLst/>
-          </a:prstGeom>
-          <a:noFill/>
-        </p:spPr>
-        <p:txBody>
-          <a:bodyPr wrap="square" rtlCol="0">
-            <a:spAutoFit/>
-          </a:bodyPr>
-          <a:lstStyle/>
-          <a:p>
-            <a:r>
-              <a:rPr lang="ja-JP" altLang="en-US" sz="2400" dirty="0">
+        </p:grpSpPr>
+        <p:sp>
+          <p:nvSpPr>
+            <p:cNvPr id="12" name="テキスト ボックス 11"/>
+            <p:cNvSpPr txBox="1"/>
+            <p:nvPr/>
+          </p:nvSpPr>
+          <p:spPr>
+            <a:xfrm>
+              <a:off x="969416" y="1729806"/>
+              <a:ext cx="5545684" cy="461665"/>
+            </a:xfrm>
+            <a:prstGeom prst="rect">
+              <a:avLst/>
+            </a:prstGeom>
+            <a:noFill/>
+          </p:spPr>
+          <p:txBody>
+            <a:bodyPr wrap="square" rtlCol="0">
+              <a:spAutoFit/>
+            </a:bodyPr>
+            <a:lstStyle/>
+            <a:p>
+              <a:r>
+                <a:rPr lang="ja-JP" altLang="en-US" sz="2400" dirty="0">
+                  <a:latin typeface="メイリオ" panose="020B0604030504040204" pitchFamily="50" charset="-128"/>
+                  <a:ea typeface="メイリオ" panose="020B0604030504040204" pitchFamily="50" charset="-128"/>
+                  <a:cs typeface="Times New Roman" panose="02020603050405020304" pitchFamily="18" charset="0"/>
+                </a:rPr>
+                <a:t>ベンチマーク地図</a:t>
+              </a:r>
+              <a:r>
+                <a:rPr lang="en-US" altLang="ja-JP" dirty="0"/>
+                <a:t>[2]</a:t>
+              </a:r>
+              <a:endParaRPr lang="en-US" altLang="ja-JP" dirty="0">
                 <a:latin typeface="メイリオ" panose="020B0604030504040204" pitchFamily="50" charset="-128"/>
                 <a:ea typeface="メイリオ" panose="020B0604030504040204" pitchFamily="50" charset="-128"/>
                 <a:cs typeface="Times New Roman" panose="02020603050405020304" pitchFamily="18" charset="0"/>
-              </a:rPr>
-              <a:t>ベンチマーク地図</a:t>
-            </a:r>
-            <a:r>
-              <a:rPr lang="en-US" altLang="ja-JP" dirty="0"/>
-              <a:t>[2]</a:t>
-            </a:r>
-            <a:endParaRPr lang="en-US" altLang="ja-JP" dirty="0">
-              <a:latin typeface="メイリオ" panose="020B0604030504040204" pitchFamily="50" charset="-128"/>
-              <a:ea typeface="メイリオ" panose="020B0604030504040204" pitchFamily="50" charset="-128"/>
-              <a:cs typeface="Times New Roman" panose="02020603050405020304" pitchFamily="18" charset="0"/>
-            </a:endParaRPr>
-          </a:p>
-        </p:txBody>
-      </p:sp>
-      <p:pic>
-        <p:nvPicPr>
-          <p:cNvPr id="3" name="図 2"/>
-          <p:cNvPicPr>
-            <a:picLocks noChangeAspect="1"/>
-          </p:cNvPicPr>
-          <p:nvPr/>
-        </p:nvPicPr>
-        <p:blipFill rotWithShape="1">
-          <a:blip r:embed="rId3"/>
-          <a:srcRect r="1577"/>
-          <a:stretch/>
-        </p:blipFill>
-        <p:spPr>
-          <a:xfrm>
-            <a:off x="4535766" y="2587013"/>
-            <a:ext cx="2679972" cy="2667157"/>
-          </a:xfrm>
-          <a:prstGeom prst="rect">
-            <a:avLst/>
-          </a:prstGeom>
-        </p:spPr>
-      </p:pic>
-      <p:pic>
-        <p:nvPicPr>
-          <p:cNvPr id="5" name="図 4"/>
-          <p:cNvPicPr>
-            <a:picLocks noChangeAspect="1"/>
-          </p:cNvPicPr>
-          <p:nvPr/>
-        </p:nvPicPr>
-        <p:blipFill>
-          <a:blip r:embed="rId4"/>
-          <a:stretch>
-            <a:fillRect/>
-          </a:stretch>
-        </p:blipFill>
-        <p:spPr>
-          <a:xfrm>
-            <a:off x="8097392" y="2587013"/>
-            <a:ext cx="2652088" cy="2667157"/>
-          </a:xfrm>
-          <a:prstGeom prst="rect">
-            <a:avLst/>
-          </a:prstGeom>
-        </p:spPr>
-      </p:pic>
-      <p:pic>
-        <p:nvPicPr>
-          <p:cNvPr id="7" name="図 6"/>
-          <p:cNvPicPr>
-            <a:picLocks noChangeAspect="1"/>
-          </p:cNvPicPr>
-          <p:nvPr/>
-        </p:nvPicPr>
-        <p:blipFill rotWithShape="1">
-          <a:blip r:embed="rId5" cstate="print">
-            <a:extLst>
-              <a:ext uri="{28A0092B-C50C-407E-A947-70E740481C1C}">
-                <a14:useLocalDpi xmlns:a14="http://schemas.microsoft.com/office/drawing/2010/main" val="0"/>
-              </a:ext>
-            </a:extLst>
-          </a:blip>
-          <a:srcRect l="115" t="85" r="94961" b="96336"/>
-          <a:stretch/>
-        </p:blipFill>
-        <p:spPr>
-          <a:xfrm>
-            <a:off x="1079500" y="2647950"/>
-            <a:ext cx="2533650" cy="2571750"/>
-          </a:xfrm>
-          <a:prstGeom prst="rect">
-            <a:avLst/>
-          </a:prstGeom>
-        </p:spPr>
-      </p:pic>
-      <p:sp>
-        <p:nvSpPr>
-          <p:cNvPr id="8" name="テキスト ボックス 7"/>
-          <p:cNvSpPr txBox="1"/>
-          <p:nvPr/>
-        </p:nvSpPr>
-        <p:spPr>
-          <a:xfrm>
-            <a:off x="1286395" y="5345668"/>
-            <a:ext cx="2101537" cy="646331"/>
-          </a:xfrm>
-          <a:prstGeom prst="rect">
-            <a:avLst/>
-          </a:prstGeom>
-          <a:noFill/>
-        </p:spPr>
-        <p:txBody>
-          <a:bodyPr wrap="square" rtlCol="0">
-            <a:spAutoFit/>
-          </a:bodyPr>
-          <a:lstStyle/>
-          <a:p>
-            <a:pPr algn="ctr"/>
-            <a:r>
-              <a:rPr lang="en-US" altLang="zh-CN" dirty="0"/>
-              <a:t>Vacancy map</a:t>
-            </a:r>
-          </a:p>
-          <a:p>
-            <a:pPr algn="ctr"/>
-            <a:r>
-              <a:rPr lang="en-US" altLang="zh-CN" dirty="0"/>
-              <a:t>(10x10)</a:t>
-            </a:r>
-            <a:endParaRPr lang="ja-JP" altLang="zh-CN" dirty="0">
-              <a:latin typeface="ＭＳ 明朝" panose="02020609040205080304" pitchFamily="17" charset="-128"/>
-              <a:ea typeface="ＭＳ 明朝" panose="02020609040205080304" pitchFamily="17" charset="-128"/>
-              <a:cs typeface="Times New Roman" panose="02020603050405020304" pitchFamily="18" charset="0"/>
-            </a:endParaRPr>
-          </a:p>
-        </p:txBody>
-      </p:sp>
-      <p:sp>
-        <p:nvSpPr>
-          <p:cNvPr id="10" name="テキスト ボックス 9"/>
-          <p:cNvSpPr txBox="1"/>
-          <p:nvPr/>
-        </p:nvSpPr>
-        <p:spPr>
-          <a:xfrm>
-            <a:off x="4966114" y="5358884"/>
-            <a:ext cx="1819275" cy="646331"/>
-          </a:xfrm>
-          <a:prstGeom prst="rect">
-            <a:avLst/>
-          </a:prstGeom>
-          <a:noFill/>
-        </p:spPr>
-        <p:txBody>
-          <a:bodyPr wrap="square" rtlCol="0">
-            <a:spAutoFit/>
-          </a:bodyPr>
-          <a:lstStyle/>
-          <a:p>
-            <a:r>
-              <a:rPr lang="en-US" altLang="zh-CN" dirty="0"/>
-              <a:t>Homemade map</a:t>
-            </a:r>
-          </a:p>
-          <a:p>
-            <a:pPr algn="ctr"/>
-            <a:r>
-              <a:rPr lang="en-US" altLang="zh-CN" dirty="0"/>
-              <a:t>(12x10)</a:t>
-            </a:r>
-            <a:endParaRPr lang="ja-JP" altLang="zh-CN" dirty="0">
-              <a:latin typeface="ＭＳ 明朝" panose="02020609040205080304" pitchFamily="17" charset="-128"/>
-              <a:ea typeface="ＭＳ 明朝" panose="02020609040205080304" pitchFamily="17" charset="-128"/>
-              <a:cs typeface="Times New Roman" panose="02020603050405020304" pitchFamily="18" charset="0"/>
-            </a:endParaRPr>
-          </a:p>
-        </p:txBody>
-      </p:sp>
-      <p:sp>
-        <p:nvSpPr>
-          <p:cNvPr id="11" name="テキスト ボックス 10"/>
-          <p:cNvSpPr txBox="1"/>
-          <p:nvPr/>
-        </p:nvSpPr>
-        <p:spPr>
-          <a:xfrm>
-            <a:off x="8751147" y="5345668"/>
-            <a:ext cx="1344577" cy="646331"/>
-          </a:xfrm>
-          <a:prstGeom prst="rect">
-            <a:avLst/>
-          </a:prstGeom>
-          <a:noFill/>
-        </p:spPr>
-        <p:txBody>
-          <a:bodyPr wrap="square" rtlCol="0">
-            <a:spAutoFit/>
-          </a:bodyPr>
-          <a:lstStyle/>
-          <a:p>
-            <a:pPr algn="ctr"/>
-            <a:r>
-              <a:rPr lang="en-US" altLang="zh-CN" dirty="0"/>
-              <a:t>Maze map</a:t>
-            </a:r>
-          </a:p>
-          <a:p>
-            <a:pPr algn="ctr"/>
-            <a:r>
-              <a:rPr lang="en-US" altLang="zh-CN" dirty="0"/>
-              <a:t>(40x40)</a:t>
-            </a:r>
-            <a:endParaRPr lang="ja-JP" altLang="zh-CN" dirty="0">
-              <a:latin typeface="ＭＳ 明朝" panose="02020609040205080304" pitchFamily="17" charset="-128"/>
-              <a:ea typeface="ＭＳ 明朝" panose="02020609040205080304" pitchFamily="17" charset="-128"/>
-              <a:cs typeface="Times New Roman" panose="02020603050405020304" pitchFamily="18" charset="0"/>
-            </a:endParaRPr>
-          </a:p>
-        </p:txBody>
-      </p:sp>
+              </a:endParaRPr>
+            </a:p>
+          </p:txBody>
+        </p:sp>
+        <p:pic>
+          <p:nvPicPr>
+            <p:cNvPr id="3" name="図 2"/>
+            <p:cNvPicPr>
+              <a:picLocks noChangeAspect="1"/>
+            </p:cNvPicPr>
+            <p:nvPr/>
+          </p:nvPicPr>
+          <p:blipFill rotWithShape="1">
+            <a:blip r:embed="rId3"/>
+            <a:srcRect r="1577"/>
+            <a:stretch/>
+          </p:blipFill>
+          <p:spPr>
+            <a:xfrm>
+              <a:off x="4535766" y="2587013"/>
+              <a:ext cx="2679972" cy="2667157"/>
+            </a:xfrm>
+            <a:prstGeom prst="rect">
+              <a:avLst/>
+            </a:prstGeom>
+          </p:spPr>
+        </p:pic>
+        <p:pic>
+          <p:nvPicPr>
+            <p:cNvPr id="5" name="図 4"/>
+            <p:cNvPicPr>
+              <a:picLocks noChangeAspect="1"/>
+            </p:cNvPicPr>
+            <p:nvPr/>
+          </p:nvPicPr>
+          <p:blipFill>
+            <a:blip r:embed="rId4"/>
+            <a:stretch>
+              <a:fillRect/>
+            </a:stretch>
+          </p:blipFill>
+          <p:spPr>
+            <a:xfrm>
+              <a:off x="8097392" y="2587013"/>
+              <a:ext cx="2652088" cy="2667157"/>
+            </a:xfrm>
+            <a:prstGeom prst="rect">
+              <a:avLst/>
+            </a:prstGeom>
+          </p:spPr>
+        </p:pic>
+        <p:pic>
+          <p:nvPicPr>
+            <p:cNvPr id="7" name="図 6"/>
+            <p:cNvPicPr>
+              <a:picLocks noChangeAspect="1"/>
+            </p:cNvPicPr>
+            <p:nvPr/>
+          </p:nvPicPr>
+          <p:blipFill rotWithShape="1">
+            <a:blip r:embed="rId5" cstate="print">
+              <a:extLst>
+                <a:ext uri="{28A0092B-C50C-407E-A947-70E740481C1C}">
+                  <a14:useLocalDpi xmlns:a14="http://schemas.microsoft.com/office/drawing/2010/main" val="0"/>
+                </a:ext>
+              </a:extLst>
+            </a:blip>
+            <a:srcRect l="115" t="85" r="94961" b="96336"/>
+            <a:stretch/>
+          </p:blipFill>
+          <p:spPr>
+            <a:xfrm>
+              <a:off x="1079500" y="2647950"/>
+              <a:ext cx="2533650" cy="2571750"/>
+            </a:xfrm>
+            <a:prstGeom prst="rect">
+              <a:avLst/>
+            </a:prstGeom>
+          </p:spPr>
+        </p:pic>
+        <p:sp>
+          <p:nvSpPr>
+            <p:cNvPr id="8" name="テキスト ボックス 7"/>
+            <p:cNvSpPr txBox="1"/>
+            <p:nvPr/>
+          </p:nvSpPr>
+          <p:spPr>
+            <a:xfrm>
+              <a:off x="1286395" y="5345668"/>
+              <a:ext cx="2101537" cy="646331"/>
+            </a:xfrm>
+            <a:prstGeom prst="rect">
+              <a:avLst/>
+            </a:prstGeom>
+            <a:noFill/>
+          </p:spPr>
+          <p:txBody>
+            <a:bodyPr wrap="square" rtlCol="0">
+              <a:spAutoFit/>
+            </a:bodyPr>
+            <a:lstStyle/>
+            <a:p>
+              <a:pPr algn="ctr"/>
+              <a:r>
+                <a:rPr lang="en-US" altLang="zh-CN" dirty="0"/>
+                <a:t>Vacancy map</a:t>
+              </a:r>
+            </a:p>
+            <a:p>
+              <a:pPr algn="ctr"/>
+              <a:r>
+                <a:rPr lang="en-US" altLang="zh-CN" dirty="0"/>
+                <a:t>(10x10)</a:t>
+              </a:r>
+              <a:endParaRPr lang="ja-JP" altLang="zh-CN" dirty="0">
+                <a:latin typeface="ＭＳ 明朝" panose="02020609040205080304" pitchFamily="17" charset="-128"/>
+                <a:ea typeface="ＭＳ 明朝" panose="02020609040205080304" pitchFamily="17" charset="-128"/>
+                <a:cs typeface="Times New Roman" panose="02020603050405020304" pitchFamily="18" charset="0"/>
+              </a:endParaRPr>
+            </a:p>
+          </p:txBody>
+        </p:sp>
+        <p:sp>
+          <p:nvSpPr>
+            <p:cNvPr id="10" name="テキスト ボックス 9"/>
+            <p:cNvSpPr txBox="1"/>
+            <p:nvPr/>
+          </p:nvSpPr>
+          <p:spPr>
+            <a:xfrm>
+              <a:off x="4966114" y="5358884"/>
+              <a:ext cx="1819275" cy="646331"/>
+            </a:xfrm>
+            <a:prstGeom prst="rect">
+              <a:avLst/>
+            </a:prstGeom>
+            <a:noFill/>
+          </p:spPr>
+          <p:txBody>
+            <a:bodyPr wrap="square" rtlCol="0">
+              <a:spAutoFit/>
+            </a:bodyPr>
+            <a:lstStyle/>
+            <a:p>
+              <a:r>
+                <a:rPr lang="en-US" altLang="zh-CN" dirty="0"/>
+                <a:t>Homemade map</a:t>
+              </a:r>
+            </a:p>
+            <a:p>
+              <a:pPr algn="ctr"/>
+              <a:r>
+                <a:rPr lang="en-US" altLang="zh-CN" dirty="0"/>
+                <a:t>(12x10)</a:t>
+              </a:r>
+              <a:endParaRPr lang="ja-JP" altLang="zh-CN" dirty="0">
+                <a:latin typeface="ＭＳ 明朝" panose="02020609040205080304" pitchFamily="17" charset="-128"/>
+                <a:ea typeface="ＭＳ 明朝" panose="02020609040205080304" pitchFamily="17" charset="-128"/>
+                <a:cs typeface="Times New Roman" panose="02020603050405020304" pitchFamily="18" charset="0"/>
+              </a:endParaRPr>
+            </a:p>
+          </p:txBody>
+        </p:sp>
+        <p:sp>
+          <p:nvSpPr>
+            <p:cNvPr id="11" name="テキスト ボックス 10"/>
+            <p:cNvSpPr txBox="1"/>
+            <p:nvPr/>
+          </p:nvSpPr>
+          <p:spPr>
+            <a:xfrm>
+              <a:off x="8751147" y="5345668"/>
+              <a:ext cx="1344577" cy="646331"/>
+            </a:xfrm>
+            <a:prstGeom prst="rect">
+              <a:avLst/>
+            </a:prstGeom>
+            <a:noFill/>
+          </p:spPr>
+          <p:txBody>
+            <a:bodyPr wrap="square" rtlCol="0">
+              <a:spAutoFit/>
+            </a:bodyPr>
+            <a:lstStyle/>
+            <a:p>
+              <a:pPr algn="ctr"/>
+              <a:r>
+                <a:rPr lang="en-US" altLang="zh-CN" dirty="0"/>
+                <a:t>Maze map</a:t>
+              </a:r>
+            </a:p>
+            <a:p>
+              <a:pPr algn="ctr"/>
+              <a:r>
+                <a:rPr lang="en-US" altLang="zh-CN" dirty="0"/>
+                <a:t>(40x40)</a:t>
+              </a:r>
+              <a:endParaRPr lang="ja-JP" altLang="zh-CN" dirty="0">
+                <a:latin typeface="ＭＳ 明朝" panose="02020609040205080304" pitchFamily="17" charset="-128"/>
+                <a:ea typeface="ＭＳ 明朝" panose="02020609040205080304" pitchFamily="17" charset="-128"/>
+                <a:cs typeface="Times New Roman" panose="02020603050405020304" pitchFamily="18" charset="0"/>
+              </a:endParaRPr>
+            </a:p>
+          </p:txBody>
+        </p:sp>
+      </p:grpSp>
       <p:sp>
         <p:nvSpPr>
           <p:cNvPr id="4" name="スライド番号プレースホルダー 3"/>
@@ -18007,10 +18229,575 @@
   <p:clrMapOvr>
     <a:masterClrMapping/>
   </p:clrMapOvr>
+  <p:timing>
+    <p:tnLst>
+      <p:par>
+        <p:cTn id="1" dur="indefinite" restart="never" nodeType="tmRoot">
+          <p:childTnLst>
+            <p:seq concurrent="1" nextAc="seek">
+              <p:cTn id="2" dur="indefinite" nodeType="mainSeq">
+                <p:childTnLst>
+                  <p:par>
+                    <p:cTn id="3" fill="hold">
+                      <p:stCondLst>
+                        <p:cond delay="indefinite"/>
+                      </p:stCondLst>
+                      <p:childTnLst>
+                        <p:par>
+                          <p:cTn id="4" fill="hold">
+                            <p:stCondLst>
+                              <p:cond delay="0"/>
+                            </p:stCondLst>
+                            <p:childTnLst>
+                              <p:par>
+                                <p:cTn id="5" presetID="10" presetClass="entr" presetSubtype="0" fill="hold" nodeType="clickEffect">
+                                  <p:stCondLst>
+                                    <p:cond delay="0"/>
+                                  </p:stCondLst>
+                                  <p:childTnLst>
+                                    <p:set>
+                                      <p:cBhvr>
+                                        <p:cTn id="6" dur="1" fill="hold">
+                                          <p:stCondLst>
+                                            <p:cond delay="0"/>
+                                          </p:stCondLst>
+                                        </p:cTn>
+                                        <p:tgtEl>
+                                          <p:spTgt spid="6"/>
+                                        </p:tgtEl>
+                                        <p:attrNameLst>
+                                          <p:attrName>style.visibility</p:attrName>
+                                        </p:attrNameLst>
+                                      </p:cBhvr>
+                                      <p:to>
+                                        <p:strVal val="visible"/>
+                                      </p:to>
+                                    </p:set>
+                                    <p:animEffect transition="in" filter="fade">
+                                      <p:cBhvr>
+                                        <p:cTn id="7" dur="500"/>
+                                        <p:tgtEl>
+                                          <p:spTgt spid="6"/>
+                                        </p:tgtEl>
+                                      </p:cBhvr>
+                                    </p:animEffect>
+                                  </p:childTnLst>
+                                </p:cTn>
+                              </p:par>
+                            </p:childTnLst>
+                          </p:cTn>
+                        </p:par>
+                      </p:childTnLst>
+                    </p:cTn>
+                  </p:par>
+                </p:childTnLst>
+              </p:cTn>
+              <p:prevCondLst>
+                <p:cond evt="onPrev" delay="0">
+                  <p:tgtEl>
+                    <p:sldTgt/>
+                  </p:tgtEl>
+                </p:cond>
+              </p:prevCondLst>
+              <p:nextCondLst>
+                <p:cond evt="onNext" delay="0">
+                  <p:tgtEl>
+                    <p:sldTgt/>
+                  </p:tgtEl>
+                </p:cond>
+              </p:nextCondLst>
+            </p:seq>
+          </p:childTnLst>
+        </p:cTn>
+      </p:par>
+    </p:tnLst>
+  </p:timing>
 </p:sld>
 </file>
 
 <file path=ppt/slides/slide17.xml><?xml version="1.0" encoding="utf-8"?>
+<p:sld xmlns:a="http://schemas.openxmlformats.org/drawingml/2006/main" xmlns:r="http://schemas.openxmlformats.org/officeDocument/2006/relationships" xmlns:p="http://schemas.openxmlformats.org/presentationml/2006/main">
+  <p:cSld>
+    <p:spTree>
+      <p:nvGrpSpPr>
+        <p:cNvPr id="1" name=""/>
+        <p:cNvGrpSpPr/>
+        <p:nvPr/>
+      </p:nvGrpSpPr>
+      <p:grpSpPr>
+        <a:xfrm>
+          <a:off x="0" y="0"/>
+          <a:ext cx="0" cy="0"/>
+          <a:chOff x="0" y="0"/>
+          <a:chExt cx="0" cy="0"/>
+        </a:xfrm>
+      </p:grpSpPr>
+      <p:sp>
+        <p:nvSpPr>
+          <p:cNvPr id="13" name="正方形/長方形 12"/>
+          <p:cNvSpPr/>
+          <p:nvPr/>
+        </p:nvSpPr>
+        <p:spPr>
+          <a:xfrm>
+            <a:off x="0" y="1"/>
+            <a:ext cx="12192000" cy="1308100"/>
+          </a:xfrm>
+          <a:prstGeom prst="rect">
+            <a:avLst/>
+          </a:prstGeom>
+          <a:solidFill>
+            <a:schemeClr val="tx1"/>
+          </a:solidFill>
+          <a:ln>
+            <a:noFill/>
+          </a:ln>
+        </p:spPr>
+        <p:style>
+          <a:lnRef idx="2">
+            <a:schemeClr val="accent1">
+              <a:shade val="50000"/>
+            </a:schemeClr>
+          </a:lnRef>
+          <a:fillRef idx="1">
+            <a:schemeClr val="accent1"/>
+          </a:fillRef>
+          <a:effectRef idx="0">
+            <a:schemeClr val="accent1"/>
+          </a:effectRef>
+          <a:fontRef idx="minor">
+            <a:schemeClr val="lt1"/>
+          </a:fontRef>
+        </p:style>
+        <p:txBody>
+          <a:bodyPr rtlCol="0" anchor="ctr"/>
+          <a:lstStyle/>
+          <a:p>
+            <a:pPr algn="ctr"/>
+            <a:endParaRPr lang="zh-CN" altLang="en-US"/>
+          </a:p>
+        </p:txBody>
+      </p:sp>
+      <p:sp>
+        <p:nvSpPr>
+          <p:cNvPr id="2" name="标题 1"/>
+          <p:cNvSpPr>
+            <a:spLocks noGrp="1"/>
+          </p:cNvSpPr>
+          <p:nvPr>
+            <p:ph type="title"/>
+          </p:nvPr>
+        </p:nvSpPr>
+        <p:spPr/>
+        <p:txBody>
+          <a:bodyPr>
+            <a:normAutofit/>
+          </a:bodyPr>
+          <a:lstStyle/>
+          <a:p>
+            <a:r>
+              <a:rPr lang="ja-JP" altLang="en-US" dirty="0">
+                <a:solidFill>
+                  <a:schemeClr val="bg1"/>
+                </a:solidFill>
+              </a:rPr>
+              <a:t>評価実験</a:t>
+            </a:r>
+            <a:endParaRPr lang="en-US" dirty="0">
+              <a:solidFill>
+                <a:schemeClr val="bg1"/>
+              </a:solidFill>
+            </a:endParaRPr>
+          </a:p>
+        </p:txBody>
+      </p:sp>
+      <p:sp>
+        <p:nvSpPr>
+          <p:cNvPr id="12" name="テキスト ボックス 11"/>
+          <p:cNvSpPr txBox="1"/>
+          <p:nvPr/>
+        </p:nvSpPr>
+        <p:spPr>
+          <a:xfrm>
+            <a:off x="969416" y="1729806"/>
+            <a:ext cx="5545684" cy="461665"/>
+          </a:xfrm>
+          <a:prstGeom prst="rect">
+            <a:avLst/>
+          </a:prstGeom>
+          <a:noFill/>
+        </p:spPr>
+        <p:txBody>
+          <a:bodyPr wrap="square" rtlCol="0">
+            <a:spAutoFit/>
+          </a:bodyPr>
+          <a:lstStyle/>
+          <a:p>
+            <a:r>
+              <a:rPr lang="en-US" altLang="ja-JP" sz="2400" dirty="0" smtClean="0">
+                <a:latin typeface="メイリオ" panose="020B0604030504040204" pitchFamily="50" charset="-128"/>
+                <a:ea typeface="メイリオ" panose="020B0604030504040204" pitchFamily="50" charset="-128"/>
+                <a:cs typeface="Times New Roman" panose="02020603050405020304" pitchFamily="18" charset="0"/>
+              </a:rPr>
+              <a:t>Python</a:t>
+            </a:r>
+            <a:r>
+              <a:rPr lang="ja-JP" altLang="en-US" sz="2400" dirty="0" smtClean="0">
+                <a:latin typeface="メイリオ" panose="020B0604030504040204" pitchFamily="50" charset="-128"/>
+                <a:ea typeface="メイリオ" panose="020B0604030504040204" pitchFamily="50" charset="-128"/>
+                <a:cs typeface="Times New Roman" panose="02020603050405020304" pitchFamily="18" charset="0"/>
+              </a:rPr>
+              <a:t>で開発した</a:t>
+            </a:r>
+            <a:r>
+              <a:rPr lang="en-US" altLang="ja-JP" sz="2400" dirty="0" smtClean="0">
+                <a:latin typeface="メイリオ" panose="020B0604030504040204" pitchFamily="50" charset="-128"/>
+                <a:ea typeface="メイリオ" panose="020B0604030504040204" pitchFamily="50" charset="-128"/>
+                <a:cs typeface="Times New Roman" panose="02020603050405020304" pitchFamily="18" charset="0"/>
+              </a:rPr>
+              <a:t>GUI</a:t>
+            </a:r>
+            <a:endParaRPr lang="en-US" altLang="ja-JP" dirty="0">
+              <a:latin typeface="メイリオ" panose="020B0604030504040204" pitchFamily="50" charset="-128"/>
+              <a:ea typeface="メイリオ" panose="020B0604030504040204" pitchFamily="50" charset="-128"/>
+              <a:cs typeface="Times New Roman" panose="02020603050405020304" pitchFamily="18" charset="0"/>
+            </a:endParaRPr>
+          </a:p>
+        </p:txBody>
+      </p:sp>
+      <p:sp>
+        <p:nvSpPr>
+          <p:cNvPr id="4" name="スライド番号プレースホルダー 3"/>
+          <p:cNvSpPr>
+            <a:spLocks noGrp="1"/>
+          </p:cNvSpPr>
+          <p:nvPr>
+            <p:ph type="sldNum" sz="quarter" idx="12"/>
+          </p:nvPr>
+        </p:nvSpPr>
+        <p:spPr/>
+        <p:txBody>
+          <a:bodyPr/>
+          <a:lstStyle/>
+          <a:p>
+            <a:fld id="{F666435A-C67E-4182-841F-98B28F8E4D33}" type="slidenum">
+              <a:rPr lang="en-US" smtClean="0"/>
+              <a:t>17</a:t>
+            </a:fld>
+            <a:endParaRPr lang="en-US"/>
+          </a:p>
+        </p:txBody>
+      </p:sp>
+      <p:grpSp>
+        <p:nvGrpSpPr>
+          <p:cNvPr id="9" name="グループ化 8"/>
+          <p:cNvGrpSpPr/>
+          <p:nvPr/>
+        </p:nvGrpSpPr>
+        <p:grpSpPr>
+          <a:xfrm>
+            <a:off x="2228849" y="2586772"/>
+            <a:ext cx="2733675" cy="3278485"/>
+            <a:chOff x="2228849" y="2586772"/>
+            <a:chExt cx="2733675" cy="3278485"/>
+          </a:xfrm>
+        </p:grpSpPr>
+        <p:pic>
+          <p:nvPicPr>
+            <p:cNvPr id="16" name="図 15"/>
+            <p:cNvPicPr>
+              <a:picLocks noChangeAspect="1"/>
+            </p:cNvPicPr>
+            <p:nvPr/>
+          </p:nvPicPr>
+          <p:blipFill>
+            <a:blip r:embed="rId3">
+              <a:extLst>
+                <a:ext uri="{28A0092B-C50C-407E-A947-70E740481C1C}">
+                  <a14:useLocalDpi xmlns:a14="http://schemas.microsoft.com/office/drawing/2010/main" val="0"/>
+                </a:ext>
+              </a:extLst>
+            </a:blip>
+            <a:stretch>
+              <a:fillRect/>
+            </a:stretch>
+          </p:blipFill>
+          <p:spPr>
+            <a:xfrm>
+              <a:off x="2228849" y="2586772"/>
+              <a:ext cx="2733675" cy="2804326"/>
+            </a:xfrm>
+            <a:prstGeom prst="rect">
+              <a:avLst/>
+            </a:prstGeom>
+          </p:spPr>
+        </p:pic>
+        <p:sp>
+          <p:nvSpPr>
+            <p:cNvPr id="6" name="テキスト ボックス 5"/>
+            <p:cNvSpPr txBox="1"/>
+            <p:nvPr/>
+          </p:nvSpPr>
+          <p:spPr>
+            <a:xfrm>
+              <a:off x="2228849" y="5495925"/>
+              <a:ext cx="2733675" cy="369332"/>
+            </a:xfrm>
+            <a:prstGeom prst="rect">
+              <a:avLst/>
+            </a:prstGeom>
+            <a:noFill/>
+          </p:spPr>
+          <p:txBody>
+            <a:bodyPr wrap="square" rtlCol="0">
+              <a:spAutoFit/>
+            </a:bodyPr>
+            <a:lstStyle/>
+            <a:p>
+              <a:pPr algn="ctr"/>
+              <a:r>
+                <a:rPr lang="en-US" altLang="zh-CN" dirty="0" smtClean="0"/>
+                <a:t>Homemade Map (A star)</a:t>
+              </a:r>
+              <a:endParaRPr lang="zh-CN" altLang="en-US" dirty="0"/>
+            </a:p>
+          </p:txBody>
+        </p:sp>
+      </p:grpSp>
+      <p:grpSp>
+        <p:nvGrpSpPr>
+          <p:cNvPr id="18" name="グループ化 17"/>
+          <p:cNvGrpSpPr/>
+          <p:nvPr/>
+        </p:nvGrpSpPr>
+        <p:grpSpPr>
+          <a:xfrm>
+            <a:off x="6841981" y="2586771"/>
+            <a:ext cx="3049731" cy="3289014"/>
+            <a:chOff x="6841981" y="2586771"/>
+            <a:chExt cx="3049731" cy="3289014"/>
+          </a:xfrm>
+        </p:grpSpPr>
+        <p:pic>
+          <p:nvPicPr>
+            <p:cNvPr id="15" name="図 14"/>
+            <p:cNvPicPr>
+              <a:picLocks noChangeAspect="1"/>
+            </p:cNvPicPr>
+            <p:nvPr/>
+          </p:nvPicPr>
+          <p:blipFill>
+            <a:blip r:embed="rId4">
+              <a:extLst>
+                <a:ext uri="{28A0092B-C50C-407E-A947-70E740481C1C}">
+                  <a14:useLocalDpi xmlns:a14="http://schemas.microsoft.com/office/drawing/2010/main" val="0"/>
+                </a:ext>
+              </a:extLst>
+            </a:blip>
+            <a:stretch>
+              <a:fillRect/>
+            </a:stretch>
+          </p:blipFill>
+          <p:spPr>
+            <a:xfrm>
+              <a:off x="7018194" y="2586771"/>
+              <a:ext cx="2697306" cy="2808449"/>
+            </a:xfrm>
+            <a:prstGeom prst="rect">
+              <a:avLst/>
+            </a:prstGeom>
+          </p:spPr>
+        </p:pic>
+        <p:sp>
+          <p:nvSpPr>
+            <p:cNvPr id="17" name="テキスト ボックス 16"/>
+            <p:cNvSpPr txBox="1"/>
+            <p:nvPr/>
+          </p:nvSpPr>
+          <p:spPr>
+            <a:xfrm>
+              <a:off x="6841981" y="5506453"/>
+              <a:ext cx="3049731" cy="369332"/>
+            </a:xfrm>
+            <a:prstGeom prst="rect">
+              <a:avLst/>
+            </a:prstGeom>
+            <a:noFill/>
+          </p:spPr>
+          <p:txBody>
+            <a:bodyPr wrap="square" rtlCol="0">
+              <a:spAutoFit/>
+            </a:bodyPr>
+            <a:lstStyle/>
+            <a:p>
+              <a:pPr algn="ctr"/>
+              <a:r>
+                <a:rPr lang="en-US" altLang="zh-CN" dirty="0" smtClean="0"/>
+                <a:t>Homemade Map (</a:t>
+              </a:r>
+              <a:r>
+                <a:rPr lang="ja-JP" altLang="en-US" dirty="0" smtClean="0"/>
+                <a:t>提案手法</a:t>
+              </a:r>
+              <a:r>
+                <a:rPr lang="en-US" altLang="zh-CN" dirty="0" smtClean="0"/>
+                <a:t>)</a:t>
+              </a:r>
+              <a:endParaRPr lang="zh-CN" altLang="en-US" dirty="0"/>
+            </a:p>
+          </p:txBody>
+        </p:sp>
+      </p:grpSp>
+    </p:spTree>
+    <p:extLst>
+      <p:ext uri="{BB962C8B-B14F-4D97-AF65-F5344CB8AC3E}">
+        <p14:creationId xmlns:p14="http://schemas.microsoft.com/office/powerpoint/2010/main" val="3019596883"/>
+      </p:ext>
+    </p:extLst>
+  </p:cSld>
+  <p:clrMapOvr>
+    <a:masterClrMapping/>
+  </p:clrMapOvr>
+  <p:timing>
+    <p:tnLst>
+      <p:par>
+        <p:cTn id="1" dur="indefinite" restart="never" nodeType="tmRoot">
+          <p:childTnLst>
+            <p:seq concurrent="1" nextAc="seek">
+              <p:cTn id="2" dur="indefinite" nodeType="mainSeq">
+                <p:childTnLst>
+                  <p:par>
+                    <p:cTn id="3" fill="hold">
+                      <p:stCondLst>
+                        <p:cond delay="indefinite"/>
+                      </p:stCondLst>
+                      <p:childTnLst>
+                        <p:par>
+                          <p:cTn id="4" fill="hold">
+                            <p:stCondLst>
+                              <p:cond delay="0"/>
+                            </p:stCondLst>
+                            <p:childTnLst>
+                              <p:par>
+                                <p:cTn id="5" presetID="10" presetClass="entr" presetSubtype="0" fill="hold" nodeType="clickEffect">
+                                  <p:stCondLst>
+                                    <p:cond delay="0"/>
+                                  </p:stCondLst>
+                                  <p:childTnLst>
+                                    <p:set>
+                                      <p:cBhvr>
+                                        <p:cTn id="6" dur="1" fill="hold">
+                                          <p:stCondLst>
+                                            <p:cond delay="0"/>
+                                          </p:stCondLst>
+                                        </p:cTn>
+                                        <p:tgtEl>
+                                          <p:spTgt spid="9"/>
+                                        </p:tgtEl>
+                                        <p:attrNameLst>
+                                          <p:attrName>style.visibility</p:attrName>
+                                        </p:attrNameLst>
+                                      </p:cBhvr>
+                                      <p:to>
+                                        <p:strVal val="visible"/>
+                                      </p:to>
+                                    </p:set>
+                                    <p:animEffect transition="in" filter="fade">
+                                      <p:cBhvr>
+                                        <p:cTn id="7" dur="500"/>
+                                        <p:tgtEl>
+                                          <p:spTgt spid="9"/>
+                                        </p:tgtEl>
+                                      </p:cBhvr>
+                                    </p:animEffect>
+                                  </p:childTnLst>
+                                </p:cTn>
+                              </p:par>
+                            </p:childTnLst>
+                          </p:cTn>
+                        </p:par>
+                      </p:childTnLst>
+                    </p:cTn>
+                  </p:par>
+                  <p:par>
+                    <p:cTn id="8" fill="hold">
+                      <p:stCondLst>
+                        <p:cond delay="indefinite"/>
+                      </p:stCondLst>
+                      <p:childTnLst>
+                        <p:par>
+                          <p:cTn id="9" fill="hold">
+                            <p:stCondLst>
+                              <p:cond delay="0"/>
+                            </p:stCondLst>
+                            <p:childTnLst>
+                              <p:par>
+                                <p:cTn id="10" presetID="10" presetClass="entr" presetSubtype="0" fill="hold" nodeType="clickEffect">
+                                  <p:stCondLst>
+                                    <p:cond delay="0"/>
+                                  </p:stCondLst>
+                                  <p:childTnLst>
+                                    <p:set>
+                                      <p:cBhvr>
+                                        <p:cTn id="11" dur="1" fill="hold">
+                                          <p:stCondLst>
+                                            <p:cond delay="0"/>
+                                          </p:stCondLst>
+                                        </p:cTn>
+                                        <p:tgtEl>
+                                          <p:spTgt spid="18"/>
+                                        </p:tgtEl>
+                                        <p:attrNameLst>
+                                          <p:attrName>style.visibility</p:attrName>
+                                        </p:attrNameLst>
+                                      </p:cBhvr>
+                                      <p:to>
+                                        <p:strVal val="visible"/>
+                                      </p:to>
+                                    </p:set>
+                                    <p:animEffect transition="in" filter="fade">
+                                      <p:cBhvr>
+                                        <p:cTn id="12" dur="500"/>
+                                        <p:tgtEl>
+                                          <p:spTgt spid="18"/>
+                                        </p:tgtEl>
+                                      </p:cBhvr>
+                                    </p:animEffect>
+                                  </p:childTnLst>
+                                </p:cTn>
+                              </p:par>
+                            </p:childTnLst>
+                          </p:cTn>
+                        </p:par>
+                      </p:childTnLst>
+                    </p:cTn>
+                  </p:par>
+                </p:childTnLst>
+              </p:cTn>
+              <p:prevCondLst>
+                <p:cond evt="onPrev" delay="0">
+                  <p:tgtEl>
+                    <p:sldTgt/>
+                  </p:tgtEl>
+                </p:cond>
+              </p:prevCondLst>
+              <p:nextCondLst>
+                <p:cond evt="onNext" delay="0">
+                  <p:tgtEl>
+                    <p:sldTgt/>
+                  </p:tgtEl>
+                </p:cond>
+              </p:nextCondLst>
+            </p:seq>
+          </p:childTnLst>
+        </p:cTn>
+      </p:par>
+    </p:tnLst>
+  </p:timing>
+</p:sld>
+</file>
+
+<file path=ppt/slides/slide18.xml><?xml version="1.0" encoding="utf-8"?>
 <p:sld xmlns:a="http://schemas.openxmlformats.org/drawingml/2006/main" xmlns:r="http://schemas.openxmlformats.org/officeDocument/2006/relationships" xmlns:p="http://schemas.openxmlformats.org/presentationml/2006/main">
   <p:cSld>
     <p:spTree>
@@ -18160,28 +18947,28 @@
                 <a:gridCol w="2080180">
                   <a:extLst>
                     <a:ext uri="{9D8B030D-6E8A-4147-A177-3AD203B41FA5}">
-                      <a16:colId xmlns:a16="http://schemas.microsoft.com/office/drawing/2014/main" val="20000"/>
+                      <a16:colId xmlns:a16="http://schemas.microsoft.com/office/drawing/2014/main" xmlns="" val="20000"/>
                     </a:ext>
                   </a:extLst>
                 </a:gridCol>
                 <a:gridCol w="1591663">
                   <a:extLst>
                     <a:ext uri="{9D8B030D-6E8A-4147-A177-3AD203B41FA5}">
-                      <a16:colId xmlns:a16="http://schemas.microsoft.com/office/drawing/2014/main" val="20001"/>
+                      <a16:colId xmlns:a16="http://schemas.microsoft.com/office/drawing/2014/main" xmlns="" val="20001"/>
                     </a:ext>
                   </a:extLst>
                 </a:gridCol>
                 <a:gridCol w="1856559">
                   <a:extLst>
                     <a:ext uri="{9D8B030D-6E8A-4147-A177-3AD203B41FA5}">
-                      <a16:colId xmlns:a16="http://schemas.microsoft.com/office/drawing/2014/main" val="20002"/>
+                      <a16:colId xmlns:a16="http://schemas.microsoft.com/office/drawing/2014/main" xmlns="" val="20002"/>
                     </a:ext>
                   </a:extLst>
                 </a:gridCol>
                 <a:gridCol w="2376281">
                   <a:extLst>
                     <a:ext uri="{9D8B030D-6E8A-4147-A177-3AD203B41FA5}">
-                      <a16:colId xmlns:a16="http://schemas.microsoft.com/office/drawing/2014/main" val="20003"/>
+                      <a16:colId xmlns:a16="http://schemas.microsoft.com/office/drawing/2014/main" xmlns="" val="20003"/>
                     </a:ext>
                   </a:extLst>
                 </a:gridCol>
@@ -18347,7 +19134,7 @@
                 </a:tc>
                 <a:extLst>
                   <a:ext uri="{0D108BD9-81ED-4DB2-BD59-A6C34878D82A}">
-                    <a16:rowId xmlns:a16="http://schemas.microsoft.com/office/drawing/2014/main" val="10000"/>
+                    <a16:rowId xmlns:a16="http://schemas.microsoft.com/office/drawing/2014/main" xmlns="" val="10000"/>
                   </a:ext>
                 </a:extLst>
               </a:tr>
@@ -18477,7 +19264,7 @@
                 </a:tc>
                 <a:extLst>
                   <a:ext uri="{0D108BD9-81ED-4DB2-BD59-A6C34878D82A}">
-                    <a16:rowId xmlns:a16="http://schemas.microsoft.com/office/drawing/2014/main" val="10001"/>
+                    <a16:rowId xmlns:a16="http://schemas.microsoft.com/office/drawing/2014/main" xmlns="" val="10001"/>
                   </a:ext>
                 </a:extLst>
               </a:tr>
@@ -18607,7 +19394,7 @@
                 </a:tc>
                 <a:extLst>
                   <a:ext uri="{0D108BD9-81ED-4DB2-BD59-A6C34878D82A}">
-                    <a16:rowId xmlns:a16="http://schemas.microsoft.com/office/drawing/2014/main" val="10002"/>
+                    <a16:rowId xmlns:a16="http://schemas.microsoft.com/office/drawing/2014/main" xmlns="" val="10002"/>
                   </a:ext>
                 </a:extLst>
               </a:tr>
@@ -18740,7 +19527,7 @@
                 </a:tc>
                 <a:extLst>
                   <a:ext uri="{0D108BD9-81ED-4DB2-BD59-A6C34878D82A}">
-                    <a16:rowId xmlns:a16="http://schemas.microsoft.com/office/drawing/2014/main" val="10003"/>
+                    <a16:rowId xmlns:a16="http://schemas.microsoft.com/office/drawing/2014/main" xmlns="" val="10003"/>
                   </a:ext>
                 </a:extLst>
               </a:tr>
@@ -18808,7 +19595,7 @@
           <a:p>
             <a:fld id="{F666435A-C67E-4182-841F-98B28F8E4D33}" type="slidenum">
               <a:rPr lang="en-US" smtClean="0"/>
-              <a:t>17</a:t>
+              <a:t>18</a:t>
             </a:fld>
             <a:endParaRPr lang="en-US"/>
           </a:p>
@@ -18921,10 +19708,17 @@
   <p:clrMapOvr>
     <a:masterClrMapping/>
   </p:clrMapOvr>
+  <p:timing>
+    <p:tnLst>
+      <p:par>
+        <p:cTn id="1" dur="indefinite" restart="never" nodeType="tmRoot"/>
+      </p:par>
+    </p:tnLst>
+  </p:timing>
 </p:sld>
 </file>
 
-<file path=ppt/slides/slide18.xml><?xml version="1.0" encoding="utf-8"?>
+<file path=ppt/slides/slide19.xml><?xml version="1.0" encoding="utf-8"?>
 <p:sld xmlns:a="http://schemas.openxmlformats.org/drawingml/2006/main" xmlns:r="http://schemas.openxmlformats.org/officeDocument/2006/relationships" xmlns:p="http://schemas.openxmlformats.org/presentationml/2006/main">
   <p:cSld>
     <p:spTree>
@@ -19086,7 +19880,7 @@
           <a:p>
             <a:fld id="{F666435A-C67E-4182-841F-98B28F8E4D33}" type="slidenum">
               <a:rPr lang="en-US" smtClean="0"/>
-              <a:t>18</a:t>
+              <a:t>19</a:t>
             </a:fld>
             <a:endParaRPr lang="en-US"/>
           </a:p>
@@ -19185,10 +19979,334 @@
   <p:clrMapOvr>
     <a:masterClrMapping/>
   </p:clrMapOvr>
+  <p:timing>
+    <p:tnLst>
+      <p:par>
+        <p:cTn id="1" dur="indefinite" restart="never" nodeType="tmRoot"/>
+      </p:par>
+    </p:tnLst>
+  </p:timing>
 </p:sld>
 </file>
 
-<file path=ppt/slides/slide19.xml><?xml version="1.0" encoding="utf-8"?>
+<file path=ppt/slides/slide2.xml><?xml version="1.0" encoding="utf-8"?>
+<p:sld xmlns:a="http://schemas.openxmlformats.org/drawingml/2006/main" xmlns:r="http://schemas.openxmlformats.org/officeDocument/2006/relationships" xmlns:p="http://schemas.openxmlformats.org/presentationml/2006/main">
+  <p:cSld>
+    <p:spTree>
+      <p:nvGrpSpPr>
+        <p:cNvPr id="1" name=""/>
+        <p:cNvGrpSpPr/>
+        <p:nvPr/>
+      </p:nvGrpSpPr>
+      <p:grpSpPr>
+        <a:xfrm>
+          <a:off x="0" y="0"/>
+          <a:ext cx="0" cy="0"/>
+          <a:chOff x="0" y="0"/>
+          <a:chExt cx="0" cy="0"/>
+        </a:xfrm>
+      </p:grpSpPr>
+      <p:sp>
+        <p:nvSpPr>
+          <p:cNvPr id="6" name="正方形/長方形 5"/>
+          <p:cNvSpPr/>
+          <p:nvPr/>
+        </p:nvSpPr>
+        <p:spPr>
+          <a:xfrm>
+            <a:off x="0" y="1"/>
+            <a:ext cx="12192000" cy="1308100"/>
+          </a:xfrm>
+          <a:prstGeom prst="rect">
+            <a:avLst/>
+          </a:prstGeom>
+          <a:solidFill>
+            <a:schemeClr val="tx1"/>
+          </a:solidFill>
+          <a:ln>
+            <a:noFill/>
+          </a:ln>
+        </p:spPr>
+        <p:style>
+          <a:lnRef idx="2">
+            <a:schemeClr val="accent1">
+              <a:shade val="50000"/>
+            </a:schemeClr>
+          </a:lnRef>
+          <a:fillRef idx="1">
+            <a:schemeClr val="accent1"/>
+          </a:fillRef>
+          <a:effectRef idx="0">
+            <a:schemeClr val="accent1"/>
+          </a:effectRef>
+          <a:fontRef idx="minor">
+            <a:schemeClr val="lt1"/>
+          </a:fontRef>
+        </p:style>
+        <p:txBody>
+          <a:bodyPr rtlCol="0" anchor="ctr"/>
+          <a:lstStyle/>
+          <a:p>
+            <a:pPr algn="ctr"/>
+            <a:endParaRPr lang="zh-CN" altLang="en-US"/>
+          </a:p>
+        </p:txBody>
+      </p:sp>
+      <p:sp>
+        <p:nvSpPr>
+          <p:cNvPr id="2" name="タイトル 1"/>
+          <p:cNvSpPr>
+            <a:spLocks noGrp="1"/>
+          </p:cNvSpPr>
+          <p:nvPr>
+            <p:ph type="title"/>
+          </p:nvPr>
+        </p:nvSpPr>
+        <p:spPr/>
+        <p:txBody>
+          <a:bodyPr/>
+          <a:lstStyle/>
+          <a:p>
+            <a:r>
+              <a:rPr lang="ja-JP" altLang="en-US" dirty="0">
+                <a:solidFill>
+                  <a:schemeClr val="bg1"/>
+                </a:solidFill>
+              </a:rPr>
+              <a:t>目次</a:t>
+            </a:r>
+            <a:endParaRPr lang="zh-CN" altLang="en-US" dirty="0">
+              <a:solidFill>
+                <a:schemeClr val="bg1"/>
+              </a:solidFill>
+            </a:endParaRPr>
+          </a:p>
+        </p:txBody>
+      </p:sp>
+      <p:sp>
+        <p:nvSpPr>
+          <p:cNvPr id="3" name="コンテンツ プレースホルダー 2"/>
+          <p:cNvSpPr>
+            <a:spLocks noGrp="1"/>
+          </p:cNvSpPr>
+          <p:nvPr>
+            <p:ph idx="1"/>
+          </p:nvPr>
+        </p:nvSpPr>
+        <p:spPr/>
+        <p:txBody>
+          <a:bodyPr>
+            <a:normAutofit fontScale="85000" lnSpcReduction="20000"/>
+          </a:bodyPr>
+          <a:lstStyle/>
+          <a:p>
+            <a:pPr marL="514350" indent="-514350">
+              <a:lnSpc>
+                <a:spcPct val="120000"/>
+              </a:lnSpc>
+              <a:buAutoNum type="arabicPeriod"/>
+            </a:pPr>
+            <a:r>
+              <a:rPr lang="ja-JP" altLang="en-US" dirty="0"/>
+              <a:t>研究背景</a:t>
+            </a:r>
+            <a:endParaRPr lang="en-US" altLang="ja-JP" dirty="0"/>
+          </a:p>
+          <a:p>
+            <a:pPr marL="514350" indent="-514350">
+              <a:lnSpc>
+                <a:spcPct val="120000"/>
+              </a:lnSpc>
+              <a:buAutoNum type="arabicPeriod"/>
+            </a:pPr>
+            <a:r>
+              <a:rPr lang="ja-JP" altLang="en-US" dirty="0"/>
+              <a:t>問題定義</a:t>
+            </a:r>
+            <a:endParaRPr lang="en-US" altLang="ja-JP" dirty="0"/>
+          </a:p>
+          <a:p>
+            <a:pPr marL="514350" indent="-514350">
+              <a:lnSpc>
+                <a:spcPct val="120000"/>
+              </a:lnSpc>
+              <a:buAutoNum type="arabicPeriod"/>
+            </a:pPr>
+            <a:r>
+              <a:rPr lang="ja-JP" altLang="en-US" dirty="0"/>
+              <a:t>従来</a:t>
+            </a:r>
+            <a:r>
+              <a:rPr lang="ja-JP" altLang="en-US" dirty="0" smtClean="0"/>
+              <a:t>手法</a:t>
+            </a:r>
+            <a:endParaRPr lang="en-US" altLang="ja-JP" dirty="0" smtClean="0"/>
+          </a:p>
+          <a:p>
+            <a:pPr marL="0" indent="0">
+              <a:lnSpc>
+                <a:spcPct val="120000"/>
+              </a:lnSpc>
+              <a:buNone/>
+            </a:pPr>
+            <a:r>
+              <a:rPr lang="en-US" altLang="ja-JP" dirty="0"/>
+              <a:t>	</a:t>
+            </a:r>
+            <a:r>
+              <a:rPr lang="en-US" altLang="ja-JP" sz="2300" dirty="0" smtClean="0"/>
+              <a:t>- Cover Heuristic </a:t>
+            </a:r>
+            <a:r>
+              <a:rPr lang="ja-JP" altLang="en-US" sz="2300" dirty="0" smtClean="0"/>
+              <a:t>法と問題点</a:t>
+            </a:r>
+            <a:endParaRPr lang="en-US" altLang="ja-JP" sz="2300" dirty="0"/>
+          </a:p>
+          <a:p>
+            <a:pPr marL="514350" indent="-514350">
+              <a:lnSpc>
+                <a:spcPct val="120000"/>
+              </a:lnSpc>
+              <a:buFont typeface="+mj-lt"/>
+              <a:buAutoNum type="arabicPeriod" startAt="4"/>
+            </a:pPr>
+            <a:r>
+              <a:rPr lang="ja-JP" altLang="en-US" dirty="0"/>
+              <a:t>提案</a:t>
+            </a:r>
+            <a:r>
+              <a:rPr lang="ja-JP" altLang="en-US" dirty="0" smtClean="0"/>
+              <a:t>手法</a:t>
+            </a:r>
+            <a:endParaRPr lang="en-US" altLang="ja-JP" dirty="0" smtClean="0"/>
+          </a:p>
+          <a:p>
+            <a:pPr marL="0" indent="0">
+              <a:lnSpc>
+                <a:spcPct val="120000"/>
+              </a:lnSpc>
+              <a:buNone/>
+            </a:pPr>
+            <a:r>
+              <a:rPr lang="en-US" altLang="ja-JP" dirty="0" smtClean="0"/>
+              <a:t>	</a:t>
+            </a:r>
+            <a:r>
+              <a:rPr lang="en-US" altLang="ja-JP" sz="2300" dirty="0" smtClean="0"/>
+              <a:t>- </a:t>
+            </a:r>
+            <a:r>
+              <a:rPr lang="ja-JP" altLang="en-US" sz="2300" dirty="0" smtClean="0"/>
+              <a:t>従来手法</a:t>
+            </a:r>
+            <a:r>
+              <a:rPr lang="ja-JP" altLang="en-US" sz="2300" dirty="0" smtClean="0"/>
+              <a:t>の高速</a:t>
+            </a:r>
+            <a:endParaRPr lang="en-US" altLang="ja-JP" sz="2300" dirty="0" smtClean="0"/>
+          </a:p>
+          <a:p>
+            <a:pPr marL="0" indent="0">
+              <a:lnSpc>
+                <a:spcPct val="120000"/>
+              </a:lnSpc>
+              <a:buNone/>
+            </a:pPr>
+            <a:r>
+              <a:rPr lang="en-US" altLang="ja-JP" sz="2300" dirty="0"/>
+              <a:t>	</a:t>
+            </a:r>
+            <a:r>
+              <a:rPr lang="en-US" altLang="ja-JP" sz="2300" dirty="0" smtClean="0"/>
+              <a:t>- Tie-Breaking </a:t>
+            </a:r>
+            <a:r>
+              <a:rPr lang="ja-JP" altLang="en-US" sz="2300" dirty="0" smtClean="0"/>
+              <a:t>問題の解決</a:t>
+            </a:r>
+            <a:endParaRPr lang="en-US" altLang="ja-JP" sz="2300" dirty="0"/>
+          </a:p>
+          <a:p>
+            <a:pPr marL="0" indent="0">
+              <a:lnSpc>
+                <a:spcPct val="120000"/>
+              </a:lnSpc>
+              <a:buNone/>
+            </a:pPr>
+            <a:r>
+              <a:rPr lang="en-US" altLang="ja-JP" dirty="0" smtClean="0"/>
+              <a:t>5.    </a:t>
+            </a:r>
+            <a:r>
+              <a:rPr lang="ja-JP" altLang="en-US" dirty="0" smtClean="0"/>
+              <a:t>評価実験</a:t>
+            </a:r>
+            <a:endParaRPr lang="en-US" altLang="ja-JP" dirty="0"/>
+          </a:p>
+          <a:p>
+            <a:pPr marL="0" indent="0">
+              <a:lnSpc>
+                <a:spcPct val="120000"/>
+              </a:lnSpc>
+              <a:buNone/>
+            </a:pPr>
+            <a:r>
+              <a:rPr lang="en-US" altLang="ja-JP" dirty="0" smtClean="0"/>
+              <a:t>6.    </a:t>
+            </a:r>
+            <a:r>
+              <a:rPr lang="ja-JP" altLang="en-US" dirty="0" smtClean="0"/>
+              <a:t>まとめ</a:t>
+            </a:r>
+            <a:endParaRPr lang="zh-CN" altLang="en-US" dirty="0"/>
+          </a:p>
+        </p:txBody>
+      </p:sp>
+      <p:sp>
+        <p:nvSpPr>
+          <p:cNvPr id="4" name="スライド番号プレースホルダー 3"/>
+          <p:cNvSpPr>
+            <a:spLocks noGrp="1"/>
+          </p:cNvSpPr>
+          <p:nvPr>
+            <p:ph type="sldNum" sz="quarter" idx="12"/>
+          </p:nvPr>
+        </p:nvSpPr>
+        <p:spPr/>
+        <p:txBody>
+          <a:bodyPr/>
+          <a:lstStyle/>
+          <a:p>
+            <a:fld id="{F666435A-C67E-4182-841F-98B28F8E4D33}" type="slidenum">
+              <a:rPr lang="en-US" smtClean="0"/>
+              <a:t>2</a:t>
+            </a:fld>
+            <a:endParaRPr lang="en-US"/>
+          </a:p>
+        </p:txBody>
+      </p:sp>
+    </p:spTree>
+    <p:extLst>
+      <p:ext uri="{BB962C8B-B14F-4D97-AF65-F5344CB8AC3E}">
+        <p14:creationId xmlns:p14="http://schemas.microsoft.com/office/powerpoint/2010/main" val="3906756736"/>
+      </p:ext>
+    </p:extLst>
+  </p:cSld>
+  <p:clrMapOvr>
+    <a:masterClrMapping/>
+  </p:clrMapOvr>
+  <p:timing>
+    <p:tnLst>
+      <p:par>
+        <p:cTn id="1" dur="indefinite" restart="never" nodeType="tmRoot"/>
+      </p:par>
+    </p:tnLst>
+  </p:timing>
+</p:sld>
+</file>
+
+<file path=ppt/slides/slide20.xml><?xml version="1.0" encoding="utf-8"?>
 <p:sld xmlns:a="http://schemas.openxmlformats.org/drawingml/2006/main" xmlns:r="http://schemas.openxmlformats.org/officeDocument/2006/relationships" xmlns:p="http://schemas.openxmlformats.org/presentationml/2006/main">
   <p:cSld>
     <p:spTree>
@@ -19393,25 +20511,46 @@
           <a:p>
             <a:pPr lvl="1"/>
             <a:r>
+              <a:rPr lang="en-US" altLang="ja-JP" sz="2000" dirty="0" smtClean="0">
+                <a:latin typeface="メイリオ" panose="020B0604030504040204" pitchFamily="50" charset="-128"/>
+                <a:ea typeface="メイリオ" panose="020B0604030504040204" pitchFamily="50" charset="-128"/>
+              </a:rPr>
+              <a:t>2)Tie-Breaking</a:t>
+            </a:r>
+            <a:r>
+              <a:rPr lang="ja-JP" altLang="en-US" sz="2000" dirty="0" smtClean="0">
+                <a:latin typeface="メイリオ" panose="020B0604030504040204" pitchFamily="50" charset="-128"/>
+                <a:ea typeface="メイリオ" panose="020B0604030504040204" pitchFamily="50" charset="-128"/>
+              </a:rPr>
+              <a:t>問題に対して</a:t>
+            </a:r>
+            <a:r>
+              <a:rPr lang="ja-JP" altLang="en-US" sz="2000" dirty="0">
+                <a:latin typeface="メイリオ" panose="020B0604030504040204" pitchFamily="50" charset="-128"/>
+                <a:ea typeface="メイリオ" panose="020B0604030504040204" pitchFamily="50" charset="-128"/>
+              </a:rPr>
+              <a:t>、該当</a:t>
+            </a:r>
+            <a:r>
+              <a:rPr lang="ja-JP" altLang="en-US" sz="2000" dirty="0" smtClean="0">
+                <a:latin typeface="メイリオ" panose="020B0604030504040204" pitchFamily="50" charset="-128"/>
+                <a:ea typeface="メイリオ" panose="020B0604030504040204" pitchFamily="50" charset="-128"/>
+              </a:rPr>
+              <a:t>パーサに</a:t>
+            </a:r>
+            <a:r>
+              <a:rPr lang="en-US" altLang="ja-JP" sz="2000" dirty="0" smtClean="0">
+                <a:latin typeface="メイリオ" panose="020B0604030504040204" pitchFamily="50" charset="-128"/>
+                <a:ea typeface="メイリオ" panose="020B0604030504040204" pitchFamily="50" charset="-128"/>
+              </a:rPr>
+              <a:t>A </a:t>
+            </a:r>
+            <a:r>
               <a:rPr lang="en-US" altLang="ja-JP" sz="2000" dirty="0">
                 <a:latin typeface="メイリオ" panose="020B0604030504040204" pitchFamily="50" charset="-128"/>
                 <a:ea typeface="メイリオ" panose="020B0604030504040204" pitchFamily="50" charset="-128"/>
               </a:rPr>
-              <a:t>2)Tie-Breaking</a:t>
-            </a:r>
-            <a:r>
-              <a:rPr lang="ja-JP" altLang="en-US" sz="2000" dirty="0">
-                <a:latin typeface="メイリオ" panose="020B0604030504040204" pitchFamily="50" charset="-128"/>
-                <a:ea typeface="メイリオ" panose="020B0604030504040204" pitchFamily="50" charset="-128"/>
-              </a:rPr>
-              <a:t>にたいして、該当パーサを</a:t>
-            </a:r>
-            <a:r>
-              <a:rPr lang="en-US" altLang="ja-JP" sz="2000" dirty="0">
-                <a:latin typeface="メイリオ" panose="020B0604030504040204" pitchFamily="50" charset="-128"/>
-                <a:ea typeface="メイリオ" panose="020B0604030504040204" pitchFamily="50" charset="-128"/>
-              </a:rPr>
-              <a:t>A star Algorithm</a:t>
+              <a:t>star Algorithm</a:t>
             </a:r>
             <a:r>
               <a:rPr lang="ja-JP" altLang="en-US" sz="2000" dirty="0">
@@ -19548,7 +20687,7 @@
           <a:p>
             <a:fld id="{F666435A-C67E-4182-841F-98B28F8E4D33}" type="slidenum">
               <a:rPr lang="en-US" smtClean="0"/>
-              <a:t>19</a:t>
+              <a:t>20</a:t>
             </a:fld>
             <a:endParaRPr lang="en-US"/>
           </a:p>
@@ -20355,277 +21494,7 @@
 </p:sld>
 </file>
 
-<file path=ppt/slides/slide2.xml><?xml version="1.0" encoding="utf-8"?>
-<p:sld xmlns:a="http://schemas.openxmlformats.org/drawingml/2006/main" xmlns:r="http://schemas.openxmlformats.org/officeDocument/2006/relationships" xmlns:p="http://schemas.openxmlformats.org/presentationml/2006/main">
-  <p:cSld>
-    <p:spTree>
-      <p:nvGrpSpPr>
-        <p:cNvPr id="1" name=""/>
-        <p:cNvGrpSpPr/>
-        <p:nvPr/>
-      </p:nvGrpSpPr>
-      <p:grpSpPr>
-        <a:xfrm>
-          <a:off x="0" y="0"/>
-          <a:ext cx="0" cy="0"/>
-          <a:chOff x="0" y="0"/>
-          <a:chExt cx="0" cy="0"/>
-        </a:xfrm>
-      </p:grpSpPr>
-      <p:sp>
-        <p:nvSpPr>
-          <p:cNvPr id="6" name="正方形/長方形 5"/>
-          <p:cNvSpPr/>
-          <p:nvPr/>
-        </p:nvSpPr>
-        <p:spPr>
-          <a:xfrm>
-            <a:off x="0" y="1"/>
-            <a:ext cx="12192000" cy="1308100"/>
-          </a:xfrm>
-          <a:prstGeom prst="rect">
-            <a:avLst/>
-          </a:prstGeom>
-          <a:solidFill>
-            <a:schemeClr val="tx1"/>
-          </a:solidFill>
-          <a:ln>
-            <a:noFill/>
-          </a:ln>
-        </p:spPr>
-        <p:style>
-          <a:lnRef idx="2">
-            <a:schemeClr val="accent1">
-              <a:shade val="50000"/>
-            </a:schemeClr>
-          </a:lnRef>
-          <a:fillRef idx="1">
-            <a:schemeClr val="accent1"/>
-          </a:fillRef>
-          <a:effectRef idx="0">
-            <a:schemeClr val="accent1"/>
-          </a:effectRef>
-          <a:fontRef idx="minor">
-            <a:schemeClr val="lt1"/>
-          </a:fontRef>
-        </p:style>
-        <p:txBody>
-          <a:bodyPr rtlCol="0" anchor="ctr"/>
-          <a:lstStyle/>
-          <a:p>
-            <a:pPr algn="ctr"/>
-            <a:endParaRPr lang="zh-CN" altLang="en-US"/>
-          </a:p>
-        </p:txBody>
-      </p:sp>
-      <p:sp>
-        <p:nvSpPr>
-          <p:cNvPr id="2" name="タイトル 1"/>
-          <p:cNvSpPr>
-            <a:spLocks noGrp="1"/>
-          </p:cNvSpPr>
-          <p:nvPr>
-            <p:ph type="title"/>
-          </p:nvPr>
-        </p:nvSpPr>
-        <p:spPr/>
-        <p:txBody>
-          <a:bodyPr/>
-          <a:lstStyle/>
-          <a:p>
-            <a:r>
-              <a:rPr lang="ja-JP" altLang="en-US" dirty="0">
-                <a:solidFill>
-                  <a:schemeClr val="bg1"/>
-                </a:solidFill>
-              </a:rPr>
-              <a:t>目次</a:t>
-            </a:r>
-            <a:endParaRPr lang="zh-CN" altLang="en-US" dirty="0">
-              <a:solidFill>
-                <a:schemeClr val="bg1"/>
-              </a:solidFill>
-            </a:endParaRPr>
-          </a:p>
-        </p:txBody>
-      </p:sp>
-      <p:sp>
-        <p:nvSpPr>
-          <p:cNvPr id="3" name="コンテンツ プレースホルダー 2"/>
-          <p:cNvSpPr>
-            <a:spLocks noGrp="1"/>
-          </p:cNvSpPr>
-          <p:nvPr>
-            <p:ph idx="1"/>
-          </p:nvPr>
-        </p:nvSpPr>
-        <p:spPr/>
-        <p:txBody>
-          <a:bodyPr/>
-          <a:lstStyle/>
-          <a:p>
-            <a:pPr marL="514350" indent="-514350">
-              <a:lnSpc>
-                <a:spcPct val="120000"/>
-              </a:lnSpc>
-              <a:buAutoNum type="arabicPeriod"/>
-            </a:pPr>
-            <a:r>
-              <a:rPr lang="ja-JP" altLang="en-US" dirty="0"/>
-              <a:t>研究背景</a:t>
-            </a:r>
-            <a:endParaRPr lang="en-US" altLang="ja-JP" dirty="0"/>
-          </a:p>
-          <a:p>
-            <a:pPr marL="514350" indent="-514350">
-              <a:lnSpc>
-                <a:spcPct val="120000"/>
-              </a:lnSpc>
-              <a:buAutoNum type="arabicPeriod"/>
-            </a:pPr>
-            <a:r>
-              <a:rPr lang="ja-JP" altLang="en-US" dirty="0"/>
-              <a:t>問題定義</a:t>
-            </a:r>
-            <a:endParaRPr lang="en-US" altLang="ja-JP" dirty="0"/>
-          </a:p>
-          <a:p>
-            <a:pPr marL="514350" indent="-514350">
-              <a:lnSpc>
-                <a:spcPct val="120000"/>
-              </a:lnSpc>
-              <a:buAutoNum type="arabicPeriod"/>
-            </a:pPr>
-            <a:r>
-              <a:rPr lang="ja-JP" altLang="en-US" dirty="0"/>
-              <a:t>従来手法</a:t>
-            </a:r>
-            <a:endParaRPr lang="en-US" altLang="ja-JP" dirty="0"/>
-          </a:p>
-          <a:p>
-            <a:pPr marL="514350" indent="-514350">
-              <a:lnSpc>
-                <a:spcPct val="120000"/>
-              </a:lnSpc>
-              <a:buAutoNum type="arabicPeriod"/>
-            </a:pPr>
-            <a:r>
-              <a:rPr lang="ja-JP" altLang="en-US" dirty="0"/>
-              <a:t>提案手法</a:t>
-            </a:r>
-            <a:endParaRPr lang="en-US" altLang="ja-JP" dirty="0"/>
-          </a:p>
-          <a:p>
-            <a:pPr marL="514350" indent="-514350">
-              <a:lnSpc>
-                <a:spcPct val="120000"/>
-              </a:lnSpc>
-              <a:buAutoNum type="arabicPeriod"/>
-            </a:pPr>
-            <a:r>
-              <a:rPr lang="ja-JP" altLang="en-US" dirty="0"/>
-              <a:t>評価実験</a:t>
-            </a:r>
-            <a:endParaRPr lang="en-US" altLang="ja-JP" dirty="0"/>
-          </a:p>
-          <a:p>
-            <a:pPr marL="514350" indent="-514350">
-              <a:lnSpc>
-                <a:spcPct val="120000"/>
-              </a:lnSpc>
-              <a:buAutoNum type="arabicPeriod"/>
-            </a:pPr>
-            <a:r>
-              <a:rPr lang="ja-JP" altLang="en-US" dirty="0"/>
-              <a:t>今後の課題</a:t>
-            </a:r>
-            <a:endParaRPr lang="zh-CN" altLang="en-US" dirty="0"/>
-          </a:p>
-        </p:txBody>
-      </p:sp>
-      <p:sp>
-        <p:nvSpPr>
-          <p:cNvPr id="4" name="スライド番号プレースホルダー 3"/>
-          <p:cNvSpPr>
-            <a:spLocks noGrp="1"/>
-          </p:cNvSpPr>
-          <p:nvPr>
-            <p:ph type="sldNum" sz="quarter" idx="12"/>
-          </p:nvPr>
-        </p:nvSpPr>
-        <p:spPr/>
-        <p:txBody>
-          <a:bodyPr/>
-          <a:lstStyle/>
-          <a:p>
-            <a:fld id="{F666435A-C67E-4182-841F-98B28F8E4D33}" type="slidenum">
-              <a:rPr lang="en-US" smtClean="0"/>
-              <a:t>2</a:t>
-            </a:fld>
-            <a:endParaRPr lang="en-US"/>
-          </a:p>
-        </p:txBody>
-      </p:sp>
-      <p:sp>
-        <p:nvSpPr>
-          <p:cNvPr id="5" name="テキスト ボックス 4"/>
-          <p:cNvSpPr txBox="1"/>
-          <p:nvPr/>
-        </p:nvSpPr>
-        <p:spPr>
-          <a:xfrm>
-            <a:off x="6927925" y="1979407"/>
-            <a:ext cx="2807746" cy="369332"/>
-          </a:xfrm>
-          <a:prstGeom prst="rect">
-            <a:avLst/>
-          </a:prstGeom>
-          <a:noFill/>
-        </p:spPr>
-        <p:txBody>
-          <a:bodyPr wrap="square" rtlCol="0">
-            <a:spAutoFit/>
-          </a:bodyPr>
-          <a:lstStyle/>
-          <a:p>
-            <a:r>
-              <a:rPr lang="ja-JP" altLang="en-US" dirty="0">
-                <a:solidFill>
-                  <a:srgbClr val="FF0000"/>
-                </a:solidFill>
-              </a:rPr>
-              <a:t>捕獲の</a:t>
-            </a:r>
-            <a:r>
-              <a:rPr lang="en-US" altLang="ja-JP" dirty="0">
-                <a:solidFill>
-                  <a:srgbClr val="FF0000"/>
-                </a:solidFill>
-              </a:rPr>
-              <a:t>GIF</a:t>
-            </a:r>
-            <a:endParaRPr lang="zh-CN" altLang="en-US" dirty="0">
-              <a:solidFill>
-                <a:srgbClr val="FF0000"/>
-              </a:solidFill>
-            </a:endParaRPr>
-          </a:p>
-        </p:txBody>
-      </p:sp>
-    </p:spTree>
-    <p:extLst>
-      <p:ext uri="{BB962C8B-B14F-4D97-AF65-F5344CB8AC3E}">
-        <p14:creationId xmlns:p14="http://schemas.microsoft.com/office/powerpoint/2010/main" val="3906756736"/>
-      </p:ext>
-    </p:extLst>
-  </p:cSld>
-  <p:clrMapOvr>
-    <a:masterClrMapping/>
-  </p:clrMapOvr>
-</p:sld>
-</file>
-
-<file path=ppt/slides/slide20.xml><?xml version="1.0" encoding="utf-8"?>
+<file path=ppt/slides/slide21.xml><?xml version="1.0" encoding="utf-8"?>
 <p:sld xmlns:a="http://schemas.openxmlformats.org/drawingml/2006/main" xmlns:r="http://schemas.openxmlformats.org/officeDocument/2006/relationships" xmlns:p="http://schemas.openxmlformats.org/presentationml/2006/main">
   <p:cSld>
     <p:spTree>
@@ -20744,7 +21613,7 @@
           <a:p>
             <a:fld id="{F666435A-C67E-4182-841F-98B28F8E4D33}" type="slidenum">
               <a:rPr lang="en-US" smtClean="0"/>
-              <a:t>20</a:t>
+              <a:t>21</a:t>
             </a:fld>
             <a:endParaRPr lang="en-US"/>
           </a:p>
@@ -20760,6 +21629,13 @@
   <p:clrMapOvr>
     <a:masterClrMapping/>
   </p:clrMapOvr>
+  <p:timing>
+    <p:tnLst>
+      <p:par>
+        <p:cTn id="1" dur="indefinite" restart="never" nodeType="tmRoot"/>
+      </p:par>
+    </p:tnLst>
+  </p:timing>
 </p:sld>
 </file>
 
@@ -20896,7 +21772,7 @@
         </p:blipFill>
         <p:spPr>
           <a:xfrm>
-            <a:off x="2427378" y="1688624"/>
+            <a:off x="2427378" y="1587520"/>
             <a:ext cx="7337243" cy="4577536"/>
           </a:xfrm>
           <a:prstGeom prst="rect">
@@ -20968,6 +21844,13 @@
   <p:clrMapOvr>
     <a:masterClrMapping/>
   </p:clrMapOvr>
+  <p:timing>
+    <p:tnLst>
+      <p:par>
+        <p:cTn id="1" dur="indefinite" restart="never" nodeType="tmRoot"/>
+      </p:par>
+    </p:tnLst>
+  </p:timing>
 </p:sld>
 </file>
 
@@ -20996,7 +21879,7 @@
         </p:nvGrpSpPr>
         <p:grpSpPr>
           <a:xfrm>
-            <a:off x="1408510" y="2587600"/>
+            <a:off x="1408510" y="2534516"/>
             <a:ext cx="8835622" cy="3182158"/>
             <a:chOff x="1408510" y="2587600"/>
             <a:chExt cx="8835622" cy="3182158"/>
@@ -21141,8 +22024,8 @@
         </p:nvSpPr>
         <p:spPr>
           <a:xfrm>
-            <a:off x="838200" y="1723049"/>
-            <a:ext cx="8965349" cy="369332"/>
+            <a:off x="0" y="1700577"/>
+            <a:ext cx="11925300" cy="400110"/>
           </a:xfrm>
           <a:prstGeom prst="rect">
             <a:avLst/>
@@ -21156,14 +22039,14 @@
           <a:p>
             <a:pPr algn="ctr"/>
             <a:r>
-              <a:rPr lang="ja-JP" altLang="en-US" dirty="0">
+              <a:rPr lang="ja-JP" altLang="en-US" sz="2000" dirty="0">
                 <a:latin typeface="メイリオ" panose="020B0604030504040204" pitchFamily="50" charset="-128"/>
                 <a:ea typeface="メイリオ" panose="020B0604030504040204" pitchFamily="50" charset="-128"/>
                 <a:cs typeface="Times New Roman" panose="02020603050405020304" pitchFamily="18" charset="0"/>
               </a:rPr>
               <a:t>目的：マルチエージェントが協調して、単一移動対象に対する高速で有効な探索方法</a:t>
             </a:r>
-            <a:endParaRPr lang="en-US" altLang="zh-CN" dirty="0">
+            <a:endParaRPr lang="en-US" altLang="zh-CN" sz="2000" dirty="0">
               <a:latin typeface="メイリオ" panose="020B0604030504040204" pitchFamily="50" charset="-128"/>
               <a:ea typeface="メイリオ" panose="020B0604030504040204" pitchFamily="50" charset="-128"/>
               <a:cs typeface="Times New Roman" panose="02020603050405020304" pitchFamily="18" charset="0"/>
@@ -21202,8 +22085,8 @@
         </p:nvCxnSpPr>
         <p:spPr>
           <a:xfrm>
-            <a:off x="1675392" y="2109086"/>
-            <a:ext cx="2033195" cy="0"/>
+            <a:off x="1944312" y="2116118"/>
+            <a:ext cx="2213162" cy="8399"/>
           </a:xfrm>
           <a:prstGeom prst="line">
             <a:avLst/>
@@ -21237,8 +22120,8 @@
         </p:nvCxnSpPr>
         <p:spPr>
           <a:xfrm>
-            <a:off x="5075148" y="2100687"/>
-            <a:ext cx="1502346" cy="0"/>
+            <a:off x="5787182" y="2100687"/>
+            <a:ext cx="1580006" cy="8399"/>
           </a:xfrm>
           <a:prstGeom prst="line">
             <a:avLst/>
@@ -23512,34 +24395,36 @@
           </a:xfrm>
         </p:spPr>
         <p:txBody>
-          <a:bodyPr/>
+          <a:bodyPr>
+            <a:normAutofit/>
+          </a:bodyPr>
           <a:lstStyle/>
           <a:p>
             <a:pPr marL="0" indent="0">
               <a:buNone/>
             </a:pPr>
             <a:r>
-              <a:rPr lang="ja-JP" altLang="en-US" dirty="0">
+              <a:rPr lang="ja-JP" altLang="en-US" sz="2400" dirty="0">
                 <a:latin typeface="メイリオ" panose="020B0604030504040204" pitchFamily="50" charset="-128"/>
                 <a:ea typeface="メイリオ" panose="020B0604030504040204" pitchFamily="50" charset="-128"/>
               </a:rPr>
               <a:t>目的</a:t>
             </a:r>
             <a:r>
-              <a:rPr lang="en-US" altLang="ja-JP" dirty="0">
+              <a:rPr lang="en-US" altLang="ja-JP" sz="2400" dirty="0">
                 <a:latin typeface="メイリオ" panose="020B0604030504040204" pitchFamily="50" charset="-128"/>
                 <a:ea typeface="メイリオ" panose="020B0604030504040204" pitchFamily="50" charset="-128"/>
               </a:rPr>
               <a:t>:</a:t>
             </a:r>
             <a:r>
-              <a:rPr lang="ja-JP" altLang="en-US" dirty="0">
+              <a:rPr lang="ja-JP" altLang="en-US" sz="2400" dirty="0">
                 <a:latin typeface="メイリオ" panose="020B0604030504040204" pitchFamily="50" charset="-128"/>
                 <a:ea typeface="メイリオ" panose="020B0604030504040204" pitchFamily="50" charset="-128"/>
               </a:rPr>
               <a:t>　ターゲットの移動性を抑制</a:t>
             </a:r>
-            <a:endParaRPr lang="en-US" altLang="ja-JP" dirty="0">
+            <a:endParaRPr lang="en-US" altLang="ja-JP" sz="2400" dirty="0">
               <a:latin typeface="メイリオ" panose="020B0604030504040204" pitchFamily="50" charset="-128"/>
               <a:ea typeface="メイリオ" panose="020B0604030504040204" pitchFamily="50" charset="-128"/>
             </a:endParaRPr>
@@ -24713,13 +25598,13 @@
           </p:spPr>
           <p:style>
             <a:lnRef idx="1">
-              <a:schemeClr val="accent2"/>
+              <a:schemeClr val="accent4"/>
             </a:lnRef>
             <a:fillRef idx="3">
-              <a:schemeClr val="accent2"/>
+              <a:schemeClr val="accent4"/>
             </a:fillRef>
             <a:effectRef idx="2">
-              <a:schemeClr val="accent2"/>
+              <a:schemeClr val="accent4"/>
             </a:effectRef>
             <a:fontRef idx="minor">
               <a:schemeClr val="lt1"/>
@@ -24822,7 +25707,7 @@
         <p:spPr>
           <a:xfrm>
             <a:off x="5277394" y="1601546"/>
-            <a:ext cx="5103223" cy="2862322"/>
+            <a:ext cx="5103223" cy="3693319"/>
           </a:xfrm>
           <a:prstGeom prst="rect">
             <a:avLst/>
@@ -24906,9 +25791,16 @@
                 <a:latin typeface="メイリオ" panose="020B0604030504040204" pitchFamily="50" charset="-128"/>
                 <a:ea typeface="メイリオ" panose="020B0604030504040204" pitchFamily="50" charset="-128"/>
               </a:rPr>
-              <a:t>を計算する</a:t>
-            </a:r>
-            <a:endParaRPr lang="en-US" altLang="ja-JP" dirty="0">
+              <a:t>を計算</a:t>
+            </a:r>
+            <a:r>
+              <a:rPr lang="ja-JP" altLang="en-US" dirty="0" smtClean="0">
+                <a:latin typeface="メイリオ" panose="020B0604030504040204" pitchFamily="50" charset="-128"/>
+                <a:ea typeface="メイリオ" panose="020B0604030504040204" pitchFamily="50" charset="-128"/>
+              </a:rPr>
+              <a:t>する</a:t>
+            </a:r>
+            <a:endParaRPr lang="en-US" altLang="ja-JP" dirty="0" smtClean="0">
               <a:latin typeface="メイリオ" panose="020B0604030504040204" pitchFamily="50" charset="-128"/>
               <a:ea typeface="メイリオ" panose="020B0604030504040204" pitchFamily="50" charset="-128"/>
             </a:endParaRPr>
@@ -24946,15 +25838,74 @@
                 <a:latin typeface="メイリオ" panose="020B0604030504040204" pitchFamily="50" charset="-128"/>
                 <a:ea typeface="メイリオ" panose="020B0604030504040204" pitchFamily="50" charset="-128"/>
               </a:rPr>
-              <a:t>より早く辿り着ける範囲</a:t>
-            </a:r>
+              <a:t>より早く辿り着ける領域のタイルの</a:t>
+            </a:r>
+            <a:r>
+              <a:rPr lang="ja-JP" altLang="en-US" dirty="0" smtClean="0">
+                <a:latin typeface="メイリオ" panose="020B0604030504040204" pitchFamily="50" charset="-128"/>
+                <a:ea typeface="メイリオ" panose="020B0604030504040204" pitchFamily="50" charset="-128"/>
+              </a:rPr>
+              <a:t>数</a:t>
+            </a:r>
+            <a:endParaRPr lang="en-US" altLang="ja-JP" dirty="0" smtClean="0">
+              <a:latin typeface="メイリオ" panose="020B0604030504040204" pitchFamily="50" charset="-128"/>
+              <a:ea typeface="メイリオ" panose="020B0604030504040204" pitchFamily="50" charset="-128"/>
+            </a:endParaRPr>
+          </a:p>
+          <a:p>
+            <a:endParaRPr lang="en-US" altLang="zh-CN" dirty="0">
+              <a:latin typeface="メイリオ" panose="020B0604030504040204" pitchFamily="50" charset="-128"/>
+              <a:ea typeface="メイリオ" panose="020B0604030504040204" pitchFamily="50" charset="-128"/>
+            </a:endParaRPr>
+          </a:p>
+          <a:p>
+            <a:r>
+              <a:rPr lang="ja-JP" altLang="en-US" b="1" dirty="0" smtClean="0">
+                <a:solidFill>
+                  <a:srgbClr val="FF0000"/>
+                </a:solidFill>
+                <a:latin typeface="メイリオ" panose="020B0604030504040204" pitchFamily="50" charset="-128"/>
+                <a:ea typeface="メイリオ" panose="020B0604030504040204" pitchFamily="50" charset="-128"/>
+              </a:rPr>
+              <a:t>右</a:t>
+            </a:r>
+            <a:r>
+              <a:rPr lang="ja-JP" altLang="en-US" dirty="0" smtClean="0">
+                <a:latin typeface="メイリオ" panose="020B0604030504040204" pitchFamily="50" charset="-128"/>
+                <a:ea typeface="メイリオ" panose="020B0604030504040204" pitchFamily="50" charset="-128"/>
+              </a:rPr>
+              <a:t>の</a:t>
+            </a:r>
+            <a:r>
+              <a:rPr lang="en-US" altLang="ja-JP" dirty="0" smtClean="0">
+                <a:latin typeface="メイリオ" panose="020B0604030504040204" pitchFamily="50" charset="-128"/>
+                <a:ea typeface="メイリオ" panose="020B0604030504040204" pitchFamily="50" charset="-128"/>
+              </a:rPr>
+              <a:t>Pursuer-cover-set</a:t>
+            </a:r>
+            <a:r>
+              <a:rPr lang="ja-JP" altLang="en-US" dirty="0" smtClean="0">
+                <a:latin typeface="メイリオ" panose="020B0604030504040204" pitchFamily="50" charset="-128"/>
+                <a:ea typeface="メイリオ" panose="020B0604030504040204" pitchFamily="50" charset="-128"/>
+              </a:rPr>
+              <a:t>を計算します。</a:t>
+            </a:r>
+            <a:endParaRPr lang="en-US" altLang="zh-CN" dirty="0">
+              <a:latin typeface="メイリオ" panose="020B0604030504040204" pitchFamily="50" charset="-128"/>
+              <a:ea typeface="メイリオ" panose="020B0604030504040204" pitchFamily="50" charset="-128"/>
+            </a:endParaRPr>
+          </a:p>
+          <a:p>
             <a:endParaRPr lang="en-US" altLang="ja-JP" dirty="0">
               <a:latin typeface="メイリオ" panose="020B0604030504040204" pitchFamily="50" charset="-128"/>
               <a:ea typeface="メイリオ" panose="020B0604030504040204" pitchFamily="50" charset="-128"/>
             </a:endParaRPr>
           </a:p>
           <a:p>
-            <a:endParaRPr lang="en-US" altLang="zh-CN" dirty="0"/>
+            <a:endParaRPr lang="en-US" altLang="ja-JP" dirty="0">
+              <a:latin typeface="メイリオ" panose="020B0604030504040204" pitchFamily="50" charset="-128"/>
+              <a:ea typeface="メイリオ" panose="020B0604030504040204" pitchFamily="50" charset="-128"/>
+            </a:endParaRPr>
           </a:p>
           <a:p>
             <a:endParaRPr lang="zh-CN" altLang="en-US" dirty="0"/>
@@ -25131,6 +26082,50 @@
               <a:rPr lang="en-US" b="1" i="1" dirty="0"/>
               <a:t>T</a:t>
             </a:r>
+          </a:p>
+        </p:txBody>
+      </p:sp>
+      <p:sp>
+        <p:nvSpPr>
+          <p:cNvPr id="40" name="右矢印 39"/>
+          <p:cNvSpPr/>
+          <p:nvPr/>
+        </p:nvSpPr>
+        <p:spPr>
+          <a:xfrm>
+            <a:off x="2558909" y="2011832"/>
+            <a:ext cx="369587" cy="245166"/>
+          </a:xfrm>
+          <a:prstGeom prst="rightArrow">
+            <a:avLst/>
+          </a:prstGeom>
+          <a:solidFill>
+            <a:schemeClr val="accent2">
+              <a:lumMod val="75000"/>
+            </a:schemeClr>
+          </a:solidFill>
+          <a:ln/>
+        </p:spPr>
+        <p:style>
+          <a:lnRef idx="1">
+            <a:schemeClr val="accent2"/>
+          </a:lnRef>
+          <a:fillRef idx="3">
+            <a:schemeClr val="accent2"/>
+          </a:fillRef>
+          <a:effectRef idx="2">
+            <a:schemeClr val="accent2"/>
+          </a:effectRef>
+          <a:fontRef idx="minor">
+            <a:schemeClr val="lt1"/>
+          </a:fontRef>
+        </p:style>
+        <p:txBody>
+          <a:bodyPr rtlCol="0" anchor="ctr"/>
+          <a:lstStyle/>
+          <a:p>
+            <a:pPr algn="ctr"/>
+            <a:endParaRPr kumimoji="1" lang="ja-JP" altLang="en-US"/>
           </a:p>
         </p:txBody>
       </p:sp>
@@ -25382,15 +26377,33 @@
                                   </p:childTnLst>
                                 </p:cTn>
                               </p:par>
+                            </p:childTnLst>
+                          </p:cTn>
+                        </p:par>
+                      </p:childTnLst>
+                    </p:cTn>
+                  </p:par>
+                  <p:par>
+                    <p:cTn id="23" fill="hold">
+                      <p:stCondLst>
+                        <p:cond delay="indefinite"/>
+                      </p:stCondLst>
+                      <p:childTnLst>
+                        <p:par>
+                          <p:cTn id="24" fill="hold">
+                            <p:stCondLst>
+                              <p:cond delay="0"/>
+                            </p:stCondLst>
+                            <p:childTnLst>
                               <p:par>
-                                <p:cTn id="23" presetID="10" presetClass="entr" presetSubtype="0" fill="hold" nodeType="withEffect">
+                                <p:cTn id="25" presetID="10" presetClass="entr" presetSubtype="0" fill="hold" nodeType="clickEffect">
                                   <p:stCondLst>
                                     <p:cond delay="0"/>
                                   </p:stCondLst>
                                   <p:childTnLst>
                                     <p:set>
                                       <p:cBhvr>
-                                        <p:cTn id="24" dur="1" fill="hold">
+                                        <p:cTn id="26" dur="1" fill="hold">
                                           <p:stCondLst>
                                             <p:cond delay="0"/>
                                           </p:stCondLst>
@@ -25412,11 +26425,125 @@
                                     </p:set>
                                     <p:animEffect transition="in" filter="fade">
                                       <p:cBhvr>
-                                        <p:cTn id="25" dur="500"/>
+                                        <p:cTn id="27" dur="500"/>
                                         <p:tgtEl>
                                           <p:spTgt spid="3">
                                             <p:txEl>
                                               <p:pRg st="6" end="6"/>
+                                            </p:txEl>
+                                          </p:spTgt>
+                                        </p:tgtEl>
+                                      </p:cBhvr>
+                                    </p:animEffect>
+                                  </p:childTnLst>
+                                </p:cTn>
+                              </p:par>
+                            </p:childTnLst>
+                          </p:cTn>
+                        </p:par>
+                      </p:childTnLst>
+                    </p:cTn>
+                  </p:par>
+                  <p:par>
+                    <p:cTn id="28" fill="hold">
+                      <p:stCondLst>
+                        <p:cond delay="indefinite"/>
+                      </p:stCondLst>
+                      <p:childTnLst>
+                        <p:par>
+                          <p:cTn id="29" fill="hold">
+                            <p:stCondLst>
+                              <p:cond delay="0"/>
+                            </p:stCondLst>
+                            <p:childTnLst>
+                              <p:par>
+                                <p:cTn id="30" presetID="10" presetClass="entr" presetSubtype="0" fill="hold" grpId="0" nodeType="clickEffect">
+                                  <p:stCondLst>
+                                    <p:cond delay="0"/>
+                                  </p:stCondLst>
+                                  <p:childTnLst>
+                                    <p:set>
+                                      <p:cBhvr>
+                                        <p:cTn id="31" dur="1" fill="hold">
+                                          <p:stCondLst>
+                                            <p:cond delay="0"/>
+                                          </p:stCondLst>
+                                        </p:cTn>
+                                        <p:tgtEl>
+                                          <p:spTgt spid="40"/>
+                                        </p:tgtEl>
+                                        <p:attrNameLst>
+                                          <p:attrName>style.visibility</p:attrName>
+                                        </p:attrNameLst>
+                                      </p:cBhvr>
+                                      <p:to>
+                                        <p:strVal val="visible"/>
+                                      </p:to>
+                                    </p:set>
+                                    <p:animEffect transition="in" filter="fade">
+                                      <p:cBhvr>
+                                        <p:cTn id="32" dur="500"/>
+                                        <p:tgtEl>
+                                          <p:spTgt spid="40"/>
+                                        </p:tgtEl>
+                                      </p:cBhvr>
+                                    </p:animEffect>
+                                  </p:childTnLst>
+                                </p:cTn>
+                              </p:par>
+                            </p:childTnLst>
+                          </p:cTn>
+                        </p:par>
+                      </p:childTnLst>
+                    </p:cTn>
+                  </p:par>
+                  <p:par>
+                    <p:cTn id="33" fill="hold">
+                      <p:stCondLst>
+                        <p:cond delay="indefinite"/>
+                      </p:stCondLst>
+                      <p:childTnLst>
+                        <p:par>
+                          <p:cTn id="34" fill="hold">
+                            <p:stCondLst>
+                              <p:cond delay="0"/>
+                            </p:stCondLst>
+                            <p:childTnLst>
+                              <p:par>
+                                <p:cTn id="35" presetID="10" presetClass="entr" presetSubtype="0" fill="hold" nodeType="clickEffect">
+                                  <p:stCondLst>
+                                    <p:cond delay="0"/>
+                                  </p:stCondLst>
+                                  <p:childTnLst>
+                                    <p:set>
+                                      <p:cBhvr>
+                                        <p:cTn id="36" dur="1" fill="hold">
+                                          <p:stCondLst>
+                                            <p:cond delay="0"/>
+                                          </p:stCondLst>
+                                        </p:cTn>
+                                        <p:tgtEl>
+                                          <p:spTgt spid="3">
+                                            <p:txEl>
+                                              <p:pRg st="8" end="8"/>
+                                            </p:txEl>
+                                          </p:spTgt>
+                                        </p:tgtEl>
+                                        <p:attrNameLst>
+                                          <p:attrName>style.visibility</p:attrName>
+                                        </p:attrNameLst>
+                                      </p:cBhvr>
+                                      <p:to>
+                                        <p:strVal val="visible"/>
+                                      </p:to>
+                                    </p:set>
+                                    <p:animEffect transition="in" filter="fade">
+                                      <p:cBhvr>
+                                        <p:cTn id="37" dur="500"/>
+                                        <p:tgtEl>
+                                          <p:spTgt spid="3">
+                                            <p:txEl>
+                                              <p:pRg st="8" end="8"/>
                                             </p:txEl>
                                           </p:spTgt>
                                         </p:tgtEl>
@@ -25452,6 +26579,9 @@
         </p:cTn>
       </p:par>
     </p:tnLst>
+    <p:bldLst>
+      <p:bldP spid="40" grpId="0" animBg="1"/>
+    </p:bldLst>
   </p:timing>
 </p:sld>
 </file>
@@ -25598,8 +26728,8 @@
         </p:nvGrpSpPr>
         <p:grpSpPr>
           <a:xfrm>
-            <a:off x="6263450" y="1578548"/>
-            <a:ext cx="2863044" cy="3780368"/>
+            <a:off x="6363760" y="1578548"/>
+            <a:ext cx="2875490" cy="3780368"/>
             <a:chOff x="6565662" y="1578548"/>
             <a:chExt cx="2575923" cy="3780368"/>
           </a:xfrm>
@@ -28580,10 +29710,10 @@
           <a:p>
             <a:pPr algn="ctr"/>
             <a:r>
-              <a:rPr lang="en-US" altLang="zh-CN" dirty="0"/>
+              <a:rPr lang="en-US" altLang="zh-CN" b="1" dirty="0"/>
               <a:t>85</a:t>
             </a:r>
-            <a:endParaRPr lang="zh-CN" altLang="en-US" dirty="0"/>
+            <a:endParaRPr lang="zh-CN" altLang="en-US" b="1" dirty="0"/>
           </a:p>
         </p:txBody>
       </p:sp>

--- a/documents/情報処理学会TANGXIAO_20170312.pptx
+++ b/documents/情報処理学会TANGXIAO_20170312.pptx
@@ -7,6 +7,9 @@
   <p:notesMasterIdLst>
     <p:notesMasterId r:id="rId23"/>
   </p:notesMasterIdLst>
+  <p:handoutMasterIdLst>
+    <p:handoutMasterId r:id="rId24"/>
+  </p:handoutMasterIdLst>
   <p:sldIdLst>
     <p:sldId id="256" r:id="rId2"/>
     <p:sldId id="288" r:id="rId3"/>
@@ -31,7 +34,7 @@
     <p:sldId id="289" r:id="rId22"/>
   </p:sldIdLst>
   <p:sldSz cx="12192000" cy="6858000"/>
-  <p:notesSz cx="6858000" cy="9144000"/>
+  <p:notesSz cx="9144000" cy="6858000"/>
   <p:defaultTextStyle>
     <a:defPPr>
       <a:defRPr lang="en-US"/>
@@ -510,11 +513,11 @@
         </c:dLbls>
         <c:gapWidth val="100"/>
         <c:overlap val="-24"/>
-        <c:axId val="453321168"/>
-        <c:axId val="453322800"/>
+        <c:axId val="-179970720"/>
+        <c:axId val="-179965824"/>
       </c:barChart>
       <c:catAx>
-        <c:axId val="453321168"/>
+        <c:axId val="-179970720"/>
         <c:scaling>
           <c:orientation val="minMax"/>
         </c:scaling>
@@ -590,7 +593,7 @@
         <c:majorTickMark val="none"/>
         <c:minorTickMark val="none"/>
         <c:tickLblPos val="nextTo"/>
-        <c:crossAx val="453322800"/>
+        <c:crossAx val="-179965824"/>
         <c:crosses val="autoZero"/>
         <c:auto val="1"/>
         <c:lblAlgn val="ctr"/>
@@ -598,7 +601,7 @@
         <c:noMultiLvlLbl val="0"/>
       </c:catAx>
       <c:valAx>
-        <c:axId val="453322800"/>
+        <c:axId val="-179965824"/>
         <c:scaling>
           <c:orientation val="minMax"/>
         </c:scaling>
@@ -696,7 +699,7 @@
             <a:endParaRPr lang="zh-CN"/>
           </a:p>
         </c:txPr>
-        <c:crossAx val="453321168"/>
+        <c:crossAx val="-179970720"/>
         <c:crosses val="autoZero"/>
         <c:crossBetween val="between"/>
       </c:valAx>
@@ -1273,6 +1276,171 @@
 </cs:chartStyle>
 </file>
 
+<file path=ppt/handoutMasters/handoutMaster1.xml><?xml version="1.0" encoding="utf-8"?>
+<p:handoutMaster xmlns:a="http://schemas.openxmlformats.org/drawingml/2006/main" xmlns:r="http://schemas.openxmlformats.org/officeDocument/2006/relationships" xmlns:p="http://schemas.openxmlformats.org/presentationml/2006/main">
+  <p:cSld>
+    <p:bg>
+      <p:bgRef idx="1001">
+        <a:schemeClr val="bg1"/>
+      </p:bgRef>
+    </p:bg>
+    <p:spTree>
+      <p:nvGrpSpPr>
+        <p:cNvPr id="1" name=""/>
+        <p:cNvGrpSpPr/>
+        <p:nvPr/>
+      </p:nvGrpSpPr>
+      <p:grpSpPr>
+        <a:xfrm>
+          <a:off x="0" y="0"/>
+          <a:ext cx="0" cy="0"/>
+          <a:chOff x="0" y="0"/>
+          <a:chExt cx="0" cy="0"/>
+        </a:xfrm>
+      </p:grpSpPr>
+      <p:sp>
+        <p:nvSpPr>
+          <p:cNvPr id="2" name="ヘッダー プレースホルダー 1"/>
+          <p:cNvSpPr>
+            <a:spLocks noGrp="1"/>
+          </p:cNvSpPr>
+          <p:nvPr>
+            <p:ph type="hdr" sz="quarter"/>
+          </p:nvPr>
+        </p:nvSpPr>
+        <p:spPr>
+          <a:xfrm>
+            <a:off x="0" y="0"/>
+            <a:ext cx="3962400" cy="344488"/>
+          </a:xfrm>
+          <a:prstGeom prst="rect">
+            <a:avLst/>
+          </a:prstGeom>
+        </p:spPr>
+        <p:txBody>
+          <a:bodyPr vert="horz" lIns="91440" tIns="45720" rIns="91440" bIns="45720" rtlCol="0"/>
+          <a:lstStyle>
+            <a:lvl1pPr algn="l">
+              <a:defRPr sz="1200"/>
+            </a:lvl1pPr>
+          </a:lstStyle>
+          <a:p>
+            <a:endParaRPr lang="zh-CN" altLang="en-US"/>
+          </a:p>
+        </p:txBody>
+      </p:sp>
+      <p:sp>
+        <p:nvSpPr>
+          <p:cNvPr id="3" name="日付プレースホルダー 2"/>
+          <p:cNvSpPr>
+            <a:spLocks noGrp="1"/>
+          </p:cNvSpPr>
+          <p:nvPr>
+            <p:ph type="dt" sz="quarter" idx="1"/>
+          </p:nvPr>
+        </p:nvSpPr>
+        <p:spPr>
+          <a:xfrm>
+            <a:off x="5180013" y="0"/>
+            <a:ext cx="3962400" cy="344488"/>
+          </a:xfrm>
+          <a:prstGeom prst="rect">
+            <a:avLst/>
+          </a:prstGeom>
+        </p:spPr>
+        <p:txBody>
+          <a:bodyPr vert="horz" lIns="91440" tIns="45720" rIns="91440" bIns="45720" rtlCol="0"/>
+          <a:lstStyle>
+            <a:lvl1pPr algn="r">
+              <a:defRPr sz="1200"/>
+            </a:lvl1pPr>
+          </a:lstStyle>
+          <a:p>
+            <a:fld id="{EEFA1AD3-F180-4605-93C0-93DB7B54015F}" type="datetimeFigureOut">
+              <a:rPr lang="zh-CN" altLang="en-US" smtClean="0"/>
+              <a:t>2017/3/12</a:t>
+            </a:fld>
+            <a:endParaRPr lang="zh-CN" altLang="en-US"/>
+          </a:p>
+        </p:txBody>
+      </p:sp>
+      <p:sp>
+        <p:nvSpPr>
+          <p:cNvPr id="4" name="フッター プレースホルダー 3"/>
+          <p:cNvSpPr>
+            <a:spLocks noGrp="1"/>
+          </p:cNvSpPr>
+          <p:nvPr>
+            <p:ph type="ftr" sz="quarter" idx="2"/>
+          </p:nvPr>
+        </p:nvSpPr>
+        <p:spPr>
+          <a:xfrm>
+            <a:off x="0" y="6513513"/>
+            <a:ext cx="3962400" cy="344487"/>
+          </a:xfrm>
+          <a:prstGeom prst="rect">
+            <a:avLst/>
+          </a:prstGeom>
+        </p:spPr>
+        <p:txBody>
+          <a:bodyPr vert="horz" lIns="91440" tIns="45720" rIns="91440" bIns="45720" rtlCol="0" anchor="b"/>
+          <a:lstStyle>
+            <a:lvl1pPr algn="l">
+              <a:defRPr sz="1200"/>
+            </a:lvl1pPr>
+          </a:lstStyle>
+          <a:p>
+            <a:endParaRPr lang="zh-CN" altLang="en-US"/>
+          </a:p>
+        </p:txBody>
+      </p:sp>
+      <p:sp>
+        <p:nvSpPr>
+          <p:cNvPr id="5" name="スライド番号プレースホルダー 4"/>
+          <p:cNvSpPr>
+            <a:spLocks noGrp="1"/>
+          </p:cNvSpPr>
+          <p:nvPr>
+            <p:ph type="sldNum" sz="quarter" idx="3"/>
+          </p:nvPr>
+        </p:nvSpPr>
+        <p:spPr>
+          <a:xfrm>
+            <a:off x="5180013" y="6513513"/>
+            <a:ext cx="3962400" cy="344487"/>
+          </a:xfrm>
+          <a:prstGeom prst="rect">
+            <a:avLst/>
+          </a:prstGeom>
+        </p:spPr>
+        <p:txBody>
+          <a:bodyPr vert="horz" lIns="91440" tIns="45720" rIns="91440" bIns="45720" rtlCol="0" anchor="b"/>
+          <a:lstStyle>
+            <a:lvl1pPr algn="r">
+              <a:defRPr sz="1200"/>
+            </a:lvl1pPr>
+          </a:lstStyle>
+          <a:p>
+            <a:fld id="{1F7653B4-C91C-4220-AA0E-6E76E768E15E}" type="slidenum">
+              <a:rPr lang="zh-CN" altLang="en-US" smtClean="0"/>
+              <a:t>‹#›</a:t>
+            </a:fld>
+            <a:endParaRPr lang="zh-CN" altLang="en-US"/>
+          </a:p>
+        </p:txBody>
+      </p:sp>
+    </p:spTree>
+    <p:extLst>
+      <p:ext uri="{BB962C8B-B14F-4D97-AF65-F5344CB8AC3E}">
+        <p14:creationId xmlns:p14="http://schemas.microsoft.com/office/powerpoint/2010/main" val="881797723"/>
+      </p:ext>
+    </p:extLst>
+  </p:cSld>
+  <p:clrMap bg1="lt1" tx1="dk1" bg2="lt2" tx2="dk2" accent1="accent1" accent2="accent2" accent3="accent3" accent4="accent4" accent5="accent5" accent6="accent6" hlink="hlink" folHlink="folHlink"/>
+</p:handoutMaster>
+</file>
+
 <file path=ppt/notesMasters/notesMaster1.xml><?xml version="1.0" encoding="utf-8"?>
 <p:notesMaster xmlns:a="http://schemas.openxmlformats.org/drawingml/2006/main" xmlns:r="http://schemas.openxmlformats.org/officeDocument/2006/relationships" xmlns:p="http://schemas.openxmlformats.org/presentationml/2006/main">
   <p:cSld>
@@ -1308,7 +1476,7 @@
         <p:spPr>
           <a:xfrm>
             <a:off x="0" y="0"/>
-            <a:ext cx="2971800" cy="458788"/>
+            <a:ext cx="3962400" cy="344091"/>
           </a:xfrm>
           <a:prstGeom prst="rect">
             <a:avLst/>
@@ -1338,8 +1506,8 @@
         </p:nvSpPr>
         <p:spPr>
           <a:xfrm>
-            <a:off x="3884613" y="0"/>
-            <a:ext cx="2971800" cy="458788"/>
+            <a:off x="5179484" y="0"/>
+            <a:ext cx="3962400" cy="344091"/>
           </a:xfrm>
           <a:prstGeom prst="rect">
             <a:avLst/>
@@ -1373,8 +1541,8 @@
         </p:nvSpPr>
         <p:spPr>
           <a:xfrm>
-            <a:off x="685800" y="1143000"/>
-            <a:ext cx="5486400" cy="3086100"/>
+            <a:off x="2514600" y="857250"/>
+            <a:ext cx="4114800" cy="2314575"/>
           </a:xfrm>
           <a:prstGeom prst="rect">
             <a:avLst/>
@@ -1406,8 +1574,8 @@
         </p:nvSpPr>
         <p:spPr>
           <a:xfrm>
-            <a:off x="685800" y="4400550"/>
-            <a:ext cx="5486400" cy="3600450"/>
+            <a:off x="914400" y="3300412"/>
+            <a:ext cx="7315200" cy="2700338"/>
           </a:xfrm>
           <a:prstGeom prst="rect">
             <a:avLst/>
@@ -1466,8 +1634,8 @@
         </p:nvSpPr>
         <p:spPr>
           <a:xfrm>
-            <a:off x="0" y="8685213"/>
-            <a:ext cx="2971800" cy="458787"/>
+            <a:off x="0" y="6513910"/>
+            <a:ext cx="3962400" cy="344090"/>
           </a:xfrm>
           <a:prstGeom prst="rect">
             <a:avLst/>
@@ -1497,8 +1665,8 @@
         </p:nvSpPr>
         <p:spPr>
           <a:xfrm>
-            <a:off x="3884613" y="8685213"/>
-            <a:ext cx="2971800" cy="458787"/>
+            <a:off x="5179484" y="6513910"/>
+            <a:ext cx="3962400" cy="344090"/>
           </a:xfrm>
           <a:prstGeom prst="rect">
             <a:avLst/>
@@ -18947,28 +19115,28 @@
                 <a:gridCol w="2080180">
                   <a:extLst>
                     <a:ext uri="{9D8B030D-6E8A-4147-A177-3AD203B41FA5}">
-                      <a16:colId xmlns:a16="http://schemas.microsoft.com/office/drawing/2014/main" xmlns="" val="20000"/>
+                      <a16:colId xmlns="" xmlns:a16="http://schemas.microsoft.com/office/drawing/2014/main" val="20000"/>
                     </a:ext>
                   </a:extLst>
                 </a:gridCol>
                 <a:gridCol w="1591663">
                   <a:extLst>
                     <a:ext uri="{9D8B030D-6E8A-4147-A177-3AD203B41FA5}">
-                      <a16:colId xmlns:a16="http://schemas.microsoft.com/office/drawing/2014/main" xmlns="" val="20001"/>
+                      <a16:colId xmlns="" xmlns:a16="http://schemas.microsoft.com/office/drawing/2014/main" val="20001"/>
                     </a:ext>
                   </a:extLst>
                 </a:gridCol>
                 <a:gridCol w="1856559">
                   <a:extLst>
                     <a:ext uri="{9D8B030D-6E8A-4147-A177-3AD203B41FA5}">
-                      <a16:colId xmlns:a16="http://schemas.microsoft.com/office/drawing/2014/main" xmlns="" val="20002"/>
+                      <a16:colId xmlns="" xmlns:a16="http://schemas.microsoft.com/office/drawing/2014/main" val="20002"/>
                     </a:ext>
                   </a:extLst>
                 </a:gridCol>
                 <a:gridCol w="2376281">
                   <a:extLst>
                     <a:ext uri="{9D8B030D-6E8A-4147-A177-3AD203B41FA5}">
-                      <a16:colId xmlns:a16="http://schemas.microsoft.com/office/drawing/2014/main" xmlns="" val="20003"/>
+                      <a16:colId xmlns="" xmlns:a16="http://schemas.microsoft.com/office/drawing/2014/main" val="20003"/>
                     </a:ext>
                   </a:extLst>
                 </a:gridCol>
@@ -19134,7 +19302,7 @@
                 </a:tc>
                 <a:extLst>
                   <a:ext uri="{0D108BD9-81ED-4DB2-BD59-A6C34878D82A}">
-                    <a16:rowId xmlns:a16="http://schemas.microsoft.com/office/drawing/2014/main" xmlns="" val="10000"/>
+                    <a16:rowId xmlns="" xmlns:a16="http://schemas.microsoft.com/office/drawing/2014/main" val="10000"/>
                   </a:ext>
                 </a:extLst>
               </a:tr>
@@ -19264,7 +19432,7 @@
                 </a:tc>
                 <a:extLst>
                   <a:ext uri="{0D108BD9-81ED-4DB2-BD59-A6C34878D82A}">
-                    <a16:rowId xmlns:a16="http://schemas.microsoft.com/office/drawing/2014/main" xmlns="" val="10001"/>
+                    <a16:rowId xmlns="" xmlns:a16="http://schemas.microsoft.com/office/drawing/2014/main" val="10001"/>
                   </a:ext>
                 </a:extLst>
               </a:tr>
@@ -19394,7 +19562,7 @@
                 </a:tc>
                 <a:extLst>
                   <a:ext uri="{0D108BD9-81ED-4DB2-BD59-A6C34878D82A}">
-                    <a16:rowId xmlns:a16="http://schemas.microsoft.com/office/drawing/2014/main" xmlns="" val="10002"/>
+                    <a16:rowId xmlns="" xmlns:a16="http://schemas.microsoft.com/office/drawing/2014/main" val="10002"/>
                   </a:ext>
                 </a:extLst>
               </a:tr>
@@ -19527,7 +19695,7 @@
                 </a:tc>
                 <a:extLst>
                   <a:ext uri="{0D108BD9-81ED-4DB2-BD59-A6C34878D82A}">
-                    <a16:rowId xmlns:a16="http://schemas.microsoft.com/office/drawing/2014/main" xmlns="" val="10003"/>
+                    <a16:rowId xmlns="" xmlns:a16="http://schemas.microsoft.com/office/drawing/2014/main" val="10003"/>
                   </a:ext>
                 </a:extLst>
               </a:tr>
@@ -20198,11 +20366,15 @@
             </a:r>
             <a:r>
               <a:rPr lang="ja-JP" altLang="en-US" sz="2300" dirty="0" smtClean="0"/>
-              <a:t>従来手法</a:t>
+              <a:t>従来手法の</a:t>
             </a:r>
             <a:r>
               <a:rPr lang="ja-JP" altLang="en-US" sz="2300" dirty="0" smtClean="0"/>
-              <a:t>の高速</a:t>
+              <a:t>高速</a:t>
+            </a:r>
+            <a:r>
+              <a:rPr lang="ja-JP" altLang="en-US" sz="2300" dirty="0"/>
+              <a:t>化</a:t>
             </a:r>
             <a:endParaRPr lang="en-US" altLang="ja-JP" sz="2300" dirty="0" smtClean="0"/>
           </a:p>
@@ -31340,4 +31512,265 @@
     </a:ext>
   </a:extLst>
 </a:theme>
+</file>
+
+<file path=ppt/theme/theme3.xml><?xml version="1.0" encoding="utf-8"?>
+<a:theme xmlns:a="http://schemas.openxmlformats.org/drawingml/2006/main" name="Office テーマ">
+  <a:themeElements>
+    <a:clrScheme name="Office">
+      <a:dk1>
+        <a:sysClr val="windowText" lastClr="000000"/>
+      </a:dk1>
+      <a:lt1>
+        <a:sysClr val="window" lastClr="FFFFFF"/>
+      </a:lt1>
+      <a:dk2>
+        <a:srgbClr val="44546A"/>
+      </a:dk2>
+      <a:lt2>
+        <a:srgbClr val="E7E6E6"/>
+      </a:lt2>
+      <a:accent1>
+        <a:srgbClr val="5B9BD5"/>
+      </a:accent1>
+      <a:accent2>
+        <a:srgbClr val="ED7D31"/>
+      </a:accent2>
+      <a:accent3>
+        <a:srgbClr val="A5A5A5"/>
+      </a:accent3>
+      <a:accent4>
+        <a:srgbClr val="FFC000"/>
+      </a:accent4>
+      <a:accent5>
+        <a:srgbClr val="4472C4"/>
+      </a:accent5>
+      <a:accent6>
+        <a:srgbClr val="70AD47"/>
+      </a:accent6>
+      <a:hlink>
+        <a:srgbClr val="0563C1"/>
+      </a:hlink>
+      <a:folHlink>
+        <a:srgbClr val="954F72"/>
+      </a:folHlink>
+    </a:clrScheme>
+    <a:fontScheme name="Office">
+      <a:majorFont>
+        <a:latin typeface="Calibri Light" panose="020F0302020204030204"/>
+        <a:ea typeface=""/>
+        <a:cs typeface=""/>
+        <a:font script="Jpan" typeface="ＭＳ Ｐゴシック"/>
+        <a:font script="Hang" typeface="맑은 고딕"/>
+        <a:font script="Hans" typeface="宋体"/>
+        <a:font script="Hant" typeface="新細明體"/>
+        <a:font script="Arab" typeface="Times New Roman"/>
+        <a:font script="Hebr" typeface="Times New Roman"/>
+        <a:font script="Thai" typeface="Angsana New"/>
+        <a:font script="Ethi" typeface="Nyala"/>
+        <a:font script="Beng" typeface="Vrinda"/>
+        <a:font script="Gujr" typeface="Shruti"/>
+        <a:font script="Khmr" typeface="MoolBoran"/>
+        <a:font script="Knda" typeface="Tunga"/>
+        <a:font script="Guru" typeface="Raavi"/>
+        <a:font script="Cans" typeface="Euphemia"/>
+        <a:font script="Cher" typeface="Plantagenet Cherokee"/>
+        <a:font script="Yiii" typeface="Microsoft Yi Baiti"/>
+        <a:font script="Tibt" typeface="Microsoft Himalaya"/>
+        <a:font script="Thaa" typeface="MV Boli"/>
+        <a:font script="Deva" typeface="Mangal"/>
+        <a:font script="Telu" typeface="Gautami"/>
+        <a:font script="Taml" typeface="Latha"/>
+        <a:font script="Syrc" typeface="Estrangelo Edessa"/>
+        <a:font script="Orya" typeface="Kalinga"/>
+        <a:font script="Mlym" typeface="Kartika"/>
+        <a:font script="Laoo" typeface="DokChampa"/>
+        <a:font script="Sinh" typeface="Iskoola Pota"/>
+        <a:font script="Mong" typeface="Mongolian Baiti"/>
+        <a:font script="Viet" typeface="Times New Roman"/>
+        <a:font script="Uigh" typeface="Microsoft Uighur"/>
+        <a:font script="Geor" typeface="Sylfaen"/>
+      </a:majorFont>
+      <a:minorFont>
+        <a:latin typeface="Calibri" panose="020F0502020204030204"/>
+        <a:ea typeface=""/>
+        <a:cs typeface=""/>
+        <a:font script="Jpan" typeface="ＭＳ Ｐゴシック"/>
+        <a:font script="Hang" typeface="맑은 고딕"/>
+        <a:font script="Hans" typeface="宋体"/>
+        <a:font script="Hant" typeface="新細明體"/>
+        <a:font script="Arab" typeface="Arial"/>
+        <a:font script="Hebr" typeface="Arial"/>
+        <a:font script="Thai" typeface="Cordia New"/>
+        <a:font script="Ethi" typeface="Nyala"/>
+        <a:font script="Beng" typeface="Vrinda"/>
+        <a:font script="Gujr" typeface="Shruti"/>
+        <a:font script="Khmr" typeface="DaunPenh"/>
+        <a:font script="Knda" typeface="Tunga"/>
+        <a:font script="Guru" typeface="Raavi"/>
+        <a:font script="Cans" typeface="Euphemia"/>
+        <a:font script="Cher" typeface="Plantagenet Cherokee"/>
+        <a:font script="Yiii" typeface="Microsoft Yi Baiti"/>
+        <a:font script="Tibt" typeface="Microsoft Himalaya"/>
+        <a:font script="Thaa" typeface="MV Boli"/>
+        <a:font script="Deva" typeface="Mangal"/>
+        <a:font script="Telu" typeface="Gautami"/>
+        <a:font script="Taml" typeface="Latha"/>
+        <a:font script="Syrc" typeface="Estrangelo Edessa"/>
+        <a:font script="Orya" typeface="Kalinga"/>
+        <a:font script="Mlym" typeface="Kartika"/>
+        <a:font script="Laoo" typeface="DokChampa"/>
+        <a:font script="Sinh" typeface="Iskoola Pota"/>
+        <a:font script="Mong" typeface="Mongolian Baiti"/>
+        <a:font script="Viet" typeface="Arial"/>
+        <a:font script="Uigh" typeface="Microsoft Uighur"/>
+        <a:font script="Geor" typeface="Sylfaen"/>
+      </a:minorFont>
+    </a:fontScheme>
+    <a:fmtScheme name="Office">
+      <a:fillStyleLst>
+        <a:solidFill>
+          <a:schemeClr val="phClr"/>
+        </a:solidFill>
+        <a:gradFill rotWithShape="1">
+          <a:gsLst>
+            <a:gs pos="0">
+              <a:schemeClr val="phClr">
+                <a:lumMod val="110000"/>
+                <a:satMod val="105000"/>
+                <a:tint val="67000"/>
+              </a:schemeClr>
+            </a:gs>
+            <a:gs pos="50000">
+              <a:schemeClr val="phClr">
+                <a:lumMod val="105000"/>
+                <a:satMod val="103000"/>
+                <a:tint val="73000"/>
+              </a:schemeClr>
+            </a:gs>
+            <a:gs pos="100000">
+              <a:schemeClr val="phClr">
+                <a:lumMod val="105000"/>
+                <a:satMod val="109000"/>
+                <a:tint val="81000"/>
+              </a:schemeClr>
+            </a:gs>
+          </a:gsLst>
+          <a:lin ang="5400000" scaled="0"/>
+        </a:gradFill>
+        <a:gradFill rotWithShape="1">
+          <a:gsLst>
+            <a:gs pos="0">
+              <a:schemeClr val="phClr">
+                <a:satMod val="103000"/>
+                <a:lumMod val="102000"/>
+                <a:tint val="94000"/>
+              </a:schemeClr>
+            </a:gs>
+            <a:gs pos="50000">
+              <a:schemeClr val="phClr">
+                <a:satMod val="110000"/>
+                <a:lumMod val="100000"/>
+                <a:shade val="100000"/>
+              </a:schemeClr>
+            </a:gs>
+            <a:gs pos="100000">
+              <a:schemeClr val="phClr">
+                <a:lumMod val="99000"/>
+                <a:satMod val="120000"/>
+                <a:shade val="78000"/>
+              </a:schemeClr>
+            </a:gs>
+          </a:gsLst>
+          <a:lin ang="5400000" scaled="0"/>
+        </a:gradFill>
+      </a:fillStyleLst>
+      <a:lnStyleLst>
+        <a:ln w="6350" cap="flat" cmpd="sng" algn="ctr">
+          <a:solidFill>
+            <a:schemeClr val="phClr"/>
+          </a:solidFill>
+          <a:prstDash val="solid"/>
+          <a:miter lim="800000"/>
+        </a:ln>
+        <a:ln w="12700" cap="flat" cmpd="sng" algn="ctr">
+          <a:solidFill>
+            <a:schemeClr val="phClr"/>
+          </a:solidFill>
+          <a:prstDash val="solid"/>
+          <a:miter lim="800000"/>
+        </a:ln>
+        <a:ln w="19050" cap="flat" cmpd="sng" algn="ctr">
+          <a:solidFill>
+            <a:schemeClr val="phClr"/>
+          </a:solidFill>
+          <a:prstDash val="solid"/>
+          <a:miter lim="800000"/>
+        </a:ln>
+      </a:lnStyleLst>
+      <a:effectStyleLst>
+        <a:effectStyle>
+          <a:effectLst/>
+        </a:effectStyle>
+        <a:effectStyle>
+          <a:effectLst/>
+        </a:effectStyle>
+        <a:effectStyle>
+          <a:effectLst>
+            <a:outerShdw blurRad="57150" dist="19050" dir="5400000" algn="ctr" rotWithShape="0">
+              <a:srgbClr val="000000">
+                <a:alpha val="63000"/>
+              </a:srgbClr>
+            </a:outerShdw>
+          </a:effectLst>
+        </a:effectStyle>
+      </a:effectStyleLst>
+      <a:bgFillStyleLst>
+        <a:solidFill>
+          <a:schemeClr val="phClr"/>
+        </a:solidFill>
+        <a:solidFill>
+          <a:schemeClr val="phClr">
+            <a:tint val="95000"/>
+            <a:satMod val="170000"/>
+          </a:schemeClr>
+        </a:solidFill>
+        <a:gradFill rotWithShape="1">
+          <a:gsLst>
+            <a:gs pos="0">
+              <a:schemeClr val="phClr">
+                <a:tint val="93000"/>
+                <a:satMod val="150000"/>
+                <a:shade val="98000"/>
+                <a:lumMod val="102000"/>
+              </a:schemeClr>
+            </a:gs>
+            <a:gs pos="50000">
+              <a:schemeClr val="phClr">
+                <a:tint val="98000"/>
+                <a:satMod val="130000"/>
+                <a:shade val="90000"/>
+                <a:lumMod val="103000"/>
+              </a:schemeClr>
+            </a:gs>
+            <a:gs pos="100000">
+              <a:schemeClr val="phClr">
+                <a:shade val="63000"/>
+                <a:satMod val="120000"/>
+              </a:schemeClr>
+            </a:gs>
+          </a:gsLst>
+          <a:lin ang="5400000" scaled="0"/>
+        </a:gradFill>
+      </a:bgFillStyleLst>
+    </a:fmtScheme>
+  </a:themeElements>
+  <a:objectDefaults/>
+  <a:extraClrSchemeLst/>
+  <a:extLst>
+    <a:ext uri="{05A4C25C-085E-4340-85A3-A5531E510DB2}">
+      <thm15:themeFamily xmlns:thm15="http://schemas.microsoft.com/office/thememl/2012/main" name="Office Theme" id="{62F939B6-93AF-4DB8-9C6B-D6C7DFDC589F}" vid="{4A3C46E8-61CC-4603-A589-7422A47A8E4A}"/>
+    </a:ext>
+  </a:extLst>
+</a:theme>
 </file>
--- a/documents/情報処理学会TANGXIAO_20170312.pptx
+++ b/documents/情報処理学会TANGXIAO_20170312.pptx
@@ -139,9 +139,9 @@
 </file>
 
 <file path=ppt/charts/chart1.xml><?xml version="1.0" encoding="utf-8"?>
-<c:chartSpace xmlns:c="http://schemas.openxmlformats.org/drawingml/2006/chart" xmlns:a="http://schemas.openxmlformats.org/drawingml/2006/main" xmlns:r="http://schemas.openxmlformats.org/officeDocument/2006/relationships">
+<c:chartSpace xmlns:c="http://schemas.openxmlformats.org/drawingml/2006/chart" xmlns:a="http://schemas.openxmlformats.org/drawingml/2006/main" xmlns:r="http://schemas.openxmlformats.org/officeDocument/2006/relationships" xmlns:c16r2="http://schemas.microsoft.com/office/drawing/2015/06/chart">
   <c:date1904 val="0"/>
-  <c:lang val="ja-JP"/>
+  <c:lang val="zh-CN"/>
   <c:roundedCorners val="0"/>
   <mc:AlternateContent xmlns:mc="http://schemas.openxmlformats.org/markup-compatibility/2006">
     <mc:Choice xmlns:c14="http://schemas.microsoft.com/office/drawing/2007/8/2/chart" Requires="c14">
@@ -222,7 +222,7 @@
               <a:cs typeface="+mn-cs"/>
             </a:defRPr>
           </a:pPr>
-          <a:endParaRPr lang="zh-CN"/>
+          <a:endParaRPr lang="en-US"/>
         </a:p>
       </c:txPr>
     </c:title>
@@ -305,7 +305,7 @@
                     <a:cs typeface="+mn-cs"/>
                   </a:defRPr>
                 </a:pPr>
-                <a:endParaRPr lang="zh-CN"/>
+                <a:endParaRPr lang="en-US"/>
               </a:p>
             </c:txPr>
             <c:dLblPos val="outEnd"/>
@@ -316,9 +316,8 @@
             <c:showPercent val="0"/>
             <c:showBubbleSize val="0"/>
             <c:showLeaderLines val="0"/>
-            <c:extLst xmlns:c16r2="http://schemas.microsoft.com/office/drawing/2015/06/chart">
+            <c:extLst>
               <c:ext xmlns:c15="http://schemas.microsoft.com/office/drawing/2012/chart" uri="{CE6537A1-D6FC-4f65-9D91-7224C49458BB}">
-                <c15:layout/>
                 <c15:showLeaderLines val="1"/>
                 <c15:leaderLines>
                   <c:spPr>
@@ -362,7 +361,7 @@
               </c:numCache>
             </c:numRef>
           </c:val>
-          <c:extLst xmlns:c16r2="http://schemas.microsoft.com/office/drawing/2015/06/chart">
+          <c:extLst>
             <c:ext xmlns:c16="http://schemas.microsoft.com/office/drawing/2014/chart" uri="{C3380CC4-5D6E-409C-BE32-E72D297353CC}">
               <c16:uniqueId val="{00000000-7773-4CB9-B6B8-DB616D87F2E1}"/>
             </c:ext>
@@ -440,7 +439,7 @@
                     <a:cs typeface="+mn-cs"/>
                   </a:defRPr>
                 </a:pPr>
-                <a:endParaRPr lang="zh-CN"/>
+                <a:endParaRPr lang="en-US"/>
               </a:p>
             </c:txPr>
             <c:dLblPos val="outEnd"/>
@@ -451,9 +450,8 @@
             <c:showPercent val="0"/>
             <c:showBubbleSize val="0"/>
             <c:showLeaderLines val="0"/>
-            <c:extLst xmlns:c16r2="http://schemas.microsoft.com/office/drawing/2015/06/chart">
+            <c:extLst>
               <c:ext xmlns:c15="http://schemas.microsoft.com/office/drawing/2012/chart" uri="{CE6537A1-D6FC-4f65-9D91-7224C49458BB}">
-                <c15:layout/>
                 <c15:showLeaderLines val="1"/>
                 <c15:leaderLines>
                   <c:spPr>
@@ -497,7 +495,7 @@
               </c:numCache>
             </c:numRef>
           </c:val>
-          <c:extLst xmlns:c16r2="http://schemas.microsoft.com/office/drawing/2015/06/chart">
+          <c:extLst>
             <c:ext xmlns:c16="http://schemas.microsoft.com/office/drawing/2014/chart" uri="{C3380CC4-5D6E-409C-BE32-E72D297353CC}">
               <c16:uniqueId val="{00000001-7773-4CB9-B6B8-DB616D87F2E1}"/>
             </c:ext>
@@ -585,7 +583,7 @@
                   <a:cs typeface="+mn-cs"/>
                 </a:defRPr>
               </a:pPr>
-              <a:endParaRPr lang="zh-CN"/>
+              <a:endParaRPr lang="en-US"/>
             </a:p>
           </c:txPr>
         </c:title>
@@ -644,7 +642,6 @@
               </a:p>
             </c:rich>
           </c:tx>
-          <c:layout/>
           <c:overlay val="0"/>
           <c:spPr>
             <a:noFill/>
@@ -667,7 +664,7 @@
                   <a:cs typeface="+mn-cs"/>
                 </a:defRPr>
               </a:pPr>
-              <a:endParaRPr lang="zh-CN"/>
+              <a:endParaRPr lang="en-US"/>
             </a:p>
           </c:txPr>
         </c:title>
@@ -696,7 +693,7 @@
                 <a:cs typeface="+mn-cs"/>
               </a:defRPr>
             </a:pPr>
-            <a:endParaRPr lang="zh-CN"/>
+            <a:endParaRPr lang="en-US"/>
           </a:p>
         </c:txPr>
         <c:crossAx val="-179970720"/>
@@ -713,7 +710,6 @@
     </c:plotArea>
     <c:legend>
       <c:legendPos val="b"/>
-      <c:layout/>
       <c:overlay val="0"/>
       <c:spPr>
         <a:noFill/>
@@ -736,7 +732,7 @@
               <a:cs typeface="+mn-cs"/>
             </a:defRPr>
           </a:pPr>
-          <a:endParaRPr lang="zh-CN"/>
+          <a:endParaRPr lang="en-US"/>
         </a:p>
       </c:txPr>
     </c:legend>
@@ -758,7 +754,7 @@
       <a:pPr>
         <a:defRPr sz="1200"/>
       </a:pPr>
-      <a:endParaRPr lang="zh-CN"/>
+      <a:endParaRPr lang="en-US"/>
     </a:p>
   </c:txPr>
   <c:externalData r:id="rId3">
@@ -1358,7 +1354,7 @@
           <a:p>
             <a:fld id="{EEFA1AD3-F180-4605-93C0-93DB7B54015F}" type="datetimeFigureOut">
               <a:rPr lang="zh-CN" altLang="en-US" smtClean="0"/>
-              <a:t>2017/3/12</a:t>
+              <a:t>2017/3/13</a:t>
             </a:fld>
             <a:endParaRPr lang="zh-CN" altLang="en-US"/>
           </a:p>
@@ -1523,7 +1519,7 @@
           <a:p>
             <a:fld id="{39E6A174-C216-4117-8692-1929BBE85188}" type="datetimeFigureOut">
               <a:rPr lang="en-US" smtClean="0"/>
-              <a:t>3/12/2017</a:t>
+              <a:t>3/13/2017</a:t>
             </a:fld>
             <a:endParaRPr lang="en-US"/>
           </a:p>
@@ -2326,7 +2322,7 @@
               <a:t>Push, Target</a:t>
             </a:r>
             <a:r>
-              <a:rPr lang="ja-JP" altLang="en-US" dirty="0" smtClean="0"/>
+              <a:rPr lang="ja-JP" altLang="en-US" dirty="0"/>
               <a:t>の情報を</a:t>
             </a:r>
             <a:r>
@@ -3786,74 +3782,70 @@
           <a:p>
             <a:r>
               <a:rPr lang="ja-JP" altLang="en-US" dirty="0"/>
-              <a:t>まず、研究背景を紹介いたします</a:t>
-            </a:r>
-            <a:r>
-              <a:rPr lang="ja-JP" altLang="en-US" dirty="0" smtClean="0"/>
-              <a:t>。</a:t>
-            </a:r>
-            <a:endParaRPr lang="en-US" altLang="ja-JP" dirty="0" smtClean="0"/>
-          </a:p>
-          <a:p>
-            <a:r>
-              <a:rPr lang="ja-JP" altLang="en-US" dirty="0" smtClean="0"/>
+              <a:t>まず、研究背景を紹介いたします。</a:t>
+            </a:r>
+            <a:endParaRPr lang="en-US" altLang="ja-JP" dirty="0"/>
+          </a:p>
+          <a:p>
+            <a:r>
+              <a:rPr lang="ja-JP" altLang="en-US" dirty="0"/>
               <a:t>スマートフォン、タブレット、</a:t>
             </a:r>
             <a:r>
-              <a:rPr lang="en-US" altLang="ja-JP" dirty="0" smtClean="0"/>
+              <a:rPr lang="en-US" altLang="ja-JP" dirty="0"/>
               <a:t>PC</a:t>
             </a:r>
             <a:r>
-              <a:rPr lang="ja-JP" altLang="en-US" dirty="0" smtClean="0"/>
+              <a:rPr lang="ja-JP" altLang="en-US" dirty="0"/>
               <a:t>などから構成されたグローバルゲーム市場の成長はこのようになっております。</a:t>
             </a:r>
-            <a:endParaRPr lang="en-US" altLang="ja-JP" dirty="0" smtClean="0"/>
-          </a:p>
-          <a:p>
-            <a:r>
-              <a:rPr lang="ja-JP" altLang="en-US" dirty="0" smtClean="0"/>
+            <a:endParaRPr lang="en-US" altLang="ja-JP" dirty="0"/>
+          </a:p>
+          <a:p>
+            <a:r>
+              <a:rPr lang="ja-JP" altLang="en-US" dirty="0"/>
               <a:t>年平均</a:t>
             </a:r>
             <a:r>
-              <a:rPr lang="en-US" altLang="ja-JP" dirty="0" smtClean="0"/>
+              <a:rPr lang="en-US" altLang="ja-JP" dirty="0"/>
               <a:t>6.6%</a:t>
             </a:r>
             <a:r>
-              <a:rPr lang="ja-JP" altLang="en-US" dirty="0" smtClean="0"/>
+              <a:rPr lang="ja-JP" altLang="en-US" dirty="0"/>
               <a:t>の伸び率で成長し、</a:t>
             </a:r>
             <a:r>
-              <a:rPr lang="en-US" altLang="ja-JP" dirty="0" smtClean="0"/>
+              <a:rPr lang="en-US" altLang="ja-JP" dirty="0"/>
               <a:t>2019</a:t>
             </a:r>
             <a:r>
-              <a:rPr lang="ja-JP" altLang="en-US" dirty="0" smtClean="0"/>
+              <a:rPr lang="ja-JP" altLang="en-US" dirty="0"/>
               <a:t>年の市場は</a:t>
             </a:r>
             <a:r>
-              <a:rPr lang="en-US" altLang="ja-JP" dirty="0" smtClean="0"/>
+              <a:rPr lang="en-US" altLang="ja-JP" dirty="0"/>
               <a:t>1186</a:t>
             </a:r>
             <a:r>
-              <a:rPr lang="ja-JP" altLang="en-US" dirty="0" smtClean="0"/>
+              <a:rPr lang="ja-JP" altLang="en-US" dirty="0"/>
               <a:t>億ドル（</a:t>
             </a:r>
             <a:r>
-              <a:rPr lang="en-US" altLang="ja-JP" dirty="0" smtClean="0"/>
+              <a:rPr lang="en-US" altLang="ja-JP" dirty="0"/>
               <a:t>11</a:t>
             </a:r>
             <a:r>
-              <a:rPr lang="ja-JP" altLang="en-US" dirty="0" smtClean="0"/>
+              <a:rPr lang="ja-JP" altLang="en-US" dirty="0"/>
               <a:t>兆億エン超え）と予測されています。</a:t>
             </a:r>
-            <a:endParaRPr lang="en-US" altLang="ja-JP" dirty="0" smtClean="0"/>
-          </a:p>
-          <a:p>
-            <a:r>
-              <a:rPr lang="ja-JP" altLang="en-US" dirty="0" smtClean="0"/>
-              <a:t>ゲーム市場が非常に高いスピードで発展していることがわかっています。</a:t>
-            </a:r>
-            <a:endParaRPr lang="en-US" altLang="ja-JP" dirty="0" smtClean="0"/>
+            <a:endParaRPr lang="en-US" altLang="ja-JP" dirty="0"/>
+          </a:p>
+          <a:p>
+            <a:r>
+              <a:rPr lang="ja-JP" altLang="en-US" dirty="0"/>
+              <a:t>ゲーム市場が非常に速いスピードで発展していることがわかっています。</a:t>
+            </a:r>
+            <a:endParaRPr lang="en-US" altLang="ja-JP" dirty="0"/>
           </a:p>
         </p:txBody>
       </p:sp>
@@ -3938,33 +3930,33 @@
           <a:lstStyle/>
           <a:p>
             <a:r>
-              <a:rPr lang="ja-JP" altLang="en-US" dirty="0" smtClean="0"/>
+              <a:rPr lang="ja-JP" altLang="en-US" dirty="0"/>
               <a:t>こちらの図に示したのは、ゲーム業界に大きなインパクトを与えた</a:t>
             </a:r>
             <a:r>
-              <a:rPr lang="en-US" altLang="ja-JP" dirty="0" smtClean="0"/>
+              <a:rPr lang="en-US" altLang="ja-JP" dirty="0"/>
               <a:t>Pacman</a:t>
             </a:r>
             <a:r>
-              <a:rPr lang="ja-JP" altLang="en-US" dirty="0" smtClean="0"/>
+              <a:rPr lang="ja-JP" altLang="en-US" dirty="0"/>
               <a:t>のゲームです。</a:t>
             </a:r>
-            <a:endParaRPr lang="en-US" altLang="ja-JP" dirty="0" smtClean="0"/>
-          </a:p>
-          <a:p>
-            <a:r>
-              <a:rPr lang="ja-JP" altLang="en-US" dirty="0" smtClean="0"/>
+            <a:endParaRPr lang="en-US" altLang="ja-JP" dirty="0"/>
+          </a:p>
+          <a:p>
+            <a:r>
+              <a:rPr lang="ja-JP" altLang="en-US" dirty="0"/>
               <a:t>プレーヤが操作する</a:t>
             </a:r>
             <a:r>
-              <a:rPr lang="en-US" altLang="ja-JP" dirty="0" smtClean="0"/>
+              <a:rPr lang="en-US" altLang="ja-JP" dirty="0"/>
               <a:t>Pacman</a:t>
             </a:r>
             <a:r>
-              <a:rPr lang="ja-JP" altLang="en-US" dirty="0" smtClean="0"/>
+              <a:rPr lang="ja-JP" altLang="en-US" dirty="0"/>
               <a:t>がグリッド環境の地図上で複数のゴーストから逃げられますゲームです。</a:t>
             </a:r>
-            <a:endParaRPr lang="en-US" altLang="ja-JP" dirty="0" smtClean="0"/>
+            <a:endParaRPr lang="en-US" altLang="ja-JP" dirty="0"/>
           </a:p>
           <a:p>
             <a:pPr marL="0" marR="0" lvl="0" indent="0" algn="l" defTabSz="914400" rtl="0" eaLnBrk="1" fontAlgn="auto" latinLnBrk="0" hangingPunct="1">
@@ -3985,38 +3977,30 @@
               <a:defRPr/>
             </a:pPr>
             <a:r>
-              <a:rPr lang="ja-JP" altLang="en-US" dirty="0" smtClean="0"/>
+              <a:rPr lang="ja-JP" altLang="en-US" dirty="0"/>
               <a:t>このようなマルチエージェントがターゲットをサーチする問題は</a:t>
             </a:r>
             <a:r>
-              <a:rPr lang="en-US" altLang="ja-JP" dirty="0" smtClean="0"/>
+              <a:rPr lang="en-US" altLang="ja-JP" dirty="0"/>
               <a:t>Moving Target Search</a:t>
             </a:r>
             <a:r>
-              <a:rPr lang="ja-JP" altLang="en-US" dirty="0" smtClean="0"/>
+              <a:rPr lang="ja-JP" altLang="en-US" dirty="0"/>
               <a:t>と定義されています。</a:t>
             </a:r>
-            <a:endParaRPr lang="en-US" altLang="ja-JP" dirty="0" smtClean="0"/>
-          </a:p>
-          <a:p>
-            <a:r>
-              <a:rPr lang="ja-JP" altLang="en-US" dirty="0" smtClean="0"/>
+            <a:endParaRPr lang="en-US" altLang="ja-JP" dirty="0"/>
+          </a:p>
+          <a:p>
+            <a:r>
+              <a:rPr lang="ja-JP" altLang="en-US" dirty="0"/>
               <a:t>これもゲームにおいて代表的な課題となります。</a:t>
             </a:r>
-            <a:endParaRPr lang="en-US" altLang="ja-JP" dirty="0" smtClean="0"/>
-          </a:p>
-          <a:p>
-            <a:r>
-              <a:rPr lang="ja-JP" altLang="en-US" dirty="0" smtClean="0"/>
+            <a:endParaRPr lang="en-US" altLang="ja-JP" dirty="0"/>
+          </a:p>
+          <a:p>
+            <a:r>
+              <a:rPr lang="ja-JP" altLang="en-US" dirty="0"/>
               <a:t>本研究の目的は</a:t>
-            </a:r>
-            <a:r>
-              <a:rPr lang="ja-JP" altLang="en-US" dirty="0" smtClean="0">
-                <a:latin typeface="メイリオ" panose="020B0604030504040204" pitchFamily="50" charset="-128"/>
-                <a:ea typeface="メイリオ" panose="020B0604030504040204" pitchFamily="50" charset="-128"/>
-                <a:cs typeface="Times New Roman" panose="02020603050405020304" pitchFamily="18" charset="0"/>
-              </a:rPr>
-              <a:t>マルチエージェントが協調</a:t>
             </a:r>
             <a:r>
               <a:rPr lang="ja-JP" altLang="en-US" dirty="0">
@@ -4024,47 +4008,15 @@
                 <a:ea typeface="メイリオ" panose="020B0604030504040204" pitchFamily="50" charset="-128"/>
                 <a:cs typeface="Times New Roman" panose="02020603050405020304" pitchFamily="18" charset="0"/>
               </a:rPr>
-              <a:t>して、単一移動対象に対する高速で有効な探索方法を研究することで</a:t>
-            </a:r>
-            <a:r>
-              <a:rPr lang="ja-JP" altLang="en-US" dirty="0" smtClean="0">
-                <a:latin typeface="メイリオ" panose="020B0604030504040204" pitchFamily="50" charset="-128"/>
-                <a:ea typeface="メイリオ" panose="020B0604030504040204" pitchFamily="50" charset="-128"/>
-                <a:cs typeface="Times New Roman" panose="02020603050405020304" pitchFamily="18" charset="0"/>
-              </a:rPr>
-              <a:t>、</a:t>
-            </a:r>
-            <a:endParaRPr lang="en-US" altLang="ja-JP" dirty="0" smtClean="0">
+              <a:t>マルチエージェントが協調して、単一移動対象に対する高速で有効な探索方法を研究することで、</a:t>
+            </a:r>
+            <a:endParaRPr lang="en-US" altLang="ja-JP" dirty="0">
               <a:latin typeface="メイリオ" panose="020B0604030504040204" pitchFamily="50" charset="-128"/>
               <a:ea typeface="メイリオ" panose="020B0604030504040204" pitchFamily="50" charset="-128"/>
               <a:cs typeface="Times New Roman" panose="02020603050405020304" pitchFamily="18" charset="0"/>
             </a:endParaRPr>
           </a:p>
           <a:p>
-            <a:r>
-              <a:rPr lang="en-US" altLang="ja-JP" dirty="0" smtClean="0">
-                <a:latin typeface="メイリオ" panose="020B0604030504040204" pitchFamily="50" charset="-128"/>
-                <a:ea typeface="メイリオ" panose="020B0604030504040204" pitchFamily="50" charset="-128"/>
-                <a:cs typeface="Times New Roman" panose="02020603050405020304" pitchFamily="18" charset="0"/>
-              </a:rPr>
-              <a:t>Pacman</a:t>
-            </a:r>
-            <a:r>
-              <a:rPr lang="ja-JP" altLang="en-US" dirty="0" smtClean="0">
-                <a:latin typeface="メイリオ" panose="020B0604030504040204" pitchFamily="50" charset="-128"/>
-                <a:ea typeface="メイリオ" panose="020B0604030504040204" pitchFamily="50" charset="-128"/>
-                <a:cs typeface="Times New Roman" panose="02020603050405020304" pitchFamily="18" charset="0"/>
-              </a:rPr>
-              <a:t>の例で、ゴースト</a:t>
-            </a:r>
-            <a:r>
-              <a:rPr lang="ja-JP" altLang="en-US" dirty="0">
-                <a:latin typeface="メイリオ" panose="020B0604030504040204" pitchFamily="50" charset="-128"/>
-                <a:ea typeface="メイリオ" panose="020B0604030504040204" pitchFamily="50" charset="-128"/>
-                <a:cs typeface="Times New Roman" panose="02020603050405020304" pitchFamily="18" charset="0"/>
-              </a:rPr>
-              <a:t>がマルチエージェント、</a:t>
-            </a:r>
             <a:r>
               <a:rPr lang="en-US" altLang="ja-JP" dirty="0">
                 <a:latin typeface="メイリオ" panose="020B0604030504040204" pitchFamily="50" charset="-128"/>
@@ -4079,15 +4031,23 @@
                 <a:ea typeface="メイリオ" panose="020B0604030504040204" pitchFamily="50" charset="-128"/>
                 <a:cs typeface="Times New Roman" panose="02020603050405020304" pitchFamily="18" charset="0"/>
               </a:rPr>
-              <a:t>が単一移動対象</a:t>
-            </a:r>
-            <a:r>
-              <a:rPr lang="ja-JP" altLang="en-US" dirty="0" smtClean="0">
+              <a:t>の例で、ゴーストがマルチエージェント、</a:t>
+            </a:r>
+            <a:r>
+              <a:rPr lang="en-US" altLang="ja-JP" dirty="0">
                 <a:latin typeface="メイリオ" panose="020B0604030504040204" pitchFamily="50" charset="-128"/>
                 <a:ea typeface="メイリオ" panose="020B0604030504040204" pitchFamily="50" charset="-128"/>
                 <a:cs typeface="Times New Roman" panose="02020603050405020304" pitchFamily="18" charset="0"/>
               </a:rPr>
-              <a:t>。</a:t>
+              <a:t>Pacman</a:t>
+            </a:r>
+            <a:r>
+              <a:rPr lang="ja-JP" altLang="en-US" dirty="0">
+                <a:latin typeface="メイリオ" panose="020B0604030504040204" pitchFamily="50" charset="-128"/>
+                <a:ea typeface="メイリオ" panose="020B0604030504040204" pitchFamily="50" charset="-128"/>
+                <a:cs typeface="Times New Roman" panose="02020603050405020304" pitchFamily="18" charset="0"/>
+              </a:rPr>
+              <a:t>が単一移動対象。</a:t>
             </a:r>
             <a:endParaRPr lang="en-US" altLang="ja-JP" dirty="0"/>
           </a:p>
@@ -4248,27 +4208,15 @@
           </a:p>
           <a:p>
             <a:r>
-              <a:rPr lang="ja-JP" altLang="en-US" dirty="0" smtClean="0"/>
-              <a:t>三番目</a:t>
-            </a:r>
-            <a:r>
               <a:rPr lang="ja-JP" altLang="en-US" dirty="0"/>
-              <a:t>は評価指標です。計算時間と捕獲成功率</a:t>
-            </a:r>
-            <a:r>
-              <a:rPr lang="ja-JP" altLang="en-US" dirty="0" smtClean="0"/>
-              <a:t>。</a:t>
-            </a:r>
-            <a:endParaRPr lang="en-US" altLang="ja-JP" dirty="0" smtClean="0"/>
-          </a:p>
-          <a:p>
-            <a:r>
-              <a:rPr lang="ja-JP" altLang="en-US" dirty="0" smtClean="0"/>
-              <a:t>捕獲</a:t>
-            </a:r>
+              <a:t>三番目は評価指標です。計算時間と捕獲成功率。</a:t>
+            </a:r>
+            <a:endParaRPr lang="en-US" altLang="ja-JP" dirty="0"/>
+          </a:p>
+          <a:p>
             <a:r>
               <a:rPr lang="ja-JP" altLang="en-US" dirty="0"/>
-              <a:t>成功率はランダム初期位置の複数回実験の中に成功的に捕獲ができた回数の割合です。</a:t>
+              <a:t>捕獲成功率はランダム初期位置の複数回実験の中に成功的に捕獲ができた回数の割合です。</a:t>
             </a:r>
             <a:endParaRPr lang="zh-CN" altLang="en-US" dirty="0"/>
           </a:p>
@@ -4374,23 +4322,15 @@
           </a:p>
           <a:p>
             <a:r>
-              <a:rPr lang="ja-JP" altLang="en-US" dirty="0" smtClean="0"/>
-              <a:t>こちらの図を</a:t>
-            </a:r>
-            <a:r>
               <a:rPr lang="ja-JP" altLang="en-US" dirty="0"/>
-              <a:t>ご覧ください。</a:t>
+              <a:t>こちらの図をご覧ください。</a:t>
             </a:r>
             <a:endParaRPr lang="en-US" altLang="ja-JP" dirty="0"/>
           </a:p>
           <a:p>
             <a:r>
-              <a:rPr lang="ja-JP" altLang="en-US" dirty="0" smtClean="0"/>
-              <a:t>緑のエージェントターゲット</a:t>
-            </a:r>
-            <a:r>
               <a:rPr lang="ja-JP" altLang="en-US" dirty="0"/>
-              <a:t>、赤いのはパーサ</a:t>
+              <a:t>緑のエージェントターゲット、赤いのはパーサ</a:t>
             </a:r>
             <a:endParaRPr lang="en-US" altLang="ja-JP" dirty="0"/>
           </a:p>
@@ -4423,11 +4363,7 @@
             </a:r>
             <a:r>
               <a:rPr lang="ja-JP" altLang="en-US" dirty="0"/>
-              <a:t>法の目的はターゲットの移動性を抑制することです</a:t>
-            </a:r>
-            <a:r>
-              <a:rPr lang="ja-JP" altLang="en-US" dirty="0" smtClean="0"/>
-              <a:t>。</a:t>
+              <a:t>法の目的はターゲットの移動性を抑制することです。</a:t>
             </a:r>
             <a:endParaRPr lang="en-US" altLang="ja-JP" dirty="0"/>
           </a:p>
@@ -4761,23 +4697,23 @@
               <a:t>time</a:t>
             </a:r>
             <a:r>
-              <a:rPr lang="ja-JP" altLang="en-US" dirty="0" smtClean="0"/>
+              <a:rPr lang="ja-JP" altLang="en-US" dirty="0"/>
               <a:t>を持っている</a:t>
             </a:r>
             <a:r>
-              <a:rPr lang="en-US" altLang="ja-JP" dirty="0" smtClean="0"/>
+              <a:rPr lang="en-US" altLang="ja-JP" dirty="0"/>
               <a:t>item</a:t>
             </a:r>
             <a:r>
-              <a:rPr lang="ja-JP" altLang="en-US" dirty="0" smtClean="0"/>
+              <a:rPr lang="ja-JP" altLang="en-US" dirty="0"/>
               <a:t>を</a:t>
             </a:r>
             <a:r>
-              <a:rPr lang="en-US" altLang="ja-JP" dirty="0" smtClean="0"/>
+              <a:rPr lang="en-US" altLang="ja-JP" dirty="0"/>
               <a:t>POP</a:t>
             </a:r>
             <a:r>
-              <a:rPr lang="ja-JP" altLang="en-US" dirty="0" smtClean="0"/>
+              <a:rPr lang="ja-JP" altLang="en-US" dirty="0"/>
               <a:t>します。</a:t>
             </a:r>
             <a:endParaRPr lang="en-US" altLang="ja-JP" dirty="0"/>
@@ -4801,15 +4737,7 @@
             </a:r>
             <a:r>
               <a:rPr lang="ja-JP" altLang="en-US" dirty="0"/>
-              <a:t>の位置から上下左右を探索</a:t>
-            </a:r>
-            <a:r>
-              <a:rPr lang="ja-JP" altLang="en-US" dirty="0" smtClean="0"/>
-              <a:t>します</a:t>
-            </a:r>
-            <a:r>
-              <a:rPr lang="ja-JP" altLang="en-US" dirty="0"/>
-              <a:t>。まだ探索されていない、即ち、まだ</a:t>
+              <a:t>の位置から上下左右を探索します。まだ探索されていない、即ち、まだ</a:t>
             </a:r>
             <a:r>
               <a:rPr lang="en-US" altLang="ja-JP" dirty="0"/>
@@ -5191,7 +5119,7 @@
           <a:p>
             <a:fld id="{8B0157BF-85EB-47DA-8888-DC859B55AE79}" type="datetime1">
               <a:rPr lang="en-US" altLang="zh-CN" smtClean="0"/>
-              <a:t>3/12/2017</a:t>
+              <a:t>3/13/2017</a:t>
             </a:fld>
             <a:endParaRPr lang="en-US"/>
           </a:p>
@@ -5361,7 +5289,7 @@
           <a:p>
             <a:fld id="{C17F1332-7BFC-495E-BB9F-7305EFC785A7}" type="datetime1">
               <a:rPr lang="en-US" altLang="zh-CN" smtClean="0"/>
-              <a:t>3/12/2017</a:t>
+              <a:t>3/13/2017</a:t>
             </a:fld>
             <a:endParaRPr lang="en-US"/>
           </a:p>
@@ -5541,7 +5469,7 @@
           <a:p>
             <a:fld id="{DE422566-25DA-4D0C-A229-BD143767B404}" type="datetime1">
               <a:rPr lang="en-US" altLang="zh-CN" smtClean="0"/>
-              <a:t>3/12/2017</a:t>
+              <a:t>3/13/2017</a:t>
             </a:fld>
             <a:endParaRPr lang="en-US"/>
           </a:p>
@@ -5711,7 +5639,7 @@
           <a:p>
             <a:fld id="{9FCDD59B-AF9E-454F-BB6B-7234123C86C5}" type="datetime1">
               <a:rPr lang="en-US" altLang="zh-CN" smtClean="0"/>
-              <a:t>3/12/2017</a:t>
+              <a:t>3/13/2017</a:t>
             </a:fld>
             <a:endParaRPr lang="en-US"/>
           </a:p>
@@ -5957,7 +5885,7 @@
           <a:p>
             <a:fld id="{AC0A1975-D413-4061-BAE0-6216BA5A8F72}" type="datetime1">
               <a:rPr lang="en-US" altLang="zh-CN" smtClean="0"/>
-              <a:t>3/12/2017</a:t>
+              <a:t>3/13/2017</a:t>
             </a:fld>
             <a:endParaRPr lang="en-US"/>
           </a:p>
@@ -6189,7 +6117,7 @@
           <a:p>
             <a:fld id="{10EC8538-6012-479B-BF2F-87AD64C0D37E}" type="datetime1">
               <a:rPr lang="en-US" altLang="zh-CN" smtClean="0"/>
-              <a:t>3/12/2017</a:t>
+              <a:t>3/13/2017</a:t>
             </a:fld>
             <a:endParaRPr lang="en-US"/>
           </a:p>
@@ -6556,7 +6484,7 @@
           <a:p>
             <a:fld id="{040CEF4C-6ADD-491B-A8D8-471C36A4BF02}" type="datetime1">
               <a:rPr lang="en-US" altLang="zh-CN" smtClean="0"/>
-              <a:t>3/12/2017</a:t>
+              <a:t>3/13/2017</a:t>
             </a:fld>
             <a:endParaRPr lang="en-US"/>
           </a:p>
@@ -6674,7 +6602,7 @@
           <a:p>
             <a:fld id="{53D8F87D-2FDF-4F3A-AC0D-F6C54A24BFDE}" type="datetime1">
               <a:rPr lang="en-US" altLang="zh-CN" smtClean="0"/>
-              <a:t>3/12/2017</a:t>
+              <a:t>3/13/2017</a:t>
             </a:fld>
             <a:endParaRPr lang="en-US"/>
           </a:p>
@@ -6769,7 +6697,7 @@
           <a:p>
             <a:fld id="{7D110B23-F424-4B85-A33F-F04E3BE8C061}" type="datetime1">
               <a:rPr lang="en-US" altLang="zh-CN" smtClean="0"/>
-              <a:t>3/12/2017</a:t>
+              <a:t>3/13/2017</a:t>
             </a:fld>
             <a:endParaRPr lang="en-US"/>
           </a:p>
@@ -7046,7 +6974,7 @@
           <a:p>
             <a:fld id="{28F74399-9783-43C6-8EC5-07F5D8B62813}" type="datetime1">
               <a:rPr lang="en-US" altLang="zh-CN" smtClean="0"/>
-              <a:t>3/12/2017</a:t>
+              <a:t>3/13/2017</a:t>
             </a:fld>
             <a:endParaRPr lang="en-US"/>
           </a:p>
@@ -7299,7 +7227,7 @@
           <a:p>
             <a:fld id="{B476FD58-2418-43AE-94F5-6592D750A950}" type="datetime1">
               <a:rPr lang="en-US" altLang="zh-CN" smtClean="0"/>
-              <a:t>3/12/2017</a:t>
+              <a:t>3/13/2017</a:t>
             </a:fld>
             <a:endParaRPr lang="en-US"/>
           </a:p>
@@ -7512,7 +7440,7 @@
           <a:p>
             <a:fld id="{C8C783E2-7E1A-4A79-BD39-B509BAA05FCE}" type="datetime1">
               <a:rPr lang="en-US" altLang="zh-CN" smtClean="0"/>
-              <a:t>3/12/2017</a:t>
+              <a:t>3/13/2017</a:t>
             </a:fld>
             <a:endParaRPr lang="en-US"/>
           </a:p>
@@ -7990,10 +7918,6 @@
               <a:rPr lang="ja-JP" altLang="en-US" sz="3600" dirty="0"/>
               <a:t>リアルタイムグリッド環境における</a:t>
             </a:r>
-            <a:r>
-              <a:rPr lang="en-US" altLang="ja-JP" sz="3600" dirty="0"/>
-              <a:t/>
-            </a:r>
             <a:br>
               <a:rPr lang="en-US" altLang="ja-JP" sz="3600" dirty="0"/>
             </a:br>
@@ -8098,13 +8022,6 @@
   <p:clrMapOvr>
     <a:masterClrMapping/>
   </p:clrMapOvr>
-  <p:timing>
-    <p:tnLst>
-      <p:par>
-        <p:cTn id="1" dur="indefinite" restart="never" nodeType="tmRoot"/>
-      </p:par>
-    </p:tnLst>
-  </p:timing>
 </p:sld>
 </file>
 
@@ -9309,36 +9226,20 @@
           <a:lstStyle/>
           <a:p>
             <a:r>
-              <a:rPr lang="en-US" altLang="ja-JP" dirty="0" smtClean="0"/>
-              <a:t>Pursuer-cover-set</a:t>
-            </a:r>
-            <a:r>
               <a:rPr lang="en-US" altLang="ja-JP" dirty="0"/>
-              <a:t>: </a:t>
-            </a:r>
-            <a:r>
-              <a:rPr lang="en-US" altLang="ja-JP" dirty="0" smtClean="0"/>
-              <a:t>Pursuer</a:t>
-            </a:r>
-            <a:r>
-              <a:rPr lang="ja-JP" altLang="en-US" dirty="0" smtClean="0"/>
+              <a:t>Pursuer-cover-set: Pursuer</a:t>
+            </a:r>
+            <a:r>
+              <a:rPr lang="ja-JP" altLang="en-US" dirty="0"/>
               <a:t>が</a:t>
             </a:r>
             <a:r>
               <a:rPr lang="en-US" altLang="ja-JP" dirty="0"/>
-              <a:t>T</a:t>
-            </a:r>
-            <a:r>
-              <a:rPr lang="en-US" altLang="ja-JP" dirty="0" smtClean="0"/>
-              <a:t>arget</a:t>
-            </a:r>
-            <a:r>
-              <a:rPr lang="ja-JP" altLang="en-US" dirty="0" smtClean="0"/>
-              <a:t>より</a:t>
+              <a:t>Target</a:t>
             </a:r>
             <a:r>
               <a:rPr lang="ja-JP" altLang="en-US" dirty="0"/>
-              <a:t>早く辿り着ける領域のタイルの数</a:t>
+              <a:t>より早く辿り着ける領域のタイルの数</a:t>
             </a:r>
             <a:endParaRPr lang="en-US" altLang="zh-CN" dirty="0"/>
           </a:p>
@@ -10445,7 +10346,7 @@
             </a:r>
             <a:r>
               <a:rPr lang="ja-JP" altLang="en-US" dirty="0"/>
-              <a:t>移動できない状態</a:t>
+              <a:t>が移動できない状態</a:t>
             </a:r>
           </a:p>
         </p:txBody>
@@ -11087,10 +10988,10 @@
         </p:nvGrpSpPr>
         <p:grpSpPr>
           <a:xfrm>
-            <a:off x="6599267" y="2568602"/>
-            <a:ext cx="2460816" cy="2371105"/>
-            <a:chOff x="6599267" y="2568602"/>
-            <a:chExt cx="2460816" cy="2371105"/>
+            <a:off x="6624436" y="2568602"/>
+            <a:ext cx="2435647" cy="2333561"/>
+            <a:chOff x="6624436" y="2568602"/>
+            <a:chExt cx="2435647" cy="2333561"/>
           </a:xfrm>
         </p:grpSpPr>
         <p:sp>
@@ -11101,7 +11002,7 @@
           </p:nvSpPr>
           <p:spPr>
             <a:xfrm>
-              <a:off x="6599267" y="3701369"/>
+              <a:off x="6624667" y="3688669"/>
               <a:ext cx="480447" cy="369332"/>
             </a:xfrm>
             <a:prstGeom prst="rect">
@@ -11131,7 +11032,7 @@
           </p:nvSpPr>
           <p:spPr>
             <a:xfrm>
-              <a:off x="6630786" y="4570375"/>
+              <a:off x="6624436" y="4532275"/>
               <a:ext cx="480447" cy="369332"/>
             </a:xfrm>
             <a:prstGeom prst="rect">
@@ -11161,7 +11062,7 @@
           </p:nvSpPr>
           <p:spPr>
             <a:xfrm>
-              <a:off x="8289597" y="4520131"/>
+              <a:off x="8295947" y="4532831"/>
               <a:ext cx="480447" cy="369332"/>
             </a:xfrm>
             <a:prstGeom prst="rect">
@@ -12308,28 +12209,17 @@
                 <a:pPr algn="ctr"/>
                 <a:r>
                   <a:rPr kumimoji="1" lang="en-US" altLang="ja-JP" b="1" dirty="0"/>
-                  <a:t>Pursuer Priority </a:t>
-                </a:r>
-                <a:r>
-                  <a:rPr kumimoji="1" lang="en-US" altLang="ja-JP" b="1" dirty="0" smtClean="0"/>
-                  <a:t>Queue</a:t>
+                  <a:t>Pursuer Priority Queue</a:t>
                 </a:r>
               </a:p>
               <a:p>
                 <a:pPr algn="ctr"/>
                 <a:r>
-                  <a:rPr kumimoji="1" lang="ja-JP" altLang="en-US" b="1" dirty="0" smtClean="0">
-                    <a:latin typeface="Meiryo" panose="020B0604030504040204" pitchFamily="50" charset="-128"/>
-                    <a:ea typeface="Meiryo" panose="020B0604030504040204" pitchFamily="50" charset="-128"/>
-                  </a:rPr>
-                  <a:t>優先</a:t>
-                </a:r>
-                <a:r>
                   <a:rPr kumimoji="1" lang="ja-JP" altLang="en-US" b="1" dirty="0">
                     <a:latin typeface="Meiryo" panose="020B0604030504040204" pitchFamily="50" charset="-128"/>
                     <a:ea typeface="Meiryo" panose="020B0604030504040204" pitchFamily="50" charset="-128"/>
                   </a:rPr>
-                  <a:t>キュー</a:t>
+                  <a:t>優先キュー</a:t>
                 </a:r>
                 <a:endParaRPr kumimoji="1" lang="ja-JP" altLang="en-US" b="1" dirty="0"/>
               </a:p>
@@ -13466,30 +13356,21 @@
                             </p:childTnLst>
                           </p:cTn>
                         </p:par>
-                      </p:childTnLst>
-                    </p:cTn>
-                  </p:par>
-                  <p:par>
-                    <p:cTn id="10" fill="hold">
-                      <p:stCondLst>
-                        <p:cond delay="indefinite"/>
-                      </p:stCondLst>
-                      <p:childTnLst>
                         <p:par>
-                          <p:cTn id="11" fill="hold">
+                          <p:cTn id="10" fill="hold">
                             <p:stCondLst>
-                              <p:cond delay="0"/>
+                              <p:cond delay="1000"/>
                             </p:stCondLst>
                             <p:childTnLst>
                               <p:par>
-                                <p:cTn id="12" presetID="42" presetClass="entr" presetSubtype="0" fill="hold" nodeType="clickEffect">
+                                <p:cTn id="11" presetID="42" presetClass="entr" presetSubtype="0" fill="hold" nodeType="afterEffect">
                                   <p:stCondLst>
                                     <p:cond delay="0"/>
                                   </p:stCondLst>
                                   <p:childTnLst>
                                     <p:set>
                                       <p:cBhvr>
-                                        <p:cTn id="13" dur="1" fill="hold">
+                                        <p:cTn id="12" dur="1" fill="hold">
                                           <p:stCondLst>
                                             <p:cond delay="0"/>
                                           </p:stCondLst>
@@ -13507,7 +13388,7 @@
                                     </p:set>
                                     <p:animEffect transition="in" filter="fade">
                                       <p:cBhvr>
-                                        <p:cTn id="14" dur="1000"/>
+                                        <p:cTn id="13" dur="1000"/>
                                         <p:tgtEl>
                                           <p:spTgt spid="4"/>
                                         </p:tgtEl>
@@ -13515,7 +13396,7 @@
                                     </p:animEffect>
                                     <p:anim calcmode="lin" valueType="num">
                                       <p:cBhvr>
-                                        <p:cTn id="15" dur="1000" fill="hold"/>
+                                        <p:cTn id="14" dur="1000" fill="hold"/>
                                         <p:tgtEl>
                                           <p:spTgt spid="4"/>
                                         </p:tgtEl>
@@ -13538,7 +13419,7 @@
                                     </p:anim>
                                     <p:anim calcmode="lin" valueType="num">
                                       <p:cBhvr>
-                                        <p:cTn id="16" dur="1000" fill="hold"/>
+                                        <p:cTn id="15" dur="1000" fill="hold"/>
                                         <p:tgtEl>
                                           <p:spTgt spid="4"/>
                                         </p:tgtEl>
@@ -13569,26 +13450,26 @@
                     </p:cTn>
                   </p:par>
                   <p:par>
-                    <p:cTn id="17" fill="hold">
+                    <p:cTn id="16" fill="hold">
                       <p:stCondLst>
                         <p:cond delay="indefinite"/>
                       </p:stCondLst>
                       <p:childTnLst>
                         <p:par>
-                          <p:cTn id="18" fill="hold">
+                          <p:cTn id="17" fill="hold">
                             <p:stCondLst>
                               <p:cond delay="0"/>
                             </p:stCondLst>
                             <p:childTnLst>
                               <p:par>
-                                <p:cTn id="19" presetID="22" presetClass="entr" presetSubtype="4" fill="hold" grpId="0" nodeType="clickEffect">
+                                <p:cTn id="18" presetID="22" presetClass="entr" presetSubtype="4" fill="hold" grpId="0" nodeType="clickEffect">
                                   <p:stCondLst>
                                     <p:cond delay="0"/>
                                   </p:stCondLst>
                                   <p:childTnLst>
                                     <p:set>
                                       <p:cBhvr>
-                                        <p:cTn id="20" dur="1" fill="hold">
+                                        <p:cTn id="19" dur="1" fill="hold">
                                           <p:stCondLst>
                                             <p:cond delay="0"/>
                                           </p:stCondLst>
@@ -13606,7 +13487,7 @@
                                     </p:set>
                                     <p:animEffect transition="in" filter="wipe(down)">
                                       <p:cBhvr>
-                                        <p:cTn id="21" dur="500"/>
+                                        <p:cTn id="20" dur="500"/>
                                         <p:tgtEl>
                                           <p:spTgt spid="51"/>
                                         </p:tgtEl>
@@ -13618,30 +13499,21 @@
                             </p:childTnLst>
                           </p:cTn>
                         </p:par>
-                      </p:childTnLst>
-                    </p:cTn>
-                  </p:par>
-                  <p:par>
-                    <p:cTn id="22" fill="hold">
-                      <p:stCondLst>
-                        <p:cond delay="indefinite"/>
-                      </p:stCondLst>
-                      <p:childTnLst>
                         <p:par>
-                          <p:cTn id="23" fill="hold">
+                          <p:cTn id="21" fill="hold">
                             <p:stCondLst>
-                              <p:cond delay="0"/>
+                              <p:cond delay="500"/>
                             </p:stCondLst>
                             <p:childTnLst>
                               <p:par>
-                                <p:cTn id="24" presetID="42" presetClass="path" presetSubtype="0" accel="50000" decel="50000" fill="hold" grpId="2" nodeType="clickEffect">
+                                <p:cTn id="22" presetID="42" presetClass="path" presetSubtype="0" accel="50000" decel="50000" fill="hold" grpId="2" nodeType="afterEffect">
                                   <p:stCondLst>
                                     <p:cond delay="0"/>
                                   </p:stCondLst>
                                   <p:childTnLst>
                                     <p:animMotion origin="layout" path="M 0.00234 0.00209 L 0.35052 -0.05625 " pathEditMode="relative" rAng="0" ptsTypes="AA">
                                       <p:cBhvr>
-                                        <p:cTn id="25" dur="2000" fill="hold"/>
+                                        <p:cTn id="23" dur="2000" fill="hold"/>
                                         <p:tgtEl>
                                           <p:spTgt spid="51"/>
                                         </p:tgtEl>
@@ -13658,30 +13530,21 @@
                             </p:childTnLst>
                           </p:cTn>
                         </p:par>
-                      </p:childTnLst>
-                    </p:cTn>
-                  </p:par>
-                  <p:par>
-                    <p:cTn id="26" fill="hold">
-                      <p:stCondLst>
-                        <p:cond delay="indefinite"/>
-                      </p:stCondLst>
-                      <p:childTnLst>
                         <p:par>
-                          <p:cTn id="27" fill="hold">
+                          <p:cTn id="24" fill="hold">
                             <p:stCondLst>
-                              <p:cond delay="0"/>
+                              <p:cond delay="2500"/>
                             </p:stCondLst>
                             <p:childTnLst>
                               <p:par>
-                                <p:cTn id="28" presetID="22" presetClass="entr" presetSubtype="4" fill="hold" grpId="0" nodeType="clickEffect">
+                                <p:cTn id="25" presetID="22" presetClass="entr" presetSubtype="4" fill="hold" grpId="0" nodeType="afterEffect">
                                   <p:stCondLst>
                                     <p:cond delay="0"/>
                                   </p:stCondLst>
                                   <p:childTnLst>
                                     <p:set>
                                       <p:cBhvr>
-                                        <p:cTn id="29" dur="1" fill="hold">
+                                        <p:cTn id="26" dur="1" fill="hold">
                                           <p:stCondLst>
                                             <p:cond delay="0"/>
                                           </p:stCondLst>
@@ -13699,7 +13562,7 @@
                                     </p:set>
                                     <p:animEffect transition="in" filter="wipe(down)">
                                       <p:cBhvr>
-                                        <p:cTn id="30" dur="500"/>
+                                        <p:cTn id="27" dur="500"/>
                                         <p:tgtEl>
                                           <p:spTgt spid="54"/>
                                         </p:tgtEl>
@@ -13711,30 +13574,21 @@
                             </p:childTnLst>
                           </p:cTn>
                         </p:par>
-                      </p:childTnLst>
-                    </p:cTn>
-                  </p:par>
-                  <p:par>
-                    <p:cTn id="31" fill="hold">
-                      <p:stCondLst>
-                        <p:cond delay="indefinite"/>
-                      </p:stCondLst>
-                      <p:childTnLst>
                         <p:par>
-                          <p:cTn id="32" fill="hold">
+                          <p:cTn id="28" fill="hold">
                             <p:stCondLst>
-                              <p:cond delay="0"/>
+                              <p:cond delay="3000"/>
                             </p:stCondLst>
                             <p:childTnLst>
                               <p:par>
-                                <p:cTn id="33" presetID="42" presetClass="path" presetSubtype="0" accel="50000" decel="50000" fill="hold" grpId="3" nodeType="clickEffect">
+                                <p:cTn id="29" presetID="42" presetClass="path" presetSubtype="0" accel="50000" decel="50000" fill="hold" grpId="3" nodeType="afterEffect">
                                   <p:stCondLst>
                                     <p:cond delay="0"/>
                                   </p:stCondLst>
                                   <p:childTnLst>
                                     <p:animMotion origin="layout" path="M -4.375E-6 -0.00833 L 0.24558 -0.16829 " pathEditMode="relative" rAng="0" ptsTypes="AA">
                                       <p:cBhvr>
-                                        <p:cTn id="34" dur="2000" fill="hold"/>
+                                        <p:cTn id="30" dur="2000" fill="hold"/>
                                         <p:tgtEl>
                                           <p:spTgt spid="54"/>
                                         </p:tgtEl>
@@ -13751,30 +13605,21 @@
                             </p:childTnLst>
                           </p:cTn>
                         </p:par>
-                      </p:childTnLst>
-                    </p:cTn>
-                  </p:par>
-                  <p:par>
-                    <p:cTn id="35" fill="hold">
-                      <p:stCondLst>
-                        <p:cond delay="indefinite"/>
-                      </p:stCondLst>
-                      <p:childTnLst>
                         <p:par>
-                          <p:cTn id="36" fill="hold">
+                          <p:cTn id="31" fill="hold">
                             <p:stCondLst>
-                              <p:cond delay="0"/>
+                              <p:cond delay="5000"/>
                             </p:stCondLst>
                             <p:childTnLst>
                               <p:par>
-                                <p:cTn id="37" presetID="22" presetClass="entr" presetSubtype="4" fill="hold" grpId="0" nodeType="clickEffect">
+                                <p:cTn id="32" presetID="22" presetClass="entr" presetSubtype="4" fill="hold" grpId="0" nodeType="afterEffect">
                                   <p:stCondLst>
                                     <p:cond delay="0"/>
                                   </p:stCondLst>
                                   <p:childTnLst>
                                     <p:set>
                                       <p:cBhvr>
-                                        <p:cTn id="38" dur="1" fill="hold">
+                                        <p:cTn id="33" dur="1" fill="hold">
                                           <p:stCondLst>
                                             <p:cond delay="0"/>
                                           </p:stCondLst>
@@ -13792,7 +13637,7 @@
                                     </p:set>
                                     <p:animEffect transition="in" filter="wipe(down)">
                                       <p:cBhvr>
-                                        <p:cTn id="39" dur="500"/>
+                                        <p:cTn id="34" dur="500"/>
                                         <p:tgtEl>
                                           <p:spTgt spid="55"/>
                                         </p:tgtEl>
@@ -13804,30 +13649,21 @@
                             </p:childTnLst>
                           </p:cTn>
                         </p:par>
-                      </p:childTnLst>
-                    </p:cTn>
-                  </p:par>
-                  <p:par>
-                    <p:cTn id="40" fill="hold">
-                      <p:stCondLst>
-                        <p:cond delay="indefinite"/>
-                      </p:stCondLst>
-                      <p:childTnLst>
                         <p:par>
-                          <p:cTn id="41" fill="hold">
+                          <p:cTn id="35" fill="hold">
                             <p:stCondLst>
-                              <p:cond delay="0"/>
+                              <p:cond delay="5500"/>
                             </p:stCondLst>
                             <p:childTnLst>
                               <p:par>
-                                <p:cTn id="42" presetID="42" presetClass="path" presetSubtype="0" accel="50000" decel="50000" fill="hold" grpId="2" nodeType="clickEffect">
+                                <p:cTn id="36" presetID="42" presetClass="path" presetSubtype="0" accel="50000" decel="50000" fill="hold" grpId="2" nodeType="afterEffect">
                                   <p:stCondLst>
                                     <p:cond delay="0"/>
                                   </p:stCondLst>
                                   <p:childTnLst>
                                     <p:animMotion origin="layout" path="M 3.125E-6 -1.11111E-6 L 0.49453 -0.00324 " pathEditMode="relative" rAng="0" ptsTypes="AA">
                                       <p:cBhvr>
-                                        <p:cTn id="43" dur="2000" fill="hold"/>
+                                        <p:cTn id="37" dur="2000" fill="hold"/>
                                         <p:tgtEl>
                                           <p:spTgt spid="55"/>
                                         </p:tgtEl>
@@ -13848,26 +13684,26 @@
                     </p:cTn>
                   </p:par>
                   <p:par>
-                    <p:cTn id="44" fill="hold">
+                    <p:cTn id="38" fill="hold">
                       <p:stCondLst>
                         <p:cond delay="indefinite"/>
                       </p:stCondLst>
                       <p:childTnLst>
                         <p:par>
-                          <p:cTn id="45" fill="hold">
+                          <p:cTn id="39" fill="hold">
                             <p:stCondLst>
                               <p:cond delay="0"/>
                             </p:stCondLst>
                             <p:childTnLst>
                               <p:par>
-                                <p:cTn id="46" presetID="42" presetClass="path" presetSubtype="0" accel="50000" decel="50000" fill="hold" grpId="3" nodeType="clickEffect">
+                                <p:cTn id="40" presetID="42" presetClass="path" presetSubtype="0" accel="50000" decel="50000" fill="hold" grpId="3" nodeType="clickEffect">
                                   <p:stCondLst>
                                     <p:cond delay="0"/>
                                   </p:stCondLst>
                                   <p:childTnLst>
                                     <p:animMotion origin="layout" path="M 0.35052 -0.05625 L -4.58333E-6 3.33333E-6 " pathEditMode="relative" rAng="0" ptsTypes="AA">
                                       <p:cBhvr>
-                                        <p:cTn id="47" dur="2000" fill="hold"/>
+                                        <p:cTn id="41" dur="2000" fill="hold"/>
                                         <p:tgtEl>
                                           <p:spTgt spid="51"/>
                                         </p:tgtEl>
@@ -13884,30 +13720,21 @@
                             </p:childTnLst>
                           </p:cTn>
                         </p:par>
-                      </p:childTnLst>
-                    </p:cTn>
-                  </p:par>
-                  <p:par>
-                    <p:cTn id="48" fill="hold">
-                      <p:stCondLst>
-                        <p:cond delay="indefinite"/>
-                      </p:stCondLst>
-                      <p:childTnLst>
                         <p:par>
-                          <p:cTn id="49" fill="hold">
+                          <p:cTn id="42" fill="hold">
                             <p:stCondLst>
-                              <p:cond delay="0"/>
+                              <p:cond delay="2000"/>
                             </p:stCondLst>
                             <p:childTnLst>
                               <p:par>
-                                <p:cTn id="50" presetID="10" presetClass="exit" presetSubtype="0" fill="hold" grpId="1" nodeType="clickEffect">
+                                <p:cTn id="43" presetID="10" presetClass="exit" presetSubtype="0" fill="hold" grpId="1" nodeType="afterEffect">
                                   <p:stCondLst>
                                     <p:cond delay="0"/>
                                   </p:stCondLst>
                                   <p:childTnLst>
                                     <p:animEffect transition="out" filter="fade">
                                       <p:cBhvr>
-                                        <p:cTn id="51" dur="500"/>
+                                        <p:cTn id="44" dur="500"/>
                                         <p:tgtEl>
                                           <p:spTgt spid="51"/>
                                         </p:tgtEl>
@@ -13915,7 +13742,7 @@
                                     </p:animEffect>
                                     <p:set>
                                       <p:cBhvr>
-                                        <p:cTn id="52" dur="1" fill="hold">
+                                        <p:cTn id="45" dur="1" fill="hold">
                                           <p:stCondLst>
                                             <p:cond delay="499"/>
                                           </p:stCondLst>
@@ -13937,30 +13764,21 @@
                             </p:childTnLst>
                           </p:cTn>
                         </p:par>
-                      </p:childTnLst>
-                    </p:cTn>
-                  </p:par>
-                  <p:par>
-                    <p:cTn id="53" fill="hold">
-                      <p:stCondLst>
-                        <p:cond delay="indefinite"/>
-                      </p:stCondLst>
-                      <p:childTnLst>
                         <p:par>
-                          <p:cTn id="54" fill="hold">
+                          <p:cTn id="46" fill="hold">
                             <p:stCondLst>
-                              <p:cond delay="0"/>
+                              <p:cond delay="2500"/>
                             </p:stCondLst>
                             <p:childTnLst>
                               <p:par>
-                                <p:cTn id="55" presetID="10" presetClass="entr" presetSubtype="0" fill="hold" nodeType="clickEffect">
+                                <p:cTn id="47" presetID="10" presetClass="entr" presetSubtype="0" fill="hold" nodeType="afterEffect">
                                   <p:stCondLst>
                                     <p:cond delay="0"/>
                                   </p:stCondLst>
                                   <p:childTnLst>
                                     <p:set>
                                       <p:cBhvr>
-                                        <p:cTn id="56" dur="1" fill="hold">
+                                        <p:cTn id="48" dur="1" fill="hold">
                                           <p:stCondLst>
                                             <p:cond delay="0"/>
                                           </p:stCondLst>
@@ -13978,7 +13796,7 @@
                                     </p:set>
                                     <p:animEffect transition="in" filter="fade">
                                       <p:cBhvr>
-                                        <p:cTn id="57" dur="500"/>
+                                        <p:cTn id="49" dur="500"/>
                                         <p:tgtEl>
                                           <p:spTgt spid="52"/>
                                         </p:tgtEl>
@@ -13990,30 +13808,21 @@
                             </p:childTnLst>
                           </p:cTn>
                         </p:par>
-                      </p:childTnLst>
-                    </p:cTn>
-                  </p:par>
-                  <p:par>
-                    <p:cTn id="58" fill="hold">
-                      <p:stCondLst>
-                        <p:cond delay="indefinite"/>
-                      </p:stCondLst>
-                      <p:childTnLst>
                         <p:par>
-                          <p:cTn id="59" fill="hold">
+                          <p:cTn id="50" fill="hold">
                             <p:stCondLst>
-                              <p:cond delay="0"/>
+                              <p:cond delay="3000"/>
                             </p:stCondLst>
                             <p:childTnLst>
                               <p:par>
-                                <p:cTn id="60" presetID="22" presetClass="entr" presetSubtype="4" fill="hold" grpId="0" nodeType="clickEffect">
+                                <p:cTn id="51" presetID="22" presetClass="entr" presetSubtype="4" fill="hold" grpId="0" nodeType="afterEffect">
                                   <p:stCondLst>
                                     <p:cond delay="0"/>
                                   </p:stCondLst>
                                   <p:childTnLst>
                                     <p:set>
                                       <p:cBhvr>
-                                        <p:cTn id="61" dur="1" fill="hold">
+                                        <p:cTn id="52" dur="1" fill="hold">
                                           <p:stCondLst>
                                             <p:cond delay="0"/>
                                           </p:stCondLst>
@@ -14031,7 +13840,7 @@
                                     </p:set>
                                     <p:animEffect transition="in" filter="wipe(down)">
                                       <p:cBhvr>
-                                        <p:cTn id="62" dur="500"/>
+                                        <p:cTn id="53" dur="500"/>
                                         <p:tgtEl>
                                           <p:spTgt spid="61"/>
                                         </p:tgtEl>
@@ -14043,30 +13852,21 @@
                             </p:childTnLst>
                           </p:cTn>
                         </p:par>
-                      </p:childTnLst>
-                    </p:cTn>
-                  </p:par>
-                  <p:par>
-                    <p:cTn id="63" fill="hold">
-                      <p:stCondLst>
-                        <p:cond delay="indefinite"/>
-                      </p:stCondLst>
-                      <p:childTnLst>
                         <p:par>
-                          <p:cTn id="64" fill="hold">
+                          <p:cTn id="54" fill="hold">
                             <p:stCondLst>
-                              <p:cond delay="0"/>
+                              <p:cond delay="3500"/>
                             </p:stCondLst>
                             <p:childTnLst>
                               <p:par>
-                                <p:cTn id="65" presetID="42" presetClass="path" presetSubtype="0" accel="50000" decel="50000" fill="hold" grpId="4" nodeType="clickEffect">
+                                <p:cTn id="55" presetID="42" presetClass="path" presetSubtype="0" accel="50000" decel="50000" fill="hold" grpId="4" nodeType="afterEffect">
                                   <p:stCondLst>
                                     <p:cond delay="0"/>
                                   </p:stCondLst>
                                   <p:childTnLst>
                                     <p:animMotion origin="layout" path="M 0.24558 -0.16944 L -6.25E-7 2.59259E-6 " pathEditMode="relative" rAng="0" ptsTypes="AA">
                                       <p:cBhvr>
-                                        <p:cTn id="66" dur="2000" fill="hold"/>
+                                        <p:cTn id="56" dur="2000" fill="hold"/>
                                         <p:tgtEl>
                                           <p:spTgt spid="54"/>
                                         </p:tgtEl>
@@ -14083,30 +13883,21 @@
                             </p:childTnLst>
                           </p:cTn>
                         </p:par>
-                      </p:childTnLst>
-                    </p:cTn>
-                  </p:par>
-                  <p:par>
-                    <p:cTn id="67" fill="hold">
-                      <p:stCondLst>
-                        <p:cond delay="indefinite"/>
-                      </p:stCondLst>
-                      <p:childTnLst>
                         <p:par>
-                          <p:cTn id="68" fill="hold">
+                          <p:cTn id="57" fill="hold">
                             <p:stCondLst>
-                              <p:cond delay="0"/>
+                              <p:cond delay="5500"/>
                             </p:stCondLst>
                             <p:childTnLst>
                               <p:par>
-                                <p:cTn id="69" presetID="10" presetClass="exit" presetSubtype="0" fill="hold" grpId="1" nodeType="clickEffect">
+                                <p:cTn id="58" presetID="10" presetClass="exit" presetSubtype="0" fill="hold" grpId="1" nodeType="afterEffect">
                                   <p:stCondLst>
                                     <p:cond delay="0"/>
                                   </p:stCondLst>
                                   <p:childTnLst>
                                     <p:animEffect transition="out" filter="fade">
                                       <p:cBhvr>
-                                        <p:cTn id="70" dur="500"/>
+                                        <p:cTn id="59" dur="500"/>
                                         <p:tgtEl>
                                           <p:spTgt spid="54"/>
                                         </p:tgtEl>
@@ -14114,7 +13905,7 @@
                                     </p:animEffect>
                                     <p:set>
                                       <p:cBhvr>
-                                        <p:cTn id="71" dur="1" fill="hold">
+                                        <p:cTn id="60" dur="1" fill="hold">
                                           <p:stCondLst>
                                             <p:cond delay="499"/>
                                           </p:stCondLst>
@@ -14136,30 +13927,21 @@
                             </p:childTnLst>
                           </p:cTn>
                         </p:par>
-                      </p:childTnLst>
-                    </p:cTn>
-                  </p:par>
-                  <p:par>
-                    <p:cTn id="72" fill="hold">
-                      <p:stCondLst>
-                        <p:cond delay="indefinite"/>
-                      </p:stCondLst>
-                      <p:childTnLst>
                         <p:par>
-                          <p:cTn id="73" fill="hold">
+                          <p:cTn id="61" fill="hold">
                             <p:stCondLst>
-                              <p:cond delay="0"/>
+                              <p:cond delay="6000"/>
                             </p:stCondLst>
                             <p:childTnLst>
                               <p:par>
-                                <p:cTn id="74" presetID="10" presetClass="entr" presetSubtype="0" fill="hold" nodeType="clickEffect">
+                                <p:cTn id="62" presetID="10" presetClass="entr" presetSubtype="0" fill="hold" nodeType="afterEffect">
                                   <p:stCondLst>
                                     <p:cond delay="0"/>
                                   </p:stCondLst>
                                   <p:childTnLst>
                                     <p:set>
                                       <p:cBhvr>
-                                        <p:cTn id="75" dur="1" fill="hold">
+                                        <p:cTn id="63" dur="1" fill="hold">
                                           <p:stCondLst>
                                             <p:cond delay="0"/>
                                           </p:stCondLst>
@@ -14177,7 +13959,7 @@
                                     </p:set>
                                     <p:animEffect transition="in" filter="fade">
                                       <p:cBhvr>
-                                        <p:cTn id="76" dur="500"/>
+                                        <p:cTn id="64" dur="500"/>
                                         <p:tgtEl>
                                           <p:spTgt spid="66"/>
                                         </p:tgtEl>
@@ -14189,30 +13971,21 @@
                             </p:childTnLst>
                           </p:cTn>
                         </p:par>
-                      </p:childTnLst>
-                    </p:cTn>
-                  </p:par>
-                  <p:par>
-                    <p:cTn id="77" fill="hold">
-                      <p:stCondLst>
-                        <p:cond delay="indefinite"/>
-                      </p:stCondLst>
-                      <p:childTnLst>
                         <p:par>
-                          <p:cTn id="78" fill="hold">
+                          <p:cTn id="65" fill="hold">
                             <p:stCondLst>
-                              <p:cond delay="0"/>
+                              <p:cond delay="6500"/>
                             </p:stCondLst>
                             <p:childTnLst>
                               <p:par>
-                                <p:cTn id="79" presetID="22" presetClass="entr" presetSubtype="4" fill="hold" grpId="0" nodeType="clickEffect">
+                                <p:cTn id="66" presetID="22" presetClass="entr" presetSubtype="4" fill="hold" grpId="0" nodeType="afterEffect">
                                   <p:stCondLst>
                                     <p:cond delay="0"/>
                                   </p:stCondLst>
                                   <p:childTnLst>
                                     <p:set>
                                       <p:cBhvr>
-                                        <p:cTn id="80" dur="1" fill="hold">
+                                        <p:cTn id="67" dur="1" fill="hold">
                                           <p:stCondLst>
                                             <p:cond delay="0"/>
                                           </p:stCondLst>
@@ -14230,7 +14003,7 @@
                                     </p:set>
                                     <p:animEffect transition="in" filter="wipe(down)">
                                       <p:cBhvr>
-                                        <p:cTn id="81" dur="500"/>
+                                        <p:cTn id="68" dur="500"/>
                                         <p:tgtEl>
                                           <p:spTgt spid="43"/>
                                         </p:tgtEl>
@@ -14242,30 +14015,21 @@
                             </p:childTnLst>
                           </p:cTn>
                         </p:par>
-                      </p:childTnLst>
-                    </p:cTn>
-                  </p:par>
-                  <p:par>
-                    <p:cTn id="82" fill="hold">
-                      <p:stCondLst>
-                        <p:cond delay="indefinite"/>
-                      </p:stCondLst>
-                      <p:childTnLst>
                         <p:par>
-                          <p:cTn id="83" fill="hold">
+                          <p:cTn id="69" fill="hold">
                             <p:stCondLst>
-                              <p:cond delay="0"/>
+                              <p:cond delay="7000"/>
                             </p:stCondLst>
                             <p:childTnLst>
                               <p:par>
-                                <p:cTn id="84" presetID="42" presetClass="path" presetSubtype="0" accel="50000" decel="50000" fill="hold" grpId="3" nodeType="clickEffect">
+                                <p:cTn id="70" presetID="42" presetClass="path" presetSubtype="0" accel="50000" decel="50000" fill="hold" grpId="3" nodeType="afterEffect">
                                   <p:stCondLst>
                                     <p:cond delay="0"/>
                                   </p:stCondLst>
                                   <p:childTnLst>
                                     <p:animMotion origin="layout" path="M 0.49453 -0.00324 L 4.375E-6 -2.22222E-6 " pathEditMode="relative" rAng="0" ptsTypes="AA">
                                       <p:cBhvr>
-                                        <p:cTn id="85" dur="2000" fill="hold"/>
+                                        <p:cTn id="71" dur="2000" fill="hold"/>
                                         <p:tgtEl>
                                           <p:spTgt spid="55"/>
                                         </p:tgtEl>
@@ -14282,30 +14046,21 @@
                             </p:childTnLst>
                           </p:cTn>
                         </p:par>
-                      </p:childTnLst>
-                    </p:cTn>
-                  </p:par>
-                  <p:par>
-                    <p:cTn id="86" fill="hold">
-                      <p:stCondLst>
-                        <p:cond delay="indefinite"/>
-                      </p:stCondLst>
-                      <p:childTnLst>
                         <p:par>
-                          <p:cTn id="87" fill="hold">
+                          <p:cTn id="72" fill="hold">
                             <p:stCondLst>
-                              <p:cond delay="0"/>
+                              <p:cond delay="9000"/>
                             </p:stCondLst>
                             <p:childTnLst>
                               <p:par>
-                                <p:cTn id="88" presetID="22" presetClass="exit" presetSubtype="4" fill="hold" grpId="1" nodeType="clickEffect">
+                                <p:cTn id="73" presetID="22" presetClass="exit" presetSubtype="4" fill="hold" grpId="1" nodeType="afterEffect">
                                   <p:stCondLst>
                                     <p:cond delay="0"/>
                                   </p:stCondLst>
                                   <p:childTnLst>
                                     <p:animEffect transition="out" filter="wipe(down)">
                                       <p:cBhvr>
-                                        <p:cTn id="89" dur="500"/>
+                                        <p:cTn id="74" dur="500"/>
                                         <p:tgtEl>
                                           <p:spTgt spid="55"/>
                                         </p:tgtEl>
@@ -14313,7 +14068,7 @@
                                     </p:animEffect>
                                     <p:set>
                                       <p:cBhvr>
-                                        <p:cTn id="90" dur="1" fill="hold">
+                                        <p:cTn id="75" dur="1" fill="hold">
                                           <p:stCondLst>
                                             <p:cond delay="499"/>
                                           </p:stCondLst>
@@ -14335,30 +14090,21 @@
                             </p:childTnLst>
                           </p:cTn>
                         </p:par>
-                      </p:childTnLst>
-                    </p:cTn>
-                  </p:par>
-                  <p:par>
-                    <p:cTn id="91" fill="hold">
-                      <p:stCondLst>
-                        <p:cond delay="indefinite"/>
-                      </p:stCondLst>
-                      <p:childTnLst>
                         <p:par>
-                          <p:cTn id="92" fill="hold">
+                          <p:cTn id="76" fill="hold">
                             <p:stCondLst>
-                              <p:cond delay="0"/>
+                              <p:cond delay="9500"/>
                             </p:stCondLst>
                             <p:childTnLst>
                               <p:par>
-                                <p:cTn id="93" presetID="10" presetClass="entr" presetSubtype="0" fill="hold" nodeType="clickEffect">
+                                <p:cTn id="77" presetID="10" presetClass="entr" presetSubtype="0" fill="hold" nodeType="afterEffect">
                                   <p:stCondLst>
                                     <p:cond delay="0"/>
                                   </p:stCondLst>
                                   <p:childTnLst>
                                     <p:set>
                                       <p:cBhvr>
-                                        <p:cTn id="94" dur="1" fill="hold">
+                                        <p:cTn id="78" dur="1" fill="hold">
                                           <p:stCondLst>
                                             <p:cond delay="0"/>
                                           </p:stCondLst>
@@ -14376,7 +14122,7 @@
                                     </p:set>
                                     <p:animEffect transition="in" filter="fade">
                                       <p:cBhvr>
-                                        <p:cTn id="95" dur="500"/>
+                                        <p:cTn id="79" dur="500"/>
                                         <p:tgtEl>
                                           <p:spTgt spid="7"/>
                                         </p:tgtEl>
@@ -14388,30 +14134,21 @@
                             </p:childTnLst>
                           </p:cTn>
                         </p:par>
-                      </p:childTnLst>
-                    </p:cTn>
-                  </p:par>
-                  <p:par>
-                    <p:cTn id="96" fill="hold">
-                      <p:stCondLst>
-                        <p:cond delay="indefinite"/>
-                      </p:stCondLst>
-                      <p:childTnLst>
                         <p:par>
-                          <p:cTn id="97" fill="hold">
+                          <p:cTn id="80" fill="hold">
                             <p:stCondLst>
-                              <p:cond delay="0"/>
+                              <p:cond delay="10000"/>
                             </p:stCondLst>
                             <p:childTnLst>
                               <p:par>
-                                <p:cTn id="98" presetID="22" presetClass="entr" presetSubtype="4" fill="hold" grpId="0" nodeType="clickEffect">
+                                <p:cTn id="81" presetID="22" presetClass="entr" presetSubtype="4" fill="hold" grpId="0" nodeType="afterEffect">
                                   <p:stCondLst>
                                     <p:cond delay="0"/>
                                   </p:stCondLst>
                                   <p:childTnLst>
                                     <p:set>
                                       <p:cBhvr>
-                                        <p:cTn id="99" dur="1" fill="hold">
+                                        <p:cTn id="82" dur="1" fill="hold">
                                           <p:stCondLst>
                                             <p:cond delay="0"/>
                                           </p:stCondLst>
@@ -14429,7 +14166,7 @@
                                     </p:set>
                                     <p:animEffect transition="in" filter="wipe(down)">
                                       <p:cBhvr>
-                                        <p:cTn id="100" dur="500"/>
+                                        <p:cTn id="83" dur="500"/>
                                         <p:tgtEl>
                                           <p:spTgt spid="65"/>
                                         </p:tgtEl>
@@ -15168,14 +14905,14 @@
               <a:t>が空き状態になると</a:t>
             </a:r>
             <a:r>
-              <a:rPr lang="ja-JP" altLang="en-US" dirty="0" smtClean="0">
+              <a:rPr lang="ja-JP" altLang="en-US" dirty="0">
                 <a:solidFill>
                   <a:srgbClr val="FF0000"/>
                 </a:solidFill>
               </a:rPr>
               <a:t>終了</a:t>
             </a:r>
-            <a:endParaRPr lang="en-US" altLang="ja-JP" dirty="0" smtClean="0">
+            <a:endParaRPr lang="en-US" altLang="ja-JP" dirty="0">
               <a:solidFill>
                 <a:srgbClr val="FF0000"/>
               </a:solidFill>
@@ -15895,15 +15632,7 @@
             </a:r>
             <a:r>
               <a:rPr lang="ja-JP" altLang="en-US" dirty="0"/>
-              <a:t>領域は</a:t>
-            </a:r>
-            <a:r>
-              <a:rPr lang="ja-JP" altLang="en-US" dirty="0" smtClean="0"/>
-              <a:t>探索無しにより、</a:t>
-            </a:r>
-            <a:r>
-              <a:rPr lang="ja-JP" altLang="en-US" dirty="0"/>
-              <a:t>計算の削減ができた！</a:t>
+              <a:t>領域は探索無しにより、計算の削減ができた！</a:t>
             </a:r>
             <a:endParaRPr lang="en-US" altLang="ja-JP" dirty="0"/>
           </a:p>
@@ -15932,11 +15661,7 @@
           <a:p>
             <a:r>
               <a:rPr lang="en-US" altLang="ja-JP" dirty="0"/>
-              <a:t>Target-cover-set: </a:t>
-            </a:r>
-            <a:r>
-              <a:rPr lang="en-US" altLang="ja-JP" dirty="0" smtClean="0"/>
-              <a:t>Target</a:t>
+              <a:t>Target-cover-set: Target</a:t>
             </a:r>
             <a:r>
               <a:rPr lang="ja-JP" altLang="en-US" dirty="0"/>
@@ -17094,7 +16819,7 @@
         </p:nvSpPr>
         <p:spPr>
           <a:xfrm>
-            <a:off x="1422962" y="5099456"/>
+            <a:off x="1422962" y="5128031"/>
             <a:ext cx="480447" cy="369332"/>
           </a:xfrm>
           <a:prstGeom prst="rect">
@@ -17124,7 +16849,7 @@
         </p:nvSpPr>
         <p:spPr>
           <a:xfrm>
-            <a:off x="3473496" y="5118912"/>
+            <a:off x="3473496" y="5137962"/>
             <a:ext cx="480447" cy="369332"/>
           </a:xfrm>
           <a:prstGeom prst="rect">
@@ -17904,11 +17629,7 @@
             <a:p>
               <a:r>
                 <a:rPr lang="ja-JP" altLang="en-US" dirty="0"/>
-                <a:t>該当</a:t>
-              </a:r>
-              <a:r>
-                <a:rPr lang="ja-JP" altLang="en-US" dirty="0" smtClean="0"/>
-                <a:t>パーサ</a:t>
+                <a:t>該当パーサ</a:t>
               </a:r>
               <a:endParaRPr lang="en-US" altLang="ja-JP" dirty="0"/>
             </a:p>
@@ -17962,13 +17683,6 @@
   <p:clrMapOvr>
     <a:masterClrMapping/>
   </p:clrMapOvr>
-  <p:timing>
-    <p:tnLst>
-      <p:par>
-        <p:cTn id="1" dur="indefinite" restart="never" nodeType="tmRoot"/>
-      </p:par>
-    </p:tnLst>
-  </p:timing>
 </p:sld>
 </file>
 
@@ -18602,7 +18316,7 @@
           <a:lstStyle/>
           <a:p>
             <a:r>
-              <a:rPr lang="en-US" altLang="ja-JP" sz="2400" dirty="0" smtClean="0">
+              <a:rPr lang="en-US" altLang="ja-JP" sz="2400" dirty="0">
                 <a:latin typeface="メイリオ" panose="020B0604030504040204" pitchFamily="50" charset="-128"/>
                 <a:ea typeface="メイリオ" panose="020B0604030504040204" pitchFamily="50" charset="-128"/>
                 <a:cs typeface="Times New Roman" panose="02020603050405020304" pitchFamily="18" charset="0"/>
@@ -18610,7 +18324,7 @@
               <a:t>Python</a:t>
             </a:r>
             <a:r>
-              <a:rPr lang="ja-JP" altLang="en-US" sz="2400" dirty="0" smtClean="0">
+              <a:rPr lang="ja-JP" altLang="en-US" sz="2400" dirty="0">
                 <a:latin typeface="メイリオ" panose="020B0604030504040204" pitchFamily="50" charset="-128"/>
                 <a:ea typeface="メイリオ" panose="020B0604030504040204" pitchFamily="50" charset="-128"/>
                 <a:cs typeface="Times New Roman" panose="02020603050405020304" pitchFamily="18" charset="0"/>
@@ -18618,7 +18332,7 @@
               <a:t>で開発した</a:t>
             </a:r>
             <a:r>
-              <a:rPr lang="en-US" altLang="ja-JP" sz="2400" dirty="0" smtClean="0">
+              <a:rPr lang="en-US" altLang="ja-JP" sz="2400" dirty="0">
                 <a:latin typeface="メイリオ" panose="020B0604030504040204" pitchFamily="50" charset="-128"/>
                 <a:ea typeface="メイリオ" panose="020B0604030504040204" pitchFamily="50" charset="-128"/>
                 <a:cs typeface="Times New Roman" panose="02020603050405020304" pitchFamily="18" charset="0"/>
@@ -18724,7 +18438,7 @@
             <a:p>
               <a:pPr algn="ctr"/>
               <a:r>
-                <a:rPr lang="en-US" altLang="zh-CN" dirty="0" smtClean="0"/>
+                <a:rPr lang="en-US" altLang="zh-CN" dirty="0"/>
                 <a:t>Homemade Map (A star)</a:t>
               </a:r>
               <a:endParaRPr lang="zh-CN" altLang="en-US" dirty="0"/>
@@ -18800,15 +18514,15 @@
             <a:p>
               <a:pPr algn="ctr"/>
               <a:r>
-                <a:rPr lang="en-US" altLang="zh-CN" dirty="0" smtClean="0"/>
+                <a:rPr lang="en-US" altLang="zh-CN" dirty="0"/>
                 <a:t>Homemade Map (</a:t>
               </a:r>
               <a:r>
-                <a:rPr lang="ja-JP" altLang="en-US" dirty="0" smtClean="0"/>
+                <a:rPr lang="ja-JP" altLang="en-US" dirty="0"/>
                 <a:t>提案手法</a:t>
               </a:r>
               <a:r>
-                <a:rPr lang="en-US" altLang="zh-CN" dirty="0" smtClean="0"/>
+                <a:rPr lang="en-US" altLang="zh-CN" dirty="0"/>
                 <a:t>)</a:t>
               </a:r>
               <a:endParaRPr lang="zh-CN" altLang="en-US" dirty="0"/>
@@ -19051,7 +18765,15 @@
                   <a:schemeClr val="bg1"/>
                 </a:solidFill>
               </a:rPr>
-              <a:t>評価実験 </a:t>
+              <a:t>評価実験</a:t>
+            </a:r>
+            <a:r>
+              <a:rPr lang="ja-JP" altLang="en-US" sz="2800" dirty="0">
+                <a:solidFill>
+                  <a:schemeClr val="bg1"/>
+                </a:solidFill>
+              </a:rPr>
+              <a:t> </a:t>
             </a:r>
             <a:r>
               <a:rPr lang="en-US" altLang="ja-JP" sz="2800" dirty="0">
@@ -19062,7 +18784,7 @@
               <a:t>-</a:t>
             </a:r>
             <a:r>
-              <a:rPr lang="ja-JP" altLang="en-US" dirty="0">
+              <a:rPr lang="ja-JP" altLang="en-US" sz="2800" dirty="0">
                 <a:solidFill>
                   <a:schemeClr val="bg1"/>
                 </a:solidFill>
@@ -19115,28 +18837,28 @@
                 <a:gridCol w="2080180">
                   <a:extLst>
                     <a:ext uri="{9D8B030D-6E8A-4147-A177-3AD203B41FA5}">
-                      <a16:colId xmlns="" xmlns:a16="http://schemas.microsoft.com/office/drawing/2014/main" val="20000"/>
+                      <a16:colId xmlns:a16="http://schemas.microsoft.com/office/drawing/2014/main" val="20000"/>
                     </a:ext>
                   </a:extLst>
                 </a:gridCol>
                 <a:gridCol w="1591663">
                   <a:extLst>
                     <a:ext uri="{9D8B030D-6E8A-4147-A177-3AD203B41FA5}">
-                      <a16:colId xmlns="" xmlns:a16="http://schemas.microsoft.com/office/drawing/2014/main" val="20001"/>
+                      <a16:colId xmlns:a16="http://schemas.microsoft.com/office/drawing/2014/main" val="20001"/>
                     </a:ext>
                   </a:extLst>
                 </a:gridCol>
                 <a:gridCol w="1856559">
                   <a:extLst>
                     <a:ext uri="{9D8B030D-6E8A-4147-A177-3AD203B41FA5}">
-                      <a16:colId xmlns="" xmlns:a16="http://schemas.microsoft.com/office/drawing/2014/main" val="20002"/>
+                      <a16:colId xmlns:a16="http://schemas.microsoft.com/office/drawing/2014/main" val="20002"/>
                     </a:ext>
                   </a:extLst>
                 </a:gridCol>
                 <a:gridCol w="2376281">
                   <a:extLst>
                     <a:ext uri="{9D8B030D-6E8A-4147-A177-3AD203B41FA5}">
-                      <a16:colId xmlns="" xmlns:a16="http://schemas.microsoft.com/office/drawing/2014/main" val="20003"/>
+                      <a16:colId xmlns:a16="http://schemas.microsoft.com/office/drawing/2014/main" val="20003"/>
                     </a:ext>
                   </a:extLst>
                 </a:gridCol>
@@ -19302,7 +19024,7 @@
                 </a:tc>
                 <a:extLst>
                   <a:ext uri="{0D108BD9-81ED-4DB2-BD59-A6C34878D82A}">
-                    <a16:rowId xmlns="" xmlns:a16="http://schemas.microsoft.com/office/drawing/2014/main" val="10000"/>
+                    <a16:rowId xmlns:a16="http://schemas.microsoft.com/office/drawing/2014/main" val="10000"/>
                   </a:ext>
                 </a:extLst>
               </a:tr>
@@ -19432,7 +19154,7 @@
                 </a:tc>
                 <a:extLst>
                   <a:ext uri="{0D108BD9-81ED-4DB2-BD59-A6C34878D82A}">
-                    <a16:rowId xmlns="" xmlns:a16="http://schemas.microsoft.com/office/drawing/2014/main" val="10001"/>
+                    <a16:rowId xmlns:a16="http://schemas.microsoft.com/office/drawing/2014/main" val="10001"/>
                   </a:ext>
                 </a:extLst>
               </a:tr>
@@ -19562,7 +19284,7 @@
                 </a:tc>
                 <a:extLst>
                   <a:ext uri="{0D108BD9-81ED-4DB2-BD59-A6C34878D82A}">
-                    <a16:rowId xmlns="" xmlns:a16="http://schemas.microsoft.com/office/drawing/2014/main" val="10002"/>
+                    <a16:rowId xmlns:a16="http://schemas.microsoft.com/office/drawing/2014/main" val="10002"/>
                   </a:ext>
                 </a:extLst>
               </a:tr>
@@ -19695,7 +19417,7 @@
                 </a:tc>
                 <a:extLst>
                   <a:ext uri="{0D108BD9-81ED-4DB2-BD59-A6C34878D82A}">
-                    <a16:rowId xmlns="" xmlns:a16="http://schemas.microsoft.com/office/drawing/2014/main" val="10003"/>
+                    <a16:rowId xmlns:a16="http://schemas.microsoft.com/office/drawing/2014/main" val="10003"/>
                   </a:ext>
                 </a:extLst>
               </a:tr>
@@ -19711,7 +19433,7 @@
         </p:nvSpPr>
         <p:spPr>
           <a:xfrm>
-            <a:off x="4459538" y="2704831"/>
+            <a:off x="4459538" y="2775272"/>
             <a:ext cx="3140640" cy="369332"/>
           </a:xfrm>
           <a:prstGeom prst="rect">
@@ -19876,13 +19598,6 @@
   <p:clrMapOvr>
     <a:masterClrMapping/>
   </p:clrMapOvr>
-  <p:timing>
-    <p:tnLst>
-      <p:par>
-        <p:cTn id="1" dur="indefinite" restart="never" nodeType="tmRoot"/>
-      </p:par>
-    </p:tnLst>
-  </p:timing>
 </p:sld>
 </file>
 
@@ -19972,7 +19687,15 @@
                   <a:schemeClr val="bg1"/>
                 </a:solidFill>
               </a:rPr>
-              <a:t>評価実験 </a:t>
+              <a:t>評価実験</a:t>
+            </a:r>
+            <a:r>
+              <a:rPr lang="ja-JP" altLang="en-US" sz="2800" dirty="0">
+                <a:solidFill>
+                  <a:schemeClr val="bg1"/>
+                </a:solidFill>
+              </a:rPr>
+              <a:t> </a:t>
             </a:r>
             <a:r>
               <a:rPr lang="en-US" altLang="ja-JP" sz="2800" dirty="0">
@@ -19983,7 +19706,7 @@
               <a:t>-</a:t>
             </a:r>
             <a:r>
-              <a:rPr lang="ja-JP" altLang="en-US" dirty="0">
+              <a:rPr lang="ja-JP" altLang="en-US" sz="2800" dirty="0">
                 <a:solidFill>
                   <a:schemeClr val="bg1"/>
                 </a:solidFill>
@@ -20147,13 +19870,6 @@
   <p:clrMapOvr>
     <a:masterClrMapping/>
   </p:clrMapOvr>
-  <p:timing>
-    <p:tnLst>
-      <p:par>
-        <p:cTn id="1" dur="indefinite" restart="never" nodeType="tmRoot"/>
-      </p:par>
-    </p:tnLst>
-  </p:timing>
 </p:sld>
 </file>
 
@@ -20302,13 +20018,9 @@
             </a:pPr>
             <a:r>
               <a:rPr lang="ja-JP" altLang="en-US" dirty="0"/>
-              <a:t>従来</a:t>
-            </a:r>
-            <a:r>
-              <a:rPr lang="ja-JP" altLang="en-US" dirty="0" smtClean="0"/>
-              <a:t>手法</a:t>
-            </a:r>
-            <a:endParaRPr lang="en-US" altLang="ja-JP" dirty="0" smtClean="0"/>
+              <a:t>従来手法</a:t>
+            </a:r>
+            <a:endParaRPr lang="en-US" altLang="ja-JP" dirty="0"/>
           </a:p>
           <a:p>
             <a:pPr marL="0" indent="0">
@@ -20322,11 +20034,11 @@
               <a:t>	</a:t>
             </a:r>
             <a:r>
-              <a:rPr lang="en-US" altLang="ja-JP" sz="2300" dirty="0" smtClean="0"/>
+              <a:rPr lang="en-US" altLang="ja-JP" sz="2300" dirty="0"/>
               <a:t>- Cover Heuristic </a:t>
             </a:r>
             <a:r>
-              <a:rPr lang="ja-JP" altLang="en-US" sz="2300" dirty="0" smtClean="0"/>
+              <a:rPr lang="ja-JP" altLang="en-US" sz="2300" dirty="0"/>
               <a:t>法と問題点</a:t>
             </a:r>
             <a:endParaRPr lang="en-US" altLang="ja-JP" sz="2300" dirty="0"/>
@@ -20341,13 +20053,9 @@
             </a:pPr>
             <a:r>
               <a:rPr lang="ja-JP" altLang="en-US" dirty="0"/>
-              <a:t>提案</a:t>
-            </a:r>
-            <a:r>
-              <a:rPr lang="ja-JP" altLang="en-US" dirty="0" smtClean="0"/>
-              <a:t>手法</a:t>
-            </a:r>
-            <a:endParaRPr lang="en-US" altLang="ja-JP" dirty="0" smtClean="0"/>
+              <a:t>提案手法</a:t>
+            </a:r>
+            <a:endParaRPr lang="en-US" altLang="ja-JP" dirty="0"/>
           </a:p>
           <a:p>
             <a:pPr marL="0" indent="0">
@@ -20357,26 +20065,18 @@
               <a:buNone/>
             </a:pPr>
             <a:r>
-              <a:rPr lang="en-US" altLang="ja-JP" dirty="0" smtClean="0"/>
+              <a:rPr lang="en-US" altLang="ja-JP" dirty="0"/>
               <a:t>	</a:t>
             </a:r>
             <a:r>
-              <a:rPr lang="en-US" altLang="ja-JP" sz="2300" dirty="0" smtClean="0"/>
+              <a:rPr lang="en-US" altLang="ja-JP" sz="2300" dirty="0"/>
               <a:t>- </a:t>
             </a:r>
             <a:r>
-              <a:rPr lang="ja-JP" altLang="en-US" sz="2300" dirty="0" smtClean="0"/>
-              <a:t>従来手法の</a:t>
-            </a:r>
-            <a:r>
-              <a:rPr lang="ja-JP" altLang="en-US" sz="2300" dirty="0" smtClean="0"/>
-              <a:t>高速</a:t>
-            </a:r>
-            <a:r>
               <a:rPr lang="ja-JP" altLang="en-US" sz="2300" dirty="0"/>
-              <a:t>化</a:t>
-            </a:r>
-            <a:endParaRPr lang="en-US" altLang="ja-JP" sz="2300" dirty="0" smtClean="0"/>
+              <a:t>従来手法の高速化</a:t>
+            </a:r>
+            <a:endParaRPr lang="en-US" altLang="ja-JP" sz="2300" dirty="0"/>
           </a:p>
           <a:p>
             <a:pPr marL="0" indent="0">
@@ -20387,14 +20087,10 @@
             </a:pPr>
             <a:r>
               <a:rPr lang="en-US" altLang="ja-JP" sz="2300" dirty="0"/>
-              <a:t>	</a:t>
-            </a:r>
-            <a:r>
-              <a:rPr lang="en-US" altLang="ja-JP" sz="2300" dirty="0" smtClean="0"/>
-              <a:t>- Tie-Breaking </a:t>
-            </a:r>
-            <a:r>
-              <a:rPr lang="ja-JP" altLang="en-US" sz="2300" dirty="0" smtClean="0"/>
+              <a:t>	- Tie-Breaking </a:t>
+            </a:r>
+            <a:r>
+              <a:rPr lang="ja-JP" altLang="en-US" sz="2300" dirty="0"/>
               <a:t>問題の解決</a:t>
             </a:r>
             <a:endParaRPr lang="en-US" altLang="ja-JP" sz="2300" dirty="0"/>
@@ -20407,11 +20103,11 @@
               <a:buNone/>
             </a:pPr>
             <a:r>
-              <a:rPr lang="en-US" altLang="ja-JP" dirty="0" smtClean="0"/>
+              <a:rPr lang="en-US" altLang="ja-JP" dirty="0"/>
               <a:t>5.    </a:t>
             </a:r>
             <a:r>
-              <a:rPr lang="ja-JP" altLang="en-US" dirty="0" smtClean="0"/>
+              <a:rPr lang="ja-JP" altLang="en-US" dirty="0"/>
               <a:t>評価実験</a:t>
             </a:r>
             <a:endParaRPr lang="en-US" altLang="ja-JP" dirty="0"/>
@@ -20424,11 +20120,11 @@
               <a:buNone/>
             </a:pPr>
             <a:r>
-              <a:rPr lang="en-US" altLang="ja-JP" dirty="0" smtClean="0"/>
+              <a:rPr lang="en-US" altLang="ja-JP" dirty="0"/>
               <a:t>6.    </a:t>
             </a:r>
             <a:r>
-              <a:rPr lang="ja-JP" altLang="en-US" dirty="0" smtClean="0"/>
+              <a:rPr lang="ja-JP" altLang="en-US" dirty="0"/>
               <a:t>まとめ</a:t>
             </a:r>
             <a:endParaRPr lang="zh-CN" altLang="en-US" dirty="0"/>
@@ -20468,13 +20164,6 @@
   <p:clrMapOvr>
     <a:masterClrMapping/>
   </p:clrMapOvr>
-  <p:timing>
-    <p:tnLst>
-      <p:par>
-        <p:cTn id="1" dur="indefinite" restart="never" nodeType="tmRoot"/>
-      </p:par>
-    </p:tnLst>
-  </p:timing>
 </p:sld>
 </file>
 
@@ -20683,46 +20372,25 @@
           <a:p>
             <a:pPr lvl="1"/>
             <a:r>
-              <a:rPr lang="en-US" altLang="ja-JP" sz="2000" dirty="0" smtClean="0">
+              <a:rPr lang="en-US" altLang="ja-JP" sz="2000" dirty="0">
                 <a:latin typeface="メイリオ" panose="020B0604030504040204" pitchFamily="50" charset="-128"/>
                 <a:ea typeface="メイリオ" panose="020B0604030504040204" pitchFamily="50" charset="-128"/>
               </a:rPr>
               <a:t>2)Tie-Breaking</a:t>
             </a:r>
             <a:r>
-              <a:rPr lang="ja-JP" altLang="en-US" sz="2000" dirty="0" smtClean="0">
-                <a:latin typeface="メイリオ" panose="020B0604030504040204" pitchFamily="50" charset="-128"/>
-                <a:ea typeface="メイリオ" panose="020B0604030504040204" pitchFamily="50" charset="-128"/>
-              </a:rPr>
-              <a:t>問題に対して</a:t>
-            </a:r>
-            <a:r>
               <a:rPr lang="ja-JP" altLang="en-US" sz="2000" dirty="0">
                 <a:latin typeface="メイリオ" panose="020B0604030504040204" pitchFamily="50" charset="-128"/>
                 <a:ea typeface="メイリオ" panose="020B0604030504040204" pitchFamily="50" charset="-128"/>
               </a:rPr>
-              <a:t>、該当</a:t>
-            </a:r>
-            <a:r>
-              <a:rPr lang="ja-JP" altLang="en-US" sz="2000" dirty="0" smtClean="0">
-                <a:latin typeface="メイリオ" panose="020B0604030504040204" pitchFamily="50" charset="-128"/>
-                <a:ea typeface="メイリオ" panose="020B0604030504040204" pitchFamily="50" charset="-128"/>
-              </a:rPr>
-              <a:t>パーサに</a:t>
-            </a:r>
-            <a:r>
-              <a:rPr lang="en-US" altLang="ja-JP" sz="2000" dirty="0" smtClean="0">
-                <a:latin typeface="メイリオ" panose="020B0604030504040204" pitchFamily="50" charset="-128"/>
-                <a:ea typeface="メイリオ" panose="020B0604030504040204" pitchFamily="50" charset="-128"/>
-              </a:rPr>
-              <a:t>A </a:t>
+              <a:t>問題に対して、該当パーサに</a:t>
             </a:r>
             <a:r>
               <a:rPr lang="en-US" altLang="ja-JP" sz="2000" dirty="0">
                 <a:latin typeface="メイリオ" panose="020B0604030504040204" pitchFamily="50" charset="-128"/>
                 <a:ea typeface="メイリオ" panose="020B0604030504040204" pitchFamily="50" charset="-128"/>
               </a:rPr>
-              <a:t>star Algorithm</a:t>
+              <a:t>A star Algorithm</a:t>
             </a:r>
             <a:r>
               <a:rPr lang="ja-JP" altLang="en-US" sz="2000" dirty="0">
@@ -21801,13 +21469,6 @@
   <p:clrMapOvr>
     <a:masterClrMapping/>
   </p:clrMapOvr>
-  <p:timing>
-    <p:tnLst>
-      <p:par>
-        <p:cTn id="1" dur="indefinite" restart="never" nodeType="tmRoot"/>
-      </p:par>
-    </p:tnLst>
-  </p:timing>
 </p:sld>
 </file>
 
@@ -22016,13 +21677,6 @@
   <p:clrMapOvr>
     <a:masterClrMapping/>
   </p:clrMapOvr>
-  <p:timing>
-    <p:tnLst>
-      <p:par>
-        <p:cTn id="1" dur="indefinite" restart="never" nodeType="tmRoot"/>
-      </p:par>
-    </p:tnLst>
-  </p:timing>
 </p:sld>
 </file>
 
@@ -22051,7 +21705,7 @@
         </p:nvGrpSpPr>
         <p:grpSpPr>
           <a:xfrm>
-            <a:off x="1408510" y="2534516"/>
+            <a:off x="1678189" y="2534516"/>
             <a:ext cx="8835622" cy="3182158"/>
             <a:chOff x="1408510" y="2587600"/>
             <a:chExt cx="8835622" cy="3182158"/>
@@ -22429,7 +22083,7 @@
         </p:nvSpPr>
         <p:spPr>
           <a:xfrm>
-            <a:off x="6201809" y="3035186"/>
+            <a:off x="6470306" y="3017027"/>
             <a:ext cx="1211491" cy="1211491"/>
           </a:xfrm>
           <a:prstGeom prst="ellipse">
@@ -22475,7 +22129,7 @@
         </p:nvSpPr>
         <p:spPr>
           <a:xfrm>
-            <a:off x="6492041" y="4576256"/>
+            <a:off x="6736162" y="4580782"/>
             <a:ext cx="631026" cy="631026"/>
           </a:xfrm>
           <a:prstGeom prst="ellipse">
@@ -25963,16 +25617,9 @@
                 <a:latin typeface="メイリオ" panose="020B0604030504040204" pitchFamily="50" charset="-128"/>
                 <a:ea typeface="メイリオ" panose="020B0604030504040204" pitchFamily="50" charset="-128"/>
               </a:rPr>
-              <a:t>を計算</a:t>
-            </a:r>
-            <a:r>
-              <a:rPr lang="ja-JP" altLang="en-US" dirty="0" smtClean="0">
-                <a:latin typeface="メイリオ" panose="020B0604030504040204" pitchFamily="50" charset="-128"/>
-                <a:ea typeface="メイリオ" panose="020B0604030504040204" pitchFamily="50" charset="-128"/>
-              </a:rPr>
-              <a:t>する</a:t>
-            </a:r>
-            <a:endParaRPr lang="en-US" altLang="ja-JP" dirty="0" smtClean="0">
+              <a:t>を計算する</a:t>
+            </a:r>
+            <a:endParaRPr lang="en-US" altLang="ja-JP" dirty="0">
               <a:latin typeface="メイリオ" panose="020B0604030504040204" pitchFamily="50" charset="-128"/>
               <a:ea typeface="メイリオ" panose="020B0604030504040204" pitchFamily="50" charset="-128"/>
             </a:endParaRPr>
@@ -26010,16 +25657,9 @@
                 <a:latin typeface="メイリオ" panose="020B0604030504040204" pitchFamily="50" charset="-128"/>
                 <a:ea typeface="メイリオ" panose="020B0604030504040204" pitchFamily="50" charset="-128"/>
               </a:rPr>
-              <a:t>より早く辿り着ける領域のタイルの</a:t>
-            </a:r>
-            <a:r>
-              <a:rPr lang="ja-JP" altLang="en-US" dirty="0" smtClean="0">
-                <a:latin typeface="メイリオ" panose="020B0604030504040204" pitchFamily="50" charset="-128"/>
-                <a:ea typeface="メイリオ" panose="020B0604030504040204" pitchFamily="50" charset="-128"/>
-              </a:rPr>
-              <a:t>数</a:t>
-            </a:r>
-            <a:endParaRPr lang="en-US" altLang="ja-JP" dirty="0" smtClean="0">
+              <a:t>より早く辿り着ける領域のタイルの数</a:t>
+            </a:r>
+            <a:endParaRPr lang="en-US" altLang="ja-JP" dirty="0">
               <a:latin typeface="メイリオ" panose="020B0604030504040204" pitchFamily="50" charset="-128"/>
               <a:ea typeface="メイリオ" panose="020B0604030504040204" pitchFamily="50" charset="-128"/>
             </a:endParaRPr>
@@ -26032,7 +25672,7 @@
           </a:p>
           <a:p>
             <a:r>
-              <a:rPr lang="ja-JP" altLang="en-US" b="1" dirty="0" smtClean="0">
+              <a:rPr lang="ja-JP" altLang="en-US" b="1" dirty="0">
                 <a:solidFill>
                   <a:srgbClr val="FF0000"/>
                 </a:solidFill>
@@ -26042,21 +25682,21 @@
               <a:t>右</a:t>
             </a:r>
             <a:r>
-              <a:rPr lang="ja-JP" altLang="en-US" dirty="0" smtClean="0">
+              <a:rPr lang="ja-JP" altLang="en-US" dirty="0">
                 <a:latin typeface="メイリオ" panose="020B0604030504040204" pitchFamily="50" charset="-128"/>
                 <a:ea typeface="メイリオ" panose="020B0604030504040204" pitchFamily="50" charset="-128"/>
               </a:rPr>
               <a:t>の</a:t>
             </a:r>
             <a:r>
-              <a:rPr lang="en-US" altLang="ja-JP" dirty="0" smtClean="0">
+              <a:rPr lang="en-US" altLang="ja-JP" dirty="0">
                 <a:latin typeface="メイリオ" panose="020B0604030504040204" pitchFamily="50" charset="-128"/>
                 <a:ea typeface="メイリオ" panose="020B0604030504040204" pitchFamily="50" charset="-128"/>
               </a:rPr>
               <a:t>Pursuer-cover-set</a:t>
             </a:r>
             <a:r>
-              <a:rPr lang="ja-JP" altLang="en-US" dirty="0" smtClean="0">
+              <a:rPr lang="ja-JP" altLang="en-US" dirty="0">
                 <a:latin typeface="メイリオ" panose="020B0604030504040204" pitchFamily="50" charset="-128"/>
                 <a:ea typeface="メイリオ" panose="020B0604030504040204" pitchFamily="50" charset="-128"/>
               </a:rPr>
@@ -28024,30 +27664,21 @@
                             </p:childTnLst>
                           </p:cTn>
                         </p:par>
-                      </p:childTnLst>
-                    </p:cTn>
-                  </p:par>
-                  <p:par>
-                    <p:cTn id="8" fill="hold">
-                      <p:stCondLst>
-                        <p:cond delay="indefinite"/>
-                      </p:stCondLst>
-                      <p:childTnLst>
                         <p:par>
-                          <p:cTn id="9" fill="hold">
+                          <p:cTn id="8" fill="hold">
                             <p:stCondLst>
-                              <p:cond delay="0"/>
+                              <p:cond delay="500"/>
                             </p:stCondLst>
                             <p:childTnLst>
                               <p:par>
-                                <p:cTn id="10" presetID="42" presetClass="path" presetSubtype="0" accel="50000" decel="50000" fill="hold" grpId="2" nodeType="clickEffect">
+                                <p:cTn id="9" presetID="42" presetClass="path" presetSubtype="0" accel="50000" decel="50000" fill="hold" grpId="2" nodeType="afterEffect">
                                   <p:stCondLst>
                                     <p:cond delay="0"/>
                                   </p:stCondLst>
                                   <p:childTnLst>
                                     <p:animMotion origin="layout" path="M 8.33333E-7 3.33333E-6 L 0.41588 0.02615 " pathEditMode="relative" rAng="0" ptsTypes="AA">
                                       <p:cBhvr>
-                                        <p:cTn id="11" dur="2000" fill="hold"/>
+                                        <p:cTn id="10" dur="1500" fill="hold"/>
                                         <p:tgtEl>
                                           <p:spTgt spid="40"/>
                                         </p:tgtEl>
@@ -28064,30 +27695,21 @@
                             </p:childTnLst>
                           </p:cTn>
                         </p:par>
-                      </p:childTnLst>
-                    </p:cTn>
-                  </p:par>
-                  <p:par>
-                    <p:cTn id="12" fill="hold">
-                      <p:stCondLst>
-                        <p:cond delay="indefinite"/>
-                      </p:stCondLst>
-                      <p:childTnLst>
                         <p:par>
-                          <p:cTn id="13" fill="hold">
+                          <p:cTn id="11" fill="hold">
                             <p:stCondLst>
-                              <p:cond delay="0"/>
+                              <p:cond delay="2000"/>
                             </p:stCondLst>
                             <p:childTnLst>
                               <p:par>
-                                <p:cTn id="14" presetID="22" presetClass="entr" presetSubtype="4" fill="hold" grpId="0" nodeType="clickEffect">
+                                <p:cTn id="12" presetID="22" presetClass="entr" presetSubtype="4" fill="hold" grpId="0" nodeType="afterEffect">
                                   <p:stCondLst>
                                     <p:cond delay="0"/>
                                   </p:stCondLst>
                                   <p:childTnLst>
                                     <p:set>
                                       <p:cBhvr>
-                                        <p:cTn id="15" dur="1" fill="hold">
+                                        <p:cTn id="13" dur="1" fill="hold">
                                           <p:stCondLst>
                                             <p:cond delay="0"/>
                                           </p:stCondLst>
@@ -28105,7 +27727,7 @@
                                     </p:set>
                                     <p:animEffect transition="in" filter="wipe(down)">
                                       <p:cBhvr>
-                                        <p:cTn id="16" dur="500"/>
+                                        <p:cTn id="14" dur="500"/>
                                         <p:tgtEl>
                                           <p:spTgt spid="79"/>
                                         </p:tgtEl>
@@ -28117,30 +27739,21 @@
                             </p:childTnLst>
                           </p:cTn>
                         </p:par>
-                      </p:childTnLst>
-                    </p:cTn>
-                  </p:par>
-                  <p:par>
-                    <p:cTn id="17" fill="hold">
-                      <p:stCondLst>
-                        <p:cond delay="indefinite"/>
-                      </p:stCondLst>
-                      <p:childTnLst>
                         <p:par>
-                          <p:cTn id="18" fill="hold">
+                          <p:cTn id="15" fill="hold">
                             <p:stCondLst>
-                              <p:cond delay="0"/>
+                              <p:cond delay="2500"/>
                             </p:stCondLst>
                             <p:childTnLst>
                               <p:par>
-                                <p:cTn id="19" presetID="42" presetClass="path" presetSubtype="0" accel="50000" decel="50000" fill="hold" grpId="2" nodeType="clickEffect">
+                                <p:cTn id="16" presetID="42" presetClass="path" presetSubtype="0" accel="50000" decel="50000" fill="hold" grpId="2" nodeType="afterEffect">
                                   <p:stCondLst>
                                     <p:cond delay="0"/>
                                   </p:stCondLst>
                                   <p:childTnLst>
                                     <p:animMotion origin="layout" path="M -3.125E-6 3.33333E-6 L 0.28841 -0.03542 " pathEditMode="relative" rAng="0" ptsTypes="AA">
                                       <p:cBhvr>
-                                        <p:cTn id="20" dur="2000" fill="hold"/>
+                                        <p:cTn id="17" dur="1500" fill="hold"/>
                                         <p:tgtEl>
                                           <p:spTgt spid="79"/>
                                         </p:tgtEl>
@@ -28157,30 +27770,21 @@
                             </p:childTnLst>
                           </p:cTn>
                         </p:par>
-                      </p:childTnLst>
-                    </p:cTn>
-                  </p:par>
-                  <p:par>
-                    <p:cTn id="21" fill="hold">
-                      <p:stCondLst>
-                        <p:cond delay="indefinite"/>
-                      </p:stCondLst>
-                      <p:childTnLst>
                         <p:par>
-                          <p:cTn id="22" fill="hold">
+                          <p:cTn id="18" fill="hold">
                             <p:stCondLst>
-                              <p:cond delay="0"/>
+                              <p:cond delay="4000"/>
                             </p:stCondLst>
                             <p:childTnLst>
                               <p:par>
-                                <p:cTn id="23" presetID="22" presetClass="entr" presetSubtype="4" fill="hold" grpId="0" nodeType="clickEffect">
+                                <p:cTn id="19" presetID="22" presetClass="entr" presetSubtype="4" fill="hold" grpId="0" nodeType="afterEffect">
                                   <p:stCondLst>
                                     <p:cond delay="0"/>
                                   </p:stCondLst>
                                   <p:childTnLst>
                                     <p:set>
                                       <p:cBhvr>
-                                        <p:cTn id="24" dur="1" fill="hold">
+                                        <p:cTn id="20" dur="1" fill="hold">
                                           <p:stCondLst>
                                             <p:cond delay="0"/>
                                           </p:stCondLst>
@@ -28198,7 +27802,7 @@
                                     </p:set>
                                     <p:animEffect transition="in" filter="wipe(down)">
                                       <p:cBhvr>
-                                        <p:cTn id="25" dur="500"/>
+                                        <p:cTn id="21" dur="500"/>
                                         <p:tgtEl>
                                           <p:spTgt spid="80"/>
                                         </p:tgtEl>
@@ -28210,30 +27814,21 @@
                             </p:childTnLst>
                           </p:cTn>
                         </p:par>
-                      </p:childTnLst>
-                    </p:cTn>
-                  </p:par>
-                  <p:par>
-                    <p:cTn id="26" fill="hold">
-                      <p:stCondLst>
-                        <p:cond delay="indefinite"/>
-                      </p:stCondLst>
-                      <p:childTnLst>
                         <p:par>
-                          <p:cTn id="27" fill="hold">
+                          <p:cTn id="22" fill="hold">
                             <p:stCondLst>
-                              <p:cond delay="0"/>
+                              <p:cond delay="4500"/>
                             </p:stCondLst>
                             <p:childTnLst>
                               <p:par>
-                                <p:cTn id="28" presetID="42" presetClass="path" presetSubtype="0" accel="50000" decel="50000" fill="hold" grpId="2" nodeType="clickEffect">
+                                <p:cTn id="23" presetID="42" presetClass="path" presetSubtype="0" accel="50000" decel="50000" fill="hold" grpId="2" nodeType="afterEffect">
                                   <p:stCondLst>
                                     <p:cond delay="0"/>
                                   </p:stCondLst>
                                   <p:childTnLst>
                                     <p:animMotion origin="layout" path="M -0.00469 -0.00417 L 0.28451 -0.27176 " pathEditMode="relative" rAng="0" ptsTypes="AA">
                                       <p:cBhvr>
-                                        <p:cTn id="29" dur="2000" fill="hold"/>
+                                        <p:cTn id="24" dur="1500" fill="hold"/>
                                         <p:tgtEl>
                                           <p:spTgt spid="80"/>
                                         </p:tgtEl>
@@ -28250,30 +27845,21 @@
                             </p:childTnLst>
                           </p:cTn>
                         </p:par>
-                      </p:childTnLst>
-                    </p:cTn>
-                  </p:par>
-                  <p:par>
-                    <p:cTn id="30" fill="hold">
-                      <p:stCondLst>
-                        <p:cond delay="indefinite"/>
-                      </p:stCondLst>
-                      <p:childTnLst>
                         <p:par>
-                          <p:cTn id="31" fill="hold">
+                          <p:cTn id="25" fill="hold">
                             <p:stCondLst>
-                              <p:cond delay="0"/>
+                              <p:cond delay="6000"/>
                             </p:stCondLst>
                             <p:childTnLst>
                               <p:par>
-                                <p:cTn id="32" presetID="22" presetClass="entr" presetSubtype="4" fill="hold" grpId="0" nodeType="clickEffect">
+                                <p:cTn id="26" presetID="22" presetClass="entr" presetSubtype="4" fill="hold" grpId="0" nodeType="afterEffect">
                                   <p:stCondLst>
                                     <p:cond delay="0"/>
                                   </p:stCondLst>
                                   <p:childTnLst>
                                     <p:set>
                                       <p:cBhvr>
-                                        <p:cTn id="33" dur="1" fill="hold">
+                                        <p:cTn id="27" dur="1" fill="hold">
                                           <p:stCondLst>
                                             <p:cond delay="0"/>
                                           </p:stCondLst>
@@ -28291,7 +27877,7 @@
                                     </p:set>
                                     <p:animEffect transition="in" filter="wipe(down)">
                                       <p:cBhvr>
-                                        <p:cTn id="34" dur="500"/>
+                                        <p:cTn id="28" dur="500"/>
                                         <p:tgtEl>
                                           <p:spTgt spid="81"/>
                                         </p:tgtEl>
@@ -28303,30 +27889,21 @@
                             </p:childTnLst>
                           </p:cTn>
                         </p:par>
-                      </p:childTnLst>
-                    </p:cTn>
-                  </p:par>
-                  <p:par>
-                    <p:cTn id="35" fill="hold">
-                      <p:stCondLst>
-                        <p:cond delay="indefinite"/>
-                      </p:stCondLst>
-                      <p:childTnLst>
                         <p:par>
-                          <p:cTn id="36" fill="hold">
+                          <p:cTn id="29" fill="hold">
                             <p:stCondLst>
-                              <p:cond delay="0"/>
+                              <p:cond delay="6500"/>
                             </p:stCondLst>
                             <p:childTnLst>
                               <p:par>
-                                <p:cTn id="37" presetID="42" presetClass="path" presetSubtype="0" accel="50000" decel="50000" fill="hold" grpId="2" nodeType="clickEffect">
+                                <p:cTn id="30" presetID="42" presetClass="path" presetSubtype="0" accel="50000" decel="50000" fill="hold" grpId="2" nodeType="afterEffect">
                                   <p:stCondLst>
                                     <p:cond delay="0"/>
                                   </p:stCondLst>
                                   <p:childTnLst>
                                     <p:animMotion origin="layout" path="M 0.00117 -0.00417 L 0.5125 -0.12315 " pathEditMode="relative" rAng="0" ptsTypes="AA">
                                       <p:cBhvr>
-                                        <p:cTn id="38" dur="2000" fill="hold"/>
+                                        <p:cTn id="31" dur="1500" fill="hold"/>
                                         <p:tgtEl>
                                           <p:spTgt spid="81"/>
                                         </p:tgtEl>
@@ -28336,6 +27913,81 @@
                                         </p:attrNameLst>
                                       </p:cBhvr>
                                       <p:rCtr x="25560" y="-5949"/>
+                                    </p:animMotion>
+                                  </p:childTnLst>
+                                </p:cTn>
+                              </p:par>
+                            </p:childTnLst>
+                          </p:cTn>
+                        </p:par>
+                        <p:par>
+                          <p:cTn id="32" fill="hold">
+                            <p:stCondLst>
+                              <p:cond delay="8000"/>
+                            </p:stCondLst>
+                            <p:childTnLst>
+                              <p:par>
+                                <p:cTn id="33" presetID="22" presetClass="entr" presetSubtype="4" fill="hold" grpId="0" nodeType="afterEffect">
+                                  <p:stCondLst>
+                                    <p:cond delay="0"/>
+                                  </p:stCondLst>
+                                  <p:childTnLst>
+                                    <p:set>
+                                      <p:cBhvr>
+                                        <p:cTn id="34" dur="1" fill="hold">
+                                          <p:stCondLst>
+                                            <p:cond delay="0"/>
+                                          </p:stCondLst>
+                                        </p:cTn>
+                                        <p:tgtEl>
+                                          <p:spTgt spid="82"/>
+                                        </p:tgtEl>
+                                        <p:attrNameLst>
+                                          <p:attrName>style.visibility</p:attrName>
+                                        </p:attrNameLst>
+                                      </p:cBhvr>
+                                      <p:to>
+                                        <p:strVal val="visible"/>
+                                      </p:to>
+                                    </p:set>
+                                    <p:animEffect transition="in" filter="wipe(down)">
+                                      <p:cBhvr>
+                                        <p:cTn id="35" dur="500"/>
+                                        <p:tgtEl>
+                                          <p:spTgt spid="82"/>
+                                        </p:tgtEl>
+                                      </p:cBhvr>
+                                    </p:animEffect>
+                                  </p:childTnLst>
+                                </p:cTn>
+                              </p:par>
+                            </p:childTnLst>
+                          </p:cTn>
+                        </p:par>
+                        <p:par>
+                          <p:cTn id="36" fill="hold">
+                            <p:stCondLst>
+                              <p:cond delay="8500"/>
+                            </p:stCondLst>
+                            <p:childTnLst>
+                              <p:par>
+                                <p:cTn id="37" presetID="42" presetClass="path" presetSubtype="0" accel="50000" decel="50000" fill="hold" grpId="2" nodeType="afterEffect">
+                                  <p:stCondLst>
+                                    <p:cond delay="0"/>
+                                  </p:stCondLst>
+                                  <p:childTnLst>
+                                    <p:animMotion origin="layout" path="M 0.00117 -0.00833 L 0.37396 -0.025 " pathEditMode="relative" rAng="0" ptsTypes="AA">
+                                      <p:cBhvr>
+                                        <p:cTn id="38" dur="1500" fill="hold"/>
+                                        <p:tgtEl>
+                                          <p:spTgt spid="82"/>
+                                        </p:tgtEl>
+                                        <p:attrNameLst>
+                                          <p:attrName>ppt_x</p:attrName>
+                                          <p:attrName>ppt_y</p:attrName>
+                                        </p:attrNameLst>
+                                      </p:cBhvr>
+                                      <p:rCtr x="18633" y="-833"/>
                                     </p:animMotion>
                                   </p:childTnLst>
                                 </p:cTn>
@@ -28359,107 +28011,14 @@
                             </p:stCondLst>
                             <p:childTnLst>
                               <p:par>
-                                <p:cTn id="41" presetID="22" presetClass="entr" presetSubtype="4" fill="hold" grpId="0" nodeType="clickEffect">
-                                  <p:stCondLst>
-                                    <p:cond delay="0"/>
-                                  </p:stCondLst>
-                                  <p:childTnLst>
-                                    <p:set>
-                                      <p:cBhvr>
-                                        <p:cTn id="42" dur="1" fill="hold">
-                                          <p:stCondLst>
-                                            <p:cond delay="0"/>
-                                          </p:stCondLst>
-                                        </p:cTn>
-                                        <p:tgtEl>
-                                          <p:spTgt spid="82"/>
-                                        </p:tgtEl>
-                                        <p:attrNameLst>
-                                          <p:attrName>style.visibility</p:attrName>
-                                        </p:attrNameLst>
-                                      </p:cBhvr>
-                                      <p:to>
-                                        <p:strVal val="visible"/>
-                                      </p:to>
-                                    </p:set>
-                                    <p:animEffect transition="in" filter="wipe(down)">
-                                      <p:cBhvr>
-                                        <p:cTn id="43" dur="500"/>
-                                        <p:tgtEl>
-                                          <p:spTgt spid="82"/>
-                                        </p:tgtEl>
-                                      </p:cBhvr>
-                                    </p:animEffect>
-                                  </p:childTnLst>
-                                </p:cTn>
-                              </p:par>
-                            </p:childTnLst>
-                          </p:cTn>
-                        </p:par>
-                      </p:childTnLst>
-                    </p:cTn>
-                  </p:par>
-                  <p:par>
-                    <p:cTn id="44" fill="hold">
-                      <p:stCondLst>
-                        <p:cond delay="indefinite"/>
-                      </p:stCondLst>
-                      <p:childTnLst>
-                        <p:par>
-                          <p:cTn id="45" fill="hold">
-                            <p:stCondLst>
-                              <p:cond delay="0"/>
-                            </p:stCondLst>
-                            <p:childTnLst>
-                              <p:par>
-                                <p:cTn id="46" presetID="42" presetClass="path" presetSubtype="0" accel="50000" decel="50000" fill="hold" grpId="2" nodeType="clickEffect">
-                                  <p:stCondLst>
-                                    <p:cond delay="0"/>
-                                  </p:stCondLst>
-                                  <p:childTnLst>
-                                    <p:animMotion origin="layout" path="M 0.00117 -0.00833 L 0.37396 -0.025 " pathEditMode="relative" rAng="0" ptsTypes="AA">
-                                      <p:cBhvr>
-                                        <p:cTn id="47" dur="2000" fill="hold"/>
-                                        <p:tgtEl>
-                                          <p:spTgt spid="82"/>
-                                        </p:tgtEl>
-                                        <p:attrNameLst>
-                                          <p:attrName>ppt_x</p:attrName>
-                                          <p:attrName>ppt_y</p:attrName>
-                                        </p:attrNameLst>
-                                      </p:cBhvr>
-                                      <p:rCtr x="18633" y="-833"/>
-                                    </p:animMotion>
-                                  </p:childTnLst>
-                                </p:cTn>
-                              </p:par>
-                            </p:childTnLst>
-                          </p:cTn>
-                        </p:par>
-                      </p:childTnLst>
-                    </p:cTn>
-                  </p:par>
-                  <p:par>
-                    <p:cTn id="48" fill="hold">
-                      <p:stCondLst>
-                        <p:cond delay="indefinite"/>
-                      </p:stCondLst>
-                      <p:childTnLst>
-                        <p:par>
-                          <p:cTn id="49" fill="hold">
-                            <p:stCondLst>
-                              <p:cond delay="0"/>
-                            </p:stCondLst>
-                            <p:childTnLst>
-                              <p:par>
-                                <p:cTn id="50" presetID="42" presetClass="path" presetSubtype="0" accel="50000" decel="50000" fill="hold" grpId="3" nodeType="clickEffect">
+                                <p:cTn id="41" presetID="42" presetClass="path" presetSubtype="0" accel="50000" decel="50000" fill="hold" grpId="3" nodeType="clickEffect">
                                   <p:stCondLst>
                                     <p:cond delay="0"/>
                                   </p:stCondLst>
                                   <p:childTnLst>
                                     <p:animMotion origin="layout" path="M 0.41588 0.02615 L 3.75E-6 -7.40741E-7 " pathEditMode="relative" rAng="0" ptsTypes="AA">
                                       <p:cBhvr>
-                                        <p:cTn id="51" dur="2000" fill="hold"/>
+                                        <p:cTn id="42" dur="1500" fill="hold"/>
                                         <p:tgtEl>
                                           <p:spTgt spid="40"/>
                                         </p:tgtEl>
@@ -28476,30 +28035,21 @@
                             </p:childTnLst>
                           </p:cTn>
                         </p:par>
-                      </p:childTnLst>
-                    </p:cTn>
-                  </p:par>
-                  <p:par>
-                    <p:cTn id="52" fill="hold">
-                      <p:stCondLst>
-                        <p:cond delay="indefinite"/>
-                      </p:stCondLst>
-                      <p:childTnLst>
                         <p:par>
-                          <p:cTn id="53" fill="hold">
+                          <p:cTn id="43" fill="hold">
                             <p:stCondLst>
-                              <p:cond delay="0"/>
+                              <p:cond delay="1500"/>
                             </p:stCondLst>
                             <p:childTnLst>
                               <p:par>
-                                <p:cTn id="54" presetID="22" presetClass="exit" presetSubtype="4" fill="hold" grpId="1" nodeType="clickEffect">
+                                <p:cTn id="44" presetID="22" presetClass="exit" presetSubtype="4" fill="hold" grpId="1" nodeType="afterEffect">
                                   <p:stCondLst>
                                     <p:cond delay="0"/>
                                   </p:stCondLst>
                                   <p:childTnLst>
                                     <p:animEffect transition="out" filter="wipe(down)">
                                       <p:cBhvr>
-                                        <p:cTn id="55" dur="500"/>
+                                        <p:cTn id="45" dur="500"/>
                                         <p:tgtEl>
                                           <p:spTgt spid="40"/>
                                         </p:tgtEl>
@@ -28507,7 +28057,7 @@
                                     </p:animEffect>
                                     <p:set>
                                       <p:cBhvr>
-                                        <p:cTn id="56" dur="1" fill="hold">
+                                        <p:cTn id="46" dur="1" fill="hold">
                                           <p:stCondLst>
                                             <p:cond delay="499"/>
                                           </p:stCondLst>
@@ -28529,30 +28079,21 @@
                             </p:childTnLst>
                           </p:cTn>
                         </p:par>
-                      </p:childTnLst>
-                    </p:cTn>
-                  </p:par>
-                  <p:par>
-                    <p:cTn id="57" fill="hold">
-                      <p:stCondLst>
-                        <p:cond delay="indefinite"/>
-                      </p:stCondLst>
-                      <p:childTnLst>
                         <p:par>
-                          <p:cTn id="58" fill="hold">
+                          <p:cTn id="47" fill="hold">
                             <p:stCondLst>
-                              <p:cond delay="0"/>
+                              <p:cond delay="2000"/>
                             </p:stCondLst>
                             <p:childTnLst>
                               <p:par>
-                                <p:cTn id="59" presetID="10" presetClass="entr" presetSubtype="0" fill="hold" nodeType="clickEffect">
+                                <p:cTn id="48" presetID="10" presetClass="entr" presetSubtype="0" fill="hold" nodeType="afterEffect">
                                   <p:stCondLst>
                                     <p:cond delay="0"/>
                                   </p:stCondLst>
                                   <p:childTnLst>
                                     <p:set>
                                       <p:cBhvr>
-                                        <p:cTn id="60" dur="1" fill="hold">
+                                        <p:cTn id="49" dur="1" fill="hold">
                                           <p:stCondLst>
                                             <p:cond delay="0"/>
                                           </p:stCondLst>
@@ -28570,7 +28111,7 @@
                                     </p:set>
                                     <p:animEffect transition="in" filter="fade">
                                       <p:cBhvr>
-                                        <p:cTn id="61" dur="500"/>
+                                        <p:cTn id="50" dur="500"/>
                                         <p:tgtEl>
                                           <p:spTgt spid="128"/>
                                         </p:tgtEl>
@@ -28582,30 +28123,21 @@
                             </p:childTnLst>
                           </p:cTn>
                         </p:par>
-                      </p:childTnLst>
-                    </p:cTn>
-                  </p:par>
-                  <p:par>
-                    <p:cTn id="62" fill="hold">
-                      <p:stCondLst>
-                        <p:cond delay="indefinite"/>
-                      </p:stCondLst>
-                      <p:childTnLst>
                         <p:par>
-                          <p:cTn id="63" fill="hold">
+                          <p:cTn id="51" fill="hold">
                             <p:stCondLst>
-                              <p:cond delay="0"/>
+                              <p:cond delay="2500"/>
                             </p:stCondLst>
                             <p:childTnLst>
                               <p:par>
-                                <p:cTn id="64" presetID="22" presetClass="entr" presetSubtype="4" fill="hold" grpId="0" nodeType="clickEffect">
+                                <p:cTn id="52" presetID="22" presetClass="entr" presetSubtype="4" fill="hold" grpId="0" nodeType="afterEffect">
                                   <p:stCondLst>
                                     <p:cond delay="0"/>
                                   </p:stCondLst>
                                   <p:childTnLst>
                                     <p:set>
                                       <p:cBhvr>
-                                        <p:cTn id="65" dur="1" fill="hold">
+                                        <p:cTn id="53" dur="1" fill="hold">
                                           <p:stCondLst>
                                             <p:cond delay="0"/>
                                           </p:stCondLst>
@@ -28623,7 +28155,7 @@
                                     </p:set>
                                     <p:animEffect transition="in" filter="wipe(down)">
                                       <p:cBhvr>
-                                        <p:cTn id="66" dur="500"/>
+                                        <p:cTn id="54" dur="500"/>
                                         <p:tgtEl>
                                           <p:spTgt spid="87"/>
                                         </p:tgtEl>
@@ -28635,30 +28167,21 @@
                             </p:childTnLst>
                           </p:cTn>
                         </p:par>
-                      </p:childTnLst>
-                    </p:cTn>
-                  </p:par>
-                  <p:par>
-                    <p:cTn id="67" fill="hold">
-                      <p:stCondLst>
-                        <p:cond delay="indefinite"/>
-                      </p:stCondLst>
-                      <p:childTnLst>
                         <p:par>
-                          <p:cTn id="68" fill="hold">
+                          <p:cTn id="55" fill="hold">
                             <p:stCondLst>
-                              <p:cond delay="0"/>
+                              <p:cond delay="3000"/>
                             </p:stCondLst>
                             <p:childTnLst>
                               <p:par>
-                                <p:cTn id="69" presetID="42" presetClass="path" presetSubtype="0" accel="50000" decel="50000" fill="hold" grpId="3" nodeType="clickEffect">
+                                <p:cTn id="56" presetID="42" presetClass="path" presetSubtype="0" accel="50000" decel="50000" fill="hold" grpId="3" nodeType="afterEffect">
                                   <p:stCondLst>
                                     <p:cond delay="0"/>
                                   </p:stCondLst>
                                   <p:childTnLst>
                                     <p:animMotion origin="layout" path="M 0.28841 -0.04144 L 1.45833E-6 -2.22222E-6 " pathEditMode="relative" rAng="0" ptsTypes="AA">
                                       <p:cBhvr>
-                                        <p:cTn id="70" dur="2000" fill="hold"/>
+                                        <p:cTn id="57" dur="1500" fill="hold"/>
                                         <p:tgtEl>
                                           <p:spTgt spid="79"/>
                                         </p:tgtEl>
@@ -28675,30 +28198,21 @@
                             </p:childTnLst>
                           </p:cTn>
                         </p:par>
-                      </p:childTnLst>
-                    </p:cTn>
-                  </p:par>
-                  <p:par>
-                    <p:cTn id="71" fill="hold">
-                      <p:stCondLst>
-                        <p:cond delay="indefinite"/>
-                      </p:stCondLst>
-                      <p:childTnLst>
                         <p:par>
-                          <p:cTn id="72" fill="hold">
+                          <p:cTn id="58" fill="hold">
                             <p:stCondLst>
-                              <p:cond delay="0"/>
+                              <p:cond delay="4500"/>
                             </p:stCondLst>
                             <p:childTnLst>
                               <p:par>
-                                <p:cTn id="73" presetID="22" presetClass="exit" presetSubtype="4" fill="hold" grpId="1" nodeType="clickEffect">
+                                <p:cTn id="59" presetID="22" presetClass="exit" presetSubtype="4" fill="hold" grpId="1" nodeType="afterEffect">
                                   <p:stCondLst>
                                     <p:cond delay="0"/>
                                   </p:stCondLst>
                                   <p:childTnLst>
                                     <p:animEffect transition="out" filter="wipe(down)">
                                       <p:cBhvr>
-                                        <p:cTn id="74" dur="500"/>
+                                        <p:cTn id="60" dur="500"/>
                                         <p:tgtEl>
                                           <p:spTgt spid="79"/>
                                         </p:tgtEl>
@@ -28706,7 +28220,7 @@
                                     </p:animEffect>
                                     <p:set>
                                       <p:cBhvr>
-                                        <p:cTn id="75" dur="1" fill="hold">
+                                        <p:cTn id="61" dur="1" fill="hold">
                                           <p:stCondLst>
                                             <p:cond delay="499"/>
                                           </p:stCondLst>
@@ -28728,30 +28242,21 @@
                             </p:childTnLst>
                           </p:cTn>
                         </p:par>
-                      </p:childTnLst>
-                    </p:cTn>
-                  </p:par>
-                  <p:par>
-                    <p:cTn id="76" fill="hold">
-                      <p:stCondLst>
-                        <p:cond delay="indefinite"/>
-                      </p:stCondLst>
-                      <p:childTnLst>
                         <p:par>
-                          <p:cTn id="77" fill="hold">
+                          <p:cTn id="62" fill="hold">
                             <p:stCondLst>
-                              <p:cond delay="0"/>
+                              <p:cond delay="5000"/>
                             </p:stCondLst>
                             <p:childTnLst>
                               <p:par>
-                                <p:cTn id="78" presetID="10" presetClass="entr" presetSubtype="0" fill="hold" nodeType="clickEffect">
+                                <p:cTn id="63" presetID="10" presetClass="entr" presetSubtype="0" fill="hold" nodeType="afterEffect">
                                   <p:stCondLst>
                                     <p:cond delay="0"/>
                                   </p:stCondLst>
                                   <p:childTnLst>
                                     <p:set>
                                       <p:cBhvr>
-                                        <p:cTn id="79" dur="1" fill="hold">
+                                        <p:cTn id="64" dur="1" fill="hold">
                                           <p:stCondLst>
                                             <p:cond delay="0"/>
                                           </p:stCondLst>
@@ -28769,7 +28274,7 @@
                                     </p:set>
                                     <p:animEffect transition="in" filter="fade">
                                       <p:cBhvr>
-                                        <p:cTn id="80" dur="500"/>
+                                        <p:cTn id="65" dur="500"/>
                                         <p:tgtEl>
                                           <p:spTgt spid="129"/>
                                         </p:tgtEl>
@@ -28781,30 +28286,21 @@
                             </p:childTnLst>
                           </p:cTn>
                         </p:par>
-                      </p:childTnLst>
-                    </p:cTn>
-                  </p:par>
-                  <p:par>
-                    <p:cTn id="81" fill="hold">
-                      <p:stCondLst>
-                        <p:cond delay="indefinite"/>
-                      </p:stCondLst>
-                      <p:childTnLst>
                         <p:par>
-                          <p:cTn id="82" fill="hold">
+                          <p:cTn id="66" fill="hold">
                             <p:stCondLst>
-                              <p:cond delay="0"/>
+                              <p:cond delay="5500"/>
                             </p:stCondLst>
                             <p:childTnLst>
                               <p:par>
-                                <p:cTn id="83" presetID="22" presetClass="entr" presetSubtype="4" fill="hold" grpId="0" nodeType="clickEffect">
+                                <p:cTn id="67" presetID="22" presetClass="entr" presetSubtype="4" fill="hold" grpId="0" nodeType="afterEffect">
                                   <p:stCondLst>
                                     <p:cond delay="0"/>
                                   </p:stCondLst>
                                   <p:childTnLst>
                                     <p:set>
                                       <p:cBhvr>
-                                        <p:cTn id="84" dur="1" fill="hold">
+                                        <p:cTn id="68" dur="1" fill="hold">
                                           <p:stCondLst>
                                             <p:cond delay="0"/>
                                           </p:stCondLst>
@@ -28822,7 +28318,7 @@
                                     </p:set>
                                     <p:animEffect transition="in" filter="wipe(down)">
                                       <p:cBhvr>
-                                        <p:cTn id="85" dur="500"/>
+                                        <p:cTn id="69" dur="500"/>
                                         <p:tgtEl>
                                           <p:spTgt spid="93"/>
                                         </p:tgtEl>
@@ -28834,30 +28330,21 @@
                             </p:childTnLst>
                           </p:cTn>
                         </p:par>
-                      </p:childTnLst>
-                    </p:cTn>
-                  </p:par>
-                  <p:par>
-                    <p:cTn id="86" fill="hold">
-                      <p:stCondLst>
-                        <p:cond delay="indefinite"/>
-                      </p:stCondLst>
-                      <p:childTnLst>
                         <p:par>
-                          <p:cTn id="87" fill="hold">
+                          <p:cTn id="70" fill="hold">
                             <p:stCondLst>
-                              <p:cond delay="0"/>
+                              <p:cond delay="6000"/>
                             </p:stCondLst>
                             <p:childTnLst>
                               <p:par>
-                                <p:cTn id="88" presetID="42" presetClass="path" presetSubtype="0" accel="50000" decel="50000" fill="hold" grpId="3" nodeType="clickEffect">
+                                <p:cTn id="71" presetID="42" presetClass="path" presetSubtype="0" accel="50000" decel="50000" fill="hold" grpId="3" nodeType="afterEffect">
                                   <p:stCondLst>
                                     <p:cond delay="0"/>
                                   </p:stCondLst>
                                   <p:childTnLst>
                                     <p:animMotion origin="layout" path="M 0.28359 -0.27847 L -8.33333E-7 -1.48148E-6 " pathEditMode="relative" rAng="0" ptsTypes="AA">
                                       <p:cBhvr>
-                                        <p:cTn id="89" dur="2000" fill="hold"/>
+                                        <p:cTn id="72" dur="1500" fill="hold"/>
                                         <p:tgtEl>
                                           <p:spTgt spid="80"/>
                                         </p:tgtEl>
@@ -28874,30 +28361,21 @@
                             </p:childTnLst>
                           </p:cTn>
                         </p:par>
-                      </p:childTnLst>
-                    </p:cTn>
-                  </p:par>
-                  <p:par>
-                    <p:cTn id="90" fill="hold">
-                      <p:stCondLst>
-                        <p:cond delay="indefinite"/>
-                      </p:stCondLst>
-                      <p:childTnLst>
                         <p:par>
-                          <p:cTn id="91" fill="hold">
+                          <p:cTn id="73" fill="hold">
                             <p:stCondLst>
-                              <p:cond delay="0"/>
+                              <p:cond delay="7500"/>
                             </p:stCondLst>
                             <p:childTnLst>
                               <p:par>
-                                <p:cTn id="92" presetID="22" presetClass="exit" presetSubtype="4" fill="hold" grpId="1" nodeType="clickEffect">
+                                <p:cTn id="74" presetID="22" presetClass="exit" presetSubtype="4" fill="hold" grpId="1" nodeType="afterEffect">
                                   <p:stCondLst>
                                     <p:cond delay="0"/>
                                   </p:stCondLst>
                                   <p:childTnLst>
                                     <p:animEffect transition="out" filter="wipe(down)">
                                       <p:cBhvr>
-                                        <p:cTn id="93" dur="500"/>
+                                        <p:cTn id="75" dur="500"/>
                                         <p:tgtEl>
                                           <p:spTgt spid="80"/>
                                         </p:tgtEl>
@@ -28905,7 +28383,7 @@
                                     </p:animEffect>
                                     <p:set>
                                       <p:cBhvr>
-                                        <p:cTn id="94" dur="1" fill="hold">
+                                        <p:cTn id="76" dur="1" fill="hold">
                                           <p:stCondLst>
                                             <p:cond delay="499"/>
                                           </p:stCondLst>
@@ -28927,30 +28405,21 @@
                             </p:childTnLst>
                           </p:cTn>
                         </p:par>
-                      </p:childTnLst>
-                    </p:cTn>
-                  </p:par>
-                  <p:par>
-                    <p:cTn id="95" fill="hold">
-                      <p:stCondLst>
-                        <p:cond delay="indefinite"/>
-                      </p:stCondLst>
-                      <p:childTnLst>
                         <p:par>
-                          <p:cTn id="96" fill="hold">
+                          <p:cTn id="77" fill="hold">
                             <p:stCondLst>
-                              <p:cond delay="0"/>
+                              <p:cond delay="8000"/>
                             </p:stCondLst>
                             <p:childTnLst>
                               <p:par>
-                                <p:cTn id="97" presetID="10" presetClass="entr" presetSubtype="0" fill="hold" nodeType="clickEffect">
+                                <p:cTn id="78" presetID="10" presetClass="entr" presetSubtype="0" fill="hold" nodeType="afterEffect">
                                   <p:stCondLst>
                                     <p:cond delay="0"/>
                                   </p:stCondLst>
                                   <p:childTnLst>
                                     <p:set>
                                       <p:cBhvr>
-                                        <p:cTn id="98" dur="1" fill="hold">
+                                        <p:cTn id="79" dur="1" fill="hold">
                                           <p:stCondLst>
                                             <p:cond delay="0"/>
                                           </p:stCondLst>
@@ -28968,7 +28437,7 @@
                                     </p:set>
                                     <p:animEffect transition="in" filter="fade">
                                       <p:cBhvr>
-                                        <p:cTn id="99" dur="500"/>
+                                        <p:cTn id="80" dur="500"/>
                                         <p:tgtEl>
                                           <p:spTgt spid="130"/>
                                         </p:tgtEl>
@@ -28980,30 +28449,21 @@
                             </p:childTnLst>
                           </p:cTn>
                         </p:par>
-                      </p:childTnLst>
-                    </p:cTn>
-                  </p:par>
-                  <p:par>
-                    <p:cTn id="100" fill="hold">
-                      <p:stCondLst>
-                        <p:cond delay="indefinite"/>
-                      </p:stCondLst>
-                      <p:childTnLst>
                         <p:par>
-                          <p:cTn id="101" fill="hold">
+                          <p:cTn id="81" fill="hold">
                             <p:stCondLst>
-                              <p:cond delay="0"/>
+                              <p:cond delay="8500"/>
                             </p:stCondLst>
                             <p:childTnLst>
                               <p:par>
-                                <p:cTn id="102" presetID="42" presetClass="path" presetSubtype="0" accel="50000" decel="50000" fill="hold" grpId="3" nodeType="clickEffect">
+                                <p:cTn id="82" presetID="42" presetClass="path" presetSubtype="0" accel="50000" decel="50000" fill="hold" grpId="3" nodeType="afterEffect">
                                   <p:stCondLst>
                                     <p:cond delay="0"/>
                                   </p:stCondLst>
                                   <p:childTnLst>
                                     <p:animMotion origin="layout" path="M 0.51263 -0.12338 L 6.25E-7 1.11111E-6 " pathEditMode="relative" rAng="0" ptsTypes="AA">
                                       <p:cBhvr>
-                                        <p:cTn id="103" dur="2000" fill="hold"/>
+                                        <p:cTn id="83" dur="1500" fill="hold"/>
                                         <p:tgtEl>
                                           <p:spTgt spid="81"/>
                                         </p:tgtEl>
@@ -29020,30 +28480,21 @@
                             </p:childTnLst>
                           </p:cTn>
                         </p:par>
-                      </p:childTnLst>
-                    </p:cTn>
-                  </p:par>
-                  <p:par>
-                    <p:cTn id="104" fill="hold">
-                      <p:stCondLst>
-                        <p:cond delay="indefinite"/>
-                      </p:stCondLst>
-                      <p:childTnLst>
                         <p:par>
-                          <p:cTn id="105" fill="hold">
+                          <p:cTn id="84" fill="hold">
                             <p:stCondLst>
-                              <p:cond delay="0"/>
+                              <p:cond delay="10000"/>
                             </p:stCondLst>
                             <p:childTnLst>
                               <p:par>
-                                <p:cTn id="106" presetID="22" presetClass="exit" presetSubtype="4" fill="hold" grpId="1" nodeType="clickEffect">
+                                <p:cTn id="85" presetID="22" presetClass="exit" presetSubtype="4" fill="hold" grpId="1" nodeType="afterEffect">
                                   <p:stCondLst>
                                     <p:cond delay="0"/>
                                   </p:stCondLst>
                                   <p:childTnLst>
                                     <p:animEffect transition="out" filter="wipe(down)">
                                       <p:cBhvr>
-                                        <p:cTn id="107" dur="500"/>
+                                        <p:cTn id="86" dur="500"/>
                                         <p:tgtEl>
                                           <p:spTgt spid="81"/>
                                         </p:tgtEl>
@@ -29051,7 +28502,7 @@
                                     </p:animEffect>
                                     <p:set>
                                       <p:cBhvr>
-                                        <p:cTn id="108" dur="1" fill="hold">
+                                        <p:cTn id="87" dur="1" fill="hold">
                                           <p:stCondLst>
                                             <p:cond delay="499"/>
                                           </p:stCondLst>
@@ -29073,30 +28524,21 @@
                             </p:childTnLst>
                           </p:cTn>
                         </p:par>
-                      </p:childTnLst>
-                    </p:cTn>
-                  </p:par>
-                  <p:par>
-                    <p:cTn id="109" fill="hold">
-                      <p:stCondLst>
-                        <p:cond delay="indefinite"/>
-                      </p:stCondLst>
-                      <p:childTnLst>
                         <p:par>
-                          <p:cTn id="110" fill="hold">
+                          <p:cTn id="88" fill="hold">
                             <p:stCondLst>
-                              <p:cond delay="0"/>
+                              <p:cond delay="10500"/>
                             </p:stCondLst>
                             <p:childTnLst>
                               <p:par>
-                                <p:cTn id="111" presetID="10" presetClass="entr" presetSubtype="0" fill="hold" nodeType="clickEffect">
+                                <p:cTn id="89" presetID="10" presetClass="entr" presetSubtype="0" fill="hold" nodeType="afterEffect">
                                   <p:stCondLst>
                                     <p:cond delay="0"/>
                                   </p:stCondLst>
                                   <p:childTnLst>
                                     <p:set>
                                       <p:cBhvr>
-                                        <p:cTn id="112" dur="1" fill="hold">
+                                        <p:cTn id="90" dur="1" fill="hold">
                                           <p:stCondLst>
                                             <p:cond delay="0"/>
                                           </p:stCondLst>
@@ -29114,7 +28556,7 @@
                                     </p:set>
                                     <p:animEffect transition="in" filter="fade">
                                       <p:cBhvr>
-                                        <p:cTn id="113" dur="500"/>
+                                        <p:cTn id="91" dur="500"/>
                                         <p:tgtEl>
                                           <p:spTgt spid="131"/>
                                         </p:tgtEl>
@@ -29126,30 +28568,21 @@
                             </p:childTnLst>
                           </p:cTn>
                         </p:par>
-                      </p:childTnLst>
-                    </p:cTn>
-                  </p:par>
-                  <p:par>
-                    <p:cTn id="114" fill="hold">
-                      <p:stCondLst>
-                        <p:cond delay="indefinite"/>
-                      </p:stCondLst>
-                      <p:childTnLst>
                         <p:par>
-                          <p:cTn id="115" fill="hold">
+                          <p:cTn id="92" fill="hold">
                             <p:stCondLst>
-                              <p:cond delay="0"/>
+                              <p:cond delay="11000"/>
                             </p:stCondLst>
                             <p:childTnLst>
                               <p:par>
-                                <p:cTn id="116" presetID="42" presetClass="path" presetSubtype="0" accel="50000" decel="50000" fill="hold" grpId="3" nodeType="clickEffect">
+                                <p:cTn id="93" presetID="42" presetClass="path" presetSubtype="0" accel="50000" decel="50000" fill="hold" grpId="3" nodeType="afterEffect">
                                   <p:stCondLst>
                                     <p:cond delay="0"/>
                                   </p:stCondLst>
                                   <p:childTnLst>
                                     <p:animMotion origin="layout" path="M 0.37396 -0.02963 L 6.25E-7 -4.07407E-6 " pathEditMode="relative" rAng="0" ptsTypes="AA">
                                       <p:cBhvr>
-                                        <p:cTn id="117" dur="2000" fill="hold"/>
+                                        <p:cTn id="94" dur="1500" fill="hold"/>
                                         <p:tgtEl>
                                           <p:spTgt spid="82"/>
                                         </p:tgtEl>
@@ -29166,30 +28599,21 @@
                             </p:childTnLst>
                           </p:cTn>
                         </p:par>
-                      </p:childTnLst>
-                    </p:cTn>
-                  </p:par>
-                  <p:par>
-                    <p:cTn id="118" fill="hold">
-                      <p:stCondLst>
-                        <p:cond delay="indefinite"/>
-                      </p:stCondLst>
-                      <p:childTnLst>
                         <p:par>
-                          <p:cTn id="119" fill="hold">
+                          <p:cTn id="95" fill="hold">
                             <p:stCondLst>
-                              <p:cond delay="0"/>
+                              <p:cond delay="12500"/>
                             </p:stCondLst>
                             <p:childTnLst>
                               <p:par>
-                                <p:cTn id="120" presetID="22" presetClass="exit" presetSubtype="4" fill="hold" grpId="1" nodeType="clickEffect">
+                                <p:cTn id="96" presetID="22" presetClass="exit" presetSubtype="4" fill="hold" grpId="1" nodeType="afterEffect">
                                   <p:stCondLst>
                                     <p:cond delay="0"/>
                                   </p:stCondLst>
                                   <p:childTnLst>
                                     <p:animEffect transition="out" filter="wipe(down)">
                                       <p:cBhvr>
-                                        <p:cTn id="121" dur="500"/>
+                                        <p:cTn id="97" dur="500"/>
                                         <p:tgtEl>
                                           <p:spTgt spid="82"/>
                                         </p:tgtEl>
@@ -29197,7 +28621,7 @@
                                     </p:animEffect>
                                     <p:set>
                                       <p:cBhvr>
-                                        <p:cTn id="122" dur="1" fill="hold">
+                                        <p:cTn id="98" dur="1" fill="hold">
                                           <p:stCondLst>
                                             <p:cond delay="499"/>
                                           </p:stCondLst>
@@ -29219,30 +28643,21 @@
                             </p:childTnLst>
                           </p:cTn>
                         </p:par>
-                      </p:childTnLst>
-                    </p:cTn>
-                  </p:par>
-                  <p:par>
-                    <p:cTn id="123" fill="hold">
-                      <p:stCondLst>
-                        <p:cond delay="indefinite"/>
-                      </p:stCondLst>
-                      <p:childTnLst>
                         <p:par>
-                          <p:cTn id="124" fill="hold">
+                          <p:cTn id="99" fill="hold">
                             <p:stCondLst>
-                              <p:cond delay="0"/>
+                              <p:cond delay="13000"/>
                             </p:stCondLst>
                             <p:childTnLst>
                               <p:par>
-                                <p:cTn id="125" presetID="10" presetClass="entr" presetSubtype="0" fill="hold" nodeType="clickEffect">
+                                <p:cTn id="100" presetID="10" presetClass="entr" presetSubtype="0" fill="hold" nodeType="afterEffect">
                                   <p:stCondLst>
                                     <p:cond delay="0"/>
                                   </p:stCondLst>
                                   <p:childTnLst>
                                     <p:set>
                                       <p:cBhvr>
-                                        <p:cTn id="126" dur="1" fill="hold">
+                                        <p:cTn id="101" dur="1" fill="hold">
                                           <p:stCondLst>
                                             <p:cond delay="0"/>
                                           </p:stCondLst>
@@ -29260,7 +28675,7 @@
                                     </p:set>
                                     <p:animEffect transition="in" filter="fade">
                                       <p:cBhvr>
-                                        <p:cTn id="127" dur="500"/>
+                                        <p:cTn id="102" dur="500"/>
                                         <p:tgtEl>
                                           <p:spTgt spid="133"/>
                                         </p:tgtEl>
@@ -29272,30 +28687,21 @@
                             </p:childTnLst>
                           </p:cTn>
                         </p:par>
-                      </p:childTnLst>
-                    </p:cTn>
-                  </p:par>
-                  <p:par>
-                    <p:cTn id="128" fill="hold">
-                      <p:stCondLst>
-                        <p:cond delay="indefinite"/>
-                      </p:stCondLst>
-                      <p:childTnLst>
                         <p:par>
-                          <p:cTn id="129" fill="hold">
+                          <p:cTn id="103" fill="hold">
                             <p:stCondLst>
-                              <p:cond delay="0"/>
+                              <p:cond delay="13500"/>
                             </p:stCondLst>
                             <p:childTnLst>
                               <p:par>
-                                <p:cTn id="130" presetID="42" presetClass="path" presetSubtype="0" accel="50000" decel="50000" fill="hold" grpId="1" nodeType="clickEffect">
+                                <p:cTn id="104" presetID="42" presetClass="path" presetSubtype="0" accel="50000" decel="50000" fill="hold" grpId="1" nodeType="afterEffect">
                                   <p:stCondLst>
                                     <p:cond delay="0"/>
                                   </p:stCondLst>
                                   <p:childTnLst>
                                     <p:animMotion origin="layout" path="M 2.29167E-6 4.44444E-6 L -0.00052 -0.19537 " pathEditMode="relative" rAng="0" ptsTypes="AA">
                                       <p:cBhvr>
-                                        <p:cTn id="131" dur="2000" fill="hold"/>
+                                        <p:cTn id="105" dur="1500" fill="hold"/>
                                         <p:tgtEl>
                                           <p:spTgt spid="87"/>
                                         </p:tgtEl>
@@ -29309,33 +28715,15 @@
                                   </p:childTnLst>
                                 </p:cTn>
                               </p:par>
-                            </p:childTnLst>
-                          </p:cTn>
-                        </p:par>
-                      </p:childTnLst>
-                    </p:cTn>
-                  </p:par>
-                  <p:par>
-                    <p:cTn id="132" fill="hold">
-                      <p:stCondLst>
-                        <p:cond delay="indefinite"/>
-                      </p:stCondLst>
-                      <p:childTnLst>
-                        <p:par>
-                          <p:cTn id="133" fill="hold">
-                            <p:stCondLst>
-                              <p:cond delay="0"/>
-                            </p:stCondLst>
-                            <p:childTnLst>
                               <p:par>
-                                <p:cTn id="134" presetID="42" presetClass="path" presetSubtype="0" accel="50000" decel="50000" fill="hold" grpId="1" nodeType="clickEffect">
+                                <p:cTn id="106" presetID="42" presetClass="path" presetSubtype="0" accel="50000" decel="50000" fill="hold" grpId="1" nodeType="withEffect">
                                   <p:stCondLst>
                                     <p:cond delay="0"/>
                                   </p:stCondLst>
                                   <p:childTnLst>
                                     <p:animMotion origin="layout" path="M 4.16667E-6 -4.07407E-6 L -0.00131 -0.15856 " pathEditMode="relative" rAng="0" ptsTypes="AA">
                                       <p:cBhvr>
-                                        <p:cTn id="135" dur="2000" fill="hold"/>
+                                        <p:cTn id="107" dur="1500" fill="hold"/>
                                         <p:tgtEl>
                                           <p:spTgt spid="93"/>
                                         </p:tgtEl>
@@ -29719,7 +29107,7 @@
               </a:pPr>
               <a:r>
                 <a:rPr lang="en-US" altLang="ja-JP" sz="1400" dirty="0"/>
-                <a:t>[location, “Pursuer”, time = 3] </a:t>
+                <a:t>[location, “Pursuer”, time = 2] </a:t>
               </a:r>
               <a:endParaRPr kumimoji="1" lang="ja-JP" altLang="en-US" sz="1400" dirty="0"/>
             </a:p>
@@ -29731,7 +29119,7 @@
               </a:pPr>
               <a:r>
                 <a:rPr lang="en-US" altLang="ja-JP" sz="1400" dirty="0"/>
-                <a:t>[location, “Pursuer”, time = 3] </a:t>
+                <a:t>[location, “Pursuer”, time = 2] </a:t>
               </a:r>
               <a:endParaRPr kumimoji="1" lang="ja-JP" altLang="en-US" sz="1400" dirty="0"/>
             </a:p>
@@ -29743,7 +29131,7 @@
               </a:pPr>
               <a:r>
                 <a:rPr lang="en-US" altLang="ja-JP" sz="1400" dirty="0"/>
-                <a:t>[location, “Pursuer”, time = 3] </a:t>
+                <a:t>[location, “Pursuer”, time = 2] </a:t>
               </a:r>
               <a:endParaRPr kumimoji="1" lang="ja-JP" altLang="en-US" sz="1400" dirty="0"/>
             </a:p>
@@ -29755,7 +29143,7 @@
               </a:pPr>
               <a:r>
                 <a:rPr lang="en-US" altLang="ja-JP" sz="1400" dirty="0"/>
-                <a:t>[location, “Pursuer”, time = 3]</a:t>
+                <a:t>[location, “Pursuer”, time = 2]</a:t>
               </a:r>
             </a:p>
             <a:p>
@@ -29777,7 +29165,7 @@
               </a:pPr>
               <a:r>
                 <a:rPr lang="en-US" altLang="ja-JP" sz="1400" dirty="0"/>
-                <a:t>[location, “Target”, time = 3] </a:t>
+                <a:t>[location, “Target”, time = 2] </a:t>
               </a:r>
               <a:endParaRPr kumimoji="1" lang="ja-JP" altLang="en-US" sz="1400" dirty="0"/>
             </a:p>
@@ -29843,7 +29231,7 @@
         </p:nvSpPr>
         <p:spPr>
           <a:xfrm>
-            <a:off x="9169400" y="3322520"/>
+            <a:off x="9169400" y="2863762"/>
             <a:ext cx="3022599" cy="1200329"/>
           </a:xfrm>
           <a:prstGeom prst="rect">
@@ -29920,7 +29308,7 @@
         </p:nvSpPr>
         <p:spPr>
           <a:xfrm>
-            <a:off x="9516681" y="2576854"/>
+            <a:off x="6560550" y="3078337"/>
             <a:ext cx="2305572" cy="646331"/>
           </a:xfrm>
           <a:prstGeom prst="rect">
